--- a/MMR Vaccination Trends.pptx
+++ b/MMR Vaccination Trends.pptx
@@ -1,25 +1,25 @@
 
 <file path=ppt/presentation.xml><?xml version="1.0" encoding="utf-8"?>
-<p:presentation xmlns:a="http://schemas.openxmlformats.org/drawingml/2006/main" xmlns:r="http://schemas.openxmlformats.org/officeDocument/2006/relationships" xmlns:p="http://schemas.openxmlformats.org/presentationml/2006/main" strictFirstAndLastChars="0" saveSubsetFonts="1" autoCompressPictures="0">
+<p:presentation xmlns:a="http://schemas.openxmlformats.org/drawingml/2006/main" xmlns:r="http://schemas.openxmlformats.org/officeDocument/2006/relationships" xmlns:mc="http://schemas.openxmlformats.org/markup-compatibility/2006" xmlns:mv="urn:schemas-microsoft-com:mac:vml" xmlns:p="http://schemas.openxmlformats.org/presentationml/2006/main" xmlns:c="http://schemas.openxmlformats.org/drawingml/2006/chart" xmlns:dgm="http://schemas.openxmlformats.org/drawingml/2006/diagram" xmlns:o="urn:schemas-microsoft-com:office:office" xmlns:v="urn:schemas-microsoft-com:vml" xmlns:pvml="urn:schemas-microsoft-com:office:powerpoint" xmlns:com="http://schemas.openxmlformats.org/drawingml/2006/compatibility" xmlns:p14="http://schemas.microsoft.com/office/powerpoint/2010/main" xmlns:p15="http://schemas.microsoft.com/office/powerpoint/2012/main" xmlns:ahyp="http://schemas.microsoft.com/office/drawing/2018/hyperlinkcolor" autoCompressPictures="0" strictFirstAndLastChars="0" saveSubsetFonts="1">
   <p:sldMasterIdLst>
-    <p:sldMasterId id="2147483659" r:id="rId1"/>
+    <p:sldMasterId id="2147483659" r:id="rId5"/>
   </p:sldMasterIdLst>
   <p:notesMasterIdLst>
-    <p:notesMasterId r:id="rId9"/>
+    <p:notesMasterId r:id="rId6"/>
   </p:notesMasterIdLst>
   <p:sldIdLst>
-    <p:sldId id="256" r:id="rId2"/>
-    <p:sldId id="257" r:id="rId3"/>
-    <p:sldId id="258" r:id="rId4"/>
-    <p:sldId id="259" r:id="rId5"/>
-    <p:sldId id="260" r:id="rId6"/>
-    <p:sldId id="261" r:id="rId7"/>
-    <p:sldId id="262" r:id="rId8"/>
+    <p:sldId id="256" r:id="rId7"/>
+    <p:sldId id="257" r:id="rId8"/>
+    <p:sldId id="258" r:id="rId9"/>
+    <p:sldId id="259" r:id="rId10"/>
+    <p:sldId id="260" r:id="rId11"/>
+    <p:sldId id="261" r:id="rId12"/>
+    <p:sldId id="262" r:id="rId13"/>
   </p:sldIdLst>
-  <p:sldSz cx="9144000" cy="5143500" type="screen16x9"/>
+  <p:sldSz cy="5143500" cx="9144000"/>
   <p:notesSz cx="6858000" cy="9144000"/>
   <p:defaultTextStyle>
-    <a:defPPr marR="0" lvl="0" algn="l" rtl="0">
+    <a:defPPr lvl="0" marR="0" rtl="0" algn="l">
       <a:lnSpc>
         <a:spcPct val="100000"/>
       </a:lnSpc>
@@ -30,7 +30,7 @@
         <a:spcPts val="0"/>
       </a:spcAft>
     </a:defPPr>
-    <a:lvl1pPr marR="0" lvl="0" algn="l" rtl="0">
+    <a:lvl1pPr lvl="0" marR="0" rtl="0" algn="l">
       <a:lnSpc>
         <a:spcPct val="100000"/>
       </a:lnSpc>
@@ -44,7 +44,7 @@
         <a:srgbClr val="000000"/>
       </a:buClr>
       <a:buFont typeface="Arial"/>
-      <a:defRPr sz="1400" b="0" i="0" u="none" strike="noStrike" cap="none">
+      <a:defRPr b="0" i="0" sz="1400" u="none" cap="none" strike="noStrike">
         <a:solidFill>
           <a:srgbClr val="000000"/>
         </a:solidFill>
@@ -54,7 +54,7 @@
         <a:sym typeface="Arial"/>
       </a:defRPr>
     </a:lvl1pPr>
-    <a:lvl2pPr marR="0" lvl="1" algn="l" rtl="0">
+    <a:lvl2pPr lvl="1" marR="0" rtl="0" algn="l">
       <a:lnSpc>
         <a:spcPct val="100000"/>
       </a:lnSpc>
@@ -68,7 +68,7 @@
         <a:srgbClr val="000000"/>
       </a:buClr>
       <a:buFont typeface="Arial"/>
-      <a:defRPr sz="1400" b="0" i="0" u="none" strike="noStrike" cap="none">
+      <a:defRPr b="0" i="0" sz="1400" u="none" cap="none" strike="noStrike">
         <a:solidFill>
           <a:srgbClr val="000000"/>
         </a:solidFill>
@@ -78,7 +78,7 @@
         <a:sym typeface="Arial"/>
       </a:defRPr>
     </a:lvl2pPr>
-    <a:lvl3pPr marR="0" lvl="2" algn="l" rtl="0">
+    <a:lvl3pPr lvl="2" marR="0" rtl="0" algn="l">
       <a:lnSpc>
         <a:spcPct val="100000"/>
       </a:lnSpc>
@@ -92,7 +92,7 @@
         <a:srgbClr val="000000"/>
       </a:buClr>
       <a:buFont typeface="Arial"/>
-      <a:defRPr sz="1400" b="0" i="0" u="none" strike="noStrike" cap="none">
+      <a:defRPr b="0" i="0" sz="1400" u="none" cap="none" strike="noStrike">
         <a:solidFill>
           <a:srgbClr val="000000"/>
         </a:solidFill>
@@ -102,7 +102,7 @@
         <a:sym typeface="Arial"/>
       </a:defRPr>
     </a:lvl3pPr>
-    <a:lvl4pPr marR="0" lvl="3" algn="l" rtl="0">
+    <a:lvl4pPr lvl="3" marR="0" rtl="0" algn="l">
       <a:lnSpc>
         <a:spcPct val="100000"/>
       </a:lnSpc>
@@ -116,7 +116,7 @@
         <a:srgbClr val="000000"/>
       </a:buClr>
       <a:buFont typeface="Arial"/>
-      <a:defRPr sz="1400" b="0" i="0" u="none" strike="noStrike" cap="none">
+      <a:defRPr b="0" i="0" sz="1400" u="none" cap="none" strike="noStrike">
         <a:solidFill>
           <a:srgbClr val="000000"/>
         </a:solidFill>
@@ -126,7 +126,7 @@
         <a:sym typeface="Arial"/>
       </a:defRPr>
     </a:lvl4pPr>
-    <a:lvl5pPr marR="0" lvl="4" algn="l" rtl="0">
+    <a:lvl5pPr lvl="4" marR="0" rtl="0" algn="l">
       <a:lnSpc>
         <a:spcPct val="100000"/>
       </a:lnSpc>
@@ -140,7 +140,7 @@
         <a:srgbClr val="000000"/>
       </a:buClr>
       <a:buFont typeface="Arial"/>
-      <a:defRPr sz="1400" b="0" i="0" u="none" strike="noStrike" cap="none">
+      <a:defRPr b="0" i="0" sz="1400" u="none" cap="none" strike="noStrike">
         <a:solidFill>
           <a:srgbClr val="000000"/>
         </a:solidFill>
@@ -150,7 +150,7 @@
         <a:sym typeface="Arial"/>
       </a:defRPr>
     </a:lvl5pPr>
-    <a:lvl6pPr marR="0" lvl="5" algn="l" rtl="0">
+    <a:lvl6pPr lvl="5" marR="0" rtl="0" algn="l">
       <a:lnSpc>
         <a:spcPct val="100000"/>
       </a:lnSpc>
@@ -164,7 +164,7 @@
         <a:srgbClr val="000000"/>
       </a:buClr>
       <a:buFont typeface="Arial"/>
-      <a:defRPr sz="1400" b="0" i="0" u="none" strike="noStrike" cap="none">
+      <a:defRPr b="0" i="0" sz="1400" u="none" cap="none" strike="noStrike">
         <a:solidFill>
           <a:srgbClr val="000000"/>
         </a:solidFill>
@@ -174,7 +174,7 @@
         <a:sym typeface="Arial"/>
       </a:defRPr>
     </a:lvl6pPr>
-    <a:lvl7pPr marR="0" lvl="6" algn="l" rtl="0">
+    <a:lvl7pPr lvl="6" marR="0" rtl="0" algn="l">
       <a:lnSpc>
         <a:spcPct val="100000"/>
       </a:lnSpc>
@@ -188,7 +188,7 @@
         <a:srgbClr val="000000"/>
       </a:buClr>
       <a:buFont typeface="Arial"/>
-      <a:defRPr sz="1400" b="0" i="0" u="none" strike="noStrike" cap="none">
+      <a:defRPr b="0" i="0" sz="1400" u="none" cap="none" strike="noStrike">
         <a:solidFill>
           <a:srgbClr val="000000"/>
         </a:solidFill>
@@ -198,7 +198,7 @@
         <a:sym typeface="Arial"/>
       </a:defRPr>
     </a:lvl7pPr>
-    <a:lvl8pPr marR="0" lvl="7" algn="l" rtl="0">
+    <a:lvl8pPr lvl="7" marR="0" rtl="0" algn="l">
       <a:lnSpc>
         <a:spcPct val="100000"/>
       </a:lnSpc>
@@ -212,7 +212,7 @@
         <a:srgbClr val="000000"/>
       </a:buClr>
       <a:buFont typeface="Arial"/>
-      <a:defRPr sz="1400" b="0" i="0" u="none" strike="noStrike" cap="none">
+      <a:defRPr b="0" i="0" sz="1400" u="none" cap="none" strike="noStrike">
         <a:solidFill>
           <a:srgbClr val="000000"/>
         </a:solidFill>
@@ -222,7 +222,7 @@
         <a:sym typeface="Arial"/>
       </a:defRPr>
     </a:lvl8pPr>
-    <a:lvl9pPr marR="0" lvl="8" algn="l" rtl="0">
+    <a:lvl9pPr lvl="8" marR="0" rtl="0" algn="l">
       <a:lnSpc>
         <a:spcPct val="100000"/>
       </a:lnSpc>
@@ -236,7 +236,7 @@
         <a:srgbClr val="000000"/>
       </a:buClr>
       <a:buFont typeface="Arial"/>
-      <a:defRPr sz="1400" b="0" i="0" u="none" strike="noStrike" cap="none">
+      <a:defRPr b="0" i="0" sz="1400" u="none" cap="none" strike="noStrike">
         <a:solidFill>
           <a:srgbClr val="000000"/>
         </a:solidFill>
@@ -249,7 +249,7 @@
   </p:defaultTextStyle>
   <p:extLst>
     <p:ext uri="{EFAFB233-063F-42B5-8137-9DF3F51BA10A}">
-      <p15:sldGuideLst xmlns:p15="http://schemas.microsoft.com/office/powerpoint/2012/main">
+      <p15:sldGuideLst>
         <p15:guide id="1" orient="horz" pos="1620">
           <p15:clr>
             <a:srgbClr val="A4A3A4"/>
@@ -267,16 +267,11 @@
 </file>
 
 <file path=ppt/notesMasters/notesMaster1.xml><?xml version="1.0" encoding="utf-8"?>
-<p:notesMaster xmlns:a="http://schemas.openxmlformats.org/drawingml/2006/main" xmlns:r="http://schemas.openxmlformats.org/officeDocument/2006/relationships" xmlns:p="http://schemas.openxmlformats.org/presentationml/2006/main">
+<p:notesMaster xmlns:a="http://schemas.openxmlformats.org/drawingml/2006/main" xmlns:r="http://schemas.openxmlformats.org/officeDocument/2006/relationships" xmlns:mc="http://schemas.openxmlformats.org/markup-compatibility/2006" xmlns:mv="urn:schemas-microsoft-com:mac:vml" xmlns:p="http://schemas.openxmlformats.org/presentationml/2006/main" xmlns:c="http://schemas.openxmlformats.org/drawingml/2006/chart" xmlns:dgm="http://schemas.openxmlformats.org/drawingml/2006/diagram" xmlns:o="urn:schemas-microsoft-com:office:office" xmlns:v="urn:schemas-microsoft-com:vml" xmlns:pvml="urn:schemas-microsoft-com:office:powerpoint" xmlns:com="http://schemas.openxmlformats.org/drawingml/2006/compatibility" xmlns:p14="http://schemas.microsoft.com/office/powerpoint/2010/main" xmlns:p15="http://schemas.microsoft.com/office/powerpoint/2012/main" xmlns:ahyp="http://schemas.microsoft.com/office/drawing/2018/hyperlinkcolor">
   <p:cSld>
-    <p:bg>
-      <p:bgRef idx="1001">
-        <a:schemeClr val="bg1"/>
-      </p:bgRef>
-    </p:bg>
     <p:spTree>
       <p:nvGrpSpPr>
-        <p:cNvPr id="1" name="Shape 2"/>
+        <p:cNvPr id="2" name="Shape 2"/>
         <p:cNvGrpSpPr/>
         <p:nvPr/>
       </p:nvGrpSpPr>
@@ -291,11 +286,9 @@
       <p:sp>
         <p:nvSpPr>
           <p:cNvPr id="3" name="Google Shape;3;n"/>
-          <p:cNvSpPr>
-            <a:spLocks noGrp="1" noRot="1" noChangeAspect="1"/>
-          </p:cNvSpPr>
+          <p:cNvSpPr/>
           <p:nvPr>
-            <p:ph type="sldImg" idx="2"/>
+            <p:ph idx="2" type="sldImg"/>
           </p:nvPr>
         </p:nvSpPr>
         <p:spPr>
@@ -304,13 +297,9 @@
             <a:ext cx="6096075" cy="3429000"/>
           </a:xfrm>
           <a:custGeom>
-            <a:avLst/>
-            <a:gdLst/>
-            <a:ahLst/>
-            <a:cxnLst/>
-            <a:rect l="l" t="t" r="r" b="b"/>
+            <a:rect b="b" l="l" r="r" t="t"/>
             <a:pathLst>
-              <a:path w="120000" h="120000" extrusionOk="0">
+              <a:path extrusionOk="0" h="120000" w="120000">
                 <a:moveTo>
                   <a:pt x="0" y="0"/>
                 </a:moveTo>
@@ -328,25 +317,23 @@
             </a:pathLst>
           </a:custGeom>
           <a:noFill/>
-          <a:ln w="9525" cap="flat" cmpd="sng">
+          <a:ln cap="flat" cmpd="sng" w="9525">
             <a:solidFill>
               <a:srgbClr val="000000"/>
             </a:solidFill>
             <a:prstDash val="solid"/>
             <a:round/>
-            <a:headEnd type="none" w="sm" len="sm"/>
-            <a:tailEnd type="none" w="sm" len="sm"/>
+            <a:headEnd len="sm" w="sm" type="none"/>
+            <a:tailEnd len="sm" w="sm" type="none"/>
           </a:ln>
         </p:spPr>
       </p:sp>
       <p:sp>
         <p:nvSpPr>
           <p:cNvPr id="4" name="Google Shape;4;n"/>
-          <p:cNvSpPr txBox="1">
-            <a:spLocks noGrp="1"/>
-          </p:cNvSpPr>
+          <p:cNvSpPr txBox="1"/>
           <p:nvPr>
-            <p:ph type="body" idx="1"/>
+            <p:ph idx="1" type="body"/>
           </p:nvPr>
         </p:nvSpPr>
         <p:spPr>
@@ -363,11 +350,11 @@
           </a:ln>
         </p:spPr>
         <p:txBody>
-          <a:bodyPr spcFirstLastPara="1" wrap="square" lIns="91425" tIns="91425" rIns="91425" bIns="91425" anchor="t" anchorCtr="0">
+          <a:bodyPr anchorCtr="0" anchor="t" bIns="91425" lIns="91425" spcFirstLastPara="1" rIns="91425" wrap="square" tIns="91425">
             <a:noAutofit/>
           </a:bodyPr>
           <a:lstStyle>
-            <a:lvl1pPr marL="457200" lvl="0" indent="-298450">
+            <a:lvl1pPr indent="-298450" lvl="0" marL="457200">
               <a:spcBef>
                 <a:spcPts val="0"/>
               </a:spcBef>
@@ -378,7 +365,7 @@
               <a:buChar char="●"/>
               <a:defRPr sz="1100"/>
             </a:lvl1pPr>
-            <a:lvl2pPr marL="914400" lvl="1" indent="-298450">
+            <a:lvl2pPr indent="-298450" lvl="1" marL="914400">
               <a:spcBef>
                 <a:spcPts val="0"/>
               </a:spcBef>
@@ -389,7 +376,7 @@
               <a:buChar char="○"/>
               <a:defRPr sz="1100"/>
             </a:lvl2pPr>
-            <a:lvl3pPr marL="1371600" lvl="2" indent="-298450">
+            <a:lvl3pPr indent="-298450" lvl="2" marL="1371600">
               <a:spcBef>
                 <a:spcPts val="0"/>
               </a:spcBef>
@@ -400,7 +387,7 @@
               <a:buChar char="■"/>
               <a:defRPr sz="1100"/>
             </a:lvl3pPr>
-            <a:lvl4pPr marL="1828800" lvl="3" indent="-298450">
+            <a:lvl4pPr indent="-298450" lvl="3" marL="1828800">
               <a:spcBef>
                 <a:spcPts val="0"/>
               </a:spcBef>
@@ -411,7 +398,7 @@
               <a:buChar char="●"/>
               <a:defRPr sz="1100"/>
             </a:lvl4pPr>
-            <a:lvl5pPr marL="2286000" lvl="4" indent="-298450">
+            <a:lvl5pPr indent="-298450" lvl="4" marL="2286000">
               <a:spcBef>
                 <a:spcPts val="0"/>
               </a:spcBef>
@@ -422,7 +409,7 @@
               <a:buChar char="○"/>
               <a:defRPr sz="1100"/>
             </a:lvl5pPr>
-            <a:lvl6pPr marL="2743200" lvl="5" indent="-298450">
+            <a:lvl6pPr indent="-298450" lvl="5" marL="2743200">
               <a:spcBef>
                 <a:spcPts val="0"/>
               </a:spcBef>
@@ -433,7 +420,7 @@
               <a:buChar char="■"/>
               <a:defRPr sz="1100"/>
             </a:lvl6pPr>
-            <a:lvl7pPr marL="3200400" lvl="6" indent="-298450">
+            <a:lvl7pPr indent="-298450" lvl="6" marL="3200400">
               <a:spcBef>
                 <a:spcPts val="0"/>
               </a:spcBef>
@@ -444,7 +431,7 @@
               <a:buChar char="●"/>
               <a:defRPr sz="1100"/>
             </a:lvl7pPr>
-            <a:lvl8pPr marL="3657600" lvl="7" indent="-298450">
+            <a:lvl8pPr indent="-298450" lvl="7" marL="3657600">
               <a:spcBef>
                 <a:spcPts val="0"/>
               </a:spcBef>
@@ -455,7 +442,7 @@
               <a:buChar char="○"/>
               <a:defRPr sz="1100"/>
             </a:lvl8pPr>
-            <a:lvl9pPr marL="4114800" lvl="8" indent="-298450">
+            <a:lvl9pPr indent="-298450" lvl="8" marL="4114800">
               <a:spcBef>
                 <a:spcPts val="0"/>
               </a:spcBef>
@@ -467,16 +454,14 @@
               <a:defRPr sz="1100"/>
             </a:lvl9pPr>
           </a:lstStyle>
-          <a:p>
-            <a:endParaRPr/>
-          </a:p>
+          <a:p/>
         </p:txBody>
       </p:sp>
     </p:spTree>
   </p:cSld>
-  <p:clrMap bg1="lt1" tx1="dk1" bg2="dk2" tx2="lt2" accent1="accent1" accent2="accent2" accent3="accent3" accent4="accent4" accent5="accent5" accent6="accent6" hlink="hlink" folHlink="folHlink"/>
+  <p:clrMap accent1="accent1" accent2="accent2" accent3="accent3" accent4="accent4" accent5="accent5" accent6="accent6" bg1="lt1" bg2="dk2" tx1="dk1" tx2="lt2" folHlink="folHlink" hlink="hlink"/>
   <p:notesStyle>
-    <a:defPPr marR="0" lvl="0" algn="l" rtl="0">
+    <a:defPPr lvl="0" marR="0" rtl="0" algn="l">
       <a:lnSpc>
         <a:spcPct val="100000"/>
       </a:lnSpc>
@@ -487,7 +472,7 @@
         <a:spcPts val="0"/>
       </a:spcAft>
     </a:defPPr>
-    <a:lvl1pPr marR="0" lvl="0" algn="l" rtl="0">
+    <a:lvl1pPr lvl="0" marR="0" rtl="0" algn="l">
       <a:lnSpc>
         <a:spcPct val="100000"/>
       </a:lnSpc>
@@ -501,7 +486,7 @@
         <a:srgbClr val="000000"/>
       </a:buClr>
       <a:buFont typeface="Arial"/>
-      <a:defRPr sz="1400" b="0" i="0" u="none" strike="noStrike" cap="none">
+      <a:defRPr b="0" i="0" sz="1400" u="none" cap="none" strike="noStrike">
         <a:solidFill>
           <a:srgbClr val="000000"/>
         </a:solidFill>
@@ -511,7 +496,7 @@
         <a:sym typeface="Arial"/>
       </a:defRPr>
     </a:lvl1pPr>
-    <a:lvl2pPr marR="0" lvl="1" algn="l" rtl="0">
+    <a:lvl2pPr lvl="1" marR="0" rtl="0" algn="l">
       <a:lnSpc>
         <a:spcPct val="100000"/>
       </a:lnSpc>
@@ -525,7 +510,7 @@
         <a:srgbClr val="000000"/>
       </a:buClr>
       <a:buFont typeface="Arial"/>
-      <a:defRPr sz="1400" b="0" i="0" u="none" strike="noStrike" cap="none">
+      <a:defRPr b="0" i="0" sz="1400" u="none" cap="none" strike="noStrike">
         <a:solidFill>
           <a:srgbClr val="000000"/>
         </a:solidFill>
@@ -535,7 +520,7 @@
         <a:sym typeface="Arial"/>
       </a:defRPr>
     </a:lvl2pPr>
-    <a:lvl3pPr marR="0" lvl="2" algn="l" rtl="0">
+    <a:lvl3pPr lvl="2" marR="0" rtl="0" algn="l">
       <a:lnSpc>
         <a:spcPct val="100000"/>
       </a:lnSpc>
@@ -549,7 +534,7 @@
         <a:srgbClr val="000000"/>
       </a:buClr>
       <a:buFont typeface="Arial"/>
-      <a:defRPr sz="1400" b="0" i="0" u="none" strike="noStrike" cap="none">
+      <a:defRPr b="0" i="0" sz="1400" u="none" cap="none" strike="noStrike">
         <a:solidFill>
           <a:srgbClr val="000000"/>
         </a:solidFill>
@@ -559,7 +544,7 @@
         <a:sym typeface="Arial"/>
       </a:defRPr>
     </a:lvl3pPr>
-    <a:lvl4pPr marR="0" lvl="3" algn="l" rtl="0">
+    <a:lvl4pPr lvl="3" marR="0" rtl="0" algn="l">
       <a:lnSpc>
         <a:spcPct val="100000"/>
       </a:lnSpc>
@@ -573,7 +558,7 @@
         <a:srgbClr val="000000"/>
       </a:buClr>
       <a:buFont typeface="Arial"/>
-      <a:defRPr sz="1400" b="0" i="0" u="none" strike="noStrike" cap="none">
+      <a:defRPr b="0" i="0" sz="1400" u="none" cap="none" strike="noStrike">
         <a:solidFill>
           <a:srgbClr val="000000"/>
         </a:solidFill>
@@ -583,7 +568,7 @@
         <a:sym typeface="Arial"/>
       </a:defRPr>
     </a:lvl4pPr>
-    <a:lvl5pPr marR="0" lvl="4" algn="l" rtl="0">
+    <a:lvl5pPr lvl="4" marR="0" rtl="0" algn="l">
       <a:lnSpc>
         <a:spcPct val="100000"/>
       </a:lnSpc>
@@ -597,7 +582,7 @@
         <a:srgbClr val="000000"/>
       </a:buClr>
       <a:buFont typeface="Arial"/>
-      <a:defRPr sz="1400" b="0" i="0" u="none" strike="noStrike" cap="none">
+      <a:defRPr b="0" i="0" sz="1400" u="none" cap="none" strike="noStrike">
         <a:solidFill>
           <a:srgbClr val="000000"/>
         </a:solidFill>
@@ -607,7 +592,7 @@
         <a:sym typeface="Arial"/>
       </a:defRPr>
     </a:lvl5pPr>
-    <a:lvl6pPr marR="0" lvl="5" algn="l" rtl="0">
+    <a:lvl6pPr lvl="5" marR="0" rtl="0" algn="l">
       <a:lnSpc>
         <a:spcPct val="100000"/>
       </a:lnSpc>
@@ -621,7 +606,7 @@
         <a:srgbClr val="000000"/>
       </a:buClr>
       <a:buFont typeface="Arial"/>
-      <a:defRPr sz="1400" b="0" i="0" u="none" strike="noStrike" cap="none">
+      <a:defRPr b="0" i="0" sz="1400" u="none" cap="none" strike="noStrike">
         <a:solidFill>
           <a:srgbClr val="000000"/>
         </a:solidFill>
@@ -631,7 +616,7 @@
         <a:sym typeface="Arial"/>
       </a:defRPr>
     </a:lvl6pPr>
-    <a:lvl7pPr marR="0" lvl="6" algn="l" rtl="0">
+    <a:lvl7pPr lvl="6" marR="0" rtl="0" algn="l">
       <a:lnSpc>
         <a:spcPct val="100000"/>
       </a:lnSpc>
@@ -645,7 +630,7 @@
         <a:srgbClr val="000000"/>
       </a:buClr>
       <a:buFont typeface="Arial"/>
-      <a:defRPr sz="1400" b="0" i="0" u="none" strike="noStrike" cap="none">
+      <a:defRPr b="0" i="0" sz="1400" u="none" cap="none" strike="noStrike">
         <a:solidFill>
           <a:srgbClr val="000000"/>
         </a:solidFill>
@@ -655,7 +640,7 @@
         <a:sym typeface="Arial"/>
       </a:defRPr>
     </a:lvl7pPr>
-    <a:lvl8pPr marR="0" lvl="7" algn="l" rtl="0">
+    <a:lvl8pPr lvl="7" marR="0" rtl="0" algn="l">
       <a:lnSpc>
         <a:spcPct val="100000"/>
       </a:lnSpc>
@@ -669,7 +654,7 @@
         <a:srgbClr val="000000"/>
       </a:buClr>
       <a:buFont typeface="Arial"/>
-      <a:defRPr sz="1400" b="0" i="0" u="none" strike="noStrike" cap="none">
+      <a:defRPr b="0" i="0" sz="1400" u="none" cap="none" strike="noStrike">
         <a:solidFill>
           <a:srgbClr val="000000"/>
         </a:solidFill>
@@ -679,7 +664,7 @@
         <a:sym typeface="Arial"/>
       </a:defRPr>
     </a:lvl8pPr>
-    <a:lvl9pPr marR="0" lvl="8" algn="l" rtl="0">
+    <a:lvl9pPr lvl="8" marR="0" rtl="0" algn="l">
       <a:lnSpc>
         <a:spcPct val="100000"/>
       </a:lnSpc>
@@ -693,7 +678,7 @@
         <a:srgbClr val="000000"/>
       </a:buClr>
       <a:buFont typeface="Arial"/>
-      <a:defRPr sz="1400" b="0" i="0" u="none" strike="noStrike" cap="none">
+      <a:defRPr b="0" i="0" sz="1400" u="none" cap="none" strike="noStrike">
         <a:solidFill>
           <a:srgbClr val="000000"/>
         </a:solidFill>
@@ -708,11 +693,11 @@
 </file>
 
 <file path=ppt/notesSlides/notesSlide1.xml><?xml version="1.0" encoding="utf-8"?>
-<p:notes xmlns:a="http://schemas.openxmlformats.org/drawingml/2006/main" xmlns:r="http://schemas.openxmlformats.org/officeDocument/2006/relationships" xmlns:p="http://schemas.openxmlformats.org/presentationml/2006/main" showMasterSp="0" showMasterPhAnim="0">
+<p:notes xmlns:a="http://schemas.openxmlformats.org/drawingml/2006/main" xmlns:r="http://schemas.openxmlformats.org/officeDocument/2006/relationships" xmlns:mc="http://schemas.openxmlformats.org/markup-compatibility/2006" xmlns:mv="urn:schemas-microsoft-com:mac:vml" xmlns:p="http://schemas.openxmlformats.org/presentationml/2006/main" xmlns:c="http://schemas.openxmlformats.org/drawingml/2006/chart" xmlns:dgm="http://schemas.openxmlformats.org/drawingml/2006/diagram" xmlns:o="urn:schemas-microsoft-com:office:office" xmlns:v="urn:schemas-microsoft-com:vml" xmlns:pvml="urn:schemas-microsoft-com:office:powerpoint" xmlns:com="http://schemas.openxmlformats.org/drawingml/2006/compatibility" xmlns:p14="http://schemas.microsoft.com/office/powerpoint/2010/main" xmlns:p15="http://schemas.microsoft.com/office/powerpoint/2012/main" xmlns:ahyp="http://schemas.microsoft.com/office/drawing/2018/hyperlinkcolor" showMasterPhAnim="0" showMasterSp="0">
   <p:cSld>
     <p:spTree>
       <p:nvGrpSpPr>
-        <p:cNvPr id="1" name="Shape 50"/>
+        <p:cNvPr id="50" name="Shape 50"/>
         <p:cNvGrpSpPr/>
         <p:nvPr/>
       </p:nvGrpSpPr>
@@ -727,11 +712,9 @@
       <p:sp>
         <p:nvSpPr>
           <p:cNvPr id="51" name="Google Shape;51;p:notes"/>
-          <p:cNvSpPr>
-            <a:spLocks noGrp="1" noRot="1" noChangeAspect="1"/>
-          </p:cNvSpPr>
+          <p:cNvSpPr/>
           <p:nvPr>
-            <p:ph type="sldImg" idx="2"/>
+            <p:ph idx="2" type="sldImg"/>
           </p:nvPr>
         </p:nvSpPr>
         <p:spPr>
@@ -740,13 +723,9 @@
             <a:ext cx="6096075" cy="3429000"/>
           </a:xfrm>
           <a:custGeom>
-            <a:avLst/>
-            <a:gdLst/>
-            <a:ahLst/>
-            <a:cxnLst/>
-            <a:rect l="l" t="t" r="r" b="b"/>
+            <a:rect b="b" l="l" r="r" t="t"/>
             <a:pathLst>
-              <a:path w="120000" h="120000" extrusionOk="0">
+              <a:path extrusionOk="0" h="120000" w="120000">
                 <a:moveTo>
                   <a:pt x="0" y="0"/>
                 </a:moveTo>
@@ -768,11 +747,9 @@
       <p:sp>
         <p:nvSpPr>
           <p:cNvPr id="52" name="Google Shape;52;p:notes"/>
-          <p:cNvSpPr txBox="1">
-            <a:spLocks noGrp="1"/>
-          </p:cNvSpPr>
+          <p:cNvSpPr txBox="1"/>
           <p:nvPr>
-            <p:ph type="body" idx="1"/>
+            <p:ph idx="1" type="body"/>
           </p:nvPr>
         </p:nvSpPr>
         <p:spPr>
@@ -785,12 +762,12 @@
           </a:prstGeom>
         </p:spPr>
         <p:txBody>
-          <a:bodyPr spcFirstLastPara="1" wrap="square" lIns="91425" tIns="91425" rIns="91425" bIns="91425" anchor="t" anchorCtr="0">
+          <a:bodyPr anchorCtr="0" anchor="t" bIns="91425" lIns="91425" spcFirstLastPara="1" rIns="91425" wrap="square" tIns="91425">
             <a:noAutofit/>
           </a:bodyPr>
           <a:lstStyle/>
           <a:p>
-            <a:pPr marL="0" lvl="0" indent="0" algn="l" rtl="0">
+            <a:pPr indent="0" lvl="0" marL="0" rtl="0" algn="l">
               <a:spcBef>
                 <a:spcPts val="0"/>
               </a:spcBef>
@@ -814,7 +791,7 @@
             </a:endParaRPr>
           </a:p>
           <a:p>
-            <a:pPr marL="0" lvl="0" indent="0" algn="l" rtl="0">
+            <a:pPr indent="0" lvl="0" marL="0" rtl="0" algn="l">
               <a:spcBef>
                 <a:spcPts val="0"/>
               </a:spcBef>
@@ -838,7 +815,7 @@
             </a:endParaRPr>
           </a:p>
           <a:p>
-            <a:pPr marL="0" lvl="0" indent="0" algn="l" rtl="0">
+            <a:pPr indent="0" lvl="0" marL="0" rtl="0" algn="l">
               <a:spcBef>
                 <a:spcPts val="0"/>
               </a:spcBef>
@@ -847,6 +824,9 @@
               </a:spcAft>
               <a:buNone/>
             </a:pPr>
+            <a:r>
+              <a:t/>
+            </a:r>
             <a:endParaRPr>
               <a:solidFill>
                 <a:schemeClr val="dk1"/>
@@ -864,11 +844,11 @@
 </file>
 
 <file path=ppt/notesSlides/notesSlide2.xml><?xml version="1.0" encoding="utf-8"?>
-<p:notes xmlns:a="http://schemas.openxmlformats.org/drawingml/2006/main" xmlns:r="http://schemas.openxmlformats.org/officeDocument/2006/relationships" xmlns:p="http://schemas.openxmlformats.org/presentationml/2006/main" showMasterSp="0" showMasterPhAnim="0">
+<p:notes xmlns:a="http://schemas.openxmlformats.org/drawingml/2006/main" xmlns:r="http://schemas.openxmlformats.org/officeDocument/2006/relationships" xmlns:mc="http://schemas.openxmlformats.org/markup-compatibility/2006" xmlns:mv="urn:schemas-microsoft-com:mac:vml" xmlns:p="http://schemas.openxmlformats.org/presentationml/2006/main" xmlns:c="http://schemas.openxmlformats.org/drawingml/2006/chart" xmlns:dgm="http://schemas.openxmlformats.org/drawingml/2006/diagram" xmlns:o="urn:schemas-microsoft-com:office:office" xmlns:v="urn:schemas-microsoft-com:vml" xmlns:pvml="urn:schemas-microsoft-com:office:powerpoint" xmlns:com="http://schemas.openxmlformats.org/drawingml/2006/compatibility" xmlns:p14="http://schemas.microsoft.com/office/powerpoint/2010/main" xmlns:p15="http://schemas.microsoft.com/office/powerpoint/2012/main" xmlns:ahyp="http://schemas.microsoft.com/office/drawing/2018/hyperlinkcolor" showMasterPhAnim="0" showMasterSp="0">
   <p:cSld>
     <p:spTree>
       <p:nvGrpSpPr>
-        <p:cNvPr id="1" name="Shape 59"/>
+        <p:cNvPr id="59" name="Shape 59"/>
         <p:cNvGrpSpPr/>
         <p:nvPr/>
       </p:nvGrpSpPr>
@@ -883,11 +863,9 @@
       <p:sp>
         <p:nvSpPr>
           <p:cNvPr id="60" name="Google Shape;60;gbed993add6_0_20:notes"/>
-          <p:cNvSpPr>
-            <a:spLocks noGrp="1" noRot="1" noChangeAspect="1"/>
-          </p:cNvSpPr>
+          <p:cNvSpPr/>
           <p:nvPr>
-            <p:ph type="sldImg" idx="2"/>
+            <p:ph idx="2" type="sldImg"/>
           </p:nvPr>
         </p:nvSpPr>
         <p:spPr>
@@ -896,13 +874,9 @@
             <a:ext cx="6096000" cy="3429000"/>
           </a:xfrm>
           <a:custGeom>
-            <a:avLst/>
-            <a:gdLst/>
-            <a:ahLst/>
-            <a:cxnLst/>
-            <a:rect l="l" t="t" r="r" b="b"/>
+            <a:rect b="b" l="l" r="r" t="t"/>
             <a:pathLst>
-              <a:path w="120000" h="120000" extrusionOk="0">
+              <a:path extrusionOk="0" h="120000" w="120000">
                 <a:moveTo>
                   <a:pt x="0" y="0"/>
                 </a:moveTo>
@@ -924,11 +898,9 @@
       <p:sp>
         <p:nvSpPr>
           <p:cNvPr id="61" name="Google Shape;61;gbed993add6_0_20:notes"/>
-          <p:cNvSpPr txBox="1">
-            <a:spLocks noGrp="1"/>
-          </p:cNvSpPr>
+          <p:cNvSpPr txBox="1"/>
           <p:nvPr>
-            <p:ph type="body" idx="1"/>
+            <p:ph idx="1" type="body"/>
           </p:nvPr>
         </p:nvSpPr>
         <p:spPr>
@@ -941,12 +913,12 @@
           </a:prstGeom>
         </p:spPr>
         <p:txBody>
-          <a:bodyPr spcFirstLastPara="1" wrap="square" lIns="91425" tIns="91425" rIns="91425" bIns="91425" anchor="t" anchorCtr="0">
+          <a:bodyPr anchorCtr="0" anchor="t" bIns="91425" lIns="91425" spcFirstLastPara="1" rIns="91425" wrap="square" tIns="91425">
             <a:noAutofit/>
           </a:bodyPr>
           <a:lstStyle/>
           <a:p>
-            <a:pPr marL="0" lvl="0" indent="0" algn="l" rtl="0">
+            <a:pPr indent="0" lvl="0" marL="0" rtl="0" algn="l">
               <a:spcBef>
                 <a:spcPts val="0"/>
               </a:spcBef>
@@ -975,7 +947,7 @@
             </a:endParaRPr>
           </a:p>
           <a:p>
-            <a:pPr marL="0" lvl="0" indent="0" algn="l" rtl="0">
+            <a:pPr indent="0" lvl="0" marL="0" rtl="0" algn="l">
               <a:lnSpc>
                 <a:spcPct val="115000"/>
               </a:lnSpc>
@@ -1007,7 +979,7 @@
             </a:endParaRPr>
           </a:p>
           <a:p>
-            <a:pPr marL="0" lvl="0" indent="0" algn="l" rtl="0">
+            <a:pPr indent="0" lvl="0" marL="0" rtl="0" algn="l">
               <a:spcBef>
                 <a:spcPts val="0"/>
               </a:spcBef>
@@ -1021,6 +993,9 @@
               <a:buFont typeface="Arial"/>
               <a:buNone/>
             </a:pPr>
+            <a:r>
+              <a:t/>
+            </a:r>
             <a:endParaRPr>
               <a:solidFill>
                 <a:schemeClr val="dk1"/>
@@ -1028,7 +1003,7 @@
             </a:endParaRPr>
           </a:p>
           <a:p>
-            <a:pPr marL="0" lvl="0" indent="0" algn="l" rtl="0">
+            <a:pPr indent="0" lvl="0" marL="0" rtl="0" algn="l">
               <a:spcBef>
                 <a:spcPts val="0"/>
               </a:spcBef>
@@ -1042,6 +1017,9 @@
               <a:buFont typeface="Arial"/>
               <a:buNone/>
             </a:pPr>
+            <a:r>
+              <a:t/>
+            </a:r>
             <a:endParaRPr/>
           </a:p>
         </p:txBody>
@@ -1055,11 +1033,11 @@
 </file>
 
 <file path=ppt/notesSlides/notesSlide3.xml><?xml version="1.0" encoding="utf-8"?>
-<p:notes xmlns:a="http://schemas.openxmlformats.org/drawingml/2006/main" xmlns:r="http://schemas.openxmlformats.org/officeDocument/2006/relationships" xmlns:p="http://schemas.openxmlformats.org/presentationml/2006/main" showMasterSp="0" showMasterPhAnim="0">
+<p:notes xmlns:a="http://schemas.openxmlformats.org/drawingml/2006/main" xmlns:r="http://schemas.openxmlformats.org/officeDocument/2006/relationships" xmlns:mc="http://schemas.openxmlformats.org/markup-compatibility/2006" xmlns:mv="urn:schemas-microsoft-com:mac:vml" xmlns:p="http://schemas.openxmlformats.org/presentationml/2006/main" xmlns:c="http://schemas.openxmlformats.org/drawingml/2006/chart" xmlns:dgm="http://schemas.openxmlformats.org/drawingml/2006/diagram" xmlns:o="urn:schemas-microsoft-com:office:office" xmlns:v="urn:schemas-microsoft-com:vml" xmlns:pvml="urn:schemas-microsoft-com:office:powerpoint" xmlns:com="http://schemas.openxmlformats.org/drawingml/2006/compatibility" xmlns:p14="http://schemas.microsoft.com/office/powerpoint/2010/main" xmlns:p15="http://schemas.microsoft.com/office/powerpoint/2012/main" xmlns:ahyp="http://schemas.microsoft.com/office/drawing/2018/hyperlinkcolor" showMasterPhAnim="0" showMasterSp="0">
   <p:cSld>
     <p:spTree>
       <p:nvGrpSpPr>
-        <p:cNvPr id="1" name="Shape 85"/>
+        <p:cNvPr id="85" name="Shape 85"/>
         <p:cNvGrpSpPr/>
         <p:nvPr/>
       </p:nvGrpSpPr>
@@ -1074,11 +1052,9 @@
       <p:sp>
         <p:nvSpPr>
           <p:cNvPr id="86" name="Google Shape;86;gc007c13af7_0_0:notes"/>
-          <p:cNvSpPr>
-            <a:spLocks noGrp="1" noRot="1" noChangeAspect="1"/>
-          </p:cNvSpPr>
+          <p:cNvSpPr/>
           <p:nvPr>
-            <p:ph type="sldImg" idx="2"/>
+            <p:ph idx="2" type="sldImg"/>
           </p:nvPr>
         </p:nvSpPr>
         <p:spPr>
@@ -1087,13 +1063,9 @@
             <a:ext cx="6096000" cy="3429000"/>
           </a:xfrm>
           <a:custGeom>
-            <a:avLst/>
-            <a:gdLst/>
-            <a:ahLst/>
-            <a:cxnLst/>
-            <a:rect l="l" t="t" r="r" b="b"/>
+            <a:rect b="b" l="l" r="r" t="t"/>
             <a:pathLst>
-              <a:path w="120000" h="120000" extrusionOk="0">
+              <a:path extrusionOk="0" h="120000" w="120000">
                 <a:moveTo>
                   <a:pt x="0" y="0"/>
                 </a:moveTo>
@@ -1115,11 +1087,9 @@
       <p:sp>
         <p:nvSpPr>
           <p:cNvPr id="87" name="Google Shape;87;gc007c13af7_0_0:notes"/>
-          <p:cNvSpPr txBox="1">
-            <a:spLocks noGrp="1"/>
-          </p:cNvSpPr>
+          <p:cNvSpPr txBox="1"/>
           <p:nvPr>
-            <p:ph type="body" idx="1"/>
+            <p:ph idx="1" type="body"/>
           </p:nvPr>
         </p:nvSpPr>
         <p:spPr>
@@ -1132,12 +1102,12 @@
           </a:prstGeom>
         </p:spPr>
         <p:txBody>
-          <a:bodyPr spcFirstLastPara="1" wrap="square" lIns="91425" tIns="91425" rIns="91425" bIns="91425" anchor="t" anchorCtr="0">
+          <a:bodyPr anchorCtr="0" anchor="t" bIns="91425" lIns="91425" spcFirstLastPara="1" rIns="91425" wrap="square" tIns="91425">
             <a:noAutofit/>
           </a:bodyPr>
           <a:lstStyle/>
           <a:p>
-            <a:pPr marL="0" lvl="0" indent="0" algn="l" rtl="0">
+            <a:pPr indent="0" lvl="0" marL="0" rtl="0" algn="l">
               <a:spcBef>
                 <a:spcPts val="0"/>
               </a:spcBef>
@@ -1153,7 +1123,7 @@
             <a:endParaRPr/>
           </a:p>
           <a:p>
-            <a:pPr marL="0" lvl="0" indent="0" algn="l" rtl="0">
+            <a:pPr indent="0" lvl="0" marL="0" rtl="0" algn="l">
               <a:spcBef>
                 <a:spcPts val="0"/>
               </a:spcBef>
@@ -1162,10 +1132,13 @@
               </a:spcAft>
               <a:buNone/>
             </a:pPr>
+            <a:r>
+              <a:t/>
+            </a:r>
             <a:endParaRPr/>
           </a:p>
           <a:p>
-            <a:pPr marL="0" lvl="0" indent="0" algn="l" rtl="0">
+            <a:pPr indent="0" lvl="0" marL="0" rtl="0" algn="l">
               <a:spcBef>
                 <a:spcPts val="0"/>
               </a:spcBef>
@@ -1191,11 +1164,11 @@
 </file>
 
 <file path=ppt/notesSlides/notesSlide4.xml><?xml version="1.0" encoding="utf-8"?>
-<p:notes xmlns:a="http://schemas.openxmlformats.org/drawingml/2006/main" xmlns:r="http://schemas.openxmlformats.org/officeDocument/2006/relationships" xmlns:p="http://schemas.openxmlformats.org/presentationml/2006/main" showMasterSp="0" showMasterPhAnim="0">
+<p:notes xmlns:a="http://schemas.openxmlformats.org/drawingml/2006/main" xmlns:r="http://schemas.openxmlformats.org/officeDocument/2006/relationships" xmlns:mc="http://schemas.openxmlformats.org/markup-compatibility/2006" xmlns:mv="urn:schemas-microsoft-com:mac:vml" xmlns:p="http://schemas.openxmlformats.org/presentationml/2006/main" xmlns:c="http://schemas.openxmlformats.org/drawingml/2006/chart" xmlns:dgm="http://schemas.openxmlformats.org/drawingml/2006/diagram" xmlns:o="urn:schemas-microsoft-com:office:office" xmlns:v="urn:schemas-microsoft-com:vml" xmlns:pvml="urn:schemas-microsoft-com:office:powerpoint" xmlns:com="http://schemas.openxmlformats.org/drawingml/2006/compatibility" xmlns:p14="http://schemas.microsoft.com/office/powerpoint/2010/main" xmlns:p15="http://schemas.microsoft.com/office/powerpoint/2012/main" xmlns:ahyp="http://schemas.microsoft.com/office/drawing/2018/hyperlinkcolor" showMasterPhAnim="0" showMasterSp="0">
   <p:cSld>
     <p:spTree>
       <p:nvGrpSpPr>
-        <p:cNvPr id="1" name="Shape 94"/>
+        <p:cNvPr id="94" name="Shape 94"/>
         <p:cNvGrpSpPr/>
         <p:nvPr/>
       </p:nvGrpSpPr>
@@ -1210,11 +1183,9 @@
       <p:sp>
         <p:nvSpPr>
           <p:cNvPr id="95" name="Google Shape;95;gc007c13af7_0_10:notes"/>
-          <p:cNvSpPr>
-            <a:spLocks noGrp="1" noRot="1" noChangeAspect="1"/>
-          </p:cNvSpPr>
+          <p:cNvSpPr/>
           <p:nvPr>
-            <p:ph type="sldImg" idx="2"/>
+            <p:ph idx="2" type="sldImg"/>
           </p:nvPr>
         </p:nvSpPr>
         <p:spPr>
@@ -1223,13 +1194,9 @@
             <a:ext cx="6096000" cy="3429000"/>
           </a:xfrm>
           <a:custGeom>
-            <a:avLst/>
-            <a:gdLst/>
-            <a:ahLst/>
-            <a:cxnLst/>
-            <a:rect l="l" t="t" r="r" b="b"/>
+            <a:rect b="b" l="l" r="r" t="t"/>
             <a:pathLst>
-              <a:path w="120000" h="120000" extrusionOk="0">
+              <a:path extrusionOk="0" h="120000" w="120000">
                 <a:moveTo>
                   <a:pt x="0" y="0"/>
                 </a:moveTo>
@@ -1251,11 +1218,9 @@
       <p:sp>
         <p:nvSpPr>
           <p:cNvPr id="96" name="Google Shape;96;gc007c13af7_0_10:notes"/>
-          <p:cNvSpPr txBox="1">
-            <a:spLocks noGrp="1"/>
-          </p:cNvSpPr>
+          <p:cNvSpPr txBox="1"/>
           <p:nvPr>
-            <p:ph type="body" idx="1"/>
+            <p:ph idx="1" type="body"/>
           </p:nvPr>
         </p:nvSpPr>
         <p:spPr>
@@ -1268,12 +1233,12 @@
           </a:prstGeom>
         </p:spPr>
         <p:txBody>
-          <a:bodyPr spcFirstLastPara="1" wrap="square" lIns="91425" tIns="91425" rIns="91425" bIns="91425" anchor="t" anchorCtr="0">
+          <a:bodyPr anchorCtr="0" anchor="t" bIns="91425" lIns="91425" spcFirstLastPara="1" rIns="91425" wrap="square" tIns="91425">
             <a:noAutofit/>
           </a:bodyPr>
           <a:lstStyle/>
           <a:p>
-            <a:pPr marL="0" lvl="0" indent="0" algn="l" rtl="0">
+            <a:pPr indent="0" lvl="0" marL="0" rtl="0" algn="l">
               <a:spcBef>
                 <a:spcPts val="0"/>
               </a:spcBef>
@@ -1289,7 +1254,7 @@
             <a:endParaRPr/>
           </a:p>
           <a:p>
-            <a:pPr marL="0" lvl="0" indent="0" algn="l" rtl="0">
+            <a:pPr indent="0" lvl="0" marL="0" rtl="0" algn="l">
               <a:spcBef>
                 <a:spcPts val="0"/>
               </a:spcBef>
@@ -1300,12 +1265,16 @@
             </a:pPr>
             <a:r>
               <a:rPr lang="en"/>
-              <a:t>Discuss insights you had while exploring the data that you didn't anticipate: We had russian data (bad longitude values). </a:t>
+              <a:t>D</a:t>
+            </a:r>
+            <a:r>
+              <a:rPr lang="en"/>
+              <a:t>iscuss insights you had while exploring the data that you didn't anticipate: We had russian data (bad longitude values). </a:t>
             </a:r>
             <a:endParaRPr/>
           </a:p>
           <a:p>
-            <a:pPr marL="0" lvl="0" indent="0" algn="l" rtl="0">
+            <a:pPr indent="0" lvl="0" marL="0" rtl="0" algn="l">
               <a:spcBef>
                 <a:spcPts val="0"/>
               </a:spcBef>
@@ -1321,7 +1290,7 @@
             <a:endParaRPr/>
           </a:p>
           <a:p>
-            <a:pPr marL="0" lvl="0" indent="457200" algn="l" rtl="0">
+            <a:pPr indent="457200" lvl="0" marL="0" rtl="0" algn="l">
               <a:spcBef>
                 <a:spcPts val="0"/>
               </a:spcBef>
@@ -1349,7 +1318,7 @@
             </a:endParaRPr>
           </a:p>
           <a:p>
-            <a:pPr marL="0" lvl="0" indent="457200" algn="l" rtl="0">
+            <a:pPr indent="457200" lvl="0" marL="0" rtl="0" algn="l">
               <a:spcBef>
                 <a:spcPts val="0"/>
               </a:spcBef>
@@ -1373,7 +1342,7 @@
             <a:endParaRPr/>
           </a:p>
           <a:p>
-            <a:pPr marL="0" lvl="0" indent="0" algn="l" rtl="0">
+            <a:pPr indent="0" lvl="0" marL="0" rtl="0" algn="l">
               <a:spcBef>
                 <a:spcPts val="0"/>
               </a:spcBef>
@@ -1382,10 +1351,13 @@
               </a:spcAft>
               <a:buNone/>
             </a:pPr>
+            <a:r>
+              <a:t/>
+            </a:r>
             <a:endParaRPr/>
           </a:p>
           <a:p>
-            <a:pPr marL="0" lvl="0" indent="0" algn="l" rtl="0">
+            <a:pPr indent="0" lvl="0" marL="0" rtl="0" algn="l">
               <a:spcBef>
                 <a:spcPts val="0"/>
               </a:spcBef>
@@ -1401,7 +1373,7 @@
             <a:endParaRPr/>
           </a:p>
           <a:p>
-            <a:pPr marL="0" lvl="0" indent="0" algn="l" rtl="0">
+            <a:pPr indent="0" lvl="0" marL="0" rtl="0" algn="l">
               <a:spcBef>
                 <a:spcPts val="0"/>
               </a:spcBef>
@@ -1417,7 +1389,7 @@
             <a:endParaRPr/>
           </a:p>
           <a:p>
-            <a:pPr marL="0" lvl="0" indent="0" algn="l" rtl="0">
+            <a:pPr indent="0" lvl="0" marL="0" rtl="0" algn="l">
               <a:spcBef>
                 <a:spcPts val="0"/>
               </a:spcBef>
@@ -1433,7 +1405,7 @@
             <a:endParaRPr/>
           </a:p>
           <a:p>
-            <a:pPr marL="0" lvl="0" indent="0" algn="l" rtl="0">
+            <a:pPr indent="0" lvl="0" marL="0" rtl="0" algn="l">
               <a:spcBef>
                 <a:spcPts val="0"/>
               </a:spcBef>
@@ -1442,10 +1414,13 @@
               </a:spcAft>
               <a:buNone/>
             </a:pPr>
+            <a:r>
+              <a:t/>
+            </a:r>
             <a:endParaRPr/>
           </a:p>
           <a:p>
-            <a:pPr marL="0" lvl="0" indent="0" algn="l" rtl="0">
+            <a:pPr indent="0" lvl="0" marL="0" rtl="0" algn="l">
               <a:spcBef>
                 <a:spcPts val="0"/>
               </a:spcBef>
@@ -1456,7 +1431,15 @@
             </a:pPr>
             <a:r>
               <a:rPr lang="en"/>
-              <a:t>Rylee: Explains hypothesis tests. Talk about removing outliers difficulties. </a:t>
+              <a:t>Rylee: </a:t>
+            </a:r>
+            <a:r>
+              <a:rPr lang="en"/>
+              <a:t>Explains</a:t>
+            </a:r>
+            <a:r>
+              <a:rPr lang="en"/>
+              <a:t> hypothesis tests. Talk about removing outliers difficulties. </a:t>
             </a:r>
             <a:endParaRPr/>
           </a:p>
@@ -1471,11 +1454,11 @@
 </file>
 
 <file path=ppt/notesSlides/notesSlide5.xml><?xml version="1.0" encoding="utf-8"?>
-<p:notes xmlns:a="http://schemas.openxmlformats.org/drawingml/2006/main" xmlns:r="http://schemas.openxmlformats.org/officeDocument/2006/relationships" xmlns:p="http://schemas.openxmlformats.org/presentationml/2006/main" showMasterSp="0" showMasterPhAnim="0">
+<p:notes xmlns:a="http://schemas.openxmlformats.org/drawingml/2006/main" xmlns:r="http://schemas.openxmlformats.org/officeDocument/2006/relationships" xmlns:mc="http://schemas.openxmlformats.org/markup-compatibility/2006" xmlns:mv="urn:schemas-microsoft-com:mac:vml" xmlns:p="http://schemas.openxmlformats.org/presentationml/2006/main" xmlns:c="http://schemas.openxmlformats.org/drawingml/2006/chart" xmlns:dgm="http://schemas.openxmlformats.org/drawingml/2006/diagram" xmlns:o="urn:schemas-microsoft-com:office:office" xmlns:v="urn:schemas-microsoft-com:vml" xmlns:pvml="urn:schemas-microsoft-com:office:powerpoint" xmlns:com="http://schemas.openxmlformats.org/drawingml/2006/compatibility" xmlns:p14="http://schemas.microsoft.com/office/powerpoint/2010/main" xmlns:p15="http://schemas.microsoft.com/office/powerpoint/2012/main" xmlns:ahyp="http://schemas.microsoft.com/office/drawing/2018/hyperlinkcolor" showMasterPhAnim="0" showMasterSp="0">
   <p:cSld>
     <p:spTree>
       <p:nvGrpSpPr>
-        <p:cNvPr id="1" name="Shape 101"/>
+        <p:cNvPr id="101" name="Shape 101"/>
         <p:cNvGrpSpPr/>
         <p:nvPr/>
       </p:nvGrpSpPr>
@@ -1490,11 +1473,9 @@
       <p:sp>
         <p:nvSpPr>
           <p:cNvPr id="102" name="Google Shape;102;gbf09313a8f_0_0:notes"/>
-          <p:cNvSpPr>
-            <a:spLocks noGrp="1" noRot="1" noChangeAspect="1"/>
-          </p:cNvSpPr>
+          <p:cNvSpPr/>
           <p:nvPr>
-            <p:ph type="sldImg" idx="2"/>
+            <p:ph idx="2" type="sldImg"/>
           </p:nvPr>
         </p:nvSpPr>
         <p:spPr>
@@ -1503,13 +1484,9 @@
             <a:ext cx="6096000" cy="3429000"/>
           </a:xfrm>
           <a:custGeom>
-            <a:avLst/>
-            <a:gdLst/>
-            <a:ahLst/>
-            <a:cxnLst/>
-            <a:rect l="l" t="t" r="r" b="b"/>
+            <a:rect b="b" l="l" r="r" t="t"/>
             <a:pathLst>
-              <a:path w="120000" h="120000" extrusionOk="0">
+              <a:path extrusionOk="0" h="120000" w="120000">
                 <a:moveTo>
                   <a:pt x="0" y="0"/>
                 </a:moveTo>
@@ -1531,11 +1508,9 @@
       <p:sp>
         <p:nvSpPr>
           <p:cNvPr id="103" name="Google Shape;103;gbf09313a8f_0_0:notes"/>
-          <p:cNvSpPr txBox="1">
-            <a:spLocks noGrp="1"/>
-          </p:cNvSpPr>
+          <p:cNvSpPr txBox="1"/>
           <p:nvPr>
-            <p:ph type="body" idx="1"/>
+            <p:ph idx="1" type="body"/>
           </p:nvPr>
         </p:nvSpPr>
         <p:spPr>
@@ -1548,12 +1523,12 @@
           </a:prstGeom>
         </p:spPr>
         <p:txBody>
-          <a:bodyPr spcFirstLastPara="1" wrap="square" lIns="91425" tIns="91425" rIns="91425" bIns="91425" anchor="t" anchorCtr="0">
+          <a:bodyPr anchorCtr="0" anchor="t" bIns="91425" lIns="91425" spcFirstLastPara="1" rIns="91425" wrap="square" tIns="91425">
             <a:noAutofit/>
           </a:bodyPr>
           <a:lstStyle/>
           <a:p>
-            <a:pPr marL="457200" lvl="0" indent="-312658" algn="l" rtl="0">
+            <a:pPr indent="-312658" lvl="0" marL="457200" rtl="0" algn="l">
               <a:lnSpc>
                 <a:spcPct val="95000"/>
               </a:lnSpc>
@@ -1584,7 +1559,7 @@
             </a:endParaRPr>
           </a:p>
           <a:p>
-            <a:pPr marL="914400" lvl="1" indent="-312658" algn="l" rtl="0">
+            <a:pPr indent="-312658" lvl="1" marL="914400" rtl="0" algn="l">
               <a:lnSpc>
                 <a:spcPct val="95000"/>
               </a:lnSpc>
@@ -1615,7 +1590,7 @@
             </a:endParaRPr>
           </a:p>
           <a:p>
-            <a:pPr marL="914400" lvl="1" indent="-312658" algn="l" rtl="0">
+            <a:pPr indent="-312658" lvl="1" marL="914400" rtl="0" algn="l">
               <a:lnSpc>
                 <a:spcPct val="95000"/>
               </a:lnSpc>
@@ -1646,7 +1621,7 @@
             </a:endParaRPr>
           </a:p>
           <a:p>
-            <a:pPr marL="914400" lvl="1" indent="-312658" algn="l" rtl="0">
+            <a:pPr indent="-312658" lvl="1" marL="914400" rtl="0" algn="l">
               <a:lnSpc>
                 <a:spcPct val="95000"/>
               </a:lnSpc>
@@ -1687,11 +1662,11 @@
 </file>
 
 <file path=ppt/notesSlides/notesSlide6.xml><?xml version="1.0" encoding="utf-8"?>
-<p:notes xmlns:a="http://schemas.openxmlformats.org/drawingml/2006/main" xmlns:r="http://schemas.openxmlformats.org/officeDocument/2006/relationships" xmlns:p="http://schemas.openxmlformats.org/presentationml/2006/main" showMasterSp="0" showMasterPhAnim="0">
+<p:notes xmlns:a="http://schemas.openxmlformats.org/drawingml/2006/main" xmlns:r="http://schemas.openxmlformats.org/officeDocument/2006/relationships" xmlns:mc="http://schemas.openxmlformats.org/markup-compatibility/2006" xmlns:mv="urn:schemas-microsoft-com:mac:vml" xmlns:p="http://schemas.openxmlformats.org/presentationml/2006/main" xmlns:c="http://schemas.openxmlformats.org/drawingml/2006/chart" xmlns:dgm="http://schemas.openxmlformats.org/drawingml/2006/diagram" xmlns:o="urn:schemas-microsoft-com:office:office" xmlns:v="urn:schemas-microsoft-com:vml" xmlns:pvml="urn:schemas-microsoft-com:office:powerpoint" xmlns:com="http://schemas.openxmlformats.org/drawingml/2006/compatibility" xmlns:p14="http://schemas.microsoft.com/office/powerpoint/2010/main" xmlns:p15="http://schemas.microsoft.com/office/powerpoint/2012/main" xmlns:ahyp="http://schemas.microsoft.com/office/drawing/2018/hyperlinkcolor" showMasterPhAnim="0" showMasterSp="0">
   <p:cSld>
     <p:spTree>
       <p:nvGrpSpPr>
-        <p:cNvPr id="1" name="Shape 111"/>
+        <p:cNvPr id="111" name="Shape 111"/>
         <p:cNvGrpSpPr/>
         <p:nvPr/>
       </p:nvGrpSpPr>
@@ -1706,11 +1681,9 @@
       <p:sp>
         <p:nvSpPr>
           <p:cNvPr id="112" name="Google Shape;112;gc007c13af7_0_20:notes"/>
-          <p:cNvSpPr>
-            <a:spLocks noGrp="1" noRot="1" noChangeAspect="1"/>
-          </p:cNvSpPr>
+          <p:cNvSpPr/>
           <p:nvPr>
-            <p:ph type="sldImg" idx="2"/>
+            <p:ph idx="2" type="sldImg"/>
           </p:nvPr>
         </p:nvSpPr>
         <p:spPr>
@@ -1719,13 +1692,9 @@
             <a:ext cx="6096000" cy="3429000"/>
           </a:xfrm>
           <a:custGeom>
-            <a:avLst/>
-            <a:gdLst/>
-            <a:ahLst/>
-            <a:cxnLst/>
-            <a:rect l="l" t="t" r="r" b="b"/>
+            <a:rect b="b" l="l" r="r" t="t"/>
             <a:pathLst>
-              <a:path w="120000" h="120000" extrusionOk="0">
+              <a:path extrusionOk="0" h="120000" w="120000">
                 <a:moveTo>
                   <a:pt x="0" y="0"/>
                 </a:moveTo>
@@ -1747,11 +1716,9 @@
       <p:sp>
         <p:nvSpPr>
           <p:cNvPr id="113" name="Google Shape;113;gc007c13af7_0_20:notes"/>
-          <p:cNvSpPr txBox="1">
-            <a:spLocks noGrp="1"/>
-          </p:cNvSpPr>
+          <p:cNvSpPr txBox="1"/>
           <p:nvPr>
-            <p:ph type="body" idx="1"/>
+            <p:ph idx="1" type="body"/>
           </p:nvPr>
         </p:nvSpPr>
         <p:spPr>
@@ -1764,12 +1731,12 @@
           </a:prstGeom>
         </p:spPr>
         <p:txBody>
-          <a:bodyPr spcFirstLastPara="1" wrap="square" lIns="91425" tIns="91425" rIns="91425" bIns="91425" anchor="t" anchorCtr="0">
+          <a:bodyPr anchorCtr="0" anchor="t" bIns="91425" lIns="91425" spcFirstLastPara="1" rIns="91425" wrap="square" tIns="91425">
             <a:noAutofit/>
           </a:bodyPr>
           <a:lstStyle/>
           <a:p>
-            <a:pPr marL="0" lvl="0" indent="0" algn="l" rtl="0">
+            <a:pPr indent="0" lvl="0" marL="0" rtl="0" algn="l">
               <a:lnSpc>
                 <a:spcPct val="115000"/>
               </a:lnSpc>
@@ -1788,7 +1755,7 @@
             <a:endParaRPr/>
           </a:p>
           <a:p>
-            <a:pPr marL="0" lvl="0" indent="0" algn="l" rtl="0">
+            <a:pPr indent="0" lvl="0" marL="0" rtl="0" algn="l">
               <a:lnSpc>
                 <a:spcPct val="115000"/>
               </a:lnSpc>
@@ -1802,12 +1769,28 @@
             </a:pPr>
             <a:r>
               <a:rPr lang="en"/>
-              <a:t>We wanted to know how the immunization rates differed by state and by time. We thought that different states having different requirements for vaccination exemption would allow for varied rates. Also, we wanted to know if immunization rates across school types were dropping; we thought this may be the case because of the growing coverage in recent news.</a:t>
+              <a:t>We wanted to know how the immunization rates </a:t>
+            </a:r>
+            <a:r>
+              <a:rPr lang="en"/>
+              <a:t>differed</a:t>
+            </a:r>
+            <a:r>
+              <a:rPr lang="en"/>
+              <a:t> by state and by time. We thought that different states having different requirements for vaccination exemption would allow for varied rates. Also, we wanted to know if immunization rates </a:t>
+            </a:r>
+            <a:r>
+              <a:rPr lang="en"/>
+              <a:t>across</a:t>
+            </a:r>
+            <a:r>
+              <a:rPr lang="en"/>
+              <a:t> school types were dropping; we thought this may be the case because of the growing coverage in recent news.</a:t>
             </a:r>
             <a:endParaRPr/>
           </a:p>
           <a:p>
-            <a:pPr marL="0" lvl="0" indent="0" algn="l" rtl="0">
+            <a:pPr indent="0" lvl="0" marL="0" rtl="0" algn="l">
               <a:lnSpc>
                 <a:spcPct val="115000"/>
               </a:lnSpc>
@@ -1826,7 +1809,7 @@
             <a:endParaRPr/>
           </a:p>
           <a:p>
-            <a:pPr marL="0" lvl="0" indent="0" algn="l" rtl="0">
+            <a:pPr indent="0" lvl="0" marL="0" rtl="0" algn="l">
               <a:lnSpc>
                 <a:spcPct val="115000"/>
               </a:lnSpc>
@@ -1858,7 +1841,7 @@
             </a:endParaRPr>
           </a:p>
           <a:p>
-            <a:pPr marL="0" lvl="0" indent="457200" algn="l" rtl="0">
+            <a:pPr indent="457200" lvl="0" marL="0" rtl="0" algn="l">
               <a:lnSpc>
                 <a:spcPct val="115000"/>
               </a:lnSpc>
@@ -1886,7 +1869,7 @@
             <a:endParaRPr/>
           </a:p>
           <a:p>
-            <a:pPr marL="0" lvl="0" indent="0" algn="l" rtl="0">
+            <a:pPr indent="0" lvl="0" marL="0" rtl="0" algn="l">
               <a:spcBef>
                 <a:spcPts val="0"/>
               </a:spcBef>
@@ -1895,6 +1878,9 @@
               </a:spcAft>
               <a:buNone/>
             </a:pPr>
+            <a:r>
+              <a:t/>
+            </a:r>
             <a:endParaRPr/>
           </a:p>
         </p:txBody>
@@ -1908,11 +1894,11 @@
 </file>
 
 <file path=ppt/notesSlides/notesSlide7.xml><?xml version="1.0" encoding="utf-8"?>
-<p:notes xmlns:a="http://schemas.openxmlformats.org/drawingml/2006/main" xmlns:r="http://schemas.openxmlformats.org/officeDocument/2006/relationships" xmlns:p="http://schemas.openxmlformats.org/presentationml/2006/main" showMasterSp="0" showMasterPhAnim="0">
+<p:notes xmlns:a="http://schemas.openxmlformats.org/drawingml/2006/main" xmlns:r="http://schemas.openxmlformats.org/officeDocument/2006/relationships" xmlns:mc="http://schemas.openxmlformats.org/markup-compatibility/2006" xmlns:mv="urn:schemas-microsoft-com:mac:vml" xmlns:p="http://schemas.openxmlformats.org/presentationml/2006/main" xmlns:c="http://schemas.openxmlformats.org/drawingml/2006/chart" xmlns:dgm="http://schemas.openxmlformats.org/drawingml/2006/diagram" xmlns:o="urn:schemas-microsoft-com:office:office" xmlns:v="urn:schemas-microsoft-com:vml" xmlns:pvml="urn:schemas-microsoft-com:office:powerpoint" xmlns:com="http://schemas.openxmlformats.org/drawingml/2006/compatibility" xmlns:p14="http://schemas.microsoft.com/office/powerpoint/2010/main" xmlns:p15="http://schemas.microsoft.com/office/powerpoint/2012/main" xmlns:ahyp="http://schemas.microsoft.com/office/drawing/2018/hyperlinkcolor" showMasterPhAnim="0" showMasterSp="0">
   <p:cSld>
     <p:spTree>
       <p:nvGrpSpPr>
-        <p:cNvPr id="1" name="Shape 119"/>
+        <p:cNvPr id="119" name="Shape 119"/>
         <p:cNvGrpSpPr/>
         <p:nvPr/>
       </p:nvGrpSpPr>
@@ -1927,11 +1913,9 @@
       <p:sp>
         <p:nvSpPr>
           <p:cNvPr id="120" name="Google Shape;120;gc007c13af7_0_33:notes"/>
-          <p:cNvSpPr>
-            <a:spLocks noGrp="1" noRot="1" noChangeAspect="1"/>
-          </p:cNvSpPr>
+          <p:cNvSpPr/>
           <p:nvPr>
-            <p:ph type="sldImg" idx="2"/>
+            <p:ph idx="2" type="sldImg"/>
           </p:nvPr>
         </p:nvSpPr>
         <p:spPr>
@@ -1940,13 +1924,9 @@
             <a:ext cx="6096000" cy="3429000"/>
           </a:xfrm>
           <a:custGeom>
-            <a:avLst/>
-            <a:gdLst/>
-            <a:ahLst/>
-            <a:cxnLst/>
-            <a:rect l="l" t="t" r="r" b="b"/>
+            <a:rect b="b" l="l" r="r" t="t"/>
             <a:pathLst>
-              <a:path w="120000" h="120000" extrusionOk="0">
+              <a:path extrusionOk="0" h="120000" w="120000">
                 <a:moveTo>
                   <a:pt x="0" y="0"/>
                 </a:moveTo>
@@ -1968,11 +1948,9 @@
       <p:sp>
         <p:nvSpPr>
           <p:cNvPr id="121" name="Google Shape;121;gc007c13af7_0_33:notes"/>
-          <p:cNvSpPr txBox="1">
-            <a:spLocks noGrp="1"/>
-          </p:cNvSpPr>
+          <p:cNvSpPr txBox="1"/>
           <p:nvPr>
-            <p:ph type="body" idx="1"/>
+            <p:ph idx="1" type="body"/>
           </p:nvPr>
         </p:nvSpPr>
         <p:spPr>
@@ -1985,12 +1963,12 @@
           </a:prstGeom>
         </p:spPr>
         <p:txBody>
-          <a:bodyPr spcFirstLastPara="1" wrap="square" lIns="91425" tIns="91425" rIns="91425" bIns="91425" anchor="t" anchorCtr="0">
+          <a:bodyPr anchorCtr="0" anchor="t" bIns="91425" lIns="91425" spcFirstLastPara="1" rIns="91425" wrap="square" tIns="91425">
             <a:noAutofit/>
           </a:bodyPr>
           <a:lstStyle/>
           <a:p>
-            <a:pPr marL="0" lvl="0" indent="0" algn="l" rtl="0">
+            <a:pPr indent="0" lvl="0" marL="0" rtl="0" algn="l">
               <a:spcBef>
                 <a:spcPts val="0"/>
               </a:spcBef>
@@ -1999,6 +1977,9 @@
               </a:spcAft>
               <a:buNone/>
             </a:pPr>
+            <a:r>
+              <a:t/>
+            </a:r>
             <a:endParaRPr/>
           </a:p>
         </p:txBody>
@@ -2012,11 +1993,11 @@
 </file>
 
 <file path=ppt/slideLayouts/slideLayout1.xml><?xml version="1.0" encoding="utf-8"?>
-<p:sldLayout xmlns:a="http://schemas.openxmlformats.org/drawingml/2006/main" xmlns:r="http://schemas.openxmlformats.org/officeDocument/2006/relationships" xmlns:p="http://schemas.openxmlformats.org/presentationml/2006/main" matchingName="Title slide" type="title">
+<p:sldLayout xmlns:a="http://schemas.openxmlformats.org/drawingml/2006/main" xmlns:r="http://schemas.openxmlformats.org/officeDocument/2006/relationships" xmlns:mc="http://schemas.openxmlformats.org/markup-compatibility/2006" xmlns:mv="urn:schemas-microsoft-com:mac:vml" xmlns:p="http://schemas.openxmlformats.org/presentationml/2006/main" xmlns:c="http://schemas.openxmlformats.org/drawingml/2006/chart" xmlns:dgm="http://schemas.openxmlformats.org/drawingml/2006/diagram" xmlns:o="urn:schemas-microsoft-com:office:office" xmlns:v="urn:schemas-microsoft-com:vml" xmlns:pvml="urn:schemas-microsoft-com:office:powerpoint" xmlns:com="http://schemas.openxmlformats.org/drawingml/2006/compatibility" xmlns:p14="http://schemas.microsoft.com/office/powerpoint/2010/main" xmlns:p15="http://schemas.microsoft.com/office/powerpoint/2012/main" xmlns:ahyp="http://schemas.microsoft.com/office/drawing/2018/hyperlinkcolor" matchingName="Title slide" type="title">
   <p:cSld name="TITLE">
     <p:spTree>
       <p:nvGrpSpPr>
-        <p:cNvPr id="1" name="Shape 9"/>
+        <p:cNvPr id="9" name="Shape 9"/>
         <p:cNvGrpSpPr/>
         <p:nvPr/>
       </p:nvGrpSpPr>
@@ -2031,9 +2012,7 @@
       <p:sp>
         <p:nvSpPr>
           <p:cNvPr id="10" name="Google Shape;10;p2"/>
-          <p:cNvSpPr txBox="1">
-            <a:spLocks noGrp="1"/>
-          </p:cNvSpPr>
+          <p:cNvSpPr txBox="1"/>
           <p:nvPr>
             <p:ph type="ctrTitle"/>
           </p:nvPr>
@@ -2048,11 +2027,11 @@
           </a:prstGeom>
         </p:spPr>
         <p:txBody>
-          <a:bodyPr spcFirstLastPara="1" wrap="square" lIns="91425" tIns="91425" rIns="91425" bIns="91425" anchor="b" anchorCtr="0">
+          <a:bodyPr anchorCtr="0" anchor="b" bIns="91425" lIns="91425" spcFirstLastPara="1" rIns="91425" wrap="square" tIns="91425">
             <a:normAutofit/>
           </a:bodyPr>
           <a:lstStyle>
-            <a:lvl1pPr lvl="0" algn="ctr" rtl="0">
+            <a:lvl1pPr lvl="0" rtl="0" algn="ctr">
               <a:spcBef>
                 <a:spcPts val="0"/>
               </a:spcBef>
@@ -2063,7 +2042,7 @@
               <a:buNone/>
               <a:defRPr sz="5200"/>
             </a:lvl1pPr>
-            <a:lvl2pPr lvl="1" algn="ctr" rtl="0">
+            <a:lvl2pPr lvl="1" rtl="0" algn="ctr">
               <a:spcBef>
                 <a:spcPts val="0"/>
               </a:spcBef>
@@ -2074,7 +2053,7 @@
               <a:buNone/>
               <a:defRPr sz="5200"/>
             </a:lvl2pPr>
-            <a:lvl3pPr lvl="2" algn="ctr" rtl="0">
+            <a:lvl3pPr lvl="2" rtl="0" algn="ctr">
               <a:spcBef>
                 <a:spcPts val="0"/>
               </a:spcBef>
@@ -2085,7 +2064,7 @@
               <a:buNone/>
               <a:defRPr sz="5200"/>
             </a:lvl3pPr>
-            <a:lvl4pPr lvl="3" algn="ctr" rtl="0">
+            <a:lvl4pPr lvl="3" rtl="0" algn="ctr">
               <a:spcBef>
                 <a:spcPts val="0"/>
               </a:spcBef>
@@ -2096,7 +2075,7 @@
               <a:buNone/>
               <a:defRPr sz="5200"/>
             </a:lvl4pPr>
-            <a:lvl5pPr lvl="4" algn="ctr" rtl="0">
+            <a:lvl5pPr lvl="4" rtl="0" algn="ctr">
               <a:spcBef>
                 <a:spcPts val="0"/>
               </a:spcBef>
@@ -2107,7 +2086,7 @@
               <a:buNone/>
               <a:defRPr sz="5200"/>
             </a:lvl5pPr>
-            <a:lvl6pPr lvl="5" algn="ctr" rtl="0">
+            <a:lvl6pPr lvl="5" rtl="0" algn="ctr">
               <a:spcBef>
                 <a:spcPts val="0"/>
               </a:spcBef>
@@ -2118,7 +2097,7 @@
               <a:buNone/>
               <a:defRPr sz="5200"/>
             </a:lvl6pPr>
-            <a:lvl7pPr lvl="6" algn="ctr" rtl="0">
+            <a:lvl7pPr lvl="6" rtl="0" algn="ctr">
               <a:spcBef>
                 <a:spcPts val="0"/>
               </a:spcBef>
@@ -2129,7 +2108,7 @@
               <a:buNone/>
               <a:defRPr sz="5200"/>
             </a:lvl7pPr>
-            <a:lvl8pPr lvl="7" algn="ctr" rtl="0">
+            <a:lvl8pPr lvl="7" rtl="0" algn="ctr">
               <a:spcBef>
                 <a:spcPts val="0"/>
               </a:spcBef>
@@ -2140,7 +2119,7 @@
               <a:buNone/>
               <a:defRPr sz="5200"/>
             </a:lvl8pPr>
-            <a:lvl9pPr lvl="8" algn="ctr" rtl="0">
+            <a:lvl9pPr lvl="8" rtl="0" algn="ctr">
               <a:spcBef>
                 <a:spcPts val="0"/>
               </a:spcBef>
@@ -2152,19 +2131,15 @@
               <a:defRPr sz="5200"/>
             </a:lvl9pPr>
           </a:lstStyle>
-          <a:p>
-            <a:endParaRPr/>
-          </a:p>
+          <a:p/>
         </p:txBody>
       </p:sp>
       <p:sp>
         <p:nvSpPr>
           <p:cNvPr id="11" name="Google Shape;11;p2"/>
-          <p:cNvSpPr txBox="1">
-            <a:spLocks noGrp="1"/>
-          </p:cNvSpPr>
+          <p:cNvSpPr txBox="1"/>
           <p:nvPr>
-            <p:ph type="subTitle" idx="1"/>
+            <p:ph idx="1" type="subTitle"/>
           </p:nvPr>
         </p:nvSpPr>
         <p:spPr>
@@ -2177,11 +2152,11 @@
           </a:prstGeom>
         </p:spPr>
         <p:txBody>
-          <a:bodyPr spcFirstLastPara="1" wrap="square" lIns="91425" tIns="91425" rIns="91425" bIns="91425" anchor="t" anchorCtr="0">
+          <a:bodyPr anchorCtr="0" anchor="t" bIns="91425" lIns="91425" spcFirstLastPara="1" rIns="91425" wrap="square" tIns="91425">
             <a:normAutofit/>
           </a:bodyPr>
           <a:lstStyle>
-            <a:lvl1pPr lvl="0" algn="ctr" rtl="0">
+            <a:lvl1pPr lvl="0" rtl="0" algn="ctr">
               <a:lnSpc>
                 <a:spcPct val="100000"/>
               </a:lnSpc>
@@ -2195,7 +2170,7 @@
               <a:buNone/>
               <a:defRPr sz="2800"/>
             </a:lvl1pPr>
-            <a:lvl2pPr lvl="1" algn="ctr" rtl="0">
+            <a:lvl2pPr lvl="1" rtl="0" algn="ctr">
               <a:lnSpc>
                 <a:spcPct val="100000"/>
               </a:lnSpc>
@@ -2209,7 +2184,7 @@
               <a:buNone/>
               <a:defRPr sz="2800"/>
             </a:lvl2pPr>
-            <a:lvl3pPr lvl="2" algn="ctr" rtl="0">
+            <a:lvl3pPr lvl="2" rtl="0" algn="ctr">
               <a:lnSpc>
                 <a:spcPct val="100000"/>
               </a:lnSpc>
@@ -2223,7 +2198,7 @@
               <a:buNone/>
               <a:defRPr sz="2800"/>
             </a:lvl3pPr>
-            <a:lvl4pPr lvl="3" algn="ctr" rtl="0">
+            <a:lvl4pPr lvl="3" rtl="0" algn="ctr">
               <a:lnSpc>
                 <a:spcPct val="100000"/>
               </a:lnSpc>
@@ -2237,7 +2212,7 @@
               <a:buNone/>
               <a:defRPr sz="2800"/>
             </a:lvl4pPr>
-            <a:lvl5pPr lvl="4" algn="ctr" rtl="0">
+            <a:lvl5pPr lvl="4" rtl="0" algn="ctr">
               <a:lnSpc>
                 <a:spcPct val="100000"/>
               </a:lnSpc>
@@ -2251,7 +2226,7 @@
               <a:buNone/>
               <a:defRPr sz="2800"/>
             </a:lvl5pPr>
-            <a:lvl6pPr lvl="5" algn="ctr" rtl="0">
+            <a:lvl6pPr lvl="5" rtl="0" algn="ctr">
               <a:lnSpc>
                 <a:spcPct val="100000"/>
               </a:lnSpc>
@@ -2265,7 +2240,7 @@
               <a:buNone/>
               <a:defRPr sz="2800"/>
             </a:lvl6pPr>
-            <a:lvl7pPr lvl="6" algn="ctr" rtl="0">
+            <a:lvl7pPr lvl="6" rtl="0" algn="ctr">
               <a:lnSpc>
                 <a:spcPct val="100000"/>
               </a:lnSpc>
@@ -2279,7 +2254,7 @@
               <a:buNone/>
               <a:defRPr sz="2800"/>
             </a:lvl7pPr>
-            <a:lvl8pPr lvl="7" algn="ctr" rtl="0">
+            <a:lvl8pPr lvl="7" rtl="0" algn="ctr">
               <a:lnSpc>
                 <a:spcPct val="100000"/>
               </a:lnSpc>
@@ -2293,7 +2268,7 @@
               <a:buNone/>
               <a:defRPr sz="2800"/>
             </a:lvl8pPr>
-            <a:lvl9pPr lvl="8" algn="ctr" rtl="0">
+            <a:lvl9pPr lvl="8" rtl="0" algn="ctr">
               <a:lnSpc>
                 <a:spcPct val="100000"/>
               </a:lnSpc>
@@ -2308,19 +2283,15 @@
               <a:defRPr sz="2800"/>
             </a:lvl9pPr>
           </a:lstStyle>
-          <a:p>
-            <a:endParaRPr/>
-          </a:p>
+          <a:p/>
         </p:txBody>
       </p:sp>
       <p:sp>
         <p:nvSpPr>
           <p:cNvPr id="12" name="Google Shape;12;p2"/>
-          <p:cNvSpPr txBox="1">
-            <a:spLocks noGrp="1"/>
-          </p:cNvSpPr>
+          <p:cNvSpPr txBox="1"/>
           <p:nvPr>
-            <p:ph type="sldNum" idx="12"/>
+            <p:ph idx="12" type="sldNum"/>
           </p:nvPr>
         </p:nvSpPr>
         <p:spPr>
@@ -2333,7 +2304,7 @@
           </a:prstGeom>
         </p:spPr>
         <p:txBody>
-          <a:bodyPr spcFirstLastPara="1" wrap="square" lIns="91425" tIns="91425" rIns="91425" bIns="91425" anchor="ctr" anchorCtr="0">
+          <a:bodyPr anchorCtr="0" anchor="ctr" bIns="91425" lIns="91425" spcFirstLastPara="1" rIns="91425" wrap="square" tIns="91425">
             <a:normAutofit/>
           </a:bodyPr>
           <a:lstStyle>
@@ -2375,7 +2346,7 @@
             </a:lvl9pPr>
           </a:lstStyle>
           <a:p>
-            <a:pPr marL="0" lvl="0" indent="0" algn="r" rtl="0">
+            <a:pPr indent="0" lvl="0" marL="0" rtl="0" algn="r">
               <a:spcBef>
                 <a:spcPts val="0"/>
               </a:spcBef>
@@ -2401,11 +2372,11 @@
 </file>
 
 <file path=ppt/slideLayouts/slideLayout10.xml><?xml version="1.0" encoding="utf-8"?>
-<p:sldLayout xmlns:a="http://schemas.openxmlformats.org/drawingml/2006/main" xmlns:r="http://schemas.openxmlformats.org/officeDocument/2006/relationships" xmlns:p="http://schemas.openxmlformats.org/presentationml/2006/main" matchingName="Big number">
+<p:sldLayout xmlns:a="http://schemas.openxmlformats.org/drawingml/2006/main" xmlns:r="http://schemas.openxmlformats.org/officeDocument/2006/relationships" xmlns:mc="http://schemas.openxmlformats.org/markup-compatibility/2006" xmlns:mv="urn:schemas-microsoft-com:mac:vml" xmlns:p="http://schemas.openxmlformats.org/presentationml/2006/main" xmlns:c="http://schemas.openxmlformats.org/drawingml/2006/chart" xmlns:dgm="http://schemas.openxmlformats.org/drawingml/2006/diagram" xmlns:o="urn:schemas-microsoft-com:office:office" xmlns:v="urn:schemas-microsoft-com:vml" xmlns:pvml="urn:schemas-microsoft-com:office:powerpoint" xmlns:com="http://schemas.openxmlformats.org/drawingml/2006/compatibility" xmlns:p14="http://schemas.microsoft.com/office/powerpoint/2010/main" xmlns:p15="http://schemas.microsoft.com/office/powerpoint/2012/main" xmlns:ahyp="http://schemas.microsoft.com/office/drawing/2018/hyperlinkcolor" matchingName="Big number">
   <p:cSld name="BIG_NUMBER">
     <p:spTree>
       <p:nvGrpSpPr>
-        <p:cNvPr id="1" name="Shape 44"/>
+        <p:cNvPr id="44" name="Shape 44"/>
         <p:cNvGrpSpPr/>
         <p:nvPr/>
       </p:nvGrpSpPr>
@@ -2420,11 +2391,9 @@
       <p:sp>
         <p:nvSpPr>
           <p:cNvPr id="45" name="Google Shape;45;p11"/>
-          <p:cNvSpPr txBox="1">
-            <a:spLocks noGrp="1"/>
-          </p:cNvSpPr>
+          <p:cNvSpPr txBox="1"/>
           <p:nvPr>
-            <p:ph type="title" hasCustomPrompt="1"/>
+            <p:ph hasCustomPrompt="1" type="title"/>
           </p:nvPr>
         </p:nvSpPr>
         <p:spPr>
@@ -2437,11 +2406,11 @@
           </a:prstGeom>
         </p:spPr>
         <p:txBody>
-          <a:bodyPr spcFirstLastPara="1" wrap="square" lIns="91425" tIns="91425" rIns="91425" bIns="91425" anchor="b" anchorCtr="0">
+          <a:bodyPr anchorCtr="0" anchor="b" bIns="91425" lIns="91425" spcFirstLastPara="1" rIns="91425" wrap="square" tIns="91425">
             <a:normAutofit/>
           </a:bodyPr>
           <a:lstStyle>
-            <a:lvl1pPr lvl="0" algn="ctr" rtl="0">
+            <a:lvl1pPr lvl="0" rtl="0" algn="ctr">
               <a:spcBef>
                 <a:spcPts val="0"/>
               </a:spcBef>
@@ -2452,7 +2421,7 @@
               <a:buNone/>
               <a:defRPr sz="12000"/>
             </a:lvl1pPr>
-            <a:lvl2pPr lvl="1" algn="ctr" rtl="0">
+            <a:lvl2pPr lvl="1" rtl="0" algn="ctr">
               <a:spcBef>
                 <a:spcPts val="0"/>
               </a:spcBef>
@@ -2463,7 +2432,7 @@
               <a:buNone/>
               <a:defRPr sz="12000"/>
             </a:lvl2pPr>
-            <a:lvl3pPr lvl="2" algn="ctr" rtl="0">
+            <a:lvl3pPr lvl="2" rtl="0" algn="ctr">
               <a:spcBef>
                 <a:spcPts val="0"/>
               </a:spcBef>
@@ -2474,7 +2443,7 @@
               <a:buNone/>
               <a:defRPr sz="12000"/>
             </a:lvl3pPr>
-            <a:lvl4pPr lvl="3" algn="ctr" rtl="0">
+            <a:lvl4pPr lvl="3" rtl="0" algn="ctr">
               <a:spcBef>
                 <a:spcPts val="0"/>
               </a:spcBef>
@@ -2485,7 +2454,7 @@
               <a:buNone/>
               <a:defRPr sz="12000"/>
             </a:lvl4pPr>
-            <a:lvl5pPr lvl="4" algn="ctr" rtl="0">
+            <a:lvl5pPr lvl="4" rtl="0" algn="ctr">
               <a:spcBef>
                 <a:spcPts val="0"/>
               </a:spcBef>
@@ -2496,7 +2465,7 @@
               <a:buNone/>
               <a:defRPr sz="12000"/>
             </a:lvl5pPr>
-            <a:lvl6pPr lvl="5" algn="ctr" rtl="0">
+            <a:lvl6pPr lvl="5" rtl="0" algn="ctr">
               <a:spcBef>
                 <a:spcPts val="0"/>
               </a:spcBef>
@@ -2507,7 +2476,7 @@
               <a:buNone/>
               <a:defRPr sz="12000"/>
             </a:lvl6pPr>
-            <a:lvl7pPr lvl="6" algn="ctr" rtl="0">
+            <a:lvl7pPr lvl="6" rtl="0" algn="ctr">
               <a:spcBef>
                 <a:spcPts val="0"/>
               </a:spcBef>
@@ -2518,7 +2487,7 @@
               <a:buNone/>
               <a:defRPr sz="12000"/>
             </a:lvl7pPr>
-            <a:lvl8pPr lvl="7" algn="ctr" rtl="0">
+            <a:lvl8pPr lvl="7" rtl="0" algn="ctr">
               <a:spcBef>
                 <a:spcPts val="0"/>
               </a:spcBef>
@@ -2529,7 +2498,7 @@
               <a:buNone/>
               <a:defRPr sz="12000"/>
             </a:lvl8pPr>
-            <a:lvl9pPr lvl="8" algn="ctr" rtl="0">
+            <a:lvl9pPr lvl="8" rtl="0" algn="ctr">
               <a:spcBef>
                 <a:spcPts val="0"/>
               </a:spcBef>
@@ -2551,11 +2520,9 @@
       <p:sp>
         <p:nvSpPr>
           <p:cNvPr id="46" name="Google Shape;46;p11"/>
-          <p:cNvSpPr txBox="1">
-            <a:spLocks noGrp="1"/>
-          </p:cNvSpPr>
+          <p:cNvSpPr txBox="1"/>
           <p:nvPr>
-            <p:ph type="body" idx="1"/>
+            <p:ph idx="1" type="body"/>
           </p:nvPr>
         </p:nvSpPr>
         <p:spPr>
@@ -2568,11 +2535,11 @@
           </a:prstGeom>
         </p:spPr>
         <p:txBody>
-          <a:bodyPr spcFirstLastPara="1" wrap="square" lIns="91425" tIns="91425" rIns="91425" bIns="91425" anchor="t" anchorCtr="0">
+          <a:bodyPr anchorCtr="0" anchor="t" bIns="91425" lIns="91425" spcFirstLastPara="1" rIns="91425" wrap="square" tIns="91425">
             <a:normAutofit/>
           </a:bodyPr>
           <a:lstStyle>
-            <a:lvl1pPr marL="457200" lvl="0" indent="-342900" algn="ctr" rtl="0">
+            <a:lvl1pPr indent="-342900" lvl="0" marL="457200" rtl="0" algn="ctr">
               <a:spcBef>
                 <a:spcPts val="0"/>
               </a:spcBef>
@@ -2583,7 +2550,7 @@
               <a:buChar char="●"/>
               <a:defRPr/>
             </a:lvl1pPr>
-            <a:lvl2pPr marL="914400" lvl="1" indent="-317500" algn="ctr" rtl="0">
+            <a:lvl2pPr indent="-317500" lvl="1" marL="914400" rtl="0" algn="ctr">
               <a:spcBef>
                 <a:spcPts val="0"/>
               </a:spcBef>
@@ -2594,7 +2561,7 @@
               <a:buChar char="○"/>
               <a:defRPr/>
             </a:lvl2pPr>
-            <a:lvl3pPr marL="1371600" lvl="2" indent="-317500" algn="ctr" rtl="0">
+            <a:lvl3pPr indent="-317500" lvl="2" marL="1371600" rtl="0" algn="ctr">
               <a:spcBef>
                 <a:spcPts val="0"/>
               </a:spcBef>
@@ -2605,7 +2572,7 @@
               <a:buChar char="■"/>
               <a:defRPr/>
             </a:lvl3pPr>
-            <a:lvl4pPr marL="1828800" lvl="3" indent="-317500" algn="ctr" rtl="0">
+            <a:lvl4pPr indent="-317500" lvl="3" marL="1828800" rtl="0" algn="ctr">
               <a:spcBef>
                 <a:spcPts val="0"/>
               </a:spcBef>
@@ -2616,7 +2583,7 @@
               <a:buChar char="●"/>
               <a:defRPr/>
             </a:lvl4pPr>
-            <a:lvl5pPr marL="2286000" lvl="4" indent="-317500" algn="ctr" rtl="0">
+            <a:lvl5pPr indent="-317500" lvl="4" marL="2286000" rtl="0" algn="ctr">
               <a:spcBef>
                 <a:spcPts val="0"/>
               </a:spcBef>
@@ -2627,7 +2594,7 @@
               <a:buChar char="○"/>
               <a:defRPr/>
             </a:lvl5pPr>
-            <a:lvl6pPr marL="2743200" lvl="5" indent="-317500" algn="ctr" rtl="0">
+            <a:lvl6pPr indent="-317500" lvl="5" marL="2743200" rtl="0" algn="ctr">
               <a:spcBef>
                 <a:spcPts val="0"/>
               </a:spcBef>
@@ -2638,7 +2605,7 @@
               <a:buChar char="■"/>
               <a:defRPr/>
             </a:lvl6pPr>
-            <a:lvl7pPr marL="3200400" lvl="6" indent="-317500" algn="ctr" rtl="0">
+            <a:lvl7pPr indent="-317500" lvl="6" marL="3200400" rtl="0" algn="ctr">
               <a:spcBef>
                 <a:spcPts val="0"/>
               </a:spcBef>
@@ -2649,7 +2616,7 @@
               <a:buChar char="●"/>
               <a:defRPr/>
             </a:lvl7pPr>
-            <a:lvl8pPr marL="3657600" lvl="7" indent="-317500" algn="ctr" rtl="0">
+            <a:lvl8pPr indent="-317500" lvl="7" marL="3657600" rtl="0" algn="ctr">
               <a:spcBef>
                 <a:spcPts val="0"/>
               </a:spcBef>
@@ -2660,7 +2627,7 @@
               <a:buChar char="○"/>
               <a:defRPr/>
             </a:lvl8pPr>
-            <a:lvl9pPr marL="4114800" lvl="8" indent="-317500" algn="ctr" rtl="0">
+            <a:lvl9pPr indent="-317500" lvl="8" marL="4114800" rtl="0" algn="ctr">
               <a:spcBef>
                 <a:spcPts val="0"/>
               </a:spcBef>
@@ -2672,19 +2639,15 @@
               <a:defRPr/>
             </a:lvl9pPr>
           </a:lstStyle>
-          <a:p>
-            <a:endParaRPr/>
-          </a:p>
+          <a:p/>
         </p:txBody>
       </p:sp>
       <p:sp>
         <p:nvSpPr>
           <p:cNvPr id="47" name="Google Shape;47;p11"/>
-          <p:cNvSpPr txBox="1">
-            <a:spLocks noGrp="1"/>
-          </p:cNvSpPr>
+          <p:cNvSpPr txBox="1"/>
           <p:nvPr>
-            <p:ph type="sldNum" idx="12"/>
+            <p:ph idx="12" type="sldNum"/>
           </p:nvPr>
         </p:nvSpPr>
         <p:spPr>
@@ -2697,7 +2660,7 @@
           </a:prstGeom>
         </p:spPr>
         <p:txBody>
-          <a:bodyPr spcFirstLastPara="1" wrap="square" lIns="91425" tIns="91425" rIns="91425" bIns="91425" anchor="ctr" anchorCtr="0">
+          <a:bodyPr anchorCtr="0" anchor="ctr" bIns="91425" lIns="91425" spcFirstLastPara="1" rIns="91425" wrap="square" tIns="91425">
             <a:normAutofit/>
           </a:bodyPr>
           <a:lstStyle>
@@ -2739,7 +2702,7 @@
             </a:lvl9pPr>
           </a:lstStyle>
           <a:p>
-            <a:pPr marL="0" lvl="0" indent="0" algn="r" rtl="0">
+            <a:pPr indent="0" lvl="0" marL="0" rtl="0" algn="r">
               <a:spcBef>
                 <a:spcPts val="0"/>
               </a:spcBef>
@@ -2765,11 +2728,11 @@
 </file>
 
 <file path=ppt/slideLayouts/slideLayout11.xml><?xml version="1.0" encoding="utf-8"?>
-<p:sldLayout xmlns:a="http://schemas.openxmlformats.org/drawingml/2006/main" xmlns:r="http://schemas.openxmlformats.org/officeDocument/2006/relationships" xmlns:p="http://schemas.openxmlformats.org/presentationml/2006/main" matchingName="Blank" type="blank">
+<p:sldLayout xmlns:a="http://schemas.openxmlformats.org/drawingml/2006/main" xmlns:r="http://schemas.openxmlformats.org/officeDocument/2006/relationships" xmlns:mc="http://schemas.openxmlformats.org/markup-compatibility/2006" xmlns:mv="urn:schemas-microsoft-com:mac:vml" xmlns:p="http://schemas.openxmlformats.org/presentationml/2006/main" xmlns:c="http://schemas.openxmlformats.org/drawingml/2006/chart" xmlns:dgm="http://schemas.openxmlformats.org/drawingml/2006/diagram" xmlns:o="urn:schemas-microsoft-com:office:office" xmlns:v="urn:schemas-microsoft-com:vml" xmlns:pvml="urn:schemas-microsoft-com:office:powerpoint" xmlns:com="http://schemas.openxmlformats.org/drawingml/2006/compatibility" xmlns:p14="http://schemas.microsoft.com/office/powerpoint/2010/main" xmlns:p15="http://schemas.microsoft.com/office/powerpoint/2012/main" xmlns:ahyp="http://schemas.microsoft.com/office/drawing/2018/hyperlinkcolor" matchingName="Blank" type="blank">
   <p:cSld name="BLANK">
     <p:spTree>
       <p:nvGrpSpPr>
-        <p:cNvPr id="1" name="Shape 48"/>
+        <p:cNvPr id="48" name="Shape 48"/>
         <p:cNvGrpSpPr/>
         <p:nvPr/>
       </p:nvGrpSpPr>
@@ -2784,11 +2747,9 @@
       <p:sp>
         <p:nvSpPr>
           <p:cNvPr id="49" name="Google Shape;49;p12"/>
-          <p:cNvSpPr txBox="1">
-            <a:spLocks noGrp="1"/>
-          </p:cNvSpPr>
+          <p:cNvSpPr txBox="1"/>
           <p:nvPr>
-            <p:ph type="sldNum" idx="12"/>
+            <p:ph idx="12" type="sldNum"/>
           </p:nvPr>
         </p:nvSpPr>
         <p:spPr>
@@ -2801,7 +2762,7 @@
           </a:prstGeom>
         </p:spPr>
         <p:txBody>
-          <a:bodyPr spcFirstLastPara="1" wrap="square" lIns="91425" tIns="91425" rIns="91425" bIns="91425" anchor="ctr" anchorCtr="0">
+          <a:bodyPr anchorCtr="0" anchor="ctr" bIns="91425" lIns="91425" spcFirstLastPara="1" rIns="91425" wrap="square" tIns="91425">
             <a:normAutofit/>
           </a:bodyPr>
           <a:lstStyle>
@@ -2843,7 +2804,7 @@
             </a:lvl9pPr>
           </a:lstStyle>
           <a:p>
-            <a:pPr marL="0" lvl="0" indent="0" algn="r" rtl="0">
+            <a:pPr indent="0" lvl="0" marL="0" rtl="0" algn="r">
               <a:spcBef>
                 <a:spcPts val="0"/>
               </a:spcBef>
@@ -2869,11 +2830,11 @@
 </file>
 
 <file path=ppt/slideLayouts/slideLayout2.xml><?xml version="1.0" encoding="utf-8"?>
-<p:sldLayout xmlns:a="http://schemas.openxmlformats.org/drawingml/2006/main" xmlns:r="http://schemas.openxmlformats.org/officeDocument/2006/relationships" xmlns:p="http://schemas.openxmlformats.org/presentationml/2006/main" matchingName="Section header" type="secHead">
+<p:sldLayout xmlns:a="http://schemas.openxmlformats.org/drawingml/2006/main" xmlns:r="http://schemas.openxmlformats.org/officeDocument/2006/relationships" xmlns:mc="http://schemas.openxmlformats.org/markup-compatibility/2006" xmlns:mv="urn:schemas-microsoft-com:mac:vml" xmlns:p="http://schemas.openxmlformats.org/presentationml/2006/main" xmlns:c="http://schemas.openxmlformats.org/drawingml/2006/chart" xmlns:dgm="http://schemas.openxmlformats.org/drawingml/2006/diagram" xmlns:o="urn:schemas-microsoft-com:office:office" xmlns:v="urn:schemas-microsoft-com:vml" xmlns:pvml="urn:schemas-microsoft-com:office:powerpoint" xmlns:com="http://schemas.openxmlformats.org/drawingml/2006/compatibility" xmlns:p14="http://schemas.microsoft.com/office/powerpoint/2010/main" xmlns:p15="http://schemas.microsoft.com/office/powerpoint/2012/main" xmlns:ahyp="http://schemas.microsoft.com/office/drawing/2018/hyperlinkcolor" matchingName="Section header" type="secHead">
   <p:cSld name="SECTION_HEADER">
     <p:spTree>
       <p:nvGrpSpPr>
-        <p:cNvPr id="1" name="Shape 13"/>
+        <p:cNvPr id="13" name="Shape 13"/>
         <p:cNvGrpSpPr/>
         <p:nvPr/>
       </p:nvGrpSpPr>
@@ -2888,9 +2849,7 @@
       <p:sp>
         <p:nvSpPr>
           <p:cNvPr id="14" name="Google Shape;14;p3"/>
-          <p:cNvSpPr txBox="1">
-            <a:spLocks noGrp="1"/>
-          </p:cNvSpPr>
+          <p:cNvSpPr txBox="1"/>
           <p:nvPr>
             <p:ph type="title"/>
           </p:nvPr>
@@ -2905,11 +2864,11 @@
           </a:prstGeom>
         </p:spPr>
         <p:txBody>
-          <a:bodyPr spcFirstLastPara="1" wrap="square" lIns="91425" tIns="91425" rIns="91425" bIns="91425" anchor="ctr" anchorCtr="0">
+          <a:bodyPr anchorCtr="0" anchor="ctr" bIns="91425" lIns="91425" spcFirstLastPara="1" rIns="91425" wrap="square" tIns="91425">
             <a:normAutofit/>
           </a:bodyPr>
           <a:lstStyle>
-            <a:lvl1pPr lvl="0" algn="ctr" rtl="0">
+            <a:lvl1pPr lvl="0" rtl="0" algn="ctr">
               <a:spcBef>
                 <a:spcPts val="0"/>
               </a:spcBef>
@@ -2920,7 +2879,7 @@
               <a:buNone/>
               <a:defRPr sz="3600"/>
             </a:lvl1pPr>
-            <a:lvl2pPr lvl="1" algn="ctr" rtl="0">
+            <a:lvl2pPr lvl="1" rtl="0" algn="ctr">
               <a:spcBef>
                 <a:spcPts val="0"/>
               </a:spcBef>
@@ -2931,7 +2890,7 @@
               <a:buNone/>
               <a:defRPr sz="3600"/>
             </a:lvl2pPr>
-            <a:lvl3pPr lvl="2" algn="ctr" rtl="0">
+            <a:lvl3pPr lvl="2" rtl="0" algn="ctr">
               <a:spcBef>
                 <a:spcPts val="0"/>
               </a:spcBef>
@@ -2942,7 +2901,7 @@
               <a:buNone/>
               <a:defRPr sz="3600"/>
             </a:lvl3pPr>
-            <a:lvl4pPr lvl="3" algn="ctr" rtl="0">
+            <a:lvl4pPr lvl="3" rtl="0" algn="ctr">
               <a:spcBef>
                 <a:spcPts val="0"/>
               </a:spcBef>
@@ -2953,7 +2912,7 @@
               <a:buNone/>
               <a:defRPr sz="3600"/>
             </a:lvl4pPr>
-            <a:lvl5pPr lvl="4" algn="ctr" rtl="0">
+            <a:lvl5pPr lvl="4" rtl="0" algn="ctr">
               <a:spcBef>
                 <a:spcPts val="0"/>
               </a:spcBef>
@@ -2964,7 +2923,7 @@
               <a:buNone/>
               <a:defRPr sz="3600"/>
             </a:lvl5pPr>
-            <a:lvl6pPr lvl="5" algn="ctr" rtl="0">
+            <a:lvl6pPr lvl="5" rtl="0" algn="ctr">
               <a:spcBef>
                 <a:spcPts val="0"/>
               </a:spcBef>
@@ -2975,7 +2934,7 @@
               <a:buNone/>
               <a:defRPr sz="3600"/>
             </a:lvl6pPr>
-            <a:lvl7pPr lvl="6" algn="ctr" rtl="0">
+            <a:lvl7pPr lvl="6" rtl="0" algn="ctr">
               <a:spcBef>
                 <a:spcPts val="0"/>
               </a:spcBef>
@@ -2986,7 +2945,7 @@
               <a:buNone/>
               <a:defRPr sz="3600"/>
             </a:lvl7pPr>
-            <a:lvl8pPr lvl="7" algn="ctr" rtl="0">
+            <a:lvl8pPr lvl="7" rtl="0" algn="ctr">
               <a:spcBef>
                 <a:spcPts val="0"/>
               </a:spcBef>
@@ -2997,7 +2956,7 @@
               <a:buNone/>
               <a:defRPr sz="3600"/>
             </a:lvl8pPr>
-            <a:lvl9pPr lvl="8" algn="ctr" rtl="0">
+            <a:lvl9pPr lvl="8" rtl="0" algn="ctr">
               <a:spcBef>
                 <a:spcPts val="0"/>
               </a:spcBef>
@@ -3009,19 +2968,15 @@
               <a:defRPr sz="3600"/>
             </a:lvl9pPr>
           </a:lstStyle>
-          <a:p>
-            <a:endParaRPr/>
-          </a:p>
+          <a:p/>
         </p:txBody>
       </p:sp>
       <p:sp>
         <p:nvSpPr>
           <p:cNvPr id="15" name="Google Shape;15;p3"/>
-          <p:cNvSpPr txBox="1">
-            <a:spLocks noGrp="1"/>
-          </p:cNvSpPr>
+          <p:cNvSpPr txBox="1"/>
           <p:nvPr>
-            <p:ph type="sldNum" idx="12"/>
+            <p:ph idx="12" type="sldNum"/>
           </p:nvPr>
         </p:nvSpPr>
         <p:spPr>
@@ -3034,7 +2989,7 @@
           </a:prstGeom>
         </p:spPr>
         <p:txBody>
-          <a:bodyPr spcFirstLastPara="1" wrap="square" lIns="91425" tIns="91425" rIns="91425" bIns="91425" anchor="ctr" anchorCtr="0">
+          <a:bodyPr anchorCtr="0" anchor="ctr" bIns="91425" lIns="91425" spcFirstLastPara="1" rIns="91425" wrap="square" tIns="91425">
             <a:normAutofit/>
           </a:bodyPr>
           <a:lstStyle>
@@ -3076,7 +3031,7 @@
             </a:lvl9pPr>
           </a:lstStyle>
           <a:p>
-            <a:pPr marL="0" lvl="0" indent="0" algn="r" rtl="0">
+            <a:pPr indent="0" lvl="0" marL="0" rtl="0" algn="r">
               <a:spcBef>
                 <a:spcPts val="0"/>
               </a:spcBef>
@@ -3102,11 +3057,11 @@
 </file>
 
 <file path=ppt/slideLayouts/slideLayout3.xml><?xml version="1.0" encoding="utf-8"?>
-<p:sldLayout xmlns:a="http://schemas.openxmlformats.org/drawingml/2006/main" xmlns:r="http://schemas.openxmlformats.org/officeDocument/2006/relationships" xmlns:p="http://schemas.openxmlformats.org/presentationml/2006/main" matchingName="Title and body" type="tx">
+<p:sldLayout xmlns:a="http://schemas.openxmlformats.org/drawingml/2006/main" xmlns:r="http://schemas.openxmlformats.org/officeDocument/2006/relationships" xmlns:mc="http://schemas.openxmlformats.org/markup-compatibility/2006" xmlns:mv="urn:schemas-microsoft-com:mac:vml" xmlns:p="http://schemas.openxmlformats.org/presentationml/2006/main" xmlns:c="http://schemas.openxmlformats.org/drawingml/2006/chart" xmlns:dgm="http://schemas.openxmlformats.org/drawingml/2006/diagram" xmlns:o="urn:schemas-microsoft-com:office:office" xmlns:v="urn:schemas-microsoft-com:vml" xmlns:pvml="urn:schemas-microsoft-com:office:powerpoint" xmlns:com="http://schemas.openxmlformats.org/drawingml/2006/compatibility" xmlns:p14="http://schemas.microsoft.com/office/powerpoint/2010/main" xmlns:p15="http://schemas.microsoft.com/office/powerpoint/2012/main" xmlns:ahyp="http://schemas.microsoft.com/office/drawing/2018/hyperlinkcolor" matchingName="Title and body" type="tx">
   <p:cSld name="TITLE_AND_BODY">
     <p:spTree>
       <p:nvGrpSpPr>
-        <p:cNvPr id="1" name="Shape 16"/>
+        <p:cNvPr id="16" name="Shape 16"/>
         <p:cNvGrpSpPr/>
         <p:nvPr/>
       </p:nvGrpSpPr>
@@ -3121,9 +3076,7 @@
       <p:sp>
         <p:nvSpPr>
           <p:cNvPr id="17" name="Google Shape;17;p4"/>
-          <p:cNvSpPr txBox="1">
-            <a:spLocks noGrp="1"/>
-          </p:cNvSpPr>
+          <p:cNvSpPr txBox="1"/>
           <p:nvPr>
             <p:ph type="title"/>
           </p:nvPr>
@@ -3138,7 +3091,7 @@
           </a:prstGeom>
         </p:spPr>
         <p:txBody>
-          <a:bodyPr spcFirstLastPara="1" wrap="square" lIns="91425" tIns="91425" rIns="91425" bIns="91425" anchor="t" anchorCtr="0">
+          <a:bodyPr anchorCtr="0" anchor="t" bIns="91425" lIns="91425" spcFirstLastPara="1" rIns="91425" wrap="square" tIns="91425">
             <a:normAutofit/>
           </a:bodyPr>
           <a:lstStyle>
@@ -3242,19 +3195,15 @@
               <a:defRPr/>
             </a:lvl9pPr>
           </a:lstStyle>
-          <a:p>
-            <a:endParaRPr/>
-          </a:p>
+          <a:p/>
         </p:txBody>
       </p:sp>
       <p:sp>
         <p:nvSpPr>
           <p:cNvPr id="18" name="Google Shape;18;p4"/>
-          <p:cNvSpPr txBox="1">
-            <a:spLocks noGrp="1"/>
-          </p:cNvSpPr>
+          <p:cNvSpPr txBox="1"/>
           <p:nvPr>
-            <p:ph type="body" idx="1"/>
+            <p:ph idx="1" type="body"/>
           </p:nvPr>
         </p:nvSpPr>
         <p:spPr>
@@ -3267,11 +3216,11 @@
           </a:prstGeom>
         </p:spPr>
         <p:txBody>
-          <a:bodyPr spcFirstLastPara="1" wrap="square" lIns="91425" tIns="91425" rIns="91425" bIns="91425" anchor="t" anchorCtr="0">
+          <a:bodyPr anchorCtr="0" anchor="t" bIns="91425" lIns="91425" spcFirstLastPara="1" rIns="91425" wrap="square" tIns="91425">
             <a:normAutofit/>
           </a:bodyPr>
           <a:lstStyle>
-            <a:lvl1pPr marL="457200" lvl="0" indent="-342900" rtl="0">
+            <a:lvl1pPr indent="-342900" lvl="0" marL="457200" rtl="0">
               <a:spcBef>
                 <a:spcPts val="0"/>
               </a:spcBef>
@@ -3282,7 +3231,7 @@
               <a:buChar char="●"/>
               <a:defRPr/>
             </a:lvl1pPr>
-            <a:lvl2pPr marL="914400" lvl="1" indent="-317500" rtl="0">
+            <a:lvl2pPr indent="-317500" lvl="1" marL="914400" rtl="0">
               <a:spcBef>
                 <a:spcPts val="0"/>
               </a:spcBef>
@@ -3293,7 +3242,7 @@
               <a:buChar char="○"/>
               <a:defRPr/>
             </a:lvl2pPr>
-            <a:lvl3pPr marL="1371600" lvl="2" indent="-317500" rtl="0">
+            <a:lvl3pPr indent="-317500" lvl="2" marL="1371600" rtl="0">
               <a:spcBef>
                 <a:spcPts val="0"/>
               </a:spcBef>
@@ -3304,7 +3253,7 @@
               <a:buChar char="■"/>
               <a:defRPr/>
             </a:lvl3pPr>
-            <a:lvl4pPr marL="1828800" lvl="3" indent="-317500" rtl="0">
+            <a:lvl4pPr indent="-317500" lvl="3" marL="1828800" rtl="0">
               <a:spcBef>
                 <a:spcPts val="0"/>
               </a:spcBef>
@@ -3315,7 +3264,7 @@
               <a:buChar char="●"/>
               <a:defRPr/>
             </a:lvl4pPr>
-            <a:lvl5pPr marL="2286000" lvl="4" indent="-317500" rtl="0">
+            <a:lvl5pPr indent="-317500" lvl="4" marL="2286000" rtl="0">
               <a:spcBef>
                 <a:spcPts val="0"/>
               </a:spcBef>
@@ -3326,7 +3275,7 @@
               <a:buChar char="○"/>
               <a:defRPr/>
             </a:lvl5pPr>
-            <a:lvl6pPr marL="2743200" lvl="5" indent="-317500" rtl="0">
+            <a:lvl6pPr indent="-317500" lvl="5" marL="2743200" rtl="0">
               <a:spcBef>
                 <a:spcPts val="0"/>
               </a:spcBef>
@@ -3337,7 +3286,7 @@
               <a:buChar char="■"/>
               <a:defRPr/>
             </a:lvl6pPr>
-            <a:lvl7pPr marL="3200400" lvl="6" indent="-317500" rtl="0">
+            <a:lvl7pPr indent="-317500" lvl="6" marL="3200400" rtl="0">
               <a:spcBef>
                 <a:spcPts val="0"/>
               </a:spcBef>
@@ -3348,7 +3297,7 @@
               <a:buChar char="●"/>
               <a:defRPr/>
             </a:lvl7pPr>
-            <a:lvl8pPr marL="3657600" lvl="7" indent="-317500" rtl="0">
+            <a:lvl8pPr indent="-317500" lvl="7" marL="3657600" rtl="0">
               <a:spcBef>
                 <a:spcPts val="0"/>
               </a:spcBef>
@@ -3359,7 +3308,7 @@
               <a:buChar char="○"/>
               <a:defRPr/>
             </a:lvl8pPr>
-            <a:lvl9pPr marL="4114800" lvl="8" indent="-317500" rtl="0">
+            <a:lvl9pPr indent="-317500" lvl="8" marL="4114800" rtl="0">
               <a:spcBef>
                 <a:spcPts val="0"/>
               </a:spcBef>
@@ -3371,19 +3320,15 @@
               <a:defRPr/>
             </a:lvl9pPr>
           </a:lstStyle>
-          <a:p>
-            <a:endParaRPr/>
-          </a:p>
+          <a:p/>
         </p:txBody>
       </p:sp>
       <p:sp>
         <p:nvSpPr>
           <p:cNvPr id="19" name="Google Shape;19;p4"/>
-          <p:cNvSpPr txBox="1">
-            <a:spLocks noGrp="1"/>
-          </p:cNvSpPr>
+          <p:cNvSpPr txBox="1"/>
           <p:nvPr>
-            <p:ph type="sldNum" idx="12"/>
+            <p:ph idx="12" type="sldNum"/>
           </p:nvPr>
         </p:nvSpPr>
         <p:spPr>
@@ -3396,7 +3341,7 @@
           </a:prstGeom>
         </p:spPr>
         <p:txBody>
-          <a:bodyPr spcFirstLastPara="1" wrap="square" lIns="91425" tIns="91425" rIns="91425" bIns="91425" anchor="ctr" anchorCtr="0">
+          <a:bodyPr anchorCtr="0" anchor="ctr" bIns="91425" lIns="91425" spcFirstLastPara="1" rIns="91425" wrap="square" tIns="91425">
             <a:normAutofit/>
           </a:bodyPr>
           <a:lstStyle>
@@ -3438,7 +3383,7 @@
             </a:lvl9pPr>
           </a:lstStyle>
           <a:p>
-            <a:pPr marL="0" lvl="0" indent="0" algn="r" rtl="0">
+            <a:pPr indent="0" lvl="0" marL="0" rtl="0" algn="r">
               <a:spcBef>
                 <a:spcPts val="0"/>
               </a:spcBef>
@@ -3464,11 +3409,11 @@
 </file>
 
 <file path=ppt/slideLayouts/slideLayout4.xml><?xml version="1.0" encoding="utf-8"?>
-<p:sldLayout xmlns:a="http://schemas.openxmlformats.org/drawingml/2006/main" xmlns:r="http://schemas.openxmlformats.org/officeDocument/2006/relationships" xmlns:p="http://schemas.openxmlformats.org/presentationml/2006/main" matchingName="Title and two columns" type="twoColTx">
+<p:sldLayout xmlns:a="http://schemas.openxmlformats.org/drawingml/2006/main" xmlns:r="http://schemas.openxmlformats.org/officeDocument/2006/relationships" xmlns:mc="http://schemas.openxmlformats.org/markup-compatibility/2006" xmlns:mv="urn:schemas-microsoft-com:mac:vml" xmlns:p="http://schemas.openxmlformats.org/presentationml/2006/main" xmlns:c="http://schemas.openxmlformats.org/drawingml/2006/chart" xmlns:dgm="http://schemas.openxmlformats.org/drawingml/2006/diagram" xmlns:o="urn:schemas-microsoft-com:office:office" xmlns:v="urn:schemas-microsoft-com:vml" xmlns:pvml="urn:schemas-microsoft-com:office:powerpoint" xmlns:com="http://schemas.openxmlformats.org/drawingml/2006/compatibility" xmlns:p14="http://schemas.microsoft.com/office/powerpoint/2010/main" xmlns:p15="http://schemas.microsoft.com/office/powerpoint/2012/main" xmlns:ahyp="http://schemas.microsoft.com/office/drawing/2018/hyperlinkcolor" matchingName="Title and two columns" type="twoColTx">
   <p:cSld name="TITLE_AND_TWO_COLUMNS">
     <p:spTree>
       <p:nvGrpSpPr>
-        <p:cNvPr id="1" name="Shape 20"/>
+        <p:cNvPr id="20" name="Shape 20"/>
         <p:cNvGrpSpPr/>
         <p:nvPr/>
       </p:nvGrpSpPr>
@@ -3483,9 +3428,7 @@
       <p:sp>
         <p:nvSpPr>
           <p:cNvPr id="21" name="Google Shape;21;p5"/>
-          <p:cNvSpPr txBox="1">
-            <a:spLocks noGrp="1"/>
-          </p:cNvSpPr>
+          <p:cNvSpPr txBox="1"/>
           <p:nvPr>
             <p:ph type="title"/>
           </p:nvPr>
@@ -3500,7 +3443,7 @@
           </a:prstGeom>
         </p:spPr>
         <p:txBody>
-          <a:bodyPr spcFirstLastPara="1" wrap="square" lIns="91425" tIns="91425" rIns="91425" bIns="91425" anchor="t" anchorCtr="0">
+          <a:bodyPr anchorCtr="0" anchor="t" bIns="91425" lIns="91425" spcFirstLastPara="1" rIns="91425" wrap="square" tIns="91425">
             <a:normAutofit/>
           </a:bodyPr>
           <a:lstStyle>
@@ -3604,19 +3547,15 @@
               <a:defRPr/>
             </a:lvl9pPr>
           </a:lstStyle>
-          <a:p>
-            <a:endParaRPr/>
-          </a:p>
+          <a:p/>
         </p:txBody>
       </p:sp>
       <p:sp>
         <p:nvSpPr>
           <p:cNvPr id="22" name="Google Shape;22;p5"/>
-          <p:cNvSpPr txBox="1">
-            <a:spLocks noGrp="1"/>
-          </p:cNvSpPr>
+          <p:cNvSpPr txBox="1"/>
           <p:nvPr>
-            <p:ph type="body" idx="1"/>
+            <p:ph idx="1" type="body"/>
           </p:nvPr>
         </p:nvSpPr>
         <p:spPr>
@@ -3629,11 +3568,11 @@
           </a:prstGeom>
         </p:spPr>
         <p:txBody>
-          <a:bodyPr spcFirstLastPara="1" wrap="square" lIns="91425" tIns="91425" rIns="91425" bIns="91425" anchor="t" anchorCtr="0">
+          <a:bodyPr anchorCtr="0" anchor="t" bIns="91425" lIns="91425" spcFirstLastPara="1" rIns="91425" wrap="square" tIns="91425">
             <a:normAutofit/>
           </a:bodyPr>
           <a:lstStyle>
-            <a:lvl1pPr marL="457200" lvl="0" indent="-317500" rtl="0">
+            <a:lvl1pPr indent="-317500" lvl="0" marL="457200" rtl="0">
               <a:spcBef>
                 <a:spcPts val="0"/>
               </a:spcBef>
@@ -3644,7 +3583,7 @@
               <a:buChar char="●"/>
               <a:defRPr sz="1400"/>
             </a:lvl1pPr>
-            <a:lvl2pPr marL="914400" lvl="1" indent="-304800" rtl="0">
+            <a:lvl2pPr indent="-304800" lvl="1" marL="914400" rtl="0">
               <a:spcBef>
                 <a:spcPts val="0"/>
               </a:spcBef>
@@ -3655,7 +3594,7 @@
               <a:buChar char="○"/>
               <a:defRPr sz="1200"/>
             </a:lvl2pPr>
-            <a:lvl3pPr marL="1371600" lvl="2" indent="-304800" rtl="0">
+            <a:lvl3pPr indent="-304800" lvl="2" marL="1371600" rtl="0">
               <a:spcBef>
                 <a:spcPts val="0"/>
               </a:spcBef>
@@ -3666,7 +3605,7 @@
               <a:buChar char="■"/>
               <a:defRPr sz="1200"/>
             </a:lvl3pPr>
-            <a:lvl4pPr marL="1828800" lvl="3" indent="-304800" rtl="0">
+            <a:lvl4pPr indent="-304800" lvl="3" marL="1828800" rtl="0">
               <a:spcBef>
                 <a:spcPts val="0"/>
               </a:spcBef>
@@ -3677,7 +3616,7 @@
               <a:buChar char="●"/>
               <a:defRPr sz="1200"/>
             </a:lvl4pPr>
-            <a:lvl5pPr marL="2286000" lvl="4" indent="-304800" rtl="0">
+            <a:lvl5pPr indent="-304800" lvl="4" marL="2286000" rtl="0">
               <a:spcBef>
                 <a:spcPts val="0"/>
               </a:spcBef>
@@ -3688,7 +3627,7 @@
               <a:buChar char="○"/>
               <a:defRPr sz="1200"/>
             </a:lvl5pPr>
-            <a:lvl6pPr marL="2743200" lvl="5" indent="-304800" rtl="0">
+            <a:lvl6pPr indent="-304800" lvl="5" marL="2743200" rtl="0">
               <a:spcBef>
                 <a:spcPts val="0"/>
               </a:spcBef>
@@ -3699,7 +3638,7 @@
               <a:buChar char="■"/>
               <a:defRPr sz="1200"/>
             </a:lvl6pPr>
-            <a:lvl7pPr marL="3200400" lvl="6" indent="-304800" rtl="0">
+            <a:lvl7pPr indent="-304800" lvl="6" marL="3200400" rtl="0">
               <a:spcBef>
                 <a:spcPts val="0"/>
               </a:spcBef>
@@ -3710,7 +3649,7 @@
               <a:buChar char="●"/>
               <a:defRPr sz="1200"/>
             </a:lvl7pPr>
-            <a:lvl8pPr marL="3657600" lvl="7" indent="-304800" rtl="0">
+            <a:lvl8pPr indent="-304800" lvl="7" marL="3657600" rtl="0">
               <a:spcBef>
                 <a:spcPts val="0"/>
               </a:spcBef>
@@ -3721,7 +3660,7 @@
               <a:buChar char="○"/>
               <a:defRPr sz="1200"/>
             </a:lvl8pPr>
-            <a:lvl9pPr marL="4114800" lvl="8" indent="-304800" rtl="0">
+            <a:lvl9pPr indent="-304800" lvl="8" marL="4114800" rtl="0">
               <a:spcBef>
                 <a:spcPts val="0"/>
               </a:spcBef>
@@ -3733,19 +3672,15 @@
               <a:defRPr sz="1200"/>
             </a:lvl9pPr>
           </a:lstStyle>
-          <a:p>
-            <a:endParaRPr/>
-          </a:p>
+          <a:p/>
         </p:txBody>
       </p:sp>
       <p:sp>
         <p:nvSpPr>
           <p:cNvPr id="23" name="Google Shape;23;p5"/>
-          <p:cNvSpPr txBox="1">
-            <a:spLocks noGrp="1"/>
-          </p:cNvSpPr>
+          <p:cNvSpPr txBox="1"/>
           <p:nvPr>
-            <p:ph type="body" idx="2"/>
+            <p:ph idx="2" type="body"/>
           </p:nvPr>
         </p:nvSpPr>
         <p:spPr>
@@ -3758,11 +3693,11 @@
           </a:prstGeom>
         </p:spPr>
         <p:txBody>
-          <a:bodyPr spcFirstLastPara="1" wrap="square" lIns="91425" tIns="91425" rIns="91425" bIns="91425" anchor="t" anchorCtr="0">
+          <a:bodyPr anchorCtr="0" anchor="t" bIns="91425" lIns="91425" spcFirstLastPara="1" rIns="91425" wrap="square" tIns="91425">
             <a:normAutofit/>
           </a:bodyPr>
           <a:lstStyle>
-            <a:lvl1pPr marL="457200" lvl="0" indent="-317500" rtl="0">
+            <a:lvl1pPr indent="-317500" lvl="0" marL="457200" rtl="0">
               <a:spcBef>
                 <a:spcPts val="0"/>
               </a:spcBef>
@@ -3773,7 +3708,7 @@
               <a:buChar char="●"/>
               <a:defRPr sz="1400"/>
             </a:lvl1pPr>
-            <a:lvl2pPr marL="914400" lvl="1" indent="-304800" rtl="0">
+            <a:lvl2pPr indent="-304800" lvl="1" marL="914400" rtl="0">
               <a:spcBef>
                 <a:spcPts val="0"/>
               </a:spcBef>
@@ -3784,7 +3719,7 @@
               <a:buChar char="○"/>
               <a:defRPr sz="1200"/>
             </a:lvl2pPr>
-            <a:lvl3pPr marL="1371600" lvl="2" indent="-304800" rtl="0">
+            <a:lvl3pPr indent="-304800" lvl="2" marL="1371600" rtl="0">
               <a:spcBef>
                 <a:spcPts val="0"/>
               </a:spcBef>
@@ -3795,7 +3730,7 @@
               <a:buChar char="■"/>
               <a:defRPr sz="1200"/>
             </a:lvl3pPr>
-            <a:lvl4pPr marL="1828800" lvl="3" indent="-304800" rtl="0">
+            <a:lvl4pPr indent="-304800" lvl="3" marL="1828800" rtl="0">
               <a:spcBef>
                 <a:spcPts val="0"/>
               </a:spcBef>
@@ -3806,7 +3741,7 @@
               <a:buChar char="●"/>
               <a:defRPr sz="1200"/>
             </a:lvl4pPr>
-            <a:lvl5pPr marL="2286000" lvl="4" indent="-304800" rtl="0">
+            <a:lvl5pPr indent="-304800" lvl="4" marL="2286000" rtl="0">
               <a:spcBef>
                 <a:spcPts val="0"/>
               </a:spcBef>
@@ -3817,7 +3752,7 @@
               <a:buChar char="○"/>
               <a:defRPr sz="1200"/>
             </a:lvl5pPr>
-            <a:lvl6pPr marL="2743200" lvl="5" indent="-304800" rtl="0">
+            <a:lvl6pPr indent="-304800" lvl="5" marL="2743200" rtl="0">
               <a:spcBef>
                 <a:spcPts val="0"/>
               </a:spcBef>
@@ -3828,7 +3763,7 @@
               <a:buChar char="■"/>
               <a:defRPr sz="1200"/>
             </a:lvl6pPr>
-            <a:lvl7pPr marL="3200400" lvl="6" indent="-304800" rtl="0">
+            <a:lvl7pPr indent="-304800" lvl="6" marL="3200400" rtl="0">
               <a:spcBef>
                 <a:spcPts val="0"/>
               </a:spcBef>
@@ -3839,7 +3774,7 @@
               <a:buChar char="●"/>
               <a:defRPr sz="1200"/>
             </a:lvl7pPr>
-            <a:lvl8pPr marL="3657600" lvl="7" indent="-304800" rtl="0">
+            <a:lvl8pPr indent="-304800" lvl="7" marL="3657600" rtl="0">
               <a:spcBef>
                 <a:spcPts val="0"/>
               </a:spcBef>
@@ -3850,7 +3785,7 @@
               <a:buChar char="○"/>
               <a:defRPr sz="1200"/>
             </a:lvl8pPr>
-            <a:lvl9pPr marL="4114800" lvl="8" indent="-304800" rtl="0">
+            <a:lvl9pPr indent="-304800" lvl="8" marL="4114800" rtl="0">
               <a:spcBef>
                 <a:spcPts val="0"/>
               </a:spcBef>
@@ -3862,19 +3797,15 @@
               <a:defRPr sz="1200"/>
             </a:lvl9pPr>
           </a:lstStyle>
-          <a:p>
-            <a:endParaRPr/>
-          </a:p>
+          <a:p/>
         </p:txBody>
       </p:sp>
       <p:sp>
         <p:nvSpPr>
           <p:cNvPr id="24" name="Google Shape;24;p5"/>
-          <p:cNvSpPr txBox="1">
-            <a:spLocks noGrp="1"/>
-          </p:cNvSpPr>
+          <p:cNvSpPr txBox="1"/>
           <p:nvPr>
-            <p:ph type="sldNum" idx="12"/>
+            <p:ph idx="12" type="sldNum"/>
           </p:nvPr>
         </p:nvSpPr>
         <p:spPr>
@@ -3887,7 +3818,7 @@
           </a:prstGeom>
         </p:spPr>
         <p:txBody>
-          <a:bodyPr spcFirstLastPara="1" wrap="square" lIns="91425" tIns="91425" rIns="91425" bIns="91425" anchor="ctr" anchorCtr="0">
+          <a:bodyPr anchorCtr="0" anchor="ctr" bIns="91425" lIns="91425" spcFirstLastPara="1" rIns="91425" wrap="square" tIns="91425">
             <a:normAutofit/>
           </a:bodyPr>
           <a:lstStyle>
@@ -3929,7 +3860,7 @@
             </a:lvl9pPr>
           </a:lstStyle>
           <a:p>
-            <a:pPr marL="0" lvl="0" indent="0" algn="r" rtl="0">
+            <a:pPr indent="0" lvl="0" marL="0" rtl="0" algn="r">
               <a:spcBef>
                 <a:spcPts val="0"/>
               </a:spcBef>
@@ -3955,11 +3886,11 @@
 </file>
 
 <file path=ppt/slideLayouts/slideLayout5.xml><?xml version="1.0" encoding="utf-8"?>
-<p:sldLayout xmlns:a="http://schemas.openxmlformats.org/drawingml/2006/main" xmlns:r="http://schemas.openxmlformats.org/officeDocument/2006/relationships" xmlns:p="http://schemas.openxmlformats.org/presentationml/2006/main" matchingName="Title only" type="titleOnly">
+<p:sldLayout xmlns:a="http://schemas.openxmlformats.org/drawingml/2006/main" xmlns:r="http://schemas.openxmlformats.org/officeDocument/2006/relationships" xmlns:mc="http://schemas.openxmlformats.org/markup-compatibility/2006" xmlns:mv="urn:schemas-microsoft-com:mac:vml" xmlns:p="http://schemas.openxmlformats.org/presentationml/2006/main" xmlns:c="http://schemas.openxmlformats.org/drawingml/2006/chart" xmlns:dgm="http://schemas.openxmlformats.org/drawingml/2006/diagram" xmlns:o="urn:schemas-microsoft-com:office:office" xmlns:v="urn:schemas-microsoft-com:vml" xmlns:pvml="urn:schemas-microsoft-com:office:powerpoint" xmlns:com="http://schemas.openxmlformats.org/drawingml/2006/compatibility" xmlns:p14="http://schemas.microsoft.com/office/powerpoint/2010/main" xmlns:p15="http://schemas.microsoft.com/office/powerpoint/2012/main" xmlns:ahyp="http://schemas.microsoft.com/office/drawing/2018/hyperlinkcolor" matchingName="Title only" type="titleOnly">
   <p:cSld name="TITLE_ONLY">
     <p:spTree>
       <p:nvGrpSpPr>
-        <p:cNvPr id="1" name="Shape 25"/>
+        <p:cNvPr id="25" name="Shape 25"/>
         <p:cNvGrpSpPr/>
         <p:nvPr/>
       </p:nvGrpSpPr>
@@ -3974,9 +3905,7 @@
       <p:sp>
         <p:nvSpPr>
           <p:cNvPr id="26" name="Google Shape;26;p6"/>
-          <p:cNvSpPr txBox="1">
-            <a:spLocks noGrp="1"/>
-          </p:cNvSpPr>
+          <p:cNvSpPr txBox="1"/>
           <p:nvPr>
             <p:ph type="title"/>
           </p:nvPr>
@@ -3991,7 +3920,7 @@
           </a:prstGeom>
         </p:spPr>
         <p:txBody>
-          <a:bodyPr spcFirstLastPara="1" wrap="square" lIns="91425" tIns="91425" rIns="91425" bIns="91425" anchor="t" anchorCtr="0">
+          <a:bodyPr anchorCtr="0" anchor="t" bIns="91425" lIns="91425" spcFirstLastPara="1" rIns="91425" wrap="square" tIns="91425">
             <a:normAutofit/>
           </a:bodyPr>
           <a:lstStyle>
@@ -4095,19 +4024,15 @@
               <a:defRPr/>
             </a:lvl9pPr>
           </a:lstStyle>
-          <a:p>
-            <a:endParaRPr/>
-          </a:p>
+          <a:p/>
         </p:txBody>
       </p:sp>
       <p:sp>
         <p:nvSpPr>
           <p:cNvPr id="27" name="Google Shape;27;p6"/>
-          <p:cNvSpPr txBox="1">
-            <a:spLocks noGrp="1"/>
-          </p:cNvSpPr>
+          <p:cNvSpPr txBox="1"/>
           <p:nvPr>
-            <p:ph type="sldNum" idx="12"/>
+            <p:ph idx="12" type="sldNum"/>
           </p:nvPr>
         </p:nvSpPr>
         <p:spPr>
@@ -4120,7 +4045,7 @@
           </a:prstGeom>
         </p:spPr>
         <p:txBody>
-          <a:bodyPr spcFirstLastPara="1" wrap="square" lIns="91425" tIns="91425" rIns="91425" bIns="91425" anchor="ctr" anchorCtr="0">
+          <a:bodyPr anchorCtr="0" anchor="ctr" bIns="91425" lIns="91425" spcFirstLastPara="1" rIns="91425" wrap="square" tIns="91425">
             <a:normAutofit/>
           </a:bodyPr>
           <a:lstStyle>
@@ -4162,7 +4087,7 @@
             </a:lvl9pPr>
           </a:lstStyle>
           <a:p>
-            <a:pPr marL="0" lvl="0" indent="0" algn="r" rtl="0">
+            <a:pPr indent="0" lvl="0" marL="0" rtl="0" algn="r">
               <a:spcBef>
                 <a:spcPts val="0"/>
               </a:spcBef>
@@ -4188,11 +4113,11 @@
 </file>
 
 <file path=ppt/slideLayouts/slideLayout6.xml><?xml version="1.0" encoding="utf-8"?>
-<p:sldLayout xmlns:a="http://schemas.openxmlformats.org/drawingml/2006/main" xmlns:r="http://schemas.openxmlformats.org/officeDocument/2006/relationships" xmlns:p="http://schemas.openxmlformats.org/presentationml/2006/main" matchingName="One column text">
+<p:sldLayout xmlns:a="http://schemas.openxmlformats.org/drawingml/2006/main" xmlns:r="http://schemas.openxmlformats.org/officeDocument/2006/relationships" xmlns:mc="http://schemas.openxmlformats.org/markup-compatibility/2006" xmlns:mv="urn:schemas-microsoft-com:mac:vml" xmlns:p="http://schemas.openxmlformats.org/presentationml/2006/main" xmlns:c="http://schemas.openxmlformats.org/drawingml/2006/chart" xmlns:dgm="http://schemas.openxmlformats.org/drawingml/2006/diagram" xmlns:o="urn:schemas-microsoft-com:office:office" xmlns:v="urn:schemas-microsoft-com:vml" xmlns:pvml="urn:schemas-microsoft-com:office:powerpoint" xmlns:com="http://schemas.openxmlformats.org/drawingml/2006/compatibility" xmlns:p14="http://schemas.microsoft.com/office/powerpoint/2010/main" xmlns:p15="http://schemas.microsoft.com/office/powerpoint/2012/main" xmlns:ahyp="http://schemas.microsoft.com/office/drawing/2018/hyperlinkcolor" matchingName="One column text">
   <p:cSld name="ONE_COLUMN_TEXT">
     <p:spTree>
       <p:nvGrpSpPr>
-        <p:cNvPr id="1" name="Shape 28"/>
+        <p:cNvPr id="28" name="Shape 28"/>
         <p:cNvGrpSpPr/>
         <p:nvPr/>
       </p:nvGrpSpPr>
@@ -4207,9 +4132,7 @@
       <p:sp>
         <p:nvSpPr>
           <p:cNvPr id="29" name="Google Shape;29;p7"/>
-          <p:cNvSpPr txBox="1">
-            <a:spLocks noGrp="1"/>
-          </p:cNvSpPr>
+          <p:cNvSpPr txBox="1"/>
           <p:nvPr>
             <p:ph type="title"/>
           </p:nvPr>
@@ -4224,7 +4147,7 @@
           </a:prstGeom>
         </p:spPr>
         <p:txBody>
-          <a:bodyPr spcFirstLastPara="1" wrap="square" lIns="91425" tIns="91425" rIns="91425" bIns="91425" anchor="b" anchorCtr="0">
+          <a:bodyPr anchorCtr="0" anchor="b" bIns="91425" lIns="91425" spcFirstLastPara="1" rIns="91425" wrap="square" tIns="91425">
             <a:normAutofit/>
           </a:bodyPr>
           <a:lstStyle>
@@ -4328,19 +4251,15 @@
               <a:defRPr sz="2400"/>
             </a:lvl9pPr>
           </a:lstStyle>
-          <a:p>
-            <a:endParaRPr/>
-          </a:p>
+          <a:p/>
         </p:txBody>
       </p:sp>
       <p:sp>
         <p:nvSpPr>
           <p:cNvPr id="30" name="Google Shape;30;p7"/>
-          <p:cNvSpPr txBox="1">
-            <a:spLocks noGrp="1"/>
-          </p:cNvSpPr>
+          <p:cNvSpPr txBox="1"/>
           <p:nvPr>
-            <p:ph type="body" idx="1"/>
+            <p:ph idx="1" type="body"/>
           </p:nvPr>
         </p:nvSpPr>
         <p:spPr>
@@ -4353,11 +4272,11 @@
           </a:prstGeom>
         </p:spPr>
         <p:txBody>
-          <a:bodyPr spcFirstLastPara="1" wrap="square" lIns="91425" tIns="91425" rIns="91425" bIns="91425" anchor="t" anchorCtr="0">
+          <a:bodyPr anchorCtr="0" anchor="t" bIns="91425" lIns="91425" spcFirstLastPara="1" rIns="91425" wrap="square" tIns="91425">
             <a:normAutofit/>
           </a:bodyPr>
           <a:lstStyle>
-            <a:lvl1pPr marL="457200" lvl="0" indent="-304800" rtl="0">
+            <a:lvl1pPr indent="-304800" lvl="0" marL="457200" rtl="0">
               <a:spcBef>
                 <a:spcPts val="0"/>
               </a:spcBef>
@@ -4368,7 +4287,7 @@
               <a:buChar char="●"/>
               <a:defRPr sz="1200"/>
             </a:lvl1pPr>
-            <a:lvl2pPr marL="914400" lvl="1" indent="-304800" rtl="0">
+            <a:lvl2pPr indent="-304800" lvl="1" marL="914400" rtl="0">
               <a:spcBef>
                 <a:spcPts val="0"/>
               </a:spcBef>
@@ -4379,7 +4298,7 @@
               <a:buChar char="○"/>
               <a:defRPr sz="1200"/>
             </a:lvl2pPr>
-            <a:lvl3pPr marL="1371600" lvl="2" indent="-304800" rtl="0">
+            <a:lvl3pPr indent="-304800" lvl="2" marL="1371600" rtl="0">
               <a:spcBef>
                 <a:spcPts val="0"/>
               </a:spcBef>
@@ -4390,7 +4309,7 @@
               <a:buChar char="■"/>
               <a:defRPr sz="1200"/>
             </a:lvl3pPr>
-            <a:lvl4pPr marL="1828800" lvl="3" indent="-304800" rtl="0">
+            <a:lvl4pPr indent="-304800" lvl="3" marL="1828800" rtl="0">
               <a:spcBef>
                 <a:spcPts val="0"/>
               </a:spcBef>
@@ -4401,7 +4320,7 @@
               <a:buChar char="●"/>
               <a:defRPr sz="1200"/>
             </a:lvl4pPr>
-            <a:lvl5pPr marL="2286000" lvl="4" indent="-304800" rtl="0">
+            <a:lvl5pPr indent="-304800" lvl="4" marL="2286000" rtl="0">
               <a:spcBef>
                 <a:spcPts val="0"/>
               </a:spcBef>
@@ -4412,7 +4331,7 @@
               <a:buChar char="○"/>
               <a:defRPr sz="1200"/>
             </a:lvl5pPr>
-            <a:lvl6pPr marL="2743200" lvl="5" indent="-304800" rtl="0">
+            <a:lvl6pPr indent="-304800" lvl="5" marL="2743200" rtl="0">
               <a:spcBef>
                 <a:spcPts val="0"/>
               </a:spcBef>
@@ -4423,7 +4342,7 @@
               <a:buChar char="■"/>
               <a:defRPr sz="1200"/>
             </a:lvl6pPr>
-            <a:lvl7pPr marL="3200400" lvl="6" indent="-304800" rtl="0">
+            <a:lvl7pPr indent="-304800" lvl="6" marL="3200400" rtl="0">
               <a:spcBef>
                 <a:spcPts val="0"/>
               </a:spcBef>
@@ -4434,7 +4353,7 @@
               <a:buChar char="●"/>
               <a:defRPr sz="1200"/>
             </a:lvl7pPr>
-            <a:lvl8pPr marL="3657600" lvl="7" indent="-304800" rtl="0">
+            <a:lvl8pPr indent="-304800" lvl="7" marL="3657600" rtl="0">
               <a:spcBef>
                 <a:spcPts val="0"/>
               </a:spcBef>
@@ -4445,7 +4364,7 @@
               <a:buChar char="○"/>
               <a:defRPr sz="1200"/>
             </a:lvl8pPr>
-            <a:lvl9pPr marL="4114800" lvl="8" indent="-304800" rtl="0">
+            <a:lvl9pPr indent="-304800" lvl="8" marL="4114800" rtl="0">
               <a:spcBef>
                 <a:spcPts val="0"/>
               </a:spcBef>
@@ -4457,19 +4376,15 @@
               <a:defRPr sz="1200"/>
             </a:lvl9pPr>
           </a:lstStyle>
-          <a:p>
-            <a:endParaRPr/>
-          </a:p>
+          <a:p/>
         </p:txBody>
       </p:sp>
       <p:sp>
         <p:nvSpPr>
           <p:cNvPr id="31" name="Google Shape;31;p7"/>
-          <p:cNvSpPr txBox="1">
-            <a:spLocks noGrp="1"/>
-          </p:cNvSpPr>
+          <p:cNvSpPr txBox="1"/>
           <p:nvPr>
-            <p:ph type="sldNum" idx="12"/>
+            <p:ph idx="12" type="sldNum"/>
           </p:nvPr>
         </p:nvSpPr>
         <p:spPr>
@@ -4482,7 +4397,7 @@
           </a:prstGeom>
         </p:spPr>
         <p:txBody>
-          <a:bodyPr spcFirstLastPara="1" wrap="square" lIns="91425" tIns="91425" rIns="91425" bIns="91425" anchor="ctr" anchorCtr="0">
+          <a:bodyPr anchorCtr="0" anchor="ctr" bIns="91425" lIns="91425" spcFirstLastPara="1" rIns="91425" wrap="square" tIns="91425">
             <a:normAutofit/>
           </a:bodyPr>
           <a:lstStyle>
@@ -4524,7 +4439,7 @@
             </a:lvl9pPr>
           </a:lstStyle>
           <a:p>
-            <a:pPr marL="0" lvl="0" indent="0" algn="r" rtl="0">
+            <a:pPr indent="0" lvl="0" marL="0" rtl="0" algn="r">
               <a:spcBef>
                 <a:spcPts val="0"/>
               </a:spcBef>
@@ -4550,11 +4465,11 @@
 </file>
 
 <file path=ppt/slideLayouts/slideLayout7.xml><?xml version="1.0" encoding="utf-8"?>
-<p:sldLayout xmlns:a="http://schemas.openxmlformats.org/drawingml/2006/main" xmlns:r="http://schemas.openxmlformats.org/officeDocument/2006/relationships" xmlns:p="http://schemas.openxmlformats.org/presentationml/2006/main" matchingName="Main point">
+<p:sldLayout xmlns:a="http://schemas.openxmlformats.org/drawingml/2006/main" xmlns:r="http://schemas.openxmlformats.org/officeDocument/2006/relationships" xmlns:mc="http://schemas.openxmlformats.org/markup-compatibility/2006" xmlns:mv="urn:schemas-microsoft-com:mac:vml" xmlns:p="http://schemas.openxmlformats.org/presentationml/2006/main" xmlns:c="http://schemas.openxmlformats.org/drawingml/2006/chart" xmlns:dgm="http://schemas.openxmlformats.org/drawingml/2006/diagram" xmlns:o="urn:schemas-microsoft-com:office:office" xmlns:v="urn:schemas-microsoft-com:vml" xmlns:pvml="urn:schemas-microsoft-com:office:powerpoint" xmlns:com="http://schemas.openxmlformats.org/drawingml/2006/compatibility" xmlns:p14="http://schemas.microsoft.com/office/powerpoint/2010/main" xmlns:p15="http://schemas.microsoft.com/office/powerpoint/2012/main" xmlns:ahyp="http://schemas.microsoft.com/office/drawing/2018/hyperlinkcolor" matchingName="Main point">
   <p:cSld name="MAIN_POINT">
     <p:spTree>
       <p:nvGrpSpPr>
-        <p:cNvPr id="1" name="Shape 32"/>
+        <p:cNvPr id="32" name="Shape 32"/>
         <p:cNvGrpSpPr/>
         <p:nvPr/>
       </p:nvGrpSpPr>
@@ -4569,9 +4484,7 @@
       <p:sp>
         <p:nvSpPr>
           <p:cNvPr id="33" name="Google Shape;33;p8"/>
-          <p:cNvSpPr txBox="1">
-            <a:spLocks noGrp="1"/>
-          </p:cNvSpPr>
+          <p:cNvSpPr txBox="1"/>
           <p:nvPr>
             <p:ph type="title"/>
           </p:nvPr>
@@ -4586,7 +4499,7 @@
           </a:prstGeom>
         </p:spPr>
         <p:txBody>
-          <a:bodyPr spcFirstLastPara="1" wrap="square" lIns="91425" tIns="91425" rIns="91425" bIns="91425" anchor="ctr" anchorCtr="0">
+          <a:bodyPr anchorCtr="0" anchor="ctr" bIns="91425" lIns="91425" spcFirstLastPara="1" rIns="91425" wrap="square" tIns="91425">
             <a:normAutofit/>
           </a:bodyPr>
           <a:lstStyle>
@@ -4690,19 +4603,15 @@
               <a:defRPr sz="4800"/>
             </a:lvl9pPr>
           </a:lstStyle>
-          <a:p>
-            <a:endParaRPr/>
-          </a:p>
+          <a:p/>
         </p:txBody>
       </p:sp>
       <p:sp>
         <p:nvSpPr>
           <p:cNvPr id="34" name="Google Shape;34;p8"/>
-          <p:cNvSpPr txBox="1">
-            <a:spLocks noGrp="1"/>
-          </p:cNvSpPr>
+          <p:cNvSpPr txBox="1"/>
           <p:nvPr>
-            <p:ph type="sldNum" idx="12"/>
+            <p:ph idx="12" type="sldNum"/>
           </p:nvPr>
         </p:nvSpPr>
         <p:spPr>
@@ -4715,7 +4624,7 @@
           </a:prstGeom>
         </p:spPr>
         <p:txBody>
-          <a:bodyPr spcFirstLastPara="1" wrap="square" lIns="91425" tIns="91425" rIns="91425" bIns="91425" anchor="ctr" anchorCtr="0">
+          <a:bodyPr anchorCtr="0" anchor="ctr" bIns="91425" lIns="91425" spcFirstLastPara="1" rIns="91425" wrap="square" tIns="91425">
             <a:normAutofit/>
           </a:bodyPr>
           <a:lstStyle>
@@ -4757,7 +4666,7 @@
             </a:lvl9pPr>
           </a:lstStyle>
           <a:p>
-            <a:pPr marL="0" lvl="0" indent="0" algn="r" rtl="0">
+            <a:pPr indent="0" lvl="0" marL="0" rtl="0" algn="r">
               <a:spcBef>
                 <a:spcPts val="0"/>
               </a:spcBef>
@@ -4783,11 +4692,11 @@
 </file>
 
 <file path=ppt/slideLayouts/slideLayout8.xml><?xml version="1.0" encoding="utf-8"?>
-<p:sldLayout xmlns:a="http://schemas.openxmlformats.org/drawingml/2006/main" xmlns:r="http://schemas.openxmlformats.org/officeDocument/2006/relationships" xmlns:p="http://schemas.openxmlformats.org/presentationml/2006/main" matchingName="Section title and description">
+<p:sldLayout xmlns:a="http://schemas.openxmlformats.org/drawingml/2006/main" xmlns:r="http://schemas.openxmlformats.org/officeDocument/2006/relationships" xmlns:mc="http://schemas.openxmlformats.org/markup-compatibility/2006" xmlns:mv="urn:schemas-microsoft-com:mac:vml" xmlns:p="http://schemas.openxmlformats.org/presentationml/2006/main" xmlns:c="http://schemas.openxmlformats.org/drawingml/2006/chart" xmlns:dgm="http://schemas.openxmlformats.org/drawingml/2006/diagram" xmlns:o="urn:schemas-microsoft-com:office:office" xmlns:v="urn:schemas-microsoft-com:vml" xmlns:pvml="urn:schemas-microsoft-com:office:powerpoint" xmlns:com="http://schemas.openxmlformats.org/drawingml/2006/compatibility" xmlns:p14="http://schemas.microsoft.com/office/powerpoint/2010/main" xmlns:p15="http://schemas.microsoft.com/office/powerpoint/2012/main" xmlns:ahyp="http://schemas.microsoft.com/office/drawing/2018/hyperlinkcolor" matchingName="Section title and description">
   <p:cSld name="SECTION_TITLE_AND_DESCRIPTION">
     <p:spTree>
       <p:nvGrpSpPr>
-        <p:cNvPr id="1" name="Shape 35"/>
+        <p:cNvPr id="35" name="Shape 35"/>
         <p:cNvGrpSpPr/>
         <p:nvPr/>
       </p:nvGrpSpPr>
@@ -4821,12 +4730,12 @@
           </a:ln>
         </p:spPr>
         <p:txBody>
-          <a:bodyPr spcFirstLastPara="1" wrap="square" lIns="91425" tIns="91425" rIns="91425" bIns="91425" anchor="ctr" anchorCtr="0">
+          <a:bodyPr anchorCtr="0" anchor="ctr" bIns="91425" lIns="91425" spcFirstLastPara="1" rIns="91425" wrap="square" tIns="91425">
             <a:noAutofit/>
           </a:bodyPr>
           <a:lstStyle/>
           <a:p>
-            <a:pPr marL="0" lvl="0" indent="0" algn="l" rtl="0">
+            <a:pPr indent="0" lvl="0" marL="0" rtl="0" algn="l">
               <a:spcBef>
                 <a:spcPts val="0"/>
               </a:spcBef>
@@ -4835,6 +4744,9 @@
               </a:spcAft>
               <a:buNone/>
             </a:pPr>
+            <a:r>
+              <a:t/>
+            </a:r>
             <a:endParaRPr/>
           </a:p>
         </p:txBody>
@@ -4842,9 +4754,7 @@
       <p:sp>
         <p:nvSpPr>
           <p:cNvPr id="37" name="Google Shape;37;p9"/>
-          <p:cNvSpPr txBox="1">
-            <a:spLocks noGrp="1"/>
-          </p:cNvSpPr>
+          <p:cNvSpPr txBox="1"/>
           <p:nvPr>
             <p:ph type="title"/>
           </p:nvPr>
@@ -4859,11 +4769,11 @@
           </a:prstGeom>
         </p:spPr>
         <p:txBody>
-          <a:bodyPr spcFirstLastPara="1" wrap="square" lIns="91425" tIns="91425" rIns="91425" bIns="91425" anchor="b" anchorCtr="0">
+          <a:bodyPr anchorCtr="0" anchor="b" bIns="91425" lIns="91425" spcFirstLastPara="1" rIns="91425" wrap="square" tIns="91425">
             <a:normAutofit/>
           </a:bodyPr>
           <a:lstStyle>
-            <a:lvl1pPr lvl="0" algn="ctr" rtl="0">
+            <a:lvl1pPr lvl="0" rtl="0" algn="ctr">
               <a:spcBef>
                 <a:spcPts val="0"/>
               </a:spcBef>
@@ -4874,7 +4784,7 @@
               <a:buNone/>
               <a:defRPr sz="4200"/>
             </a:lvl1pPr>
-            <a:lvl2pPr lvl="1" algn="ctr" rtl="0">
+            <a:lvl2pPr lvl="1" rtl="0" algn="ctr">
               <a:spcBef>
                 <a:spcPts val="0"/>
               </a:spcBef>
@@ -4885,7 +4795,7 @@
               <a:buNone/>
               <a:defRPr sz="4200"/>
             </a:lvl2pPr>
-            <a:lvl3pPr lvl="2" algn="ctr" rtl="0">
+            <a:lvl3pPr lvl="2" rtl="0" algn="ctr">
               <a:spcBef>
                 <a:spcPts val="0"/>
               </a:spcBef>
@@ -4896,7 +4806,7 @@
               <a:buNone/>
               <a:defRPr sz="4200"/>
             </a:lvl3pPr>
-            <a:lvl4pPr lvl="3" algn="ctr" rtl="0">
+            <a:lvl4pPr lvl="3" rtl="0" algn="ctr">
               <a:spcBef>
                 <a:spcPts val="0"/>
               </a:spcBef>
@@ -4907,7 +4817,7 @@
               <a:buNone/>
               <a:defRPr sz="4200"/>
             </a:lvl4pPr>
-            <a:lvl5pPr lvl="4" algn="ctr" rtl="0">
+            <a:lvl5pPr lvl="4" rtl="0" algn="ctr">
               <a:spcBef>
                 <a:spcPts val="0"/>
               </a:spcBef>
@@ -4918,7 +4828,7 @@
               <a:buNone/>
               <a:defRPr sz="4200"/>
             </a:lvl5pPr>
-            <a:lvl6pPr lvl="5" algn="ctr" rtl="0">
+            <a:lvl6pPr lvl="5" rtl="0" algn="ctr">
               <a:spcBef>
                 <a:spcPts val="0"/>
               </a:spcBef>
@@ -4929,7 +4839,7 @@
               <a:buNone/>
               <a:defRPr sz="4200"/>
             </a:lvl6pPr>
-            <a:lvl7pPr lvl="6" algn="ctr" rtl="0">
+            <a:lvl7pPr lvl="6" rtl="0" algn="ctr">
               <a:spcBef>
                 <a:spcPts val="0"/>
               </a:spcBef>
@@ -4940,7 +4850,7 @@
               <a:buNone/>
               <a:defRPr sz="4200"/>
             </a:lvl7pPr>
-            <a:lvl8pPr lvl="7" algn="ctr" rtl="0">
+            <a:lvl8pPr lvl="7" rtl="0" algn="ctr">
               <a:spcBef>
                 <a:spcPts val="0"/>
               </a:spcBef>
@@ -4951,7 +4861,7 @@
               <a:buNone/>
               <a:defRPr sz="4200"/>
             </a:lvl8pPr>
-            <a:lvl9pPr lvl="8" algn="ctr" rtl="0">
+            <a:lvl9pPr lvl="8" rtl="0" algn="ctr">
               <a:spcBef>
                 <a:spcPts val="0"/>
               </a:spcBef>
@@ -4963,19 +4873,15 @@
               <a:defRPr sz="4200"/>
             </a:lvl9pPr>
           </a:lstStyle>
-          <a:p>
-            <a:endParaRPr/>
-          </a:p>
+          <a:p/>
         </p:txBody>
       </p:sp>
       <p:sp>
         <p:nvSpPr>
           <p:cNvPr id="38" name="Google Shape;38;p9"/>
-          <p:cNvSpPr txBox="1">
-            <a:spLocks noGrp="1"/>
-          </p:cNvSpPr>
+          <p:cNvSpPr txBox="1"/>
           <p:nvPr>
-            <p:ph type="subTitle" idx="1"/>
+            <p:ph idx="1" type="subTitle"/>
           </p:nvPr>
         </p:nvSpPr>
         <p:spPr>
@@ -4988,11 +4894,11 @@
           </a:prstGeom>
         </p:spPr>
         <p:txBody>
-          <a:bodyPr spcFirstLastPara="1" wrap="square" lIns="91425" tIns="91425" rIns="91425" bIns="91425" anchor="t" anchorCtr="0">
+          <a:bodyPr anchorCtr="0" anchor="t" bIns="91425" lIns="91425" spcFirstLastPara="1" rIns="91425" wrap="square" tIns="91425">
             <a:normAutofit/>
           </a:bodyPr>
           <a:lstStyle>
-            <a:lvl1pPr lvl="0" algn="ctr" rtl="0">
+            <a:lvl1pPr lvl="0" rtl="0" algn="ctr">
               <a:lnSpc>
                 <a:spcPct val="100000"/>
               </a:lnSpc>
@@ -5006,7 +4912,7 @@
               <a:buNone/>
               <a:defRPr sz="2100"/>
             </a:lvl1pPr>
-            <a:lvl2pPr lvl="1" algn="ctr" rtl="0">
+            <a:lvl2pPr lvl="1" rtl="0" algn="ctr">
               <a:lnSpc>
                 <a:spcPct val="100000"/>
               </a:lnSpc>
@@ -5020,7 +4926,7 @@
               <a:buNone/>
               <a:defRPr sz="2100"/>
             </a:lvl2pPr>
-            <a:lvl3pPr lvl="2" algn="ctr" rtl="0">
+            <a:lvl3pPr lvl="2" rtl="0" algn="ctr">
               <a:lnSpc>
                 <a:spcPct val="100000"/>
               </a:lnSpc>
@@ -5034,7 +4940,7 @@
               <a:buNone/>
               <a:defRPr sz="2100"/>
             </a:lvl3pPr>
-            <a:lvl4pPr lvl="3" algn="ctr" rtl="0">
+            <a:lvl4pPr lvl="3" rtl="0" algn="ctr">
               <a:lnSpc>
                 <a:spcPct val="100000"/>
               </a:lnSpc>
@@ -5048,7 +4954,7 @@
               <a:buNone/>
               <a:defRPr sz="2100"/>
             </a:lvl4pPr>
-            <a:lvl5pPr lvl="4" algn="ctr" rtl="0">
+            <a:lvl5pPr lvl="4" rtl="0" algn="ctr">
               <a:lnSpc>
                 <a:spcPct val="100000"/>
               </a:lnSpc>
@@ -5062,7 +4968,7 @@
               <a:buNone/>
               <a:defRPr sz="2100"/>
             </a:lvl5pPr>
-            <a:lvl6pPr lvl="5" algn="ctr" rtl="0">
+            <a:lvl6pPr lvl="5" rtl="0" algn="ctr">
               <a:lnSpc>
                 <a:spcPct val="100000"/>
               </a:lnSpc>
@@ -5076,7 +4982,7 @@
               <a:buNone/>
               <a:defRPr sz="2100"/>
             </a:lvl6pPr>
-            <a:lvl7pPr lvl="6" algn="ctr" rtl="0">
+            <a:lvl7pPr lvl="6" rtl="0" algn="ctr">
               <a:lnSpc>
                 <a:spcPct val="100000"/>
               </a:lnSpc>
@@ -5090,7 +4996,7 @@
               <a:buNone/>
               <a:defRPr sz="2100"/>
             </a:lvl7pPr>
-            <a:lvl8pPr lvl="7" algn="ctr" rtl="0">
+            <a:lvl8pPr lvl="7" rtl="0" algn="ctr">
               <a:lnSpc>
                 <a:spcPct val="100000"/>
               </a:lnSpc>
@@ -5104,7 +5010,7 @@
               <a:buNone/>
               <a:defRPr sz="2100"/>
             </a:lvl8pPr>
-            <a:lvl9pPr lvl="8" algn="ctr" rtl="0">
+            <a:lvl9pPr lvl="8" rtl="0" algn="ctr">
               <a:lnSpc>
                 <a:spcPct val="100000"/>
               </a:lnSpc>
@@ -5119,19 +5025,15 @@
               <a:defRPr sz="2100"/>
             </a:lvl9pPr>
           </a:lstStyle>
-          <a:p>
-            <a:endParaRPr/>
-          </a:p>
+          <a:p/>
         </p:txBody>
       </p:sp>
       <p:sp>
         <p:nvSpPr>
           <p:cNvPr id="39" name="Google Shape;39;p9"/>
-          <p:cNvSpPr txBox="1">
-            <a:spLocks noGrp="1"/>
-          </p:cNvSpPr>
+          <p:cNvSpPr txBox="1"/>
           <p:nvPr>
-            <p:ph type="body" idx="2"/>
+            <p:ph idx="2" type="body"/>
           </p:nvPr>
         </p:nvSpPr>
         <p:spPr>
@@ -5144,11 +5046,11 @@
           </a:prstGeom>
         </p:spPr>
         <p:txBody>
-          <a:bodyPr spcFirstLastPara="1" wrap="square" lIns="91425" tIns="91425" rIns="91425" bIns="91425" anchor="ctr" anchorCtr="0">
+          <a:bodyPr anchorCtr="0" anchor="ctr" bIns="91425" lIns="91425" spcFirstLastPara="1" rIns="91425" wrap="square" tIns="91425">
             <a:normAutofit/>
           </a:bodyPr>
           <a:lstStyle>
-            <a:lvl1pPr marL="457200" lvl="0" indent="-342900" rtl="0">
+            <a:lvl1pPr indent="-342900" lvl="0" marL="457200" rtl="0">
               <a:spcBef>
                 <a:spcPts val="0"/>
               </a:spcBef>
@@ -5159,7 +5061,7 @@
               <a:buChar char="●"/>
               <a:defRPr/>
             </a:lvl1pPr>
-            <a:lvl2pPr marL="914400" lvl="1" indent="-317500" rtl="0">
+            <a:lvl2pPr indent="-317500" lvl="1" marL="914400" rtl="0">
               <a:spcBef>
                 <a:spcPts val="0"/>
               </a:spcBef>
@@ -5170,7 +5072,7 @@
               <a:buChar char="○"/>
               <a:defRPr/>
             </a:lvl2pPr>
-            <a:lvl3pPr marL="1371600" lvl="2" indent="-317500" rtl="0">
+            <a:lvl3pPr indent="-317500" lvl="2" marL="1371600" rtl="0">
               <a:spcBef>
                 <a:spcPts val="0"/>
               </a:spcBef>
@@ -5181,7 +5083,7 @@
               <a:buChar char="■"/>
               <a:defRPr/>
             </a:lvl3pPr>
-            <a:lvl4pPr marL="1828800" lvl="3" indent="-317500" rtl="0">
+            <a:lvl4pPr indent="-317500" lvl="3" marL="1828800" rtl="0">
               <a:spcBef>
                 <a:spcPts val="0"/>
               </a:spcBef>
@@ -5192,7 +5094,7 @@
               <a:buChar char="●"/>
               <a:defRPr/>
             </a:lvl4pPr>
-            <a:lvl5pPr marL="2286000" lvl="4" indent="-317500" rtl="0">
+            <a:lvl5pPr indent="-317500" lvl="4" marL="2286000" rtl="0">
               <a:spcBef>
                 <a:spcPts val="0"/>
               </a:spcBef>
@@ -5203,7 +5105,7 @@
               <a:buChar char="○"/>
               <a:defRPr/>
             </a:lvl5pPr>
-            <a:lvl6pPr marL="2743200" lvl="5" indent="-317500" rtl="0">
+            <a:lvl6pPr indent="-317500" lvl="5" marL="2743200" rtl="0">
               <a:spcBef>
                 <a:spcPts val="0"/>
               </a:spcBef>
@@ -5214,7 +5116,7 @@
               <a:buChar char="■"/>
               <a:defRPr/>
             </a:lvl6pPr>
-            <a:lvl7pPr marL="3200400" lvl="6" indent="-317500" rtl="0">
+            <a:lvl7pPr indent="-317500" lvl="6" marL="3200400" rtl="0">
               <a:spcBef>
                 <a:spcPts val="0"/>
               </a:spcBef>
@@ -5225,7 +5127,7 @@
               <a:buChar char="●"/>
               <a:defRPr/>
             </a:lvl7pPr>
-            <a:lvl8pPr marL="3657600" lvl="7" indent="-317500" rtl="0">
+            <a:lvl8pPr indent="-317500" lvl="7" marL="3657600" rtl="0">
               <a:spcBef>
                 <a:spcPts val="0"/>
               </a:spcBef>
@@ -5236,7 +5138,7 @@
               <a:buChar char="○"/>
               <a:defRPr/>
             </a:lvl8pPr>
-            <a:lvl9pPr marL="4114800" lvl="8" indent="-317500" rtl="0">
+            <a:lvl9pPr indent="-317500" lvl="8" marL="4114800" rtl="0">
               <a:spcBef>
                 <a:spcPts val="0"/>
               </a:spcBef>
@@ -5248,19 +5150,15 @@
               <a:defRPr/>
             </a:lvl9pPr>
           </a:lstStyle>
-          <a:p>
-            <a:endParaRPr/>
-          </a:p>
+          <a:p/>
         </p:txBody>
       </p:sp>
       <p:sp>
         <p:nvSpPr>
           <p:cNvPr id="40" name="Google Shape;40;p9"/>
-          <p:cNvSpPr txBox="1">
-            <a:spLocks noGrp="1"/>
-          </p:cNvSpPr>
+          <p:cNvSpPr txBox="1"/>
           <p:nvPr>
-            <p:ph type="sldNum" idx="12"/>
+            <p:ph idx="12" type="sldNum"/>
           </p:nvPr>
         </p:nvSpPr>
         <p:spPr>
@@ -5273,7 +5171,7 @@
           </a:prstGeom>
         </p:spPr>
         <p:txBody>
-          <a:bodyPr spcFirstLastPara="1" wrap="square" lIns="91425" tIns="91425" rIns="91425" bIns="91425" anchor="ctr" anchorCtr="0">
+          <a:bodyPr anchorCtr="0" anchor="ctr" bIns="91425" lIns="91425" spcFirstLastPara="1" rIns="91425" wrap="square" tIns="91425">
             <a:normAutofit/>
           </a:bodyPr>
           <a:lstStyle>
@@ -5315,7 +5213,7 @@
             </a:lvl9pPr>
           </a:lstStyle>
           <a:p>
-            <a:pPr marL="0" lvl="0" indent="0" algn="r" rtl="0">
+            <a:pPr indent="0" lvl="0" marL="0" rtl="0" algn="r">
               <a:spcBef>
                 <a:spcPts val="0"/>
               </a:spcBef>
@@ -5341,11 +5239,11 @@
 </file>
 
 <file path=ppt/slideLayouts/slideLayout9.xml><?xml version="1.0" encoding="utf-8"?>
-<p:sldLayout xmlns:a="http://schemas.openxmlformats.org/drawingml/2006/main" xmlns:r="http://schemas.openxmlformats.org/officeDocument/2006/relationships" xmlns:p="http://schemas.openxmlformats.org/presentationml/2006/main" matchingName="Caption">
+<p:sldLayout xmlns:a="http://schemas.openxmlformats.org/drawingml/2006/main" xmlns:r="http://schemas.openxmlformats.org/officeDocument/2006/relationships" xmlns:mc="http://schemas.openxmlformats.org/markup-compatibility/2006" xmlns:mv="urn:schemas-microsoft-com:mac:vml" xmlns:p="http://schemas.openxmlformats.org/presentationml/2006/main" xmlns:c="http://schemas.openxmlformats.org/drawingml/2006/chart" xmlns:dgm="http://schemas.openxmlformats.org/drawingml/2006/diagram" xmlns:o="urn:schemas-microsoft-com:office:office" xmlns:v="urn:schemas-microsoft-com:vml" xmlns:pvml="urn:schemas-microsoft-com:office:powerpoint" xmlns:com="http://schemas.openxmlformats.org/drawingml/2006/compatibility" xmlns:p14="http://schemas.microsoft.com/office/powerpoint/2010/main" xmlns:p15="http://schemas.microsoft.com/office/powerpoint/2012/main" xmlns:ahyp="http://schemas.microsoft.com/office/drawing/2018/hyperlinkcolor" matchingName="Caption">
   <p:cSld name="CAPTION_ONLY">
     <p:spTree>
       <p:nvGrpSpPr>
-        <p:cNvPr id="1" name="Shape 41"/>
+        <p:cNvPr id="41" name="Shape 41"/>
         <p:cNvGrpSpPr/>
         <p:nvPr/>
       </p:nvGrpSpPr>
@@ -5360,11 +5258,9 @@
       <p:sp>
         <p:nvSpPr>
           <p:cNvPr id="42" name="Google Shape;42;p10"/>
-          <p:cNvSpPr txBox="1">
-            <a:spLocks noGrp="1"/>
-          </p:cNvSpPr>
+          <p:cNvSpPr txBox="1"/>
           <p:nvPr>
-            <p:ph type="body" idx="1"/>
+            <p:ph idx="1" type="body"/>
           </p:nvPr>
         </p:nvSpPr>
         <p:spPr>
@@ -5377,11 +5273,11 @@
           </a:prstGeom>
         </p:spPr>
         <p:txBody>
-          <a:bodyPr spcFirstLastPara="1" wrap="square" lIns="91425" tIns="91425" rIns="91425" bIns="91425" anchor="ctr" anchorCtr="0">
+          <a:bodyPr anchorCtr="0" anchor="ctr" bIns="91425" lIns="91425" spcFirstLastPara="1" rIns="91425" wrap="square" tIns="91425">
             <a:normAutofit/>
           </a:bodyPr>
           <a:lstStyle>
-            <a:lvl1pPr marL="457200" lvl="0" indent="-228600" rtl="0">
+            <a:lvl1pPr indent="-228600" lvl="0" marL="457200" rtl="0">
               <a:lnSpc>
                 <a:spcPct val="100000"/>
               </a:lnSpc>
@@ -5396,19 +5292,15 @@
               <a:defRPr/>
             </a:lvl1pPr>
           </a:lstStyle>
-          <a:p>
-            <a:endParaRPr/>
-          </a:p>
+          <a:p/>
         </p:txBody>
       </p:sp>
       <p:sp>
         <p:nvSpPr>
           <p:cNvPr id="43" name="Google Shape;43;p10"/>
-          <p:cNvSpPr txBox="1">
-            <a:spLocks noGrp="1"/>
-          </p:cNvSpPr>
+          <p:cNvSpPr txBox="1"/>
           <p:nvPr>
-            <p:ph type="sldNum" idx="12"/>
+            <p:ph idx="12" type="sldNum"/>
           </p:nvPr>
         </p:nvSpPr>
         <p:spPr>
@@ -5421,7 +5313,7 @@
           </a:prstGeom>
         </p:spPr>
         <p:txBody>
-          <a:bodyPr spcFirstLastPara="1" wrap="square" lIns="91425" tIns="91425" rIns="91425" bIns="91425" anchor="ctr" anchorCtr="0">
+          <a:bodyPr anchorCtr="0" anchor="ctr" bIns="91425" lIns="91425" spcFirstLastPara="1" rIns="91425" wrap="square" tIns="91425">
             <a:normAutofit/>
           </a:bodyPr>
           <a:lstStyle>
@@ -5463,7 +5355,7 @@
             </a:lvl9pPr>
           </a:lstStyle>
           <a:p>
-            <a:pPr marL="0" lvl="0" indent="0" algn="r" rtl="0">
+            <a:pPr indent="0" lvl="0" marL="0" rtl="0" algn="r">
               <a:spcBef>
                 <a:spcPts val="0"/>
               </a:spcBef>
@@ -5489,19 +5381,18 @@
 </file>
 
 <file path=ppt/slideMasters/slideMaster1.xml><?xml version="1.0" encoding="utf-8"?>
-<p:sldMaster xmlns:a="http://schemas.openxmlformats.org/drawingml/2006/main" xmlns:r="http://schemas.openxmlformats.org/officeDocument/2006/relationships" xmlns:p="http://schemas.openxmlformats.org/presentationml/2006/main">
+<p:sldMaster xmlns:a="http://schemas.openxmlformats.org/drawingml/2006/main" xmlns:r="http://schemas.openxmlformats.org/officeDocument/2006/relationships" xmlns:mc="http://schemas.openxmlformats.org/markup-compatibility/2006" xmlns:mv="urn:schemas-microsoft-com:mac:vml" xmlns:p="http://schemas.openxmlformats.org/presentationml/2006/main" xmlns:c="http://schemas.openxmlformats.org/drawingml/2006/chart" xmlns:dgm="http://schemas.openxmlformats.org/drawingml/2006/diagram" xmlns:o="urn:schemas-microsoft-com:office:office" xmlns:v="urn:schemas-microsoft-com:vml" xmlns:pvml="urn:schemas-microsoft-com:office:powerpoint" xmlns:com="http://schemas.openxmlformats.org/drawingml/2006/compatibility" xmlns:p14="http://schemas.microsoft.com/office/powerpoint/2010/main" xmlns:p15="http://schemas.microsoft.com/office/powerpoint/2012/main" xmlns:ahyp="http://schemas.microsoft.com/office/drawing/2018/hyperlinkcolor">
   <p:cSld name="simple-light-2">
     <p:bg>
       <p:bgPr>
         <a:solidFill>
           <a:schemeClr val="lt1"/>
         </a:solidFill>
-        <a:effectLst/>
       </p:bgPr>
     </p:bg>
     <p:spTree>
       <p:nvGrpSpPr>
-        <p:cNvPr id="1" name="Shape 5"/>
+        <p:cNvPr id="5" name="Shape 5"/>
         <p:cNvGrpSpPr/>
         <p:nvPr/>
       </p:nvGrpSpPr>
@@ -5516,9 +5407,7 @@
       <p:sp>
         <p:nvSpPr>
           <p:cNvPr id="6" name="Google Shape;6;p1"/>
-          <p:cNvSpPr txBox="1">
-            <a:spLocks noGrp="1"/>
-          </p:cNvSpPr>
+          <p:cNvSpPr txBox="1"/>
           <p:nvPr>
             <p:ph type="title"/>
           </p:nvPr>
@@ -5537,7 +5426,7 @@
           </a:ln>
         </p:spPr>
         <p:txBody>
-          <a:bodyPr spcFirstLastPara="1" wrap="square" lIns="91425" tIns="91425" rIns="91425" bIns="91425" anchor="t" anchorCtr="0">
+          <a:bodyPr anchorCtr="0" anchor="t" bIns="91425" lIns="91425" spcFirstLastPara="1" rIns="91425" wrap="square" tIns="91425">
             <a:normAutofit/>
           </a:bodyPr>
           <a:lstStyle>
@@ -5704,19 +5593,15 @@
               </a:defRPr>
             </a:lvl9pPr>
           </a:lstStyle>
-          <a:p>
-            <a:endParaRPr/>
-          </a:p>
+          <a:p/>
         </p:txBody>
       </p:sp>
       <p:sp>
         <p:nvSpPr>
           <p:cNvPr id="7" name="Google Shape;7;p1"/>
-          <p:cNvSpPr txBox="1">
-            <a:spLocks noGrp="1"/>
-          </p:cNvSpPr>
+          <p:cNvSpPr txBox="1"/>
           <p:nvPr>
-            <p:ph type="body" idx="1"/>
+            <p:ph idx="1" type="body"/>
           </p:nvPr>
         </p:nvSpPr>
         <p:spPr>
@@ -5733,11 +5618,11 @@
           </a:ln>
         </p:spPr>
         <p:txBody>
-          <a:bodyPr spcFirstLastPara="1" wrap="square" lIns="91425" tIns="91425" rIns="91425" bIns="91425" anchor="t" anchorCtr="0">
+          <a:bodyPr anchorCtr="0" anchor="t" bIns="91425" lIns="91425" spcFirstLastPara="1" rIns="91425" wrap="square" tIns="91425">
             <a:normAutofit/>
           </a:bodyPr>
           <a:lstStyle>
-            <a:lvl1pPr marL="457200" lvl="0" indent="-342900" rtl="0">
+            <a:lvl1pPr indent="-342900" lvl="0" marL="457200" rtl="0">
               <a:lnSpc>
                 <a:spcPct val="115000"/>
               </a:lnSpc>
@@ -5758,7 +5643,7 @@
                 </a:solidFill>
               </a:defRPr>
             </a:lvl1pPr>
-            <a:lvl2pPr marL="914400" lvl="1" indent="-317500" rtl="0">
+            <a:lvl2pPr indent="-317500" lvl="1" marL="914400" rtl="0">
               <a:lnSpc>
                 <a:spcPct val="115000"/>
               </a:lnSpc>
@@ -5779,7 +5664,7 @@
                 </a:solidFill>
               </a:defRPr>
             </a:lvl2pPr>
-            <a:lvl3pPr marL="1371600" lvl="2" indent="-317500" rtl="0">
+            <a:lvl3pPr indent="-317500" lvl="2" marL="1371600" rtl="0">
               <a:lnSpc>
                 <a:spcPct val="115000"/>
               </a:lnSpc>
@@ -5800,7 +5685,7 @@
                 </a:solidFill>
               </a:defRPr>
             </a:lvl3pPr>
-            <a:lvl4pPr marL="1828800" lvl="3" indent="-317500" rtl="0">
+            <a:lvl4pPr indent="-317500" lvl="3" marL="1828800" rtl="0">
               <a:lnSpc>
                 <a:spcPct val="115000"/>
               </a:lnSpc>
@@ -5821,7 +5706,7 @@
                 </a:solidFill>
               </a:defRPr>
             </a:lvl4pPr>
-            <a:lvl5pPr marL="2286000" lvl="4" indent="-317500" rtl="0">
+            <a:lvl5pPr indent="-317500" lvl="4" marL="2286000" rtl="0">
               <a:lnSpc>
                 <a:spcPct val="115000"/>
               </a:lnSpc>
@@ -5842,7 +5727,7 @@
                 </a:solidFill>
               </a:defRPr>
             </a:lvl5pPr>
-            <a:lvl6pPr marL="2743200" lvl="5" indent="-317500" rtl="0">
+            <a:lvl6pPr indent="-317500" lvl="5" marL="2743200" rtl="0">
               <a:lnSpc>
                 <a:spcPct val="115000"/>
               </a:lnSpc>
@@ -5863,7 +5748,7 @@
                 </a:solidFill>
               </a:defRPr>
             </a:lvl6pPr>
-            <a:lvl7pPr marL="3200400" lvl="6" indent="-317500" rtl="0">
+            <a:lvl7pPr indent="-317500" lvl="6" marL="3200400" rtl="0">
               <a:lnSpc>
                 <a:spcPct val="115000"/>
               </a:lnSpc>
@@ -5884,7 +5769,7 @@
                 </a:solidFill>
               </a:defRPr>
             </a:lvl7pPr>
-            <a:lvl8pPr marL="3657600" lvl="7" indent="-317500" rtl="0">
+            <a:lvl8pPr indent="-317500" lvl="7" marL="3657600" rtl="0">
               <a:lnSpc>
                 <a:spcPct val="115000"/>
               </a:lnSpc>
@@ -5905,7 +5790,7 @@
                 </a:solidFill>
               </a:defRPr>
             </a:lvl8pPr>
-            <a:lvl9pPr marL="4114800" lvl="8" indent="-317500" rtl="0">
+            <a:lvl9pPr indent="-317500" lvl="8" marL="4114800" rtl="0">
               <a:lnSpc>
                 <a:spcPct val="115000"/>
               </a:lnSpc>
@@ -5927,19 +5812,15 @@
               </a:defRPr>
             </a:lvl9pPr>
           </a:lstStyle>
-          <a:p>
-            <a:endParaRPr/>
-          </a:p>
+          <a:p/>
         </p:txBody>
       </p:sp>
       <p:sp>
         <p:nvSpPr>
           <p:cNvPr id="8" name="Google Shape;8;p1"/>
-          <p:cNvSpPr txBox="1">
-            <a:spLocks noGrp="1"/>
-          </p:cNvSpPr>
+          <p:cNvSpPr txBox="1"/>
           <p:nvPr>
-            <p:ph type="sldNum" idx="12"/>
+            <p:ph idx="12" type="sldNum"/>
           </p:nvPr>
         </p:nvSpPr>
         <p:spPr>
@@ -5956,11 +5837,11 @@
           </a:ln>
         </p:spPr>
         <p:txBody>
-          <a:bodyPr spcFirstLastPara="1" wrap="square" lIns="91425" tIns="91425" rIns="91425" bIns="91425" anchor="ctr" anchorCtr="0">
+          <a:bodyPr anchorCtr="0" anchor="ctr" bIns="91425" lIns="91425" spcFirstLastPara="1" rIns="91425" wrap="square" tIns="91425">
             <a:normAutofit/>
           </a:bodyPr>
           <a:lstStyle>
-            <a:lvl1pPr lvl="0" algn="r" rtl="0">
+            <a:lvl1pPr lvl="0" rtl="0" algn="r">
               <a:buNone/>
               <a:defRPr sz="1000">
                 <a:solidFill>
@@ -5968,7 +5849,7 @@
                 </a:solidFill>
               </a:defRPr>
             </a:lvl1pPr>
-            <a:lvl2pPr lvl="1" algn="r" rtl="0">
+            <a:lvl2pPr lvl="1" rtl="0" algn="r">
               <a:buNone/>
               <a:defRPr sz="1000">
                 <a:solidFill>
@@ -5976,7 +5857,7 @@
                 </a:solidFill>
               </a:defRPr>
             </a:lvl2pPr>
-            <a:lvl3pPr lvl="2" algn="r" rtl="0">
+            <a:lvl3pPr lvl="2" rtl="0" algn="r">
               <a:buNone/>
               <a:defRPr sz="1000">
                 <a:solidFill>
@@ -5984,7 +5865,7 @@
                 </a:solidFill>
               </a:defRPr>
             </a:lvl3pPr>
-            <a:lvl4pPr lvl="3" algn="r" rtl="0">
+            <a:lvl4pPr lvl="3" rtl="0" algn="r">
               <a:buNone/>
               <a:defRPr sz="1000">
                 <a:solidFill>
@@ -5992,7 +5873,7 @@
                 </a:solidFill>
               </a:defRPr>
             </a:lvl4pPr>
-            <a:lvl5pPr lvl="4" algn="r" rtl="0">
+            <a:lvl5pPr lvl="4" rtl="0" algn="r">
               <a:buNone/>
               <a:defRPr sz="1000">
                 <a:solidFill>
@@ -6000,7 +5881,7 @@
                 </a:solidFill>
               </a:defRPr>
             </a:lvl5pPr>
-            <a:lvl6pPr lvl="5" algn="r" rtl="0">
+            <a:lvl6pPr lvl="5" rtl="0" algn="r">
               <a:buNone/>
               <a:defRPr sz="1000">
                 <a:solidFill>
@@ -6008,7 +5889,7 @@
                 </a:solidFill>
               </a:defRPr>
             </a:lvl6pPr>
-            <a:lvl7pPr lvl="6" algn="r" rtl="0">
+            <a:lvl7pPr lvl="6" rtl="0" algn="r">
               <a:buNone/>
               <a:defRPr sz="1000">
                 <a:solidFill>
@@ -6016,7 +5897,7 @@
                 </a:solidFill>
               </a:defRPr>
             </a:lvl7pPr>
-            <a:lvl8pPr lvl="7" algn="r" rtl="0">
+            <a:lvl8pPr lvl="7" rtl="0" algn="r">
               <a:buNone/>
               <a:defRPr sz="1000">
                 <a:solidFill>
@@ -6024,7 +5905,7 @@
                 </a:solidFill>
               </a:defRPr>
             </a:lvl8pPr>
-            <a:lvl9pPr lvl="8" algn="r" rtl="0">
+            <a:lvl9pPr lvl="8" rtl="0" algn="r">
               <a:buNone/>
               <a:defRPr sz="1000">
                 <a:solidFill>
@@ -6034,7 +5915,7 @@
             </a:lvl9pPr>
           </a:lstStyle>
           <a:p>
-            <a:pPr marL="0" lvl="0" indent="0" algn="r" rtl="0">
+            <a:pPr indent="0" lvl="0" marL="0" rtl="0" algn="r">
               <a:spcBef>
                 <a:spcPts val="0"/>
               </a:spcBef>
@@ -6053,7 +5934,7 @@
       </p:sp>
     </p:spTree>
   </p:cSld>
-  <p:clrMap bg1="lt1" tx1="dk1" bg2="dk2" tx2="lt2" accent1="accent1" accent2="accent2" accent3="accent3" accent4="accent4" accent5="accent5" accent6="accent6" hlink="hlink" folHlink="folHlink"/>
+  <p:clrMap accent1="accent1" accent2="accent2" accent3="accent3" accent4="accent4" accent5="accent5" accent6="accent6" bg1="lt1" bg2="dk2" tx1="dk1" tx2="lt2" folHlink="folHlink" hlink="hlink"/>
   <p:sldLayoutIdLst>
     <p:sldLayoutId id="2147483648" r:id="rId1"/>
     <p:sldLayoutId id="2147483649" r:id="rId2"/>
@@ -6067,10 +5948,10 @@
     <p:sldLayoutId id="2147483657" r:id="rId10"/>
     <p:sldLayoutId id="2147483658" r:id="rId11"/>
   </p:sldLayoutIdLst>
-  <p:hf sldNum="0" hdr="0" ftr="0" dt="0"/>
+  <p:hf dt="0" ftr="0" hdr="0" sldNum="0"/>
   <p:txStyles>
     <p:titleStyle>
-      <a:defPPr marR="0" lvl="0" algn="l" rtl="0">
+      <a:defPPr lvl="0" marR="0" rtl="0" algn="l">
         <a:lnSpc>
           <a:spcPct val="100000"/>
         </a:lnSpc>
@@ -6081,7 +5962,7 @@
           <a:spcPts val="0"/>
         </a:spcAft>
       </a:defPPr>
-      <a:lvl1pPr marR="0" lvl="0" algn="l" rtl="0">
+      <a:lvl1pPr lvl="0" marR="0" rtl="0" algn="l">
         <a:lnSpc>
           <a:spcPct val="100000"/>
         </a:lnSpc>
@@ -6095,7 +5976,7 @@
           <a:srgbClr val="000000"/>
         </a:buClr>
         <a:buFont typeface="Arial"/>
-        <a:defRPr sz="1400" b="0" i="0" u="none" strike="noStrike" cap="none">
+        <a:defRPr b="0" i="0" sz="1400" u="none" cap="none" strike="noStrike">
           <a:solidFill>
             <a:srgbClr val="000000"/>
           </a:solidFill>
@@ -6105,7 +5986,7 @@
           <a:sym typeface="Arial"/>
         </a:defRPr>
       </a:lvl1pPr>
-      <a:lvl2pPr marR="0" lvl="1" algn="l" rtl="0">
+      <a:lvl2pPr lvl="1" marR="0" rtl="0" algn="l">
         <a:lnSpc>
           <a:spcPct val="100000"/>
         </a:lnSpc>
@@ -6119,7 +6000,7 @@
           <a:srgbClr val="000000"/>
         </a:buClr>
         <a:buFont typeface="Arial"/>
-        <a:defRPr sz="1400" b="0" i="0" u="none" strike="noStrike" cap="none">
+        <a:defRPr b="0" i="0" sz="1400" u="none" cap="none" strike="noStrike">
           <a:solidFill>
             <a:srgbClr val="000000"/>
           </a:solidFill>
@@ -6129,7 +6010,7 @@
           <a:sym typeface="Arial"/>
         </a:defRPr>
       </a:lvl2pPr>
-      <a:lvl3pPr marR="0" lvl="2" algn="l" rtl="0">
+      <a:lvl3pPr lvl="2" marR="0" rtl="0" algn="l">
         <a:lnSpc>
           <a:spcPct val="100000"/>
         </a:lnSpc>
@@ -6143,7 +6024,7 @@
           <a:srgbClr val="000000"/>
         </a:buClr>
         <a:buFont typeface="Arial"/>
-        <a:defRPr sz="1400" b="0" i="0" u="none" strike="noStrike" cap="none">
+        <a:defRPr b="0" i="0" sz="1400" u="none" cap="none" strike="noStrike">
           <a:solidFill>
             <a:srgbClr val="000000"/>
           </a:solidFill>
@@ -6153,7 +6034,7 @@
           <a:sym typeface="Arial"/>
         </a:defRPr>
       </a:lvl3pPr>
-      <a:lvl4pPr marR="0" lvl="3" algn="l" rtl="0">
+      <a:lvl4pPr lvl="3" marR="0" rtl="0" algn="l">
         <a:lnSpc>
           <a:spcPct val="100000"/>
         </a:lnSpc>
@@ -6167,7 +6048,7 @@
           <a:srgbClr val="000000"/>
         </a:buClr>
         <a:buFont typeface="Arial"/>
-        <a:defRPr sz="1400" b="0" i="0" u="none" strike="noStrike" cap="none">
+        <a:defRPr b="0" i="0" sz="1400" u="none" cap="none" strike="noStrike">
           <a:solidFill>
             <a:srgbClr val="000000"/>
           </a:solidFill>
@@ -6177,7 +6058,7 @@
           <a:sym typeface="Arial"/>
         </a:defRPr>
       </a:lvl4pPr>
-      <a:lvl5pPr marR="0" lvl="4" algn="l" rtl="0">
+      <a:lvl5pPr lvl="4" marR="0" rtl="0" algn="l">
         <a:lnSpc>
           <a:spcPct val="100000"/>
         </a:lnSpc>
@@ -6191,7 +6072,7 @@
           <a:srgbClr val="000000"/>
         </a:buClr>
         <a:buFont typeface="Arial"/>
-        <a:defRPr sz="1400" b="0" i="0" u="none" strike="noStrike" cap="none">
+        <a:defRPr b="0" i="0" sz="1400" u="none" cap="none" strike="noStrike">
           <a:solidFill>
             <a:srgbClr val="000000"/>
           </a:solidFill>
@@ -6201,7 +6082,7 @@
           <a:sym typeface="Arial"/>
         </a:defRPr>
       </a:lvl5pPr>
-      <a:lvl6pPr marR="0" lvl="5" algn="l" rtl="0">
+      <a:lvl6pPr lvl="5" marR="0" rtl="0" algn="l">
         <a:lnSpc>
           <a:spcPct val="100000"/>
         </a:lnSpc>
@@ -6215,7 +6096,7 @@
           <a:srgbClr val="000000"/>
         </a:buClr>
         <a:buFont typeface="Arial"/>
-        <a:defRPr sz="1400" b="0" i="0" u="none" strike="noStrike" cap="none">
+        <a:defRPr b="0" i="0" sz="1400" u="none" cap="none" strike="noStrike">
           <a:solidFill>
             <a:srgbClr val="000000"/>
           </a:solidFill>
@@ -6225,7 +6106,7 @@
           <a:sym typeface="Arial"/>
         </a:defRPr>
       </a:lvl6pPr>
-      <a:lvl7pPr marR="0" lvl="6" algn="l" rtl="0">
+      <a:lvl7pPr lvl="6" marR="0" rtl="0" algn="l">
         <a:lnSpc>
           <a:spcPct val="100000"/>
         </a:lnSpc>
@@ -6239,7 +6120,7 @@
           <a:srgbClr val="000000"/>
         </a:buClr>
         <a:buFont typeface="Arial"/>
-        <a:defRPr sz="1400" b="0" i="0" u="none" strike="noStrike" cap="none">
+        <a:defRPr b="0" i="0" sz="1400" u="none" cap="none" strike="noStrike">
           <a:solidFill>
             <a:srgbClr val="000000"/>
           </a:solidFill>
@@ -6249,7 +6130,7 @@
           <a:sym typeface="Arial"/>
         </a:defRPr>
       </a:lvl7pPr>
-      <a:lvl8pPr marR="0" lvl="7" algn="l" rtl="0">
+      <a:lvl8pPr lvl="7" marR="0" rtl="0" algn="l">
         <a:lnSpc>
           <a:spcPct val="100000"/>
         </a:lnSpc>
@@ -6263,7 +6144,7 @@
           <a:srgbClr val="000000"/>
         </a:buClr>
         <a:buFont typeface="Arial"/>
-        <a:defRPr sz="1400" b="0" i="0" u="none" strike="noStrike" cap="none">
+        <a:defRPr b="0" i="0" sz="1400" u="none" cap="none" strike="noStrike">
           <a:solidFill>
             <a:srgbClr val="000000"/>
           </a:solidFill>
@@ -6273,7 +6154,7 @@
           <a:sym typeface="Arial"/>
         </a:defRPr>
       </a:lvl8pPr>
-      <a:lvl9pPr marR="0" lvl="8" algn="l" rtl="0">
+      <a:lvl9pPr lvl="8" marR="0" rtl="0" algn="l">
         <a:lnSpc>
           <a:spcPct val="100000"/>
         </a:lnSpc>
@@ -6287,7 +6168,7 @@
           <a:srgbClr val="000000"/>
         </a:buClr>
         <a:buFont typeface="Arial"/>
-        <a:defRPr sz="1400" b="0" i="0" u="none" strike="noStrike" cap="none">
+        <a:defRPr b="0" i="0" sz="1400" u="none" cap="none" strike="noStrike">
           <a:solidFill>
             <a:srgbClr val="000000"/>
           </a:solidFill>
@@ -6299,7 +6180,7 @@
       </a:lvl9pPr>
     </p:titleStyle>
     <p:bodyStyle>
-      <a:defPPr marR="0" lvl="0" algn="l" rtl="0">
+      <a:defPPr lvl="0" marR="0" rtl="0" algn="l">
         <a:lnSpc>
           <a:spcPct val="100000"/>
         </a:lnSpc>
@@ -6310,7 +6191,7 @@
           <a:spcPts val="0"/>
         </a:spcAft>
       </a:defPPr>
-      <a:lvl1pPr marR="0" lvl="0" algn="l" rtl="0">
+      <a:lvl1pPr lvl="0" marR="0" rtl="0" algn="l">
         <a:lnSpc>
           <a:spcPct val="100000"/>
         </a:lnSpc>
@@ -6324,7 +6205,7 @@
           <a:srgbClr val="000000"/>
         </a:buClr>
         <a:buFont typeface="Arial"/>
-        <a:defRPr sz="1400" b="0" i="0" u="none" strike="noStrike" cap="none">
+        <a:defRPr b="0" i="0" sz="1400" u="none" cap="none" strike="noStrike">
           <a:solidFill>
             <a:srgbClr val="000000"/>
           </a:solidFill>
@@ -6334,7 +6215,7 @@
           <a:sym typeface="Arial"/>
         </a:defRPr>
       </a:lvl1pPr>
-      <a:lvl2pPr marR="0" lvl="1" algn="l" rtl="0">
+      <a:lvl2pPr lvl="1" marR="0" rtl="0" algn="l">
         <a:lnSpc>
           <a:spcPct val="100000"/>
         </a:lnSpc>
@@ -6348,7 +6229,7 @@
           <a:srgbClr val="000000"/>
         </a:buClr>
         <a:buFont typeface="Arial"/>
-        <a:defRPr sz="1400" b="0" i="0" u="none" strike="noStrike" cap="none">
+        <a:defRPr b="0" i="0" sz="1400" u="none" cap="none" strike="noStrike">
           <a:solidFill>
             <a:srgbClr val="000000"/>
           </a:solidFill>
@@ -6358,7 +6239,7 @@
           <a:sym typeface="Arial"/>
         </a:defRPr>
       </a:lvl2pPr>
-      <a:lvl3pPr marR="0" lvl="2" algn="l" rtl="0">
+      <a:lvl3pPr lvl="2" marR="0" rtl="0" algn="l">
         <a:lnSpc>
           <a:spcPct val="100000"/>
         </a:lnSpc>
@@ -6372,7 +6253,7 @@
           <a:srgbClr val="000000"/>
         </a:buClr>
         <a:buFont typeface="Arial"/>
-        <a:defRPr sz="1400" b="0" i="0" u="none" strike="noStrike" cap="none">
+        <a:defRPr b="0" i="0" sz="1400" u="none" cap="none" strike="noStrike">
           <a:solidFill>
             <a:srgbClr val="000000"/>
           </a:solidFill>
@@ -6382,7 +6263,7 @@
           <a:sym typeface="Arial"/>
         </a:defRPr>
       </a:lvl3pPr>
-      <a:lvl4pPr marR="0" lvl="3" algn="l" rtl="0">
+      <a:lvl4pPr lvl="3" marR="0" rtl="0" algn="l">
         <a:lnSpc>
           <a:spcPct val="100000"/>
         </a:lnSpc>
@@ -6396,7 +6277,7 @@
           <a:srgbClr val="000000"/>
         </a:buClr>
         <a:buFont typeface="Arial"/>
-        <a:defRPr sz="1400" b="0" i="0" u="none" strike="noStrike" cap="none">
+        <a:defRPr b="0" i="0" sz="1400" u="none" cap="none" strike="noStrike">
           <a:solidFill>
             <a:srgbClr val="000000"/>
           </a:solidFill>
@@ -6406,7 +6287,7 @@
           <a:sym typeface="Arial"/>
         </a:defRPr>
       </a:lvl4pPr>
-      <a:lvl5pPr marR="0" lvl="4" algn="l" rtl="0">
+      <a:lvl5pPr lvl="4" marR="0" rtl="0" algn="l">
         <a:lnSpc>
           <a:spcPct val="100000"/>
         </a:lnSpc>
@@ -6420,7 +6301,7 @@
           <a:srgbClr val="000000"/>
         </a:buClr>
         <a:buFont typeface="Arial"/>
-        <a:defRPr sz="1400" b="0" i="0" u="none" strike="noStrike" cap="none">
+        <a:defRPr b="0" i="0" sz="1400" u="none" cap="none" strike="noStrike">
           <a:solidFill>
             <a:srgbClr val="000000"/>
           </a:solidFill>
@@ -6430,7 +6311,7 @@
           <a:sym typeface="Arial"/>
         </a:defRPr>
       </a:lvl5pPr>
-      <a:lvl6pPr marR="0" lvl="5" algn="l" rtl="0">
+      <a:lvl6pPr lvl="5" marR="0" rtl="0" algn="l">
         <a:lnSpc>
           <a:spcPct val="100000"/>
         </a:lnSpc>
@@ -6444,7 +6325,7 @@
           <a:srgbClr val="000000"/>
         </a:buClr>
         <a:buFont typeface="Arial"/>
-        <a:defRPr sz="1400" b="0" i="0" u="none" strike="noStrike" cap="none">
+        <a:defRPr b="0" i="0" sz="1400" u="none" cap="none" strike="noStrike">
           <a:solidFill>
             <a:srgbClr val="000000"/>
           </a:solidFill>
@@ -6454,7 +6335,7 @@
           <a:sym typeface="Arial"/>
         </a:defRPr>
       </a:lvl6pPr>
-      <a:lvl7pPr marR="0" lvl="6" algn="l" rtl="0">
+      <a:lvl7pPr lvl="6" marR="0" rtl="0" algn="l">
         <a:lnSpc>
           <a:spcPct val="100000"/>
         </a:lnSpc>
@@ -6468,7 +6349,7 @@
           <a:srgbClr val="000000"/>
         </a:buClr>
         <a:buFont typeface="Arial"/>
-        <a:defRPr sz="1400" b="0" i="0" u="none" strike="noStrike" cap="none">
+        <a:defRPr b="0" i="0" sz="1400" u="none" cap="none" strike="noStrike">
           <a:solidFill>
             <a:srgbClr val="000000"/>
           </a:solidFill>
@@ -6478,7 +6359,7 @@
           <a:sym typeface="Arial"/>
         </a:defRPr>
       </a:lvl7pPr>
-      <a:lvl8pPr marR="0" lvl="7" algn="l" rtl="0">
+      <a:lvl8pPr lvl="7" marR="0" rtl="0" algn="l">
         <a:lnSpc>
           <a:spcPct val="100000"/>
         </a:lnSpc>
@@ -6492,7 +6373,7 @@
           <a:srgbClr val="000000"/>
         </a:buClr>
         <a:buFont typeface="Arial"/>
-        <a:defRPr sz="1400" b="0" i="0" u="none" strike="noStrike" cap="none">
+        <a:defRPr b="0" i="0" sz="1400" u="none" cap="none" strike="noStrike">
           <a:solidFill>
             <a:srgbClr val="000000"/>
           </a:solidFill>
@@ -6502,7 +6383,7 @@
           <a:sym typeface="Arial"/>
         </a:defRPr>
       </a:lvl8pPr>
-      <a:lvl9pPr marR="0" lvl="8" algn="l" rtl="0">
+      <a:lvl9pPr lvl="8" marR="0" rtl="0" algn="l">
         <a:lnSpc>
           <a:spcPct val="100000"/>
         </a:lnSpc>
@@ -6516,7 +6397,7 @@
           <a:srgbClr val="000000"/>
         </a:buClr>
         <a:buFont typeface="Arial"/>
-        <a:defRPr sz="1400" b="0" i="0" u="none" strike="noStrike" cap="none">
+        <a:defRPr b="0" i="0" sz="1400" u="none" cap="none" strike="noStrike">
           <a:solidFill>
             <a:srgbClr val="000000"/>
           </a:solidFill>
@@ -6528,7 +6409,7 @@
       </a:lvl9pPr>
     </p:bodyStyle>
     <p:otherStyle>
-      <a:defPPr marR="0" lvl="0" algn="l" rtl="0">
+      <a:defPPr lvl="0" marR="0" rtl="0" algn="l">
         <a:lnSpc>
           <a:spcPct val="100000"/>
         </a:lnSpc>
@@ -6539,7 +6420,7 @@
           <a:spcPts val="0"/>
         </a:spcAft>
       </a:defPPr>
-      <a:lvl1pPr marR="0" lvl="0" algn="l" rtl="0">
+      <a:lvl1pPr lvl="0" marR="0" rtl="0" algn="l">
         <a:lnSpc>
           <a:spcPct val="100000"/>
         </a:lnSpc>
@@ -6553,7 +6434,7 @@
           <a:srgbClr val="000000"/>
         </a:buClr>
         <a:buFont typeface="Arial"/>
-        <a:defRPr sz="1400" b="0" i="0" u="none" strike="noStrike" cap="none">
+        <a:defRPr b="0" i="0" sz="1400" u="none" cap="none" strike="noStrike">
           <a:solidFill>
             <a:srgbClr val="000000"/>
           </a:solidFill>
@@ -6563,7 +6444,7 @@
           <a:sym typeface="Arial"/>
         </a:defRPr>
       </a:lvl1pPr>
-      <a:lvl2pPr marR="0" lvl="1" algn="l" rtl="0">
+      <a:lvl2pPr lvl="1" marR="0" rtl="0" algn="l">
         <a:lnSpc>
           <a:spcPct val="100000"/>
         </a:lnSpc>
@@ -6577,7 +6458,7 @@
           <a:srgbClr val="000000"/>
         </a:buClr>
         <a:buFont typeface="Arial"/>
-        <a:defRPr sz="1400" b="0" i="0" u="none" strike="noStrike" cap="none">
+        <a:defRPr b="0" i="0" sz="1400" u="none" cap="none" strike="noStrike">
           <a:solidFill>
             <a:srgbClr val="000000"/>
           </a:solidFill>
@@ -6587,7 +6468,7 @@
           <a:sym typeface="Arial"/>
         </a:defRPr>
       </a:lvl2pPr>
-      <a:lvl3pPr marR="0" lvl="2" algn="l" rtl="0">
+      <a:lvl3pPr lvl="2" marR="0" rtl="0" algn="l">
         <a:lnSpc>
           <a:spcPct val="100000"/>
         </a:lnSpc>
@@ -6601,7 +6482,7 @@
           <a:srgbClr val="000000"/>
         </a:buClr>
         <a:buFont typeface="Arial"/>
-        <a:defRPr sz="1400" b="0" i="0" u="none" strike="noStrike" cap="none">
+        <a:defRPr b="0" i="0" sz="1400" u="none" cap="none" strike="noStrike">
           <a:solidFill>
             <a:srgbClr val="000000"/>
           </a:solidFill>
@@ -6611,7 +6492,7 @@
           <a:sym typeface="Arial"/>
         </a:defRPr>
       </a:lvl3pPr>
-      <a:lvl4pPr marR="0" lvl="3" algn="l" rtl="0">
+      <a:lvl4pPr lvl="3" marR="0" rtl="0" algn="l">
         <a:lnSpc>
           <a:spcPct val="100000"/>
         </a:lnSpc>
@@ -6625,7 +6506,7 @@
           <a:srgbClr val="000000"/>
         </a:buClr>
         <a:buFont typeface="Arial"/>
-        <a:defRPr sz="1400" b="0" i="0" u="none" strike="noStrike" cap="none">
+        <a:defRPr b="0" i="0" sz="1400" u="none" cap="none" strike="noStrike">
           <a:solidFill>
             <a:srgbClr val="000000"/>
           </a:solidFill>
@@ -6635,7 +6516,7 @@
           <a:sym typeface="Arial"/>
         </a:defRPr>
       </a:lvl4pPr>
-      <a:lvl5pPr marR="0" lvl="4" algn="l" rtl="0">
+      <a:lvl5pPr lvl="4" marR="0" rtl="0" algn="l">
         <a:lnSpc>
           <a:spcPct val="100000"/>
         </a:lnSpc>
@@ -6649,7 +6530,7 @@
           <a:srgbClr val="000000"/>
         </a:buClr>
         <a:buFont typeface="Arial"/>
-        <a:defRPr sz="1400" b="0" i="0" u="none" strike="noStrike" cap="none">
+        <a:defRPr b="0" i="0" sz="1400" u="none" cap="none" strike="noStrike">
           <a:solidFill>
             <a:srgbClr val="000000"/>
           </a:solidFill>
@@ -6659,7 +6540,7 @@
           <a:sym typeface="Arial"/>
         </a:defRPr>
       </a:lvl5pPr>
-      <a:lvl6pPr marR="0" lvl="5" algn="l" rtl="0">
+      <a:lvl6pPr lvl="5" marR="0" rtl="0" algn="l">
         <a:lnSpc>
           <a:spcPct val="100000"/>
         </a:lnSpc>
@@ -6673,7 +6554,7 @@
           <a:srgbClr val="000000"/>
         </a:buClr>
         <a:buFont typeface="Arial"/>
-        <a:defRPr sz="1400" b="0" i="0" u="none" strike="noStrike" cap="none">
+        <a:defRPr b="0" i="0" sz="1400" u="none" cap="none" strike="noStrike">
           <a:solidFill>
             <a:srgbClr val="000000"/>
           </a:solidFill>
@@ -6683,7 +6564,7 @@
           <a:sym typeface="Arial"/>
         </a:defRPr>
       </a:lvl6pPr>
-      <a:lvl7pPr marR="0" lvl="6" algn="l" rtl="0">
+      <a:lvl7pPr lvl="6" marR="0" rtl="0" algn="l">
         <a:lnSpc>
           <a:spcPct val="100000"/>
         </a:lnSpc>
@@ -6697,7 +6578,7 @@
           <a:srgbClr val="000000"/>
         </a:buClr>
         <a:buFont typeface="Arial"/>
-        <a:defRPr sz="1400" b="0" i="0" u="none" strike="noStrike" cap="none">
+        <a:defRPr b="0" i="0" sz="1400" u="none" cap="none" strike="noStrike">
           <a:solidFill>
             <a:srgbClr val="000000"/>
           </a:solidFill>
@@ -6707,7 +6588,7 @@
           <a:sym typeface="Arial"/>
         </a:defRPr>
       </a:lvl7pPr>
-      <a:lvl8pPr marR="0" lvl="7" algn="l" rtl="0">
+      <a:lvl8pPr lvl="7" marR="0" rtl="0" algn="l">
         <a:lnSpc>
           <a:spcPct val="100000"/>
         </a:lnSpc>
@@ -6721,7 +6602,7 @@
           <a:srgbClr val="000000"/>
         </a:buClr>
         <a:buFont typeface="Arial"/>
-        <a:defRPr sz="1400" b="0" i="0" u="none" strike="noStrike" cap="none">
+        <a:defRPr b="0" i="0" sz="1400" u="none" cap="none" strike="noStrike">
           <a:solidFill>
             <a:srgbClr val="000000"/>
           </a:solidFill>
@@ -6731,7 +6612,7 @@
           <a:sym typeface="Arial"/>
         </a:defRPr>
       </a:lvl8pPr>
-      <a:lvl9pPr marR="0" lvl="8" algn="l" rtl="0">
+      <a:lvl9pPr lvl="8" marR="0" rtl="0" algn="l">
         <a:lnSpc>
           <a:spcPct val="100000"/>
         </a:lnSpc>
@@ -6745,7 +6626,7 @@
           <a:srgbClr val="000000"/>
         </a:buClr>
         <a:buFont typeface="Arial"/>
-        <a:defRPr sz="1400" b="0" i="0" u="none" strike="noStrike" cap="none">
+        <a:defRPr b="0" i="0" sz="1400" u="none" cap="none" strike="noStrike">
           <a:solidFill>
             <a:srgbClr val="000000"/>
           </a:solidFill>
@@ -6761,11 +6642,11 @@
 </file>
 
 <file path=ppt/slides/slide1.xml><?xml version="1.0" encoding="utf-8"?>
-<p:sld xmlns:a="http://schemas.openxmlformats.org/drawingml/2006/main" xmlns:r="http://schemas.openxmlformats.org/officeDocument/2006/relationships" xmlns:p="http://schemas.openxmlformats.org/presentationml/2006/main">
+<p:sld xmlns:a="http://schemas.openxmlformats.org/drawingml/2006/main" xmlns:r="http://schemas.openxmlformats.org/officeDocument/2006/relationships" xmlns:mc="http://schemas.openxmlformats.org/markup-compatibility/2006" xmlns:mv="urn:schemas-microsoft-com:mac:vml" xmlns:p="http://schemas.openxmlformats.org/presentationml/2006/main" xmlns:c="http://schemas.openxmlformats.org/drawingml/2006/chart" xmlns:dgm="http://schemas.openxmlformats.org/drawingml/2006/diagram" xmlns:o="urn:schemas-microsoft-com:office:office" xmlns:v="urn:schemas-microsoft-com:vml" xmlns:pvml="urn:schemas-microsoft-com:office:powerpoint" xmlns:com="http://schemas.openxmlformats.org/drawingml/2006/compatibility" xmlns:p14="http://schemas.microsoft.com/office/powerpoint/2010/main" xmlns:p15="http://schemas.microsoft.com/office/powerpoint/2012/main" xmlns:ahyp="http://schemas.microsoft.com/office/drawing/2018/hyperlinkcolor">
   <p:cSld>
     <p:spTree>
       <p:nvGrpSpPr>
-        <p:cNvPr id="1" name="Shape 53"/>
+        <p:cNvPr id="53" name="Shape 53"/>
         <p:cNvGrpSpPr/>
         <p:nvPr/>
       </p:nvGrpSpPr>
@@ -6808,9 +6689,7 @@
       <p:sp>
         <p:nvSpPr>
           <p:cNvPr id="55" name="Google Shape;55;p13"/>
-          <p:cNvSpPr txBox="1">
-            <a:spLocks noGrp="1"/>
-          </p:cNvSpPr>
+          <p:cNvSpPr txBox="1"/>
           <p:nvPr>
             <p:ph type="ctrTitle"/>
           </p:nvPr>
@@ -6825,12 +6704,12 @@
           </a:prstGeom>
         </p:spPr>
         <p:txBody>
-          <a:bodyPr spcFirstLastPara="1" wrap="square" lIns="91425" tIns="91425" rIns="91425" bIns="91425" anchor="b" anchorCtr="0">
+          <a:bodyPr anchorCtr="0" anchor="b" bIns="91425" lIns="91425" spcFirstLastPara="1" rIns="91425" wrap="square" tIns="91425">
             <a:normAutofit fontScale="90000"/>
           </a:bodyPr>
           <a:lstStyle/>
           <a:p>
-            <a:pPr marL="0" lvl="0" indent="0" algn="ctr" rtl="0">
+            <a:pPr indent="0" lvl="0" marL="0" rtl="0" algn="ctr">
               <a:spcBef>
                 <a:spcPts val="0"/>
               </a:spcBef>
@@ -6840,7 +6719,7 @@
               <a:buNone/>
             </a:pPr>
             <a:r>
-              <a:rPr lang="en" i="1"/>
+              <a:rPr i="1" lang="en"/>
               <a:t>MMR Vaccination Trends</a:t>
             </a:r>
             <a:endParaRPr i="1"/>
@@ -6850,11 +6729,9 @@
       <p:sp>
         <p:nvSpPr>
           <p:cNvPr id="56" name="Google Shape;56;p13"/>
-          <p:cNvSpPr txBox="1">
-            <a:spLocks noGrp="1"/>
-          </p:cNvSpPr>
+          <p:cNvSpPr txBox="1"/>
           <p:nvPr>
-            <p:ph type="subTitle" idx="1"/>
+            <p:ph idx="1" type="subTitle"/>
           </p:nvPr>
         </p:nvSpPr>
         <p:spPr>
@@ -6867,12 +6744,12 @@
           </a:prstGeom>
         </p:spPr>
         <p:txBody>
-          <a:bodyPr spcFirstLastPara="1" wrap="square" lIns="91425" tIns="91425" rIns="91425" bIns="91425" anchor="t" anchorCtr="0">
+          <a:bodyPr anchorCtr="0" anchor="t" bIns="91425" lIns="91425" spcFirstLastPara="1" rIns="91425" wrap="square" tIns="91425">
             <a:normAutofit fontScale="55000" lnSpcReduction="10000"/>
           </a:bodyPr>
           <a:lstStyle/>
           <a:p>
-            <a:pPr marL="0" lvl="0" indent="0" algn="ctr" rtl="0">
+            <a:pPr indent="0" lvl="0" marL="0" rtl="0" algn="ctr">
               <a:lnSpc>
                 <a:spcPct val="115000"/>
               </a:lnSpc>
@@ -6904,7 +6781,7 @@
             </a:endParaRPr>
           </a:p>
           <a:p>
-            <a:pPr marL="0" lvl="0" indent="0" algn="ctr" rtl="0">
+            <a:pPr indent="0" lvl="0" marL="0" rtl="0" algn="ctr">
               <a:lnSpc>
                 <a:spcPct val="115000"/>
               </a:lnSpc>
@@ -6936,7 +6813,7 @@
             </a:endParaRPr>
           </a:p>
           <a:p>
-            <a:pPr marL="0" lvl="0" indent="0" algn="ctr" rtl="0">
+            <a:pPr indent="0" lvl="0" marL="0" rtl="0" algn="ctr">
               <a:lnSpc>
                 <a:spcPct val="115000"/>
               </a:lnSpc>
@@ -6968,7 +6845,7 @@
             </a:endParaRPr>
           </a:p>
           <a:p>
-            <a:pPr marL="0" lvl="0" indent="0" algn="ctr" rtl="0">
+            <a:pPr indent="0" lvl="0" marL="0" rtl="0" algn="ctr">
               <a:lnSpc>
                 <a:spcPct val="115000"/>
               </a:lnSpc>
@@ -7000,7 +6877,7 @@
             </a:endParaRPr>
           </a:p>
           <a:p>
-            <a:pPr marL="0" lvl="0" indent="0" algn="ctr" rtl="0">
+            <a:pPr indent="0" lvl="0" marL="0" rtl="0" algn="ctr">
               <a:spcBef>
                 <a:spcPts val="0"/>
               </a:spcBef>
@@ -7009,6 +6886,9 @@
               </a:spcAft>
               <a:buNone/>
             </a:pPr>
+            <a:r>
+              <a:t/>
+            </a:r>
             <a:endParaRPr/>
           </a:p>
         </p:txBody>
@@ -7033,12 +6913,12 @@
           </a:ln>
         </p:spPr>
         <p:txBody>
-          <a:bodyPr spcFirstLastPara="1" wrap="square" lIns="91425" tIns="91425" rIns="91425" bIns="91425" anchor="t" anchorCtr="0">
+          <a:bodyPr anchorCtr="0" anchor="t" bIns="91425" lIns="91425" spcFirstLastPara="1" rIns="91425" wrap="square" tIns="91425">
             <a:spAutoFit/>
           </a:bodyPr>
           <a:lstStyle/>
           <a:p>
-            <a:pPr marL="0" lvl="0" indent="0" algn="l" rtl="0">
+            <a:pPr indent="0" lvl="0" marL="0" rtl="0" algn="l">
               <a:spcBef>
                 <a:spcPts val="0"/>
               </a:spcBef>
@@ -7052,7 +6932,7 @@
               <a:t>“I am not throwing away my </a:t>
             </a:r>
             <a:r>
-              <a:rPr lang="en" b="1"/>
+              <a:rPr b="1" lang="en"/>
               <a:t>shot</a:t>
             </a:r>
             <a:r>
@@ -7062,7 +6942,7 @@
             <a:endParaRPr/>
           </a:p>
           <a:p>
-            <a:pPr marL="0" lvl="0" indent="0" algn="l" rtl="0">
+            <a:pPr indent="0" lvl="0" marL="0" rtl="0" algn="l">
               <a:spcBef>
                 <a:spcPts val="0"/>
               </a:spcBef>
@@ -7076,7 +6956,7 @@
               <a:t>	-L. Miranda, </a:t>
             </a:r>
             <a:r>
-              <a:rPr lang="en" i="1"/>
+              <a:rPr i="1" lang="en"/>
               <a:t>Hamiltion: An American Musical</a:t>
             </a:r>
             <a:endParaRPr i="1"/>
@@ -7103,12 +6983,12 @@
           </a:ln>
         </p:spPr>
         <p:txBody>
-          <a:bodyPr spcFirstLastPara="1" wrap="square" lIns="91425" tIns="91425" rIns="91425" bIns="91425" anchor="t" anchorCtr="0">
+          <a:bodyPr anchorCtr="0" anchor="t" bIns="91425" lIns="91425" spcFirstLastPara="1" rIns="91425" wrap="square" tIns="91425">
             <a:spAutoFit/>
           </a:bodyPr>
           <a:lstStyle/>
           <a:p>
-            <a:pPr marL="0" lvl="0" indent="0" algn="l" rtl="0">
+            <a:pPr indent="0" lvl="0" marL="0" rtl="0" algn="l">
               <a:spcBef>
                 <a:spcPts val="0"/>
               </a:spcBef>
@@ -7124,7 +7004,7 @@
             <a:endParaRPr sz="700"/>
           </a:p>
           <a:p>
-            <a:pPr marL="0" lvl="0" indent="0" algn="l" rtl="0">
+            <a:pPr indent="0" lvl="0" marL="0" rtl="0" algn="l">
               <a:spcBef>
                 <a:spcPts val="0"/>
               </a:spcBef>
@@ -7133,6 +7013,9 @@
               </a:spcAft>
               <a:buNone/>
             </a:pPr>
+            <a:r>
+              <a:t/>
+            </a:r>
             <a:endParaRPr/>
           </a:p>
         </p:txBody>
@@ -7146,11 +7029,11 @@
 </file>
 
 <file path=ppt/slides/slide2.xml><?xml version="1.0" encoding="utf-8"?>
-<p:sld xmlns:a="http://schemas.openxmlformats.org/drawingml/2006/main" xmlns:r="http://schemas.openxmlformats.org/officeDocument/2006/relationships" xmlns:p="http://schemas.openxmlformats.org/presentationml/2006/main">
+<p:sld xmlns:a="http://schemas.openxmlformats.org/drawingml/2006/main" xmlns:r="http://schemas.openxmlformats.org/officeDocument/2006/relationships" xmlns:mc="http://schemas.openxmlformats.org/markup-compatibility/2006" xmlns:mv="urn:schemas-microsoft-com:mac:vml" xmlns:p="http://schemas.openxmlformats.org/presentationml/2006/main" xmlns:c="http://schemas.openxmlformats.org/drawingml/2006/chart" xmlns:dgm="http://schemas.openxmlformats.org/drawingml/2006/diagram" xmlns:o="urn:schemas-microsoft-com:office:office" xmlns:v="urn:schemas-microsoft-com:vml" xmlns:pvml="urn:schemas-microsoft-com:office:powerpoint" xmlns:com="http://schemas.openxmlformats.org/drawingml/2006/compatibility" xmlns:p14="http://schemas.microsoft.com/office/powerpoint/2010/main" xmlns:p15="http://schemas.microsoft.com/office/powerpoint/2012/main" xmlns:ahyp="http://schemas.microsoft.com/office/drawing/2018/hyperlinkcolor">
   <p:cSld>
     <p:spTree>
       <p:nvGrpSpPr>
-        <p:cNvPr id="1" name="Shape 62"/>
+        <p:cNvPr id="62" name="Shape 62"/>
         <p:cNvGrpSpPr/>
         <p:nvPr/>
       </p:nvGrpSpPr>
@@ -7165,9 +7048,7 @@
       <p:sp>
         <p:nvSpPr>
           <p:cNvPr id="63" name="Google Shape;63;p14"/>
-          <p:cNvSpPr txBox="1">
-            <a:spLocks noGrp="1"/>
-          </p:cNvSpPr>
+          <p:cNvSpPr txBox="1"/>
           <p:nvPr>
             <p:ph type="title"/>
           </p:nvPr>
@@ -7182,12 +7063,12 @@
           </a:prstGeom>
         </p:spPr>
         <p:txBody>
-          <a:bodyPr spcFirstLastPara="1" wrap="square" lIns="91425" tIns="91425" rIns="91425" bIns="91425" anchor="t" anchorCtr="0">
+          <a:bodyPr anchorCtr="0" anchor="t" bIns="91425" lIns="91425" spcFirstLastPara="1" rIns="91425" wrap="square" tIns="91425">
             <a:normAutofit fontScale="90000"/>
           </a:bodyPr>
           <a:lstStyle/>
           <a:p>
-            <a:pPr marL="0" lvl="0" indent="0" algn="ctr" rtl="0">
+            <a:pPr indent="0" lvl="0" marL="0" rtl="0" algn="ctr">
               <a:spcBef>
                 <a:spcPts val="0"/>
               </a:spcBef>
@@ -7197,7 +7078,7 @@
               <a:buNone/>
             </a:pPr>
             <a:r>
-              <a:rPr lang="en" b="1">
+              <a:rPr b="1" lang="en">
                 <a:solidFill>
                   <a:srgbClr val="741B47"/>
                 </a:solidFill>
@@ -7260,12 +7141,12 @@
           </a:ln>
         </p:spPr>
         <p:txBody>
-          <a:bodyPr spcFirstLastPara="1" wrap="square" lIns="91425" tIns="91425" rIns="91425" bIns="91425" anchor="t" anchorCtr="0">
+          <a:bodyPr anchorCtr="0" anchor="t" bIns="91425" lIns="91425" spcFirstLastPara="1" rIns="91425" wrap="square" tIns="91425">
             <a:spAutoFit/>
           </a:bodyPr>
           <a:lstStyle/>
           <a:p>
-            <a:pPr marL="0" lvl="0" indent="0" algn="l" rtl="0">
+            <a:pPr indent="0" lvl="0" marL="0" rtl="0" algn="l">
               <a:spcBef>
                 <a:spcPts val="0"/>
               </a:spcBef>
@@ -7295,7 +7176,7 @@
           <p:nvPr/>
         </p:nvCxnSpPr>
         <p:spPr>
-          <a:xfrm rot="10800000" flipH="1">
+          <a:xfrm flipH="1" rot="10800000">
             <a:off x="3520025" y="1429925"/>
             <a:ext cx="428100" cy="12300"/>
           </a:xfrm>
@@ -7303,14 +7184,14 @@
             <a:avLst/>
           </a:prstGeom>
           <a:noFill/>
-          <a:ln w="9525" cap="flat" cmpd="sng">
+          <a:ln cap="flat" cmpd="sng" w="9525">
             <a:solidFill>
               <a:schemeClr val="dk2"/>
             </a:solidFill>
             <a:prstDash val="solid"/>
             <a:round/>
-            <a:headEnd type="none" w="med" len="med"/>
-            <a:tailEnd type="triangle" w="med" len="med"/>
+            <a:headEnd len="med" w="med" type="none"/>
+            <a:tailEnd len="med" w="med" type="triangle"/>
           </a:ln>
         </p:spPr>
       </p:cxnSp>
@@ -7334,12 +7215,12 @@
           </a:ln>
         </p:spPr>
         <p:txBody>
-          <a:bodyPr spcFirstLastPara="1" wrap="square" lIns="91425" tIns="91425" rIns="91425" bIns="91425" anchor="t" anchorCtr="0">
+          <a:bodyPr anchorCtr="0" anchor="t" bIns="91425" lIns="91425" spcFirstLastPara="1" rIns="91425" wrap="square" tIns="91425">
             <a:spAutoFit/>
           </a:bodyPr>
           <a:lstStyle/>
           <a:p>
-            <a:pPr marL="0" lvl="0" indent="0" algn="l" rtl="0">
+            <a:pPr indent="0" lvl="0" marL="0" rtl="0" algn="l">
               <a:spcBef>
                 <a:spcPts val="0"/>
               </a:spcBef>
@@ -7365,7 +7246,7 @@
           <p:nvPr/>
         </p:nvCxnSpPr>
         <p:spPr>
-          <a:xfrm rot="10800000" flipH="1">
+          <a:xfrm flipH="1" rot="10800000">
             <a:off x="4810925" y="1320450"/>
             <a:ext cx="244500" cy="121800"/>
           </a:xfrm>
@@ -7373,14 +7254,14 @@
             <a:avLst/>
           </a:prstGeom>
           <a:noFill/>
-          <a:ln w="9525" cap="flat" cmpd="sng">
+          <a:ln cap="flat" cmpd="sng" w="9525">
             <a:solidFill>
               <a:schemeClr val="dk2"/>
             </a:solidFill>
             <a:prstDash val="solid"/>
             <a:round/>
-            <a:headEnd type="none" w="med" len="med"/>
-            <a:tailEnd type="triangle" w="med" len="med"/>
+            <a:headEnd len="med" w="med" type="none"/>
+            <a:tailEnd len="med" w="med" type="triangle"/>
           </a:ln>
         </p:spPr>
       </p:cxnSp>
@@ -7399,14 +7280,14 @@
             <a:avLst/>
           </a:prstGeom>
           <a:noFill/>
-          <a:ln w="9525" cap="flat" cmpd="sng">
+          <a:ln cap="flat" cmpd="sng" w="9525">
             <a:solidFill>
               <a:schemeClr val="dk2"/>
             </a:solidFill>
             <a:prstDash val="solid"/>
             <a:round/>
-            <a:headEnd type="none" w="med" len="med"/>
-            <a:tailEnd type="triangle" w="med" len="med"/>
+            <a:headEnd len="med" w="med" type="none"/>
+            <a:tailEnd len="med" w="med" type="triangle"/>
           </a:ln>
         </p:spPr>
       </p:cxnSp>
@@ -7430,12 +7311,12 @@
           </a:ln>
         </p:spPr>
         <p:txBody>
-          <a:bodyPr spcFirstLastPara="1" wrap="square" lIns="91425" tIns="91425" rIns="91425" bIns="91425" anchor="t" anchorCtr="0">
+          <a:bodyPr anchorCtr="0" anchor="t" bIns="91425" lIns="91425" spcFirstLastPara="1" rIns="91425" wrap="square" tIns="91425">
             <a:spAutoFit/>
           </a:bodyPr>
           <a:lstStyle/>
           <a:p>
-            <a:pPr marL="0" lvl="0" indent="0" algn="l" rtl="0">
+            <a:pPr indent="0" lvl="0" marL="0" rtl="0" algn="l">
               <a:spcBef>
                 <a:spcPts val="0"/>
               </a:spcBef>
@@ -7472,12 +7353,12 @@
           </a:ln>
         </p:spPr>
         <p:txBody>
-          <a:bodyPr spcFirstLastPara="1" wrap="square" lIns="91425" tIns="91425" rIns="91425" bIns="91425" anchor="t" anchorCtr="0">
+          <a:bodyPr anchorCtr="0" anchor="t" bIns="91425" lIns="91425" spcFirstLastPara="1" rIns="91425" wrap="square" tIns="91425">
             <a:spAutoFit/>
           </a:bodyPr>
           <a:lstStyle/>
           <a:p>
-            <a:pPr marL="0" lvl="0" indent="0" algn="l" rtl="0">
+            <a:pPr indent="0" lvl="0" marL="0" rtl="0" algn="l">
               <a:spcBef>
                 <a:spcPts val="0"/>
               </a:spcBef>
@@ -7514,12 +7395,12 @@
           </a:ln>
         </p:spPr>
         <p:txBody>
-          <a:bodyPr spcFirstLastPara="1" wrap="square" lIns="91425" tIns="91425" rIns="91425" bIns="91425" anchor="t" anchorCtr="0">
+          <a:bodyPr anchorCtr="0" anchor="t" bIns="91425" lIns="91425" spcFirstLastPara="1" rIns="91425" wrap="square" tIns="91425">
             <a:spAutoFit/>
           </a:bodyPr>
           <a:lstStyle/>
           <a:p>
-            <a:pPr marL="0" lvl="0" indent="0" algn="l" rtl="0">
+            <a:pPr indent="0" lvl="0" marL="0" rtl="0" algn="l">
               <a:spcBef>
                 <a:spcPts val="0"/>
               </a:spcBef>
@@ -7556,12 +7437,12 @@
           </a:ln>
         </p:spPr>
         <p:txBody>
-          <a:bodyPr spcFirstLastPara="1" wrap="square" lIns="91425" tIns="91425" rIns="91425" bIns="91425" anchor="t" anchorCtr="0">
+          <a:bodyPr anchorCtr="0" anchor="t" bIns="91425" lIns="91425" spcFirstLastPara="1" rIns="91425" wrap="square" tIns="91425">
             <a:spAutoFit/>
           </a:bodyPr>
           <a:lstStyle/>
           <a:p>
-            <a:pPr marL="0" lvl="0" indent="0" algn="ctr" rtl="0">
+            <a:pPr indent="0" lvl="0" marL="0" rtl="0" algn="ctr">
               <a:spcBef>
                 <a:spcPts val="0"/>
               </a:spcBef>
@@ -7598,12 +7479,12 @@
           </a:ln>
         </p:spPr>
         <p:txBody>
-          <a:bodyPr spcFirstLastPara="1" wrap="square" lIns="91425" tIns="91425" rIns="91425" bIns="91425" anchor="t" anchorCtr="0">
+          <a:bodyPr anchorCtr="0" anchor="t" bIns="91425" lIns="91425" spcFirstLastPara="1" rIns="91425" wrap="square" tIns="91425">
             <a:spAutoFit/>
           </a:bodyPr>
           <a:lstStyle/>
           <a:p>
-            <a:pPr marL="0" lvl="0" indent="0" algn="ctr" rtl="0">
+            <a:pPr indent="0" lvl="0" marL="0" rtl="0" algn="ctr">
               <a:spcBef>
                 <a:spcPts val="0"/>
               </a:spcBef>
@@ -7640,12 +7521,12 @@
           </a:ln>
         </p:spPr>
         <p:txBody>
-          <a:bodyPr spcFirstLastPara="1" wrap="square" lIns="91425" tIns="91425" rIns="91425" bIns="91425" anchor="t" anchorCtr="0">
+          <a:bodyPr anchorCtr="0" anchor="t" bIns="91425" lIns="91425" spcFirstLastPara="1" rIns="91425" wrap="square" tIns="91425">
             <a:spAutoFit/>
           </a:bodyPr>
           <a:lstStyle/>
           <a:p>
-            <a:pPr marL="0" lvl="0" indent="0" algn="l" rtl="0">
+            <a:pPr indent="0" lvl="0" marL="0" rtl="0" algn="l">
               <a:spcBef>
                 <a:spcPts val="0"/>
               </a:spcBef>
@@ -7661,7 +7542,7 @@
             <a:endParaRPr sz="1700"/>
           </a:p>
           <a:p>
-            <a:pPr marL="0" lvl="0" indent="0" algn="l" rtl="0">
+            <a:pPr indent="0" lvl="0" marL="0" rtl="0" algn="l">
               <a:spcBef>
                 <a:spcPts val="0"/>
               </a:spcBef>
@@ -7698,12 +7579,12 @@
           </a:ln>
         </p:spPr>
         <p:txBody>
-          <a:bodyPr spcFirstLastPara="1" wrap="square" lIns="91425" tIns="91425" rIns="91425" bIns="91425" anchor="t" anchorCtr="0">
+          <a:bodyPr anchorCtr="0" anchor="t" bIns="91425" lIns="91425" spcFirstLastPara="1" rIns="91425" wrap="square" tIns="91425">
             <a:spAutoFit/>
           </a:bodyPr>
           <a:lstStyle/>
           <a:p>
-            <a:pPr marL="0" lvl="0" indent="0" algn="l" rtl="0">
+            <a:pPr indent="0" lvl="0" marL="0" rtl="0" algn="l">
               <a:spcBef>
                 <a:spcPts val="0"/>
               </a:spcBef>
@@ -7740,12 +7621,12 @@
           </a:ln>
         </p:spPr>
         <p:txBody>
-          <a:bodyPr spcFirstLastPara="1" wrap="square" lIns="91425" tIns="91425" rIns="91425" bIns="91425" anchor="t" anchorCtr="0">
+          <a:bodyPr anchorCtr="0" anchor="t" bIns="91425" lIns="91425" spcFirstLastPara="1" rIns="91425" wrap="square" tIns="91425">
             <a:spAutoFit/>
           </a:bodyPr>
           <a:lstStyle/>
           <a:p>
-            <a:pPr marL="0" lvl="0" indent="0" algn="l" rtl="0">
+            <a:pPr indent="0" lvl="0" marL="0" rtl="0" algn="l">
               <a:spcBef>
                 <a:spcPts val="0"/>
               </a:spcBef>
@@ -7771,7 +7652,7 @@
           <p:nvPr/>
         </p:nvCxnSpPr>
         <p:spPr>
-          <a:xfrm rot="10800000" flipH="1">
+          <a:xfrm flipH="1" rot="10800000">
             <a:off x="5131500" y="1938400"/>
             <a:ext cx="213900" cy="22800"/>
           </a:xfrm>
@@ -7779,14 +7660,14 @@
             <a:avLst/>
           </a:prstGeom>
           <a:noFill/>
-          <a:ln w="9525" cap="flat" cmpd="sng">
+          <a:ln cap="flat" cmpd="sng" w="9525">
             <a:solidFill>
               <a:schemeClr val="dk2"/>
             </a:solidFill>
             <a:prstDash val="solid"/>
             <a:round/>
-            <a:headEnd type="none" w="med" len="med"/>
-            <a:tailEnd type="triangle" w="med" len="med"/>
+            <a:headEnd len="med" w="med" type="none"/>
+            <a:tailEnd len="med" w="med" type="triangle"/>
           </a:ln>
         </p:spPr>
       </p:cxnSp>
@@ -7805,20 +7686,20 @@
           </a:xfrm>
           <a:prstGeom prst="bentConnector5">
             <a:avLst>
-              <a:gd name="adj1" fmla="val -2824"/>
-              <a:gd name="adj2" fmla="val 103477"/>
-              <a:gd name="adj3" fmla="val 71588"/>
+              <a:gd fmla="val -2824" name="adj1"/>
+              <a:gd fmla="val 103477" name="adj2"/>
+              <a:gd fmla="val 71588" name="adj3"/>
             </a:avLst>
           </a:prstGeom>
           <a:noFill/>
-          <a:ln w="9525" cap="flat" cmpd="sng">
+          <a:ln cap="flat" cmpd="sng" w="9525">
             <a:solidFill>
               <a:schemeClr val="dk2"/>
             </a:solidFill>
             <a:prstDash val="solid"/>
             <a:round/>
-            <a:headEnd type="none" w="med" len="med"/>
-            <a:tailEnd type="none" w="med" len="med"/>
+            <a:headEnd len="med" w="med" type="none"/>
+            <a:tailEnd len="med" w="med" type="none"/>
           </a:ln>
         </p:spPr>
       </p:cxnSp>
@@ -7837,14 +7718,14 @@
             <a:avLst/>
           </a:prstGeom>
           <a:noFill/>
-          <a:ln w="9525" cap="flat" cmpd="sng">
+          <a:ln cap="flat" cmpd="sng" w="9525">
             <a:solidFill>
               <a:schemeClr val="dk2"/>
             </a:solidFill>
             <a:prstDash val="solid"/>
             <a:round/>
-            <a:headEnd type="none" w="med" len="med"/>
-            <a:tailEnd type="triangle" w="med" len="med"/>
+            <a:headEnd len="med" w="med" type="none"/>
+            <a:tailEnd len="med" w="med" type="triangle"/>
           </a:ln>
         </p:spPr>
       </p:cxnSp>
@@ -7855,7 +7736,7 @@
           <p:nvPr/>
         </p:nvCxnSpPr>
         <p:spPr>
-          <a:xfrm rot="10800000" flipH="1">
+          <a:xfrm flipH="1" rot="10800000">
             <a:off x="3901050" y="2466188"/>
             <a:ext cx="336600" cy="119100"/>
           </a:xfrm>
@@ -7863,14 +7744,14 @@
             <a:avLst/>
           </a:prstGeom>
           <a:noFill/>
-          <a:ln w="9525" cap="flat" cmpd="sng">
+          <a:ln cap="flat" cmpd="sng" w="9525">
             <a:solidFill>
               <a:schemeClr val="dk2"/>
             </a:solidFill>
             <a:prstDash val="solid"/>
             <a:round/>
-            <a:headEnd type="none" w="med" len="med"/>
-            <a:tailEnd type="triangle" w="med" len="med"/>
+            <a:headEnd len="med" w="med" type="none"/>
+            <a:tailEnd len="med" w="med" type="triangle"/>
           </a:ln>
         </p:spPr>
       </p:cxnSp>
@@ -7891,14 +7772,14 @@
             <a:avLst/>
           </a:prstGeom>
           <a:noFill/>
-          <a:ln w="9525" cap="flat" cmpd="sng">
+          <a:ln cap="flat" cmpd="sng" w="9525">
             <a:solidFill>
               <a:schemeClr val="dk2"/>
             </a:solidFill>
             <a:prstDash val="solid"/>
             <a:round/>
-            <a:headEnd type="none" w="med" len="med"/>
-            <a:tailEnd type="triangle" w="med" len="med"/>
+            <a:headEnd len="med" w="med" type="none"/>
+            <a:tailEnd len="med" w="med" type="triangle"/>
           </a:ln>
         </p:spPr>
       </p:cxnSp>
@@ -7917,14 +7798,14 @@
             <a:avLst/>
           </a:prstGeom>
           <a:noFill/>
-          <a:ln w="9525" cap="flat" cmpd="sng">
+          <a:ln cap="flat" cmpd="sng" w="9525">
             <a:solidFill>
               <a:schemeClr val="dk2"/>
             </a:solidFill>
             <a:prstDash val="solid"/>
             <a:round/>
-            <a:headEnd type="none" w="med" len="med"/>
-            <a:tailEnd type="triangle" w="med" len="med"/>
+            <a:headEnd len="med" w="med" type="none"/>
+            <a:tailEnd len="med" w="med" type="triangle"/>
           </a:ln>
         </p:spPr>
       </p:cxnSp>
@@ -7948,12 +7829,12 @@
           </a:ln>
         </p:spPr>
         <p:txBody>
-          <a:bodyPr spcFirstLastPara="1" wrap="square" lIns="91425" tIns="91425" rIns="91425" bIns="91425" anchor="t" anchorCtr="0">
+          <a:bodyPr anchorCtr="0" anchor="t" bIns="91425" lIns="91425" spcFirstLastPara="1" rIns="91425" wrap="square" tIns="91425">
             <a:spAutoFit/>
           </a:bodyPr>
           <a:lstStyle/>
           <a:p>
-            <a:pPr marL="0" lvl="0" indent="0" algn="ctr" rtl="0">
+            <a:pPr indent="0" lvl="0" marL="0" rtl="0" algn="ctr">
               <a:spcBef>
                 <a:spcPts val="0"/>
               </a:spcBef>
@@ -7970,7 +7851,7 @@
                 <a:hlinkClick r:id="rId4">
                   <a:extLst>
                     <a:ext uri="{A12FA001-AC4F-418D-AE19-62706E023703}">
-                      <ahyp:hlinkClr xmlns:ahyp="http://schemas.microsoft.com/office/drawing/2018/hyperlinkcolor" val="tx"/>
+                      <ahyp:hlinkClr val="tx"/>
                     </a:ext>
                   </a:extLst>
                 </a:hlinkClick>
@@ -7978,14 +7859,14 @@
               <a:t>https://www.</a:t>
             </a:r>
             <a:r>
-              <a:rPr lang="en" b="1" u="sng">
+              <a:rPr b="1" lang="en" u="sng">
                 <a:solidFill>
                   <a:srgbClr val="CC0000"/>
                 </a:solidFill>
-                <a:hlinkClick r:id="rId4">
+                <a:hlinkClick r:id="rId5">
                   <a:extLst>
                     <a:ext uri="{A12FA001-AC4F-418D-AE19-62706E023703}">
-                      <ahyp:hlinkClr xmlns:ahyp="http://schemas.microsoft.com/office/drawing/2018/hyperlinkcolor" val="tx"/>
+                      <ahyp:hlinkClr val="tx"/>
                     </a:ext>
                   </a:extLst>
                 </a:hlinkClick>
@@ -7997,10 +7878,10 @@
                 <a:solidFill>
                   <a:schemeClr val="accent5"/>
                 </a:solidFill>
-                <a:hlinkClick r:id="rId4">
+                <a:hlinkClick r:id="rId6">
                   <a:extLst>
                     <a:ext uri="{A12FA001-AC4F-418D-AE19-62706E023703}">
-                      <ahyp:hlinkClr xmlns:ahyp="http://schemas.microsoft.com/office/drawing/2018/hyperlinkcolor" val="tx"/>
+                      <ahyp:hlinkClr val="tx"/>
                     </a:ext>
                   </a:extLst>
                 </a:hlinkClick>
@@ -8020,7 +7901,7 @@
 </file>
 
 <file path=ppt/slides/slide3.xml><?xml version="1.0" encoding="utf-8"?>
-<p:sld xmlns:a="http://schemas.openxmlformats.org/drawingml/2006/main" xmlns:r="http://schemas.openxmlformats.org/officeDocument/2006/relationships" xmlns:p="http://schemas.openxmlformats.org/presentationml/2006/main">
+<p:sld xmlns:a="http://schemas.openxmlformats.org/drawingml/2006/main" xmlns:r="http://schemas.openxmlformats.org/officeDocument/2006/relationships" xmlns:mc="http://schemas.openxmlformats.org/markup-compatibility/2006" xmlns:mv="urn:schemas-microsoft-com:mac:vml" xmlns:p="http://schemas.openxmlformats.org/presentationml/2006/main" xmlns:c="http://schemas.openxmlformats.org/drawingml/2006/chart" xmlns:dgm="http://schemas.openxmlformats.org/drawingml/2006/diagram" xmlns:o="urn:schemas-microsoft-com:office:office" xmlns:v="urn:schemas-microsoft-com:vml" xmlns:pvml="urn:schemas-microsoft-com:office:powerpoint" xmlns:com="http://schemas.openxmlformats.org/drawingml/2006/compatibility" xmlns:p14="http://schemas.microsoft.com/office/powerpoint/2010/main" xmlns:p15="http://schemas.microsoft.com/office/powerpoint/2012/main" xmlns:ahyp="http://schemas.microsoft.com/office/drawing/2018/hyperlinkcolor">
   <p:cSld>
     <p:bg>
       <p:bgPr>
@@ -8032,12 +7913,11 @@
             <a:fillRect/>
           </a:stretch>
         </a:blipFill>
-        <a:effectLst/>
       </p:bgPr>
     </p:bg>
     <p:spTree>
       <p:nvGrpSpPr>
-        <p:cNvPr id="1" name="Shape 88"/>
+        <p:cNvPr id="88" name="Shape 88"/>
         <p:cNvGrpSpPr/>
         <p:nvPr/>
       </p:nvGrpSpPr>
@@ -8052,9 +7932,7 @@
       <p:sp>
         <p:nvSpPr>
           <p:cNvPr id="89" name="Google Shape;89;p15"/>
-          <p:cNvSpPr txBox="1">
-            <a:spLocks noGrp="1"/>
-          </p:cNvSpPr>
+          <p:cNvSpPr txBox="1"/>
           <p:nvPr>
             <p:ph type="title"/>
           </p:nvPr>
@@ -8069,12 +7947,12 @@
           </a:prstGeom>
         </p:spPr>
         <p:txBody>
-          <a:bodyPr spcFirstLastPara="1" wrap="square" lIns="91425" tIns="91425" rIns="91425" bIns="91425" anchor="t" anchorCtr="0">
+          <a:bodyPr anchorCtr="0" anchor="t" bIns="91425" lIns="91425" spcFirstLastPara="1" rIns="91425" wrap="square" tIns="91425">
             <a:noAutofit/>
           </a:bodyPr>
           <a:lstStyle/>
           <a:p>
-            <a:pPr marL="0" lvl="0" indent="0" algn="l" rtl="0">
+            <a:pPr indent="0" lvl="0" marL="0" rtl="0" algn="l">
               <a:spcBef>
                 <a:spcPts val="0"/>
               </a:spcBef>
@@ -8095,11 +7973,9 @@
       <p:sp>
         <p:nvSpPr>
           <p:cNvPr id="90" name="Google Shape;90;p15"/>
-          <p:cNvSpPr txBox="1">
-            <a:spLocks noGrp="1"/>
-          </p:cNvSpPr>
+          <p:cNvSpPr txBox="1"/>
           <p:nvPr>
-            <p:ph type="body" idx="1"/>
+            <p:ph idx="1" type="body"/>
           </p:nvPr>
         </p:nvSpPr>
         <p:spPr>
@@ -8113,12 +7989,12 @@
           <a:noFill/>
         </p:spPr>
         <p:txBody>
-          <a:bodyPr spcFirstLastPara="1" wrap="square" lIns="91425" tIns="91425" rIns="91425" bIns="91425" anchor="t" anchorCtr="0">
+          <a:bodyPr anchorCtr="0" anchor="t" bIns="91425" lIns="91425" spcFirstLastPara="1" rIns="91425" wrap="square" tIns="91425">
             <a:normAutofit/>
           </a:bodyPr>
           <a:lstStyle/>
           <a:p>
-            <a:pPr marL="0" lvl="0" indent="0" algn="ctr" rtl="0">
+            <a:pPr indent="0" lvl="0" marL="0" rtl="0" algn="ctr">
               <a:spcBef>
                 <a:spcPts val="0"/>
               </a:spcBef>
@@ -8163,12 +8039,12 @@
           </a:ln>
         </p:spPr>
         <p:txBody>
-          <a:bodyPr spcFirstLastPara="1" wrap="square" lIns="91425" tIns="91425" rIns="91425" bIns="91425" anchor="t" anchorCtr="0">
+          <a:bodyPr anchorCtr="0" anchor="t" bIns="91425" lIns="91425" spcFirstLastPara="1" rIns="91425" wrap="square" tIns="91425">
             <a:spAutoFit/>
           </a:bodyPr>
           <a:lstStyle/>
           <a:p>
-            <a:pPr marL="0" lvl="0" indent="0" algn="l" rtl="0">
+            <a:pPr indent="0" lvl="0" marL="0" rtl="0" algn="l">
               <a:spcBef>
                 <a:spcPts val="0"/>
               </a:spcBef>
@@ -8184,7 +8060,7 @@
             <a:endParaRPr sz="4100"/>
           </a:p>
           <a:p>
-            <a:pPr marL="0" lvl="0" indent="0" algn="l" rtl="0">
+            <a:pPr indent="0" lvl="0" marL="0" rtl="0" algn="l">
               <a:spcBef>
                 <a:spcPts val="0"/>
               </a:spcBef>
@@ -8193,6 +8069,9 @@
               </a:spcAft>
               <a:buNone/>
             </a:pPr>
+            <a:r>
+              <a:t/>
+            </a:r>
             <a:endParaRPr sz="1800"/>
           </a:p>
         </p:txBody>
@@ -8200,11 +8079,9 @@
       <p:sp>
         <p:nvSpPr>
           <p:cNvPr id="92" name="Google Shape;92;p15"/>
-          <p:cNvSpPr txBox="1">
-            <a:spLocks noGrp="1"/>
-          </p:cNvSpPr>
+          <p:cNvSpPr txBox="1"/>
           <p:nvPr>
-            <p:ph type="body" idx="1"/>
+            <p:ph idx="1" type="body"/>
           </p:nvPr>
         </p:nvSpPr>
         <p:spPr>
@@ -8218,12 +8095,12 @@
           <a:noFill/>
         </p:spPr>
         <p:txBody>
-          <a:bodyPr spcFirstLastPara="1" wrap="square" lIns="91425" tIns="91425" rIns="91425" bIns="91425" anchor="t" anchorCtr="0">
+          <a:bodyPr anchorCtr="0" anchor="t" bIns="91425" lIns="91425" spcFirstLastPara="1" rIns="91425" wrap="square" tIns="91425">
             <a:normAutofit/>
           </a:bodyPr>
           <a:lstStyle/>
           <a:p>
-            <a:pPr marL="0" lvl="0" indent="0" algn="ctr" rtl="0">
+            <a:pPr indent="0" lvl="0" marL="0" rtl="0" algn="ctr">
               <a:spcBef>
                 <a:spcPts val="0"/>
               </a:spcBef>
@@ -8238,7 +8115,23 @@
                   <a:srgbClr val="000000"/>
                 </a:solidFill>
               </a:rPr>
-              <a:t>There is no difference among MMR immunization rates of different school types (public, private, kindergarten, other).</a:t>
+              <a:t>There is no difference among MMR immunization rates of </a:t>
+            </a:r>
+            <a:r>
+              <a:rPr lang="en">
+                <a:solidFill>
+                  <a:srgbClr val="000000"/>
+                </a:solidFill>
+              </a:rPr>
+              <a:t>different</a:t>
+            </a:r>
+            <a:r>
+              <a:rPr lang="en">
+                <a:solidFill>
+                  <a:srgbClr val="000000"/>
+                </a:solidFill>
+              </a:rPr>
+              <a:t> school types (public, private, kindergarten, other).</a:t>
             </a:r>
             <a:endParaRPr>
               <a:solidFill>
@@ -8268,12 +8161,12 @@
           </a:ln>
         </p:spPr>
         <p:txBody>
-          <a:bodyPr spcFirstLastPara="1" wrap="square" lIns="91425" tIns="91425" rIns="91425" bIns="91425" anchor="t" anchorCtr="0">
+          <a:bodyPr anchorCtr="0" anchor="t" bIns="91425" lIns="91425" spcFirstLastPara="1" rIns="91425" wrap="square" tIns="91425">
             <a:spAutoFit/>
           </a:bodyPr>
           <a:lstStyle/>
           <a:p>
-            <a:pPr marL="0" lvl="0" indent="0" algn="l" rtl="0">
+            <a:pPr indent="0" lvl="0" marL="0" rtl="0" algn="l">
               <a:spcBef>
                 <a:spcPts val="0"/>
               </a:spcBef>
@@ -8289,7 +8182,7 @@
             <a:endParaRPr sz="700"/>
           </a:p>
           <a:p>
-            <a:pPr marL="0" lvl="0" indent="0" algn="l" rtl="0">
+            <a:pPr indent="0" lvl="0" marL="0" rtl="0" algn="l">
               <a:spcBef>
                 <a:spcPts val="0"/>
               </a:spcBef>
@@ -8298,6 +8191,9 @@
               </a:spcAft>
               <a:buNone/>
             </a:pPr>
+            <a:r>
+              <a:t/>
+            </a:r>
             <a:endParaRPr/>
           </a:p>
         </p:txBody>
@@ -8311,11 +8207,11 @@
 </file>
 
 <file path=ppt/slides/slide4.xml><?xml version="1.0" encoding="utf-8"?>
-<p:sld xmlns:a="http://schemas.openxmlformats.org/drawingml/2006/main" xmlns:r="http://schemas.openxmlformats.org/officeDocument/2006/relationships" xmlns:p="http://schemas.openxmlformats.org/presentationml/2006/main">
+<p:sld xmlns:a="http://schemas.openxmlformats.org/drawingml/2006/main" xmlns:r="http://schemas.openxmlformats.org/officeDocument/2006/relationships" xmlns:mc="http://schemas.openxmlformats.org/markup-compatibility/2006" xmlns:mv="urn:schemas-microsoft-com:mac:vml" xmlns:p="http://schemas.openxmlformats.org/presentationml/2006/main" xmlns:c="http://schemas.openxmlformats.org/drawingml/2006/chart" xmlns:dgm="http://schemas.openxmlformats.org/drawingml/2006/diagram" xmlns:o="urn:schemas-microsoft-com:office:office" xmlns:v="urn:schemas-microsoft-com:vml" xmlns:pvml="urn:schemas-microsoft-com:office:powerpoint" xmlns:com="http://schemas.openxmlformats.org/drawingml/2006/compatibility" xmlns:p14="http://schemas.microsoft.com/office/powerpoint/2010/main" xmlns:p15="http://schemas.microsoft.com/office/powerpoint/2012/main" xmlns:ahyp="http://schemas.microsoft.com/office/drawing/2018/hyperlinkcolor">
   <p:cSld>
     <p:spTree>
       <p:nvGrpSpPr>
-        <p:cNvPr id="1" name="Shape 97"/>
+        <p:cNvPr id="97" name="Shape 97"/>
         <p:cNvGrpSpPr/>
         <p:nvPr/>
       </p:nvGrpSpPr>
@@ -8330,9 +8226,7 @@
       <p:sp>
         <p:nvSpPr>
           <p:cNvPr id="98" name="Google Shape;98;p16"/>
-          <p:cNvSpPr txBox="1">
-            <a:spLocks noGrp="1"/>
-          </p:cNvSpPr>
+          <p:cNvSpPr txBox="1"/>
           <p:nvPr>
             <p:ph type="title"/>
           </p:nvPr>
@@ -8347,12 +8241,12 @@
           </a:prstGeom>
         </p:spPr>
         <p:txBody>
-          <a:bodyPr spcFirstLastPara="1" wrap="square" lIns="91425" tIns="91425" rIns="91425" bIns="91425" anchor="t" anchorCtr="0">
+          <a:bodyPr anchorCtr="0" anchor="t" bIns="91425" lIns="91425" spcFirstLastPara="1" rIns="91425" wrap="square" tIns="91425">
             <a:noAutofit/>
           </a:bodyPr>
           <a:lstStyle/>
           <a:p>
-            <a:pPr marL="0" lvl="0" indent="0" algn="ctr" rtl="0">
+            <a:pPr indent="0" lvl="0" marL="0" rtl="0" algn="ctr">
               <a:lnSpc>
                 <a:spcPct val="115000"/>
               </a:lnSpc>
@@ -8420,12 +8314,12 @@
           </a:ln>
         </p:spPr>
         <p:txBody>
-          <a:bodyPr spcFirstLastPara="1" wrap="square" lIns="91425" tIns="91425" rIns="91425" bIns="91425" anchor="t" anchorCtr="0">
+          <a:bodyPr anchorCtr="0" anchor="t" bIns="91425" lIns="91425" spcFirstLastPara="1" rIns="91425" wrap="square" tIns="91425">
             <a:spAutoFit/>
           </a:bodyPr>
           <a:lstStyle/>
           <a:p>
-            <a:pPr marL="0" lvl="0" indent="0" algn="l" rtl="0">
+            <a:pPr indent="0" lvl="0" marL="0" rtl="0" algn="l">
               <a:spcBef>
                 <a:spcPts val="0"/>
               </a:spcBef>
@@ -8434,6 +8328,9 @@
               </a:spcAft>
               <a:buNone/>
             </a:pPr>
+            <a:r>
+              <a:t/>
+            </a:r>
             <a:endParaRPr/>
           </a:p>
         </p:txBody>
@@ -8447,11 +8344,11 @@
 </file>
 
 <file path=ppt/slides/slide5.xml><?xml version="1.0" encoding="utf-8"?>
-<p:sld xmlns:a="http://schemas.openxmlformats.org/drawingml/2006/main" xmlns:r="http://schemas.openxmlformats.org/officeDocument/2006/relationships" xmlns:p="http://schemas.openxmlformats.org/presentationml/2006/main">
+<p:sld xmlns:a="http://schemas.openxmlformats.org/drawingml/2006/main" xmlns:r="http://schemas.openxmlformats.org/officeDocument/2006/relationships" xmlns:mc="http://schemas.openxmlformats.org/markup-compatibility/2006" xmlns:mv="urn:schemas-microsoft-com:mac:vml" xmlns:p="http://schemas.openxmlformats.org/presentationml/2006/main" xmlns:c="http://schemas.openxmlformats.org/drawingml/2006/chart" xmlns:dgm="http://schemas.openxmlformats.org/drawingml/2006/diagram" xmlns:o="urn:schemas-microsoft-com:office:office" xmlns:v="urn:schemas-microsoft-com:vml" xmlns:pvml="urn:schemas-microsoft-com:office:powerpoint" xmlns:com="http://schemas.openxmlformats.org/drawingml/2006/compatibility" xmlns:p14="http://schemas.microsoft.com/office/powerpoint/2010/main" xmlns:p15="http://schemas.microsoft.com/office/powerpoint/2012/main" xmlns:ahyp="http://schemas.microsoft.com/office/drawing/2018/hyperlinkcolor">
   <p:cSld>
     <p:spTree>
       <p:nvGrpSpPr>
-        <p:cNvPr id="1" name="Shape 104"/>
+        <p:cNvPr id="104" name="Shape 104"/>
         <p:cNvGrpSpPr/>
         <p:nvPr/>
       </p:nvGrpSpPr>
@@ -8483,12 +8380,12 @@
           </a:ln>
         </p:spPr>
         <p:txBody>
-          <a:bodyPr spcFirstLastPara="1" wrap="square" lIns="91425" tIns="91425" rIns="91425" bIns="91425" anchor="t" anchorCtr="0">
+          <a:bodyPr anchorCtr="0" anchor="t" bIns="91425" lIns="91425" spcFirstLastPara="1" rIns="91425" wrap="square" tIns="91425">
             <a:spAutoFit/>
           </a:bodyPr>
           <a:lstStyle/>
           <a:p>
-            <a:pPr marL="0" lvl="0" indent="0" algn="l" rtl="0">
+            <a:pPr indent="0" lvl="0" marL="0" rtl="0" algn="l">
               <a:lnSpc>
                 <a:spcPct val="95000"/>
               </a:lnSpc>
@@ -8505,6 +8402,9 @@
               <a:buFont typeface="Arial"/>
               <a:buNone/>
             </a:pPr>
+            <a:r>
+              <a:t/>
+            </a:r>
             <a:endParaRPr>
               <a:solidFill>
                 <a:srgbClr val="CC0000"/>
@@ -8533,12 +8433,12 @@
           </a:ln>
         </p:spPr>
         <p:txBody>
-          <a:bodyPr spcFirstLastPara="1" wrap="square" lIns="91425" tIns="91425" rIns="91425" bIns="91425" anchor="t" anchorCtr="0">
+          <a:bodyPr anchorCtr="0" anchor="t" bIns="91425" lIns="91425" spcFirstLastPara="1" rIns="91425" wrap="square" tIns="91425">
             <a:spAutoFit/>
           </a:bodyPr>
           <a:lstStyle/>
           <a:p>
-            <a:pPr marL="0" lvl="0" indent="0" algn="l" rtl="0">
+            <a:pPr indent="0" lvl="0" marL="0" rtl="0" algn="l">
               <a:lnSpc>
                 <a:spcPct val="95000"/>
               </a:lnSpc>
@@ -8555,6 +8455,9 @@
               <a:buFont typeface="Arial"/>
               <a:buNone/>
             </a:pPr>
+            <a:r>
+              <a:t/>
+            </a:r>
             <a:endParaRPr sz="1500">
               <a:solidFill>
                 <a:srgbClr val="CC0000"/>
@@ -8622,9 +8525,7 @@
       <p:sp>
         <p:nvSpPr>
           <p:cNvPr id="109" name="Google Shape;109;p17"/>
-          <p:cNvSpPr txBox="1">
-            <a:spLocks noGrp="1"/>
-          </p:cNvSpPr>
+          <p:cNvSpPr txBox="1"/>
           <p:nvPr>
             <p:ph type="title"/>
           </p:nvPr>
@@ -8639,12 +8540,12 @@
           </a:prstGeom>
         </p:spPr>
         <p:txBody>
-          <a:bodyPr spcFirstLastPara="1" wrap="square" lIns="91425" tIns="91425" rIns="91425" bIns="91425" anchor="t" anchorCtr="0">
+          <a:bodyPr anchorCtr="0" anchor="t" bIns="91425" lIns="91425" spcFirstLastPara="1" rIns="91425" wrap="square" tIns="91425">
             <a:normAutofit fontScale="90000"/>
           </a:bodyPr>
           <a:lstStyle/>
           <a:p>
-            <a:pPr marL="0" lvl="0" indent="0" algn="ctr" rtl="0">
+            <a:pPr indent="0" lvl="0" marL="0" rtl="0" algn="ctr">
               <a:spcBef>
                 <a:spcPts val="0"/>
               </a:spcBef>
@@ -8681,12 +8582,12 @@
           </a:ln>
         </p:spPr>
         <p:txBody>
-          <a:bodyPr spcFirstLastPara="1" wrap="square" lIns="91425" tIns="91425" rIns="91425" bIns="91425" anchor="t" anchorCtr="0">
+          <a:bodyPr anchorCtr="0" anchor="t" bIns="91425" lIns="91425" spcFirstLastPara="1" rIns="91425" wrap="square" tIns="91425">
             <a:spAutoFit/>
           </a:bodyPr>
           <a:lstStyle/>
           <a:p>
-            <a:pPr marL="0" lvl="0" indent="0" algn="l" rtl="0">
+            <a:pPr indent="0" lvl="0" marL="0" rtl="0" algn="l">
               <a:lnSpc>
                 <a:spcPct val="115000"/>
               </a:lnSpc>
@@ -8711,7 +8612,7 @@
                 <a:hlinkClick r:id="rId5">
                   <a:extLst>
                     <a:ext uri="{A12FA001-AC4F-418D-AE19-62706E023703}">
-                      <ahyp:hlinkClr xmlns:ahyp="http://schemas.microsoft.com/office/drawing/2018/hyperlinkcolor" val="tx"/>
+                      <ahyp:hlinkClr val="tx"/>
                     </a:ext>
                   </a:extLst>
                 </a:hlinkClick>
@@ -8731,11 +8632,11 @@
 </file>
 
 <file path=ppt/slides/slide6.xml><?xml version="1.0" encoding="utf-8"?>
-<p:sld xmlns:a="http://schemas.openxmlformats.org/drawingml/2006/main" xmlns:r="http://schemas.openxmlformats.org/officeDocument/2006/relationships" xmlns:p="http://schemas.openxmlformats.org/presentationml/2006/main">
+<p:sld xmlns:a="http://schemas.openxmlformats.org/drawingml/2006/main" xmlns:r="http://schemas.openxmlformats.org/officeDocument/2006/relationships" xmlns:mc="http://schemas.openxmlformats.org/markup-compatibility/2006" xmlns:mv="urn:schemas-microsoft-com:mac:vml" xmlns:p="http://schemas.openxmlformats.org/presentationml/2006/main" xmlns:c="http://schemas.openxmlformats.org/drawingml/2006/chart" xmlns:dgm="http://schemas.openxmlformats.org/drawingml/2006/diagram" xmlns:o="urn:schemas-microsoft-com:office:office" xmlns:v="urn:schemas-microsoft-com:vml" xmlns:pvml="urn:schemas-microsoft-com:office:powerpoint" xmlns:com="http://schemas.openxmlformats.org/drawingml/2006/compatibility" xmlns:p14="http://schemas.microsoft.com/office/powerpoint/2010/main" xmlns:p15="http://schemas.microsoft.com/office/powerpoint/2012/main" xmlns:ahyp="http://schemas.microsoft.com/office/drawing/2018/hyperlinkcolor">
   <p:cSld>
     <p:spTree>
       <p:nvGrpSpPr>
-        <p:cNvPr id="1" name="Shape 114"/>
+        <p:cNvPr id="114" name="Shape 114"/>
         <p:cNvGrpSpPr/>
         <p:nvPr/>
       </p:nvGrpSpPr>
@@ -8750,9 +8651,7 @@
       <p:sp>
         <p:nvSpPr>
           <p:cNvPr id="115" name="Google Shape;115;p18"/>
-          <p:cNvSpPr txBox="1">
-            <a:spLocks noGrp="1"/>
-          </p:cNvSpPr>
+          <p:cNvSpPr txBox="1"/>
           <p:nvPr>
             <p:ph type="title"/>
           </p:nvPr>
@@ -8767,12 +8666,12 @@
           </a:prstGeom>
         </p:spPr>
         <p:txBody>
-          <a:bodyPr spcFirstLastPara="1" wrap="square" lIns="91425" tIns="91425" rIns="91425" bIns="91425" anchor="t" anchorCtr="0">
+          <a:bodyPr anchorCtr="0" anchor="t" bIns="91425" lIns="91425" spcFirstLastPara="1" rIns="91425" wrap="square" tIns="91425">
             <a:normAutofit fontScale="90000"/>
           </a:bodyPr>
           <a:lstStyle/>
           <a:p>
-            <a:pPr marL="0" lvl="0" indent="0" algn="l" rtl="0">
+            <a:pPr indent="0" lvl="0" marL="0" rtl="0" algn="l">
               <a:spcBef>
                 <a:spcPts val="0"/>
               </a:spcBef>
@@ -8804,38 +8703,20 @@
             <a:tbl>
               <a:tblPr>
                 <a:noFill/>
-                <a:tableStyleId>{BF7A8BEE-FB5A-433C-AF1B-83E9563899C3}</a:tableStyleId>
+                <a:tableStyleId>{684B336D-0B02-4B23-AB62-109E9B36079F}</a:tableStyleId>
               </a:tblPr>
               <a:tblGrid>
-                <a:gridCol w="2125100">
-                  <a:extLst>
-                    <a:ext uri="{9D8B030D-6E8A-4147-A177-3AD203B41FA5}">
-                      <a16:colId xmlns:a16="http://schemas.microsoft.com/office/drawing/2014/main" val="20000"/>
-                    </a:ext>
-                  </a:extLst>
-                </a:gridCol>
-                <a:gridCol w="2125100">
-                  <a:extLst>
-                    <a:ext uri="{9D8B030D-6E8A-4147-A177-3AD203B41FA5}">
-                      <a16:colId xmlns:a16="http://schemas.microsoft.com/office/drawing/2014/main" val="20001"/>
-                    </a:ext>
-                  </a:extLst>
-                </a:gridCol>
-                <a:gridCol w="2125100">
-                  <a:extLst>
-                    <a:ext uri="{9D8B030D-6E8A-4147-A177-3AD203B41FA5}">
-                      <a16:colId xmlns:a16="http://schemas.microsoft.com/office/drawing/2014/main" val="20002"/>
-                    </a:ext>
-                  </a:extLst>
-                </a:gridCol>
+                <a:gridCol w="2125100"/>
+                <a:gridCol w="2125100"/>
+                <a:gridCol w="2125100"/>
               </a:tblGrid>
-              <a:tr h="0">
+              <a:tr h="100000">
                 <a:tc>
                   <a:txBody>
                     <a:bodyPr/>
                     <a:lstStyle/>
                     <a:p>
-                      <a:pPr marL="0" lvl="0" indent="0" algn="l" rtl="0">
+                      <a:pPr indent="0" lvl="0" marL="0" rtl="0" algn="l">
                         <a:spcBef>
                           <a:spcPts val="0"/>
                         </a:spcBef>
@@ -8851,42 +8732,42 @@
                       <a:endParaRPr sz="1200"/>
                     </a:p>
                   </a:txBody>
-                  <a:tcPr marL="91425" marR="91425" marT="91425" marB="91425">
-                    <a:lnL w="38100" cap="flat" cmpd="sng">
+                  <a:tcPr marT="91425" marB="91425" marR="91425" marL="91425">
+                    <a:lnL cap="flat" cmpd="sng" w="38100">
                       <a:solidFill>
                         <a:srgbClr val="000000"/>
                       </a:solidFill>
                       <a:prstDash val="solid"/>
                       <a:round/>
-                      <a:headEnd type="none" w="sm" len="sm"/>
-                      <a:tailEnd type="none" w="sm" len="sm"/>
+                      <a:headEnd len="sm" w="sm" type="none"/>
+                      <a:tailEnd len="sm" w="sm" type="none"/>
                     </a:lnL>
-                    <a:lnR w="9525" cap="flat" cmpd="sng">
+                    <a:lnR cap="flat" cmpd="sng" w="9525">
                       <a:solidFill>
                         <a:srgbClr val="000000"/>
                       </a:solidFill>
                       <a:prstDash val="solid"/>
                       <a:round/>
-                      <a:headEnd type="none" w="sm" len="sm"/>
-                      <a:tailEnd type="none" w="sm" len="sm"/>
+                      <a:headEnd len="sm" w="sm" type="none"/>
+                      <a:tailEnd len="sm" w="sm" type="none"/>
                     </a:lnR>
-                    <a:lnT w="38100" cap="flat" cmpd="sng">
+                    <a:lnT cap="flat" cmpd="sng" w="38100">
                       <a:solidFill>
                         <a:srgbClr val="000000"/>
                       </a:solidFill>
                       <a:prstDash val="solid"/>
                       <a:round/>
-                      <a:headEnd type="none" w="sm" len="sm"/>
-                      <a:tailEnd type="none" w="sm" len="sm"/>
+                      <a:headEnd len="sm" w="sm" type="none"/>
+                      <a:tailEnd len="sm" w="sm" type="none"/>
                     </a:lnT>
-                    <a:lnB w="28575" cap="flat" cmpd="sng">
+                    <a:lnB cap="flat" cmpd="sng" w="28575">
                       <a:solidFill>
                         <a:srgbClr val="000000"/>
                       </a:solidFill>
                       <a:prstDash val="solid"/>
                       <a:round/>
-                      <a:headEnd type="none" w="sm" len="sm"/>
-                      <a:tailEnd type="none" w="sm" len="sm"/>
+                      <a:headEnd len="sm" w="sm" type="none"/>
+                      <a:tailEnd len="sm" w="sm" type="none"/>
                     </a:lnB>
                     <a:solidFill>
                       <a:srgbClr val="9FC5E8"/>
@@ -8898,7 +8779,7 @@
                     <a:bodyPr/>
                     <a:lstStyle/>
                     <a:p>
-                      <a:pPr marL="0" lvl="0" indent="0" algn="l" rtl="0">
+                      <a:pPr indent="0" lvl="0" marL="0" rtl="0" algn="l">
                         <a:spcBef>
                           <a:spcPts val="0"/>
                         </a:spcBef>
@@ -8914,42 +8795,42 @@
                       <a:endParaRPr sz="1200"/>
                     </a:p>
                   </a:txBody>
-                  <a:tcPr marL="91425" marR="91425" marT="91425" marB="91425">
-                    <a:lnL w="9525" cap="flat" cmpd="sng">
+                  <a:tcPr marT="91425" marB="91425" marR="91425" marL="91425">
+                    <a:lnL cap="flat" cmpd="sng" w="9525">
                       <a:solidFill>
                         <a:srgbClr val="000000"/>
                       </a:solidFill>
                       <a:prstDash val="solid"/>
                       <a:round/>
-                      <a:headEnd type="none" w="sm" len="sm"/>
-                      <a:tailEnd type="none" w="sm" len="sm"/>
+                      <a:headEnd len="sm" w="sm" type="none"/>
+                      <a:tailEnd len="sm" w="sm" type="none"/>
                     </a:lnL>
-                    <a:lnR w="9525" cap="flat" cmpd="sng">
+                    <a:lnR cap="flat" cmpd="sng" w="9525">
                       <a:solidFill>
                         <a:srgbClr val="000000"/>
                       </a:solidFill>
                       <a:prstDash val="solid"/>
                       <a:round/>
-                      <a:headEnd type="none" w="sm" len="sm"/>
-                      <a:tailEnd type="none" w="sm" len="sm"/>
+                      <a:headEnd len="sm" w="sm" type="none"/>
+                      <a:tailEnd len="sm" w="sm" type="none"/>
                     </a:lnR>
-                    <a:lnT w="38100" cap="flat" cmpd="sng">
+                    <a:lnT cap="flat" cmpd="sng" w="38100">
                       <a:solidFill>
                         <a:srgbClr val="000000"/>
                       </a:solidFill>
                       <a:prstDash val="solid"/>
                       <a:round/>
-                      <a:headEnd type="none" w="sm" len="sm"/>
-                      <a:tailEnd type="none" w="sm" len="sm"/>
+                      <a:headEnd len="sm" w="sm" type="none"/>
+                      <a:tailEnd len="sm" w="sm" type="none"/>
                     </a:lnT>
-                    <a:lnB w="28575" cap="flat" cmpd="sng">
+                    <a:lnB cap="flat" cmpd="sng" w="28575">
                       <a:solidFill>
                         <a:srgbClr val="000000"/>
                       </a:solidFill>
                       <a:prstDash val="solid"/>
                       <a:round/>
-                      <a:headEnd type="none" w="sm" len="sm"/>
-                      <a:tailEnd type="none" w="sm" len="sm"/>
+                      <a:headEnd len="sm" w="sm" type="none"/>
+                      <a:tailEnd len="sm" w="sm" type="none"/>
                     </a:lnB>
                     <a:solidFill>
                       <a:srgbClr val="9FC5E8"/>
@@ -8961,7 +8842,7 @@
                     <a:bodyPr/>
                     <a:lstStyle/>
                     <a:p>
-                      <a:pPr marL="0" lvl="0" indent="0" algn="l" rtl="0">
+                      <a:pPr indent="0" lvl="0" marL="0" rtl="0" algn="l">
                         <a:spcBef>
                           <a:spcPts val="0"/>
                         </a:spcBef>
@@ -8977,53 +8858,48 @@
                       <a:endParaRPr sz="1200"/>
                     </a:p>
                   </a:txBody>
-                  <a:tcPr marL="91425" marR="91425" marT="91425" marB="91425">
-                    <a:lnL w="9525" cap="flat" cmpd="sng">
+                  <a:tcPr marT="91425" marB="91425" marR="91425" marL="91425">
+                    <a:lnL cap="flat" cmpd="sng" w="9525">
                       <a:solidFill>
                         <a:srgbClr val="000000"/>
                       </a:solidFill>
                       <a:prstDash val="solid"/>
                       <a:round/>
-                      <a:headEnd type="none" w="sm" len="sm"/>
-                      <a:tailEnd type="none" w="sm" len="sm"/>
+                      <a:headEnd len="sm" w="sm" type="none"/>
+                      <a:tailEnd len="sm" w="sm" type="none"/>
                     </a:lnL>
-                    <a:lnR w="38100" cap="flat" cmpd="sng">
+                    <a:lnR cap="flat" cmpd="sng" w="38100">
                       <a:solidFill>
                         <a:srgbClr val="000000"/>
                       </a:solidFill>
                       <a:prstDash val="solid"/>
                       <a:round/>
-                      <a:headEnd type="none" w="sm" len="sm"/>
-                      <a:tailEnd type="none" w="sm" len="sm"/>
+                      <a:headEnd len="sm" w="sm" type="none"/>
+                      <a:tailEnd len="sm" w="sm" type="none"/>
                     </a:lnR>
-                    <a:lnT w="38100" cap="flat" cmpd="sng">
+                    <a:lnT cap="flat" cmpd="sng" w="38100">
                       <a:solidFill>
                         <a:srgbClr val="000000"/>
                       </a:solidFill>
                       <a:prstDash val="solid"/>
                       <a:round/>
-                      <a:headEnd type="none" w="sm" len="sm"/>
-                      <a:tailEnd type="none" w="sm" len="sm"/>
+                      <a:headEnd len="sm" w="sm" type="none"/>
+                      <a:tailEnd len="sm" w="sm" type="none"/>
                     </a:lnT>
-                    <a:lnB w="28575" cap="flat" cmpd="sng">
+                    <a:lnB cap="flat" cmpd="sng" w="28575">
                       <a:solidFill>
                         <a:srgbClr val="000000"/>
                       </a:solidFill>
                       <a:prstDash val="solid"/>
                       <a:round/>
-                      <a:headEnd type="none" w="sm" len="sm"/>
-                      <a:tailEnd type="none" w="sm" len="sm"/>
+                      <a:headEnd len="sm" w="sm" type="none"/>
+                      <a:tailEnd len="sm" w="sm" type="none"/>
                     </a:lnB>
                     <a:solidFill>
                       <a:srgbClr val="9FC5E8"/>
                     </a:solidFill>
                   </a:tcPr>
                 </a:tc>
-                <a:extLst>
-                  <a:ext uri="{0D108BD9-81ED-4DB2-BD59-A6C34878D82A}">
-                    <a16:rowId xmlns:a16="http://schemas.microsoft.com/office/drawing/2014/main" val="10000"/>
-                  </a:ext>
-                </a:extLst>
               </a:tr>
               <a:tr h="275850">
                 <a:tc>
@@ -9031,7 +8907,7 @@
                     <a:bodyPr/>
                     <a:lstStyle/>
                     <a:p>
-                      <a:pPr marL="0" lvl="0" indent="0" algn="l" rtl="0">
+                      <a:pPr indent="0" lvl="0" marL="0" rtl="0" algn="l">
                         <a:spcBef>
                           <a:spcPts val="0"/>
                         </a:spcBef>
@@ -9041,48 +8917,48 @@
                         <a:buNone/>
                       </a:pPr>
                       <a:r>
-                        <a:rPr lang="en" sz="1050" b="1"/>
+                        <a:rPr b="1" lang="en" sz="1050"/>
                         <a:t>Public and Kindergarten</a:t>
                       </a:r>
-                      <a:endParaRPr sz="1050" b="1"/>
+                      <a:endParaRPr b="1" sz="1050"/>
                     </a:p>
                   </a:txBody>
-                  <a:tcPr marL="91425" marR="91425" marT="91425" marB="91425">
-                    <a:lnL w="38100" cap="flat" cmpd="sng">
+                  <a:tcPr marT="91425" marB="91425" marR="91425" marL="91425">
+                    <a:lnL cap="flat" cmpd="sng" w="38100">
                       <a:solidFill>
                         <a:srgbClr val="000000"/>
                       </a:solidFill>
                       <a:prstDash val="solid"/>
                       <a:round/>
-                      <a:headEnd type="none" w="sm" len="sm"/>
-                      <a:tailEnd type="none" w="sm" len="sm"/>
+                      <a:headEnd len="sm" w="sm" type="none"/>
+                      <a:tailEnd len="sm" w="sm" type="none"/>
                     </a:lnL>
-                    <a:lnR w="9525" cap="flat" cmpd="sng">
+                    <a:lnR cap="flat" cmpd="sng" w="9525">
                       <a:solidFill>
                         <a:srgbClr val="B7B7B7"/>
                       </a:solidFill>
                       <a:prstDash val="solid"/>
                       <a:round/>
-                      <a:headEnd type="none" w="sm" len="sm"/>
-                      <a:tailEnd type="none" w="sm" len="sm"/>
+                      <a:headEnd len="sm" w="sm" type="none"/>
+                      <a:tailEnd len="sm" w="sm" type="none"/>
                     </a:lnR>
-                    <a:lnT w="28575" cap="flat" cmpd="sng">
+                    <a:lnT cap="flat" cmpd="sng" w="28575">
                       <a:solidFill>
                         <a:srgbClr val="000000"/>
                       </a:solidFill>
                       <a:prstDash val="solid"/>
                       <a:round/>
-                      <a:headEnd type="none" w="sm" len="sm"/>
-                      <a:tailEnd type="none" w="sm" len="sm"/>
+                      <a:headEnd len="sm" w="sm" type="none"/>
+                      <a:tailEnd len="sm" w="sm" type="none"/>
                     </a:lnT>
-                    <a:lnB w="9525" cap="flat" cmpd="sng">
+                    <a:lnB cap="flat" cmpd="sng" w="9525">
                       <a:solidFill>
                         <a:srgbClr val="B7B7B7"/>
                       </a:solidFill>
                       <a:prstDash val="solid"/>
                       <a:round/>
-                      <a:headEnd type="none" w="sm" len="sm"/>
-                      <a:tailEnd type="none" w="sm" len="sm"/>
+                      <a:headEnd len="sm" w="sm" type="none"/>
+                      <a:tailEnd len="sm" w="sm" type="none"/>
                     </a:lnB>
                     <a:solidFill>
                       <a:srgbClr val="CFE2F3"/>
@@ -9094,7 +8970,7 @@
                     <a:bodyPr/>
                     <a:lstStyle/>
                     <a:p>
-                      <a:pPr marL="0" lvl="0" indent="0" algn="l" rtl="0">
+                      <a:pPr indent="0" lvl="0" marL="0" rtl="0" algn="l">
                         <a:lnSpc>
                           <a:spcPct val="115000"/>
                         </a:lnSpc>
@@ -9120,42 +8996,42 @@
                       <a:endParaRPr/>
                     </a:p>
                   </a:txBody>
-                  <a:tcPr marL="91425" marR="91425" marT="91425" marB="91425">
-                    <a:lnL w="9525" cap="flat" cmpd="sng">
+                  <a:tcPr marT="91425" marB="91425" marR="91425" marL="91425">
+                    <a:lnL cap="flat" cmpd="sng" w="9525">
                       <a:solidFill>
                         <a:srgbClr val="B7B7B7"/>
                       </a:solidFill>
                       <a:prstDash val="solid"/>
                       <a:round/>
-                      <a:headEnd type="none" w="sm" len="sm"/>
-                      <a:tailEnd type="none" w="sm" len="sm"/>
+                      <a:headEnd len="sm" w="sm" type="none"/>
+                      <a:tailEnd len="sm" w="sm" type="none"/>
                     </a:lnL>
-                    <a:lnR w="9525" cap="flat" cmpd="sng">
+                    <a:lnR cap="flat" cmpd="sng" w="9525">
                       <a:solidFill>
                         <a:srgbClr val="B7B7B7"/>
                       </a:solidFill>
                       <a:prstDash val="solid"/>
                       <a:round/>
-                      <a:headEnd type="none" w="sm" len="sm"/>
-                      <a:tailEnd type="none" w="sm" len="sm"/>
+                      <a:headEnd len="sm" w="sm" type="none"/>
+                      <a:tailEnd len="sm" w="sm" type="none"/>
                     </a:lnR>
-                    <a:lnT w="28575" cap="flat" cmpd="sng">
+                    <a:lnT cap="flat" cmpd="sng" w="28575">
                       <a:solidFill>
                         <a:srgbClr val="000000"/>
                       </a:solidFill>
                       <a:prstDash val="solid"/>
                       <a:round/>
-                      <a:headEnd type="none" w="sm" len="sm"/>
-                      <a:tailEnd type="none" w="sm" len="sm"/>
+                      <a:headEnd len="sm" w="sm" type="none"/>
+                      <a:tailEnd len="sm" w="sm" type="none"/>
                     </a:lnT>
-                    <a:lnB w="9525" cap="flat" cmpd="sng">
+                    <a:lnB cap="flat" cmpd="sng" w="9525">
                       <a:solidFill>
                         <a:srgbClr val="B7B7B7"/>
                       </a:solidFill>
                       <a:prstDash val="solid"/>
                       <a:round/>
-                      <a:headEnd type="none" w="sm" len="sm"/>
-                      <a:tailEnd type="none" w="sm" len="sm"/>
+                      <a:headEnd len="sm" w="sm" type="none"/>
+                      <a:tailEnd len="sm" w="sm" type="none"/>
                     </a:lnB>
                   </a:tcPr>
                 </a:tc>
@@ -9164,7 +9040,7 @@
                     <a:bodyPr/>
                     <a:lstStyle/>
                     <a:p>
-                      <a:pPr marL="0" lvl="0" indent="0" algn="l" rtl="0">
+                      <a:pPr indent="0" lvl="0" marL="0" rtl="0" algn="l">
                         <a:lnSpc>
                           <a:spcPct val="115000"/>
                         </a:lnSpc>
@@ -9190,50 +9066,45 @@
                       <a:endParaRPr/>
                     </a:p>
                   </a:txBody>
-                  <a:tcPr marL="91425" marR="91425" marT="91425" marB="91425">
-                    <a:lnL w="9525" cap="flat" cmpd="sng">
+                  <a:tcPr marT="91425" marB="91425" marR="91425" marL="91425">
+                    <a:lnL cap="flat" cmpd="sng" w="9525">
                       <a:solidFill>
                         <a:srgbClr val="B7B7B7"/>
                       </a:solidFill>
                       <a:prstDash val="solid"/>
                       <a:round/>
-                      <a:headEnd type="none" w="sm" len="sm"/>
-                      <a:tailEnd type="none" w="sm" len="sm"/>
+                      <a:headEnd len="sm" w="sm" type="none"/>
+                      <a:tailEnd len="sm" w="sm" type="none"/>
                     </a:lnL>
-                    <a:lnR w="38100" cap="flat" cmpd="sng">
+                    <a:lnR cap="flat" cmpd="sng" w="38100">
                       <a:solidFill>
                         <a:srgbClr val="000000"/>
                       </a:solidFill>
                       <a:prstDash val="solid"/>
                       <a:round/>
-                      <a:headEnd type="none" w="sm" len="sm"/>
-                      <a:tailEnd type="none" w="sm" len="sm"/>
+                      <a:headEnd len="sm" w="sm" type="none"/>
+                      <a:tailEnd len="sm" w="sm" type="none"/>
                     </a:lnR>
-                    <a:lnT w="28575" cap="flat" cmpd="sng">
+                    <a:lnT cap="flat" cmpd="sng" w="28575">
                       <a:solidFill>
                         <a:srgbClr val="000000"/>
                       </a:solidFill>
                       <a:prstDash val="solid"/>
                       <a:round/>
-                      <a:headEnd type="none" w="sm" len="sm"/>
-                      <a:tailEnd type="none" w="sm" len="sm"/>
+                      <a:headEnd len="sm" w="sm" type="none"/>
+                      <a:tailEnd len="sm" w="sm" type="none"/>
                     </a:lnT>
-                    <a:lnB w="9525" cap="flat" cmpd="sng">
+                    <a:lnB cap="flat" cmpd="sng" w="9525">
                       <a:solidFill>
                         <a:srgbClr val="B7B7B7"/>
                       </a:solidFill>
                       <a:prstDash val="solid"/>
                       <a:round/>
-                      <a:headEnd type="none" w="sm" len="sm"/>
-                      <a:tailEnd type="none" w="sm" len="sm"/>
+                      <a:headEnd len="sm" w="sm" type="none"/>
+                      <a:tailEnd len="sm" w="sm" type="none"/>
                     </a:lnB>
                   </a:tcPr>
                 </a:tc>
-                <a:extLst>
-                  <a:ext uri="{0D108BD9-81ED-4DB2-BD59-A6C34878D82A}">
-                    <a16:rowId xmlns:a16="http://schemas.microsoft.com/office/drawing/2014/main" val="10001"/>
-                  </a:ext>
-                </a:extLst>
               </a:tr>
               <a:tr h="275850">
                 <a:tc>
@@ -9241,7 +9112,7 @@
                     <a:bodyPr/>
                     <a:lstStyle/>
                     <a:p>
-                      <a:pPr marL="0" lvl="0" indent="0" algn="l" rtl="0">
+                      <a:pPr indent="0" lvl="0" marL="0" rtl="0" algn="l">
                         <a:spcBef>
                           <a:spcPts val="0"/>
                         </a:spcBef>
@@ -9251,48 +9122,48 @@
                         <a:buNone/>
                       </a:pPr>
                       <a:r>
-                        <a:rPr lang="en" sz="1050" b="1"/>
+                        <a:rPr b="1" lang="en" sz="1050"/>
                         <a:t>Public and Private</a:t>
                       </a:r>
-                      <a:endParaRPr sz="1050" b="1"/>
+                      <a:endParaRPr b="1" sz="1050"/>
                     </a:p>
                   </a:txBody>
-                  <a:tcPr marL="91425" marR="91425" marT="91425" marB="91425">
-                    <a:lnL w="38100" cap="flat" cmpd="sng">
+                  <a:tcPr marT="91425" marB="91425" marR="91425" marL="91425">
+                    <a:lnL cap="flat" cmpd="sng" w="38100">
                       <a:solidFill>
                         <a:srgbClr val="000000"/>
                       </a:solidFill>
                       <a:prstDash val="solid"/>
                       <a:round/>
-                      <a:headEnd type="none" w="sm" len="sm"/>
-                      <a:tailEnd type="none" w="sm" len="sm"/>
+                      <a:headEnd len="sm" w="sm" type="none"/>
+                      <a:tailEnd len="sm" w="sm" type="none"/>
                     </a:lnL>
-                    <a:lnR w="9525" cap="flat" cmpd="sng">
+                    <a:lnR cap="flat" cmpd="sng" w="9525">
                       <a:solidFill>
                         <a:srgbClr val="B7B7B7"/>
                       </a:solidFill>
                       <a:prstDash val="solid"/>
                       <a:round/>
-                      <a:headEnd type="none" w="sm" len="sm"/>
-                      <a:tailEnd type="none" w="sm" len="sm"/>
+                      <a:headEnd len="sm" w="sm" type="none"/>
+                      <a:tailEnd len="sm" w="sm" type="none"/>
                     </a:lnR>
-                    <a:lnT w="9525" cap="flat" cmpd="sng">
+                    <a:lnT cap="flat" cmpd="sng" w="9525">
                       <a:solidFill>
                         <a:srgbClr val="B7B7B7"/>
                       </a:solidFill>
                       <a:prstDash val="solid"/>
                       <a:round/>
-                      <a:headEnd type="none" w="sm" len="sm"/>
-                      <a:tailEnd type="none" w="sm" len="sm"/>
+                      <a:headEnd len="sm" w="sm" type="none"/>
+                      <a:tailEnd len="sm" w="sm" type="none"/>
                     </a:lnT>
-                    <a:lnB w="9525" cap="flat" cmpd="sng">
+                    <a:lnB cap="flat" cmpd="sng" w="9525">
                       <a:solidFill>
                         <a:srgbClr val="B7B7B7"/>
                       </a:solidFill>
                       <a:prstDash val="solid"/>
                       <a:round/>
-                      <a:headEnd type="none" w="sm" len="sm"/>
-                      <a:tailEnd type="none" w="sm" len="sm"/>
+                      <a:headEnd len="sm" w="sm" type="none"/>
+                      <a:tailEnd len="sm" w="sm" type="none"/>
                     </a:lnB>
                     <a:solidFill>
                       <a:srgbClr val="CFE2F3"/>
@@ -9304,7 +9175,7 @@
                     <a:bodyPr/>
                     <a:lstStyle/>
                     <a:p>
-                      <a:pPr marL="0" lvl="0" indent="0" algn="l" rtl="0">
+                      <a:pPr indent="0" lvl="0" marL="0" rtl="0" algn="l">
                         <a:lnSpc>
                           <a:spcPct val="115000"/>
                         </a:lnSpc>
@@ -9330,42 +9201,42 @@
                       <a:endParaRPr/>
                     </a:p>
                   </a:txBody>
-                  <a:tcPr marL="91425" marR="91425" marT="91425" marB="91425">
-                    <a:lnL w="9525" cap="flat" cmpd="sng">
+                  <a:tcPr marT="91425" marB="91425" marR="91425" marL="91425">
+                    <a:lnL cap="flat" cmpd="sng" w="9525">
                       <a:solidFill>
                         <a:srgbClr val="B7B7B7"/>
                       </a:solidFill>
                       <a:prstDash val="solid"/>
                       <a:round/>
-                      <a:headEnd type="none" w="sm" len="sm"/>
-                      <a:tailEnd type="none" w="sm" len="sm"/>
+                      <a:headEnd len="sm" w="sm" type="none"/>
+                      <a:tailEnd len="sm" w="sm" type="none"/>
                     </a:lnL>
-                    <a:lnR w="9525" cap="flat" cmpd="sng">
+                    <a:lnR cap="flat" cmpd="sng" w="9525">
                       <a:solidFill>
                         <a:srgbClr val="B7B7B7"/>
                       </a:solidFill>
                       <a:prstDash val="solid"/>
                       <a:round/>
-                      <a:headEnd type="none" w="sm" len="sm"/>
-                      <a:tailEnd type="none" w="sm" len="sm"/>
+                      <a:headEnd len="sm" w="sm" type="none"/>
+                      <a:tailEnd len="sm" w="sm" type="none"/>
                     </a:lnR>
-                    <a:lnT w="9525" cap="flat" cmpd="sng">
+                    <a:lnT cap="flat" cmpd="sng" w="9525">
                       <a:solidFill>
                         <a:srgbClr val="B7B7B7"/>
                       </a:solidFill>
                       <a:prstDash val="solid"/>
                       <a:round/>
-                      <a:headEnd type="none" w="sm" len="sm"/>
-                      <a:tailEnd type="none" w="sm" len="sm"/>
+                      <a:headEnd len="sm" w="sm" type="none"/>
+                      <a:tailEnd len="sm" w="sm" type="none"/>
                     </a:lnT>
-                    <a:lnB w="9525" cap="flat" cmpd="sng">
+                    <a:lnB cap="flat" cmpd="sng" w="9525">
                       <a:solidFill>
                         <a:srgbClr val="B7B7B7"/>
                       </a:solidFill>
                       <a:prstDash val="solid"/>
                       <a:round/>
-                      <a:headEnd type="none" w="sm" len="sm"/>
-                      <a:tailEnd type="none" w="sm" len="sm"/>
+                      <a:headEnd len="sm" w="sm" type="none"/>
+                      <a:tailEnd len="sm" w="sm" type="none"/>
                     </a:lnB>
                   </a:tcPr>
                 </a:tc>
@@ -9374,7 +9245,7 @@
                     <a:bodyPr/>
                     <a:lstStyle/>
                     <a:p>
-                      <a:pPr marL="0" lvl="0" indent="0" algn="l" rtl="0">
+                      <a:pPr indent="0" lvl="0" marL="0" rtl="0" algn="l">
                         <a:lnSpc>
                           <a:spcPct val="115000"/>
                         </a:lnSpc>
@@ -9400,50 +9271,45 @@
                       <a:endParaRPr/>
                     </a:p>
                   </a:txBody>
-                  <a:tcPr marL="91425" marR="91425" marT="91425" marB="91425">
-                    <a:lnL w="9525" cap="flat" cmpd="sng">
+                  <a:tcPr marT="91425" marB="91425" marR="91425" marL="91425">
+                    <a:lnL cap="flat" cmpd="sng" w="9525">
                       <a:solidFill>
                         <a:srgbClr val="B7B7B7"/>
                       </a:solidFill>
                       <a:prstDash val="solid"/>
                       <a:round/>
-                      <a:headEnd type="none" w="sm" len="sm"/>
-                      <a:tailEnd type="none" w="sm" len="sm"/>
+                      <a:headEnd len="sm" w="sm" type="none"/>
+                      <a:tailEnd len="sm" w="sm" type="none"/>
                     </a:lnL>
-                    <a:lnR w="38100" cap="flat" cmpd="sng">
+                    <a:lnR cap="flat" cmpd="sng" w="38100">
                       <a:solidFill>
                         <a:srgbClr val="000000"/>
                       </a:solidFill>
                       <a:prstDash val="solid"/>
                       <a:round/>
-                      <a:headEnd type="none" w="sm" len="sm"/>
-                      <a:tailEnd type="none" w="sm" len="sm"/>
+                      <a:headEnd len="sm" w="sm" type="none"/>
+                      <a:tailEnd len="sm" w="sm" type="none"/>
                     </a:lnR>
-                    <a:lnT w="9525" cap="flat" cmpd="sng">
+                    <a:lnT cap="flat" cmpd="sng" w="9525">
                       <a:solidFill>
                         <a:srgbClr val="B7B7B7"/>
                       </a:solidFill>
                       <a:prstDash val="solid"/>
                       <a:round/>
-                      <a:headEnd type="none" w="sm" len="sm"/>
-                      <a:tailEnd type="none" w="sm" len="sm"/>
+                      <a:headEnd len="sm" w="sm" type="none"/>
+                      <a:tailEnd len="sm" w="sm" type="none"/>
                     </a:lnT>
-                    <a:lnB w="9525" cap="flat" cmpd="sng">
+                    <a:lnB cap="flat" cmpd="sng" w="9525">
                       <a:solidFill>
                         <a:srgbClr val="B7B7B7"/>
                       </a:solidFill>
                       <a:prstDash val="solid"/>
                       <a:round/>
-                      <a:headEnd type="none" w="sm" len="sm"/>
-                      <a:tailEnd type="none" w="sm" len="sm"/>
+                      <a:headEnd len="sm" w="sm" type="none"/>
+                      <a:tailEnd len="sm" w="sm" type="none"/>
                     </a:lnB>
                   </a:tcPr>
                 </a:tc>
-                <a:extLst>
-                  <a:ext uri="{0D108BD9-81ED-4DB2-BD59-A6C34878D82A}">
-                    <a16:rowId xmlns:a16="http://schemas.microsoft.com/office/drawing/2014/main" val="10002"/>
-                  </a:ext>
-                </a:extLst>
               </a:tr>
               <a:tr h="275850">
                 <a:tc>
@@ -9451,7 +9317,7 @@
                     <a:bodyPr/>
                     <a:lstStyle/>
                     <a:p>
-                      <a:pPr marL="0" lvl="0" indent="0" algn="l" rtl="0">
+                      <a:pPr indent="0" lvl="0" marL="0" rtl="0" algn="l">
                         <a:spcBef>
                           <a:spcPts val="0"/>
                         </a:spcBef>
@@ -9461,48 +9327,48 @@
                         <a:buNone/>
                       </a:pPr>
                       <a:r>
-                        <a:rPr lang="en" sz="1050" b="1"/>
+                        <a:rPr b="1" lang="en" sz="1050"/>
                         <a:t>Public and Other</a:t>
                       </a:r>
-                      <a:endParaRPr sz="1050" b="1"/>
+                      <a:endParaRPr b="1" sz="1050"/>
                     </a:p>
                   </a:txBody>
-                  <a:tcPr marL="91425" marR="91425" marT="91425" marB="91425">
-                    <a:lnL w="38100" cap="flat" cmpd="sng">
+                  <a:tcPr marT="91425" marB="91425" marR="91425" marL="91425">
+                    <a:lnL cap="flat" cmpd="sng" w="38100">
                       <a:solidFill>
                         <a:srgbClr val="000000"/>
                       </a:solidFill>
                       <a:prstDash val="solid"/>
                       <a:round/>
-                      <a:headEnd type="none" w="sm" len="sm"/>
-                      <a:tailEnd type="none" w="sm" len="sm"/>
+                      <a:headEnd len="sm" w="sm" type="none"/>
+                      <a:tailEnd len="sm" w="sm" type="none"/>
                     </a:lnL>
-                    <a:lnR w="9525" cap="flat" cmpd="sng">
+                    <a:lnR cap="flat" cmpd="sng" w="9525">
                       <a:solidFill>
                         <a:srgbClr val="B7B7B7"/>
                       </a:solidFill>
                       <a:prstDash val="solid"/>
                       <a:round/>
-                      <a:headEnd type="none" w="sm" len="sm"/>
-                      <a:tailEnd type="none" w="sm" len="sm"/>
+                      <a:headEnd len="sm" w="sm" type="none"/>
+                      <a:tailEnd len="sm" w="sm" type="none"/>
                     </a:lnR>
-                    <a:lnT w="9525" cap="flat" cmpd="sng">
+                    <a:lnT cap="flat" cmpd="sng" w="9525">
                       <a:solidFill>
                         <a:srgbClr val="B7B7B7"/>
                       </a:solidFill>
                       <a:prstDash val="solid"/>
                       <a:round/>
-                      <a:headEnd type="none" w="sm" len="sm"/>
-                      <a:tailEnd type="none" w="sm" len="sm"/>
+                      <a:headEnd len="sm" w="sm" type="none"/>
+                      <a:tailEnd len="sm" w="sm" type="none"/>
                     </a:lnT>
-                    <a:lnB w="9525" cap="flat" cmpd="sng">
+                    <a:lnB cap="flat" cmpd="sng" w="9525">
                       <a:solidFill>
                         <a:srgbClr val="B7B7B7"/>
                       </a:solidFill>
                       <a:prstDash val="solid"/>
                       <a:round/>
-                      <a:headEnd type="none" w="sm" len="sm"/>
-                      <a:tailEnd type="none" w="sm" len="sm"/>
+                      <a:headEnd len="sm" w="sm" type="none"/>
+                      <a:tailEnd len="sm" w="sm" type="none"/>
                     </a:lnB>
                     <a:solidFill>
                       <a:srgbClr val="CFE2F3"/>
@@ -9514,7 +9380,7 @@
                     <a:bodyPr/>
                     <a:lstStyle/>
                     <a:p>
-                      <a:pPr marL="0" lvl="0" indent="0" algn="l" rtl="0">
+                      <a:pPr indent="0" lvl="0" marL="0" rtl="0" algn="l">
                         <a:lnSpc>
                           <a:spcPct val="115000"/>
                         </a:lnSpc>
@@ -9540,42 +9406,42 @@
                       <a:endParaRPr/>
                     </a:p>
                   </a:txBody>
-                  <a:tcPr marL="91425" marR="91425" marT="91425" marB="91425">
-                    <a:lnL w="9525" cap="flat" cmpd="sng">
+                  <a:tcPr marT="91425" marB="91425" marR="91425" marL="91425">
+                    <a:lnL cap="flat" cmpd="sng" w="9525">
                       <a:solidFill>
                         <a:srgbClr val="B7B7B7"/>
                       </a:solidFill>
                       <a:prstDash val="solid"/>
                       <a:round/>
-                      <a:headEnd type="none" w="sm" len="sm"/>
-                      <a:tailEnd type="none" w="sm" len="sm"/>
+                      <a:headEnd len="sm" w="sm" type="none"/>
+                      <a:tailEnd len="sm" w="sm" type="none"/>
                     </a:lnL>
-                    <a:lnR w="9525" cap="flat" cmpd="sng">
+                    <a:lnR cap="flat" cmpd="sng" w="9525">
                       <a:solidFill>
                         <a:srgbClr val="B7B7B7"/>
                       </a:solidFill>
                       <a:prstDash val="solid"/>
                       <a:round/>
-                      <a:headEnd type="none" w="sm" len="sm"/>
-                      <a:tailEnd type="none" w="sm" len="sm"/>
+                      <a:headEnd len="sm" w="sm" type="none"/>
+                      <a:tailEnd len="sm" w="sm" type="none"/>
                     </a:lnR>
-                    <a:lnT w="9525" cap="flat" cmpd="sng">
+                    <a:lnT cap="flat" cmpd="sng" w="9525">
                       <a:solidFill>
                         <a:srgbClr val="B7B7B7"/>
                       </a:solidFill>
                       <a:prstDash val="solid"/>
                       <a:round/>
-                      <a:headEnd type="none" w="sm" len="sm"/>
-                      <a:tailEnd type="none" w="sm" len="sm"/>
+                      <a:headEnd len="sm" w="sm" type="none"/>
+                      <a:tailEnd len="sm" w="sm" type="none"/>
                     </a:lnT>
-                    <a:lnB w="9525" cap="flat" cmpd="sng">
+                    <a:lnB cap="flat" cmpd="sng" w="9525">
                       <a:solidFill>
                         <a:srgbClr val="B7B7B7"/>
                       </a:solidFill>
                       <a:prstDash val="solid"/>
                       <a:round/>
-                      <a:headEnd type="none" w="sm" len="sm"/>
-                      <a:tailEnd type="none" w="sm" len="sm"/>
+                      <a:headEnd len="sm" w="sm" type="none"/>
+                      <a:tailEnd len="sm" w="sm" type="none"/>
                     </a:lnB>
                   </a:tcPr>
                 </a:tc>
@@ -9584,7 +9450,7 @@
                     <a:bodyPr/>
                     <a:lstStyle/>
                     <a:p>
-                      <a:pPr marL="0" lvl="0" indent="0" algn="l" rtl="0">
+                      <a:pPr indent="0" lvl="0" marL="0" rtl="0" algn="l">
                         <a:lnSpc>
                           <a:spcPct val="115000"/>
                         </a:lnSpc>
@@ -9610,50 +9476,45 @@
                       <a:endParaRPr/>
                     </a:p>
                   </a:txBody>
-                  <a:tcPr marL="91425" marR="91425" marT="91425" marB="91425">
-                    <a:lnL w="9525" cap="flat" cmpd="sng">
+                  <a:tcPr marT="91425" marB="91425" marR="91425" marL="91425">
+                    <a:lnL cap="flat" cmpd="sng" w="9525">
                       <a:solidFill>
                         <a:srgbClr val="B7B7B7"/>
                       </a:solidFill>
                       <a:prstDash val="solid"/>
                       <a:round/>
-                      <a:headEnd type="none" w="sm" len="sm"/>
-                      <a:tailEnd type="none" w="sm" len="sm"/>
+                      <a:headEnd len="sm" w="sm" type="none"/>
+                      <a:tailEnd len="sm" w="sm" type="none"/>
                     </a:lnL>
-                    <a:lnR w="38100" cap="flat" cmpd="sng">
+                    <a:lnR cap="flat" cmpd="sng" w="38100">
                       <a:solidFill>
                         <a:srgbClr val="000000"/>
                       </a:solidFill>
                       <a:prstDash val="solid"/>
                       <a:round/>
-                      <a:headEnd type="none" w="sm" len="sm"/>
-                      <a:tailEnd type="none" w="sm" len="sm"/>
+                      <a:headEnd len="sm" w="sm" type="none"/>
+                      <a:tailEnd len="sm" w="sm" type="none"/>
                     </a:lnR>
-                    <a:lnT w="9525" cap="flat" cmpd="sng">
+                    <a:lnT cap="flat" cmpd="sng" w="9525">
                       <a:solidFill>
                         <a:srgbClr val="B7B7B7"/>
                       </a:solidFill>
                       <a:prstDash val="solid"/>
                       <a:round/>
-                      <a:headEnd type="none" w="sm" len="sm"/>
-                      <a:tailEnd type="none" w="sm" len="sm"/>
+                      <a:headEnd len="sm" w="sm" type="none"/>
+                      <a:tailEnd len="sm" w="sm" type="none"/>
                     </a:lnT>
-                    <a:lnB w="9525" cap="flat" cmpd="sng">
+                    <a:lnB cap="flat" cmpd="sng" w="9525">
                       <a:solidFill>
                         <a:srgbClr val="B7B7B7"/>
                       </a:solidFill>
                       <a:prstDash val="solid"/>
                       <a:round/>
-                      <a:headEnd type="none" w="sm" len="sm"/>
-                      <a:tailEnd type="none" w="sm" len="sm"/>
+                      <a:headEnd len="sm" w="sm" type="none"/>
+                      <a:tailEnd len="sm" w="sm" type="none"/>
                     </a:lnB>
                   </a:tcPr>
                 </a:tc>
-                <a:extLst>
-                  <a:ext uri="{0D108BD9-81ED-4DB2-BD59-A6C34878D82A}">
-                    <a16:rowId xmlns:a16="http://schemas.microsoft.com/office/drawing/2014/main" val="10003"/>
-                  </a:ext>
-                </a:extLst>
               </a:tr>
               <a:tr h="424375">
                 <a:tc>
@@ -9661,7 +9522,7 @@
                     <a:bodyPr/>
                     <a:lstStyle/>
                     <a:p>
-                      <a:pPr marL="0" lvl="0" indent="0" algn="l" rtl="0">
+                      <a:pPr indent="0" lvl="0" marL="0" rtl="0" algn="l">
                         <a:spcBef>
                           <a:spcPts val="0"/>
                         </a:spcBef>
@@ -9671,48 +9532,48 @@
                         <a:buNone/>
                       </a:pPr>
                       <a:r>
-                        <a:rPr lang="en" sz="1050" b="1"/>
+                        <a:rPr b="1" lang="en" sz="1050"/>
                         <a:t>Kindergarten and Private</a:t>
                       </a:r>
-                      <a:endParaRPr sz="1050" b="1"/>
+                      <a:endParaRPr b="1" sz="1050"/>
                     </a:p>
                   </a:txBody>
-                  <a:tcPr marL="91425" marR="91425" marT="91425" marB="91425">
-                    <a:lnL w="38100" cap="flat" cmpd="sng">
+                  <a:tcPr marT="91425" marB="91425" marR="91425" marL="91425">
+                    <a:lnL cap="flat" cmpd="sng" w="38100">
                       <a:solidFill>
                         <a:srgbClr val="000000"/>
                       </a:solidFill>
                       <a:prstDash val="solid"/>
                       <a:round/>
-                      <a:headEnd type="none" w="sm" len="sm"/>
-                      <a:tailEnd type="none" w="sm" len="sm"/>
+                      <a:headEnd len="sm" w="sm" type="none"/>
+                      <a:tailEnd len="sm" w="sm" type="none"/>
                     </a:lnL>
-                    <a:lnR w="9525" cap="flat" cmpd="sng">
+                    <a:lnR cap="flat" cmpd="sng" w="9525">
                       <a:solidFill>
                         <a:srgbClr val="B7B7B7"/>
                       </a:solidFill>
                       <a:prstDash val="solid"/>
                       <a:round/>
-                      <a:headEnd type="none" w="sm" len="sm"/>
-                      <a:tailEnd type="none" w="sm" len="sm"/>
+                      <a:headEnd len="sm" w="sm" type="none"/>
+                      <a:tailEnd len="sm" w="sm" type="none"/>
                     </a:lnR>
-                    <a:lnT w="9525" cap="flat" cmpd="sng">
+                    <a:lnT cap="flat" cmpd="sng" w="9525">
                       <a:solidFill>
                         <a:srgbClr val="B7B7B7"/>
                       </a:solidFill>
                       <a:prstDash val="solid"/>
                       <a:round/>
-                      <a:headEnd type="none" w="sm" len="sm"/>
-                      <a:tailEnd type="none" w="sm" len="sm"/>
+                      <a:headEnd len="sm" w="sm" type="none"/>
+                      <a:tailEnd len="sm" w="sm" type="none"/>
                     </a:lnT>
-                    <a:lnB w="9525" cap="flat" cmpd="sng">
+                    <a:lnB cap="flat" cmpd="sng" w="9525">
                       <a:solidFill>
                         <a:srgbClr val="B7B7B7"/>
                       </a:solidFill>
                       <a:prstDash val="solid"/>
                       <a:round/>
-                      <a:headEnd type="none" w="sm" len="sm"/>
-                      <a:tailEnd type="none" w="sm" len="sm"/>
+                      <a:headEnd len="sm" w="sm" type="none"/>
+                      <a:tailEnd len="sm" w="sm" type="none"/>
                     </a:lnB>
                     <a:solidFill>
                       <a:srgbClr val="CFE2F3"/>
@@ -9724,7 +9585,7 @@
                     <a:bodyPr/>
                     <a:lstStyle/>
                     <a:p>
-                      <a:pPr marL="0" lvl="0" indent="0" algn="l" rtl="0">
+                      <a:pPr indent="0" lvl="0" marL="0" rtl="0" algn="l">
                         <a:lnSpc>
                           <a:spcPct val="115000"/>
                         </a:lnSpc>
@@ -9754,42 +9615,42 @@
                       </a:endParaRPr>
                     </a:p>
                   </a:txBody>
-                  <a:tcPr marL="91425" marR="91425" marT="91425" marB="91425">
-                    <a:lnL w="9525" cap="flat" cmpd="sng">
+                  <a:tcPr marT="91425" marB="91425" marR="91425" marL="91425">
+                    <a:lnL cap="flat" cmpd="sng" w="9525">
                       <a:solidFill>
                         <a:srgbClr val="B7B7B7"/>
                       </a:solidFill>
                       <a:prstDash val="solid"/>
                       <a:round/>
-                      <a:headEnd type="none" w="sm" len="sm"/>
-                      <a:tailEnd type="none" w="sm" len="sm"/>
+                      <a:headEnd len="sm" w="sm" type="none"/>
+                      <a:tailEnd len="sm" w="sm" type="none"/>
                     </a:lnL>
-                    <a:lnR w="9525" cap="flat" cmpd="sng">
+                    <a:lnR cap="flat" cmpd="sng" w="9525">
                       <a:solidFill>
                         <a:srgbClr val="B7B7B7"/>
                       </a:solidFill>
                       <a:prstDash val="solid"/>
                       <a:round/>
-                      <a:headEnd type="none" w="sm" len="sm"/>
-                      <a:tailEnd type="none" w="sm" len="sm"/>
+                      <a:headEnd len="sm" w="sm" type="none"/>
+                      <a:tailEnd len="sm" w="sm" type="none"/>
                     </a:lnR>
-                    <a:lnT w="9525" cap="flat" cmpd="sng">
+                    <a:lnT cap="flat" cmpd="sng" w="9525">
                       <a:solidFill>
                         <a:srgbClr val="B7B7B7"/>
                       </a:solidFill>
                       <a:prstDash val="solid"/>
                       <a:round/>
-                      <a:headEnd type="none" w="sm" len="sm"/>
-                      <a:tailEnd type="none" w="sm" len="sm"/>
+                      <a:headEnd len="sm" w="sm" type="none"/>
+                      <a:tailEnd len="sm" w="sm" type="none"/>
                     </a:lnT>
-                    <a:lnB w="9525" cap="flat" cmpd="sng">
+                    <a:lnB cap="flat" cmpd="sng" w="9525">
                       <a:solidFill>
                         <a:srgbClr val="B7B7B7"/>
                       </a:solidFill>
                       <a:prstDash val="solid"/>
                       <a:round/>
-                      <a:headEnd type="none" w="sm" len="sm"/>
-                      <a:tailEnd type="none" w="sm" len="sm"/>
+                      <a:headEnd len="sm" w="sm" type="none"/>
+                      <a:tailEnd len="sm" w="sm" type="none"/>
                     </a:lnB>
                     <a:solidFill>
                       <a:srgbClr val="FFFF00"/>
@@ -9801,7 +9662,7 @@
                     <a:bodyPr/>
                     <a:lstStyle/>
                     <a:p>
-                      <a:pPr marL="0" lvl="0" indent="0" algn="l" rtl="0">
+                      <a:pPr indent="0" lvl="0" marL="0" rtl="0" algn="l">
                         <a:lnSpc>
                           <a:spcPct val="115000"/>
                         </a:lnSpc>
@@ -9831,53 +9692,48 @@
                       </a:endParaRPr>
                     </a:p>
                   </a:txBody>
-                  <a:tcPr marL="91425" marR="91425" marT="91425" marB="91425">
-                    <a:lnL w="9525" cap="flat" cmpd="sng">
+                  <a:tcPr marT="91425" marB="91425" marR="91425" marL="91425">
+                    <a:lnL cap="flat" cmpd="sng" w="9525">
                       <a:solidFill>
                         <a:srgbClr val="B7B7B7"/>
                       </a:solidFill>
                       <a:prstDash val="solid"/>
                       <a:round/>
-                      <a:headEnd type="none" w="sm" len="sm"/>
-                      <a:tailEnd type="none" w="sm" len="sm"/>
+                      <a:headEnd len="sm" w="sm" type="none"/>
+                      <a:tailEnd len="sm" w="sm" type="none"/>
                     </a:lnL>
-                    <a:lnR w="38100" cap="flat" cmpd="sng">
+                    <a:lnR cap="flat" cmpd="sng" w="38100">
                       <a:solidFill>
                         <a:srgbClr val="000000"/>
                       </a:solidFill>
                       <a:prstDash val="solid"/>
                       <a:round/>
-                      <a:headEnd type="none" w="sm" len="sm"/>
-                      <a:tailEnd type="none" w="sm" len="sm"/>
+                      <a:headEnd len="sm" w="sm" type="none"/>
+                      <a:tailEnd len="sm" w="sm" type="none"/>
                     </a:lnR>
-                    <a:lnT w="9525" cap="flat" cmpd="sng">
+                    <a:lnT cap="flat" cmpd="sng" w="9525">
                       <a:solidFill>
                         <a:srgbClr val="B7B7B7"/>
                       </a:solidFill>
                       <a:prstDash val="solid"/>
                       <a:round/>
-                      <a:headEnd type="none" w="sm" len="sm"/>
-                      <a:tailEnd type="none" w="sm" len="sm"/>
+                      <a:headEnd len="sm" w="sm" type="none"/>
+                      <a:tailEnd len="sm" w="sm" type="none"/>
                     </a:lnT>
-                    <a:lnB w="9525" cap="flat" cmpd="sng">
+                    <a:lnB cap="flat" cmpd="sng" w="9525">
                       <a:solidFill>
                         <a:srgbClr val="B7B7B7"/>
                       </a:solidFill>
                       <a:prstDash val="solid"/>
                       <a:round/>
-                      <a:headEnd type="none" w="sm" len="sm"/>
-                      <a:tailEnd type="none" w="sm" len="sm"/>
+                      <a:headEnd len="sm" w="sm" type="none"/>
+                      <a:tailEnd len="sm" w="sm" type="none"/>
                     </a:lnB>
                     <a:solidFill>
                       <a:srgbClr val="FFFF00"/>
                     </a:solidFill>
                   </a:tcPr>
                 </a:tc>
-                <a:extLst>
-                  <a:ext uri="{0D108BD9-81ED-4DB2-BD59-A6C34878D82A}">
-                    <a16:rowId xmlns:a16="http://schemas.microsoft.com/office/drawing/2014/main" val="10004"/>
-                  </a:ext>
-                </a:extLst>
               </a:tr>
               <a:tr h="275850">
                 <a:tc>
@@ -9885,7 +9741,7 @@
                     <a:bodyPr/>
                     <a:lstStyle/>
                     <a:p>
-                      <a:pPr marL="0" lvl="0" indent="0" algn="l" rtl="0">
+                      <a:pPr indent="0" lvl="0" marL="0" rtl="0" algn="l">
                         <a:spcBef>
                           <a:spcPts val="0"/>
                         </a:spcBef>
@@ -9895,48 +9751,48 @@
                         <a:buNone/>
                       </a:pPr>
                       <a:r>
-                        <a:rPr lang="en" sz="1050" b="1"/>
+                        <a:rPr b="1" lang="en" sz="1050"/>
                         <a:t>Kindergarten and Other</a:t>
                       </a:r>
-                      <a:endParaRPr sz="1050" b="1"/>
+                      <a:endParaRPr b="1" sz="1050"/>
                     </a:p>
                   </a:txBody>
-                  <a:tcPr marL="91425" marR="91425" marT="91425" marB="91425">
-                    <a:lnL w="38100" cap="flat" cmpd="sng">
+                  <a:tcPr marT="91425" marB="91425" marR="91425" marL="91425">
+                    <a:lnL cap="flat" cmpd="sng" w="38100">
                       <a:solidFill>
                         <a:srgbClr val="000000"/>
                       </a:solidFill>
                       <a:prstDash val="solid"/>
                       <a:round/>
-                      <a:headEnd type="none" w="sm" len="sm"/>
-                      <a:tailEnd type="none" w="sm" len="sm"/>
+                      <a:headEnd len="sm" w="sm" type="none"/>
+                      <a:tailEnd len="sm" w="sm" type="none"/>
                     </a:lnL>
-                    <a:lnR w="9525" cap="flat" cmpd="sng">
+                    <a:lnR cap="flat" cmpd="sng" w="9525">
                       <a:solidFill>
                         <a:srgbClr val="B7B7B7"/>
                       </a:solidFill>
                       <a:prstDash val="solid"/>
                       <a:round/>
-                      <a:headEnd type="none" w="sm" len="sm"/>
-                      <a:tailEnd type="none" w="sm" len="sm"/>
+                      <a:headEnd len="sm" w="sm" type="none"/>
+                      <a:tailEnd len="sm" w="sm" type="none"/>
                     </a:lnR>
-                    <a:lnT w="9525" cap="flat" cmpd="sng">
+                    <a:lnT cap="flat" cmpd="sng" w="9525">
                       <a:solidFill>
                         <a:srgbClr val="B7B7B7"/>
                       </a:solidFill>
                       <a:prstDash val="solid"/>
                       <a:round/>
-                      <a:headEnd type="none" w="sm" len="sm"/>
-                      <a:tailEnd type="none" w="sm" len="sm"/>
+                      <a:headEnd len="sm" w="sm" type="none"/>
+                      <a:tailEnd len="sm" w="sm" type="none"/>
                     </a:lnT>
-                    <a:lnB w="9525" cap="flat" cmpd="sng">
+                    <a:lnB cap="flat" cmpd="sng" w="9525">
                       <a:solidFill>
                         <a:srgbClr val="B7B7B7"/>
                       </a:solidFill>
                       <a:prstDash val="solid"/>
                       <a:round/>
-                      <a:headEnd type="none" w="sm" len="sm"/>
-                      <a:tailEnd type="none" w="sm" len="sm"/>
+                      <a:headEnd len="sm" w="sm" type="none"/>
+                      <a:tailEnd len="sm" w="sm" type="none"/>
                     </a:lnB>
                     <a:solidFill>
                       <a:srgbClr val="CFE2F3"/>
@@ -9948,7 +9804,7 @@
                     <a:bodyPr/>
                     <a:lstStyle/>
                     <a:p>
-                      <a:pPr marL="0" lvl="0" indent="0" algn="l" rtl="0">
+                      <a:pPr indent="0" lvl="0" marL="0" rtl="0" algn="l">
                         <a:lnSpc>
                           <a:spcPct val="115000"/>
                         </a:lnSpc>
@@ -9974,42 +9830,42 @@
                       <a:endParaRPr/>
                     </a:p>
                   </a:txBody>
-                  <a:tcPr marL="91425" marR="91425" marT="91425" marB="91425">
-                    <a:lnL w="9525" cap="flat" cmpd="sng">
+                  <a:tcPr marT="91425" marB="91425" marR="91425" marL="91425">
+                    <a:lnL cap="flat" cmpd="sng" w="9525">
                       <a:solidFill>
                         <a:srgbClr val="B7B7B7"/>
                       </a:solidFill>
                       <a:prstDash val="solid"/>
                       <a:round/>
-                      <a:headEnd type="none" w="sm" len="sm"/>
-                      <a:tailEnd type="none" w="sm" len="sm"/>
+                      <a:headEnd len="sm" w="sm" type="none"/>
+                      <a:tailEnd len="sm" w="sm" type="none"/>
                     </a:lnL>
-                    <a:lnR w="9525" cap="flat" cmpd="sng">
+                    <a:lnR cap="flat" cmpd="sng" w="9525">
                       <a:solidFill>
                         <a:srgbClr val="B7B7B7"/>
                       </a:solidFill>
                       <a:prstDash val="solid"/>
                       <a:round/>
-                      <a:headEnd type="none" w="sm" len="sm"/>
-                      <a:tailEnd type="none" w="sm" len="sm"/>
+                      <a:headEnd len="sm" w="sm" type="none"/>
+                      <a:tailEnd len="sm" w="sm" type="none"/>
                     </a:lnR>
-                    <a:lnT w="9525" cap="flat" cmpd="sng">
+                    <a:lnT cap="flat" cmpd="sng" w="9525">
                       <a:solidFill>
                         <a:srgbClr val="B7B7B7"/>
                       </a:solidFill>
                       <a:prstDash val="solid"/>
                       <a:round/>
-                      <a:headEnd type="none" w="sm" len="sm"/>
-                      <a:tailEnd type="none" w="sm" len="sm"/>
+                      <a:headEnd len="sm" w="sm" type="none"/>
+                      <a:tailEnd len="sm" w="sm" type="none"/>
                     </a:lnT>
-                    <a:lnB w="9525" cap="flat" cmpd="sng">
+                    <a:lnB cap="flat" cmpd="sng" w="9525">
                       <a:solidFill>
                         <a:srgbClr val="B7B7B7"/>
                       </a:solidFill>
                       <a:prstDash val="solid"/>
                       <a:round/>
-                      <a:headEnd type="none" w="sm" len="sm"/>
-                      <a:tailEnd type="none" w="sm" len="sm"/>
+                      <a:headEnd len="sm" w="sm" type="none"/>
+                      <a:tailEnd len="sm" w="sm" type="none"/>
                     </a:lnB>
                   </a:tcPr>
                 </a:tc>
@@ -10018,7 +9874,7 @@
                     <a:bodyPr/>
                     <a:lstStyle/>
                     <a:p>
-                      <a:pPr marL="0" lvl="0" indent="0" algn="l" rtl="0">
+                      <a:pPr indent="0" lvl="0" marL="0" rtl="0" algn="l">
                         <a:lnSpc>
                           <a:spcPct val="115000"/>
                         </a:lnSpc>
@@ -10044,50 +9900,45 @@
                       <a:endParaRPr/>
                     </a:p>
                   </a:txBody>
-                  <a:tcPr marL="91425" marR="91425" marT="91425" marB="91425">
-                    <a:lnL w="9525" cap="flat" cmpd="sng">
+                  <a:tcPr marT="91425" marB="91425" marR="91425" marL="91425">
+                    <a:lnL cap="flat" cmpd="sng" w="9525">
                       <a:solidFill>
                         <a:srgbClr val="B7B7B7"/>
                       </a:solidFill>
                       <a:prstDash val="solid"/>
                       <a:round/>
-                      <a:headEnd type="none" w="sm" len="sm"/>
-                      <a:tailEnd type="none" w="sm" len="sm"/>
+                      <a:headEnd len="sm" w="sm" type="none"/>
+                      <a:tailEnd len="sm" w="sm" type="none"/>
                     </a:lnL>
-                    <a:lnR w="38100" cap="flat" cmpd="sng">
+                    <a:lnR cap="flat" cmpd="sng" w="38100">
                       <a:solidFill>
                         <a:srgbClr val="000000"/>
                       </a:solidFill>
                       <a:prstDash val="solid"/>
                       <a:round/>
-                      <a:headEnd type="none" w="sm" len="sm"/>
-                      <a:tailEnd type="none" w="sm" len="sm"/>
+                      <a:headEnd len="sm" w="sm" type="none"/>
+                      <a:tailEnd len="sm" w="sm" type="none"/>
                     </a:lnR>
-                    <a:lnT w="9525" cap="flat" cmpd="sng">
+                    <a:lnT cap="flat" cmpd="sng" w="9525">
                       <a:solidFill>
                         <a:srgbClr val="B7B7B7"/>
                       </a:solidFill>
                       <a:prstDash val="solid"/>
                       <a:round/>
-                      <a:headEnd type="none" w="sm" len="sm"/>
-                      <a:tailEnd type="none" w="sm" len="sm"/>
+                      <a:headEnd len="sm" w="sm" type="none"/>
+                      <a:tailEnd len="sm" w="sm" type="none"/>
                     </a:lnT>
-                    <a:lnB w="9525" cap="flat" cmpd="sng">
+                    <a:lnB cap="flat" cmpd="sng" w="9525">
                       <a:solidFill>
                         <a:srgbClr val="B7B7B7"/>
                       </a:solidFill>
                       <a:prstDash val="solid"/>
                       <a:round/>
-                      <a:headEnd type="none" w="sm" len="sm"/>
-                      <a:tailEnd type="none" w="sm" len="sm"/>
+                      <a:headEnd len="sm" w="sm" type="none"/>
+                      <a:tailEnd len="sm" w="sm" type="none"/>
                     </a:lnB>
                   </a:tcPr>
                 </a:tc>
-                <a:extLst>
-                  <a:ext uri="{0D108BD9-81ED-4DB2-BD59-A6C34878D82A}">
-                    <a16:rowId xmlns:a16="http://schemas.microsoft.com/office/drawing/2014/main" val="10005"/>
-                  </a:ext>
-                </a:extLst>
               </a:tr>
               <a:tr h="275850">
                 <a:tc>
@@ -10095,7 +9946,7 @@
                     <a:bodyPr/>
                     <a:lstStyle/>
                     <a:p>
-                      <a:pPr marL="0" lvl="0" indent="0" algn="l" rtl="0">
+                      <a:pPr indent="0" lvl="0" marL="0" rtl="0" algn="l">
                         <a:spcBef>
                           <a:spcPts val="0"/>
                         </a:spcBef>
@@ -10105,48 +9956,48 @@
                         <a:buNone/>
                       </a:pPr>
                       <a:r>
-                        <a:rPr lang="en" sz="1050" b="1"/>
+                        <a:rPr b="1" lang="en" sz="1050"/>
                         <a:t>Private and Other</a:t>
                       </a:r>
-                      <a:endParaRPr sz="1050" b="1"/>
+                      <a:endParaRPr b="1" sz="1050"/>
                     </a:p>
                   </a:txBody>
-                  <a:tcPr marL="91425" marR="91425" marT="91425" marB="91425">
-                    <a:lnL w="38100" cap="flat" cmpd="sng">
+                  <a:tcPr marT="91425" marB="91425" marR="91425" marL="91425">
+                    <a:lnL cap="flat" cmpd="sng" w="38100">
                       <a:solidFill>
                         <a:srgbClr val="000000"/>
                       </a:solidFill>
                       <a:prstDash val="solid"/>
                       <a:round/>
-                      <a:headEnd type="none" w="sm" len="sm"/>
-                      <a:tailEnd type="none" w="sm" len="sm"/>
+                      <a:headEnd len="sm" w="sm" type="none"/>
+                      <a:tailEnd len="sm" w="sm" type="none"/>
                     </a:lnL>
-                    <a:lnR w="9525" cap="flat" cmpd="sng">
+                    <a:lnR cap="flat" cmpd="sng" w="9525">
                       <a:solidFill>
                         <a:srgbClr val="B7B7B7"/>
                       </a:solidFill>
                       <a:prstDash val="solid"/>
                       <a:round/>
-                      <a:headEnd type="none" w="sm" len="sm"/>
-                      <a:tailEnd type="none" w="sm" len="sm"/>
+                      <a:headEnd len="sm" w="sm" type="none"/>
+                      <a:tailEnd len="sm" w="sm" type="none"/>
                     </a:lnR>
-                    <a:lnT w="9525" cap="flat" cmpd="sng">
+                    <a:lnT cap="flat" cmpd="sng" w="9525">
                       <a:solidFill>
                         <a:srgbClr val="B7B7B7"/>
                       </a:solidFill>
                       <a:prstDash val="solid"/>
                       <a:round/>
-                      <a:headEnd type="none" w="sm" len="sm"/>
-                      <a:tailEnd type="none" w="sm" len="sm"/>
+                      <a:headEnd len="sm" w="sm" type="none"/>
+                      <a:tailEnd len="sm" w="sm" type="none"/>
                     </a:lnT>
-                    <a:lnB w="28575" cap="flat" cmpd="sng">
+                    <a:lnB cap="flat" cmpd="sng" w="28575">
                       <a:solidFill>
                         <a:srgbClr val="000000"/>
                       </a:solidFill>
                       <a:prstDash val="solid"/>
                       <a:round/>
-                      <a:headEnd type="none" w="sm" len="sm"/>
-                      <a:tailEnd type="none" w="sm" len="sm"/>
+                      <a:headEnd len="sm" w="sm" type="none"/>
+                      <a:tailEnd len="sm" w="sm" type="none"/>
                     </a:lnB>
                     <a:solidFill>
                       <a:srgbClr val="CFE2F3"/>
@@ -10158,7 +10009,7 @@
                     <a:bodyPr/>
                     <a:lstStyle/>
                     <a:p>
-                      <a:pPr marL="0" lvl="0" indent="0" algn="l" rtl="0">
+                      <a:pPr indent="0" lvl="0" marL="0" rtl="0" algn="l">
                         <a:lnSpc>
                           <a:spcPct val="115000"/>
                         </a:lnSpc>
@@ -10184,42 +10035,42 @@
                       <a:endParaRPr/>
                     </a:p>
                   </a:txBody>
-                  <a:tcPr marL="91425" marR="91425" marT="91425" marB="91425">
-                    <a:lnL w="9525" cap="flat" cmpd="sng">
+                  <a:tcPr marT="91425" marB="91425" marR="91425" marL="91425">
+                    <a:lnL cap="flat" cmpd="sng" w="9525">
                       <a:solidFill>
                         <a:srgbClr val="B7B7B7"/>
                       </a:solidFill>
                       <a:prstDash val="solid"/>
                       <a:round/>
-                      <a:headEnd type="none" w="sm" len="sm"/>
-                      <a:tailEnd type="none" w="sm" len="sm"/>
+                      <a:headEnd len="sm" w="sm" type="none"/>
+                      <a:tailEnd len="sm" w="sm" type="none"/>
                     </a:lnL>
-                    <a:lnR w="9525" cap="flat" cmpd="sng">
+                    <a:lnR cap="flat" cmpd="sng" w="9525">
                       <a:solidFill>
                         <a:srgbClr val="B7B7B7"/>
                       </a:solidFill>
                       <a:prstDash val="solid"/>
                       <a:round/>
-                      <a:headEnd type="none" w="sm" len="sm"/>
-                      <a:tailEnd type="none" w="sm" len="sm"/>
+                      <a:headEnd len="sm" w="sm" type="none"/>
+                      <a:tailEnd len="sm" w="sm" type="none"/>
                     </a:lnR>
-                    <a:lnT w="9525" cap="flat" cmpd="sng">
+                    <a:lnT cap="flat" cmpd="sng" w="9525">
                       <a:solidFill>
                         <a:srgbClr val="B7B7B7"/>
                       </a:solidFill>
                       <a:prstDash val="solid"/>
                       <a:round/>
-                      <a:headEnd type="none" w="sm" len="sm"/>
-                      <a:tailEnd type="none" w="sm" len="sm"/>
+                      <a:headEnd len="sm" w="sm" type="none"/>
+                      <a:tailEnd len="sm" w="sm" type="none"/>
                     </a:lnT>
-                    <a:lnB w="28575" cap="flat" cmpd="sng">
+                    <a:lnB cap="flat" cmpd="sng" w="28575">
                       <a:solidFill>
                         <a:srgbClr val="000000"/>
                       </a:solidFill>
                       <a:prstDash val="solid"/>
                       <a:round/>
-                      <a:headEnd type="none" w="sm" len="sm"/>
-                      <a:tailEnd type="none" w="sm" len="sm"/>
+                      <a:headEnd len="sm" w="sm" type="none"/>
+                      <a:tailEnd len="sm" w="sm" type="none"/>
                     </a:lnB>
                   </a:tcPr>
                 </a:tc>
@@ -10228,7 +10079,7 @@
                     <a:bodyPr/>
                     <a:lstStyle/>
                     <a:p>
-                      <a:pPr marL="0" lvl="0" indent="0" algn="l" rtl="0">
+                      <a:pPr indent="0" lvl="0" marL="0" rtl="0" algn="l">
                         <a:lnSpc>
                           <a:spcPct val="115000"/>
                         </a:lnSpc>
@@ -10254,50 +10105,45 @@
                       <a:endParaRPr/>
                     </a:p>
                   </a:txBody>
-                  <a:tcPr marL="91425" marR="91425" marT="91425" marB="91425">
-                    <a:lnL w="9525" cap="flat" cmpd="sng">
+                  <a:tcPr marT="91425" marB="91425" marR="91425" marL="91425">
+                    <a:lnL cap="flat" cmpd="sng" w="9525">
                       <a:solidFill>
                         <a:srgbClr val="B7B7B7"/>
                       </a:solidFill>
                       <a:prstDash val="solid"/>
                       <a:round/>
-                      <a:headEnd type="none" w="sm" len="sm"/>
-                      <a:tailEnd type="none" w="sm" len="sm"/>
+                      <a:headEnd len="sm" w="sm" type="none"/>
+                      <a:tailEnd len="sm" w="sm" type="none"/>
                     </a:lnL>
-                    <a:lnR w="38100" cap="flat" cmpd="sng">
+                    <a:lnR cap="flat" cmpd="sng" w="38100">
                       <a:solidFill>
                         <a:srgbClr val="000000"/>
                       </a:solidFill>
                       <a:prstDash val="solid"/>
                       <a:round/>
-                      <a:headEnd type="none" w="sm" len="sm"/>
-                      <a:tailEnd type="none" w="sm" len="sm"/>
+                      <a:headEnd len="sm" w="sm" type="none"/>
+                      <a:tailEnd len="sm" w="sm" type="none"/>
                     </a:lnR>
-                    <a:lnT w="9525" cap="flat" cmpd="sng">
+                    <a:lnT cap="flat" cmpd="sng" w="9525">
                       <a:solidFill>
                         <a:srgbClr val="B7B7B7"/>
                       </a:solidFill>
                       <a:prstDash val="solid"/>
                       <a:round/>
-                      <a:headEnd type="none" w="sm" len="sm"/>
-                      <a:tailEnd type="none" w="sm" len="sm"/>
+                      <a:headEnd len="sm" w="sm" type="none"/>
+                      <a:tailEnd len="sm" w="sm" type="none"/>
                     </a:lnT>
-                    <a:lnB w="28575" cap="flat" cmpd="sng">
+                    <a:lnB cap="flat" cmpd="sng" w="28575">
                       <a:solidFill>
                         <a:srgbClr val="000000"/>
                       </a:solidFill>
                       <a:prstDash val="solid"/>
                       <a:round/>
-                      <a:headEnd type="none" w="sm" len="sm"/>
-                      <a:tailEnd type="none" w="sm" len="sm"/>
+                      <a:headEnd len="sm" w="sm" type="none"/>
+                      <a:tailEnd len="sm" w="sm" type="none"/>
                     </a:lnB>
                   </a:tcPr>
                 </a:tc>
-                <a:extLst>
-                  <a:ext uri="{0D108BD9-81ED-4DB2-BD59-A6C34878D82A}">
-                    <a16:rowId xmlns:a16="http://schemas.microsoft.com/office/drawing/2014/main" val="10006"/>
-                  </a:ext>
-                </a:extLst>
               </a:tr>
               <a:tr h="275850">
                 <a:tc>
@@ -10305,7 +10151,7 @@
                     <a:bodyPr/>
                     <a:lstStyle/>
                     <a:p>
-                      <a:pPr marL="0" lvl="0" indent="0" algn="l" rtl="0">
+                      <a:pPr indent="0" lvl="0" marL="0" rtl="0" algn="l">
                         <a:spcBef>
                           <a:spcPts val="0"/>
                         </a:spcBef>
@@ -10321,42 +10167,42 @@
                       <a:endParaRPr sz="1050"/>
                     </a:p>
                   </a:txBody>
-                  <a:tcPr marL="91425" marR="91425" marT="91425" marB="91425">
-                    <a:lnL w="38100" cap="flat" cmpd="sng">
+                  <a:tcPr marT="91425" marB="91425" marR="91425" marL="91425">
+                    <a:lnL cap="flat" cmpd="sng" w="38100">
                       <a:solidFill>
                         <a:srgbClr val="000000"/>
                       </a:solidFill>
                       <a:prstDash val="solid"/>
                       <a:round/>
-                      <a:headEnd type="none" w="sm" len="sm"/>
-                      <a:tailEnd type="none" w="sm" len="sm"/>
+                      <a:headEnd len="sm" w="sm" type="none"/>
+                      <a:tailEnd len="sm" w="sm" type="none"/>
                     </a:lnL>
-                    <a:lnR w="9525" cap="flat" cmpd="sng">
+                    <a:lnR cap="flat" cmpd="sng" w="9525">
                       <a:solidFill>
                         <a:srgbClr val="000000"/>
                       </a:solidFill>
                       <a:prstDash val="solid"/>
                       <a:round/>
-                      <a:headEnd type="none" w="sm" len="sm"/>
-                      <a:tailEnd type="none" w="sm" len="sm"/>
+                      <a:headEnd len="sm" w="sm" type="none"/>
+                      <a:tailEnd len="sm" w="sm" type="none"/>
                     </a:lnR>
-                    <a:lnT w="28575" cap="flat" cmpd="sng">
+                    <a:lnT cap="flat" cmpd="sng" w="28575">
                       <a:solidFill>
                         <a:srgbClr val="000000"/>
                       </a:solidFill>
                       <a:prstDash val="solid"/>
                       <a:round/>
-                      <a:headEnd type="none" w="sm" len="sm"/>
-                      <a:tailEnd type="none" w="sm" len="sm"/>
+                      <a:headEnd len="sm" w="sm" type="none"/>
+                      <a:tailEnd len="sm" w="sm" type="none"/>
                     </a:lnT>
-                    <a:lnB w="28575" cap="flat" cmpd="sng">
+                    <a:lnB cap="flat" cmpd="sng" w="28575">
                       <a:solidFill>
                         <a:srgbClr val="000000"/>
                       </a:solidFill>
                       <a:prstDash val="solid"/>
                       <a:round/>
-                      <a:headEnd type="none" w="sm" len="sm"/>
-                      <a:tailEnd type="none" w="sm" len="sm"/>
+                      <a:headEnd len="sm" w="sm" type="none"/>
+                      <a:tailEnd len="sm" w="sm" type="none"/>
                     </a:lnB>
                     <a:solidFill>
                       <a:srgbClr val="9FC5E8"/>
@@ -10368,7 +10214,7 @@
                     <a:bodyPr/>
                     <a:lstStyle/>
                     <a:p>
-                      <a:pPr marL="0" lvl="0" indent="0" algn="l" rtl="0">
+                      <a:pPr indent="0" lvl="0" marL="0" rtl="0" algn="l">
                         <a:lnSpc>
                           <a:spcPct val="115000"/>
                         </a:lnSpc>
@@ -10380,6 +10226,9 @@
                         </a:spcAft>
                         <a:buNone/>
                       </a:pPr>
+                      <a:r>
+                        <a:t/>
+                      </a:r>
                       <a:endParaRPr sz="1050">
                         <a:solidFill>
                           <a:schemeClr val="dk1"/>
@@ -10390,42 +10239,42 @@
                       </a:endParaRPr>
                     </a:p>
                   </a:txBody>
-                  <a:tcPr marL="91425" marR="91425" marT="91425" marB="91425">
-                    <a:lnL w="9525" cap="flat" cmpd="sng">
+                  <a:tcPr marT="91425" marB="91425" marR="91425" marL="91425">
+                    <a:lnL cap="flat" cmpd="sng" w="9525">
                       <a:solidFill>
                         <a:srgbClr val="000000"/>
                       </a:solidFill>
                       <a:prstDash val="solid"/>
                       <a:round/>
-                      <a:headEnd type="none" w="sm" len="sm"/>
-                      <a:tailEnd type="none" w="sm" len="sm"/>
+                      <a:headEnd len="sm" w="sm" type="none"/>
+                      <a:tailEnd len="sm" w="sm" type="none"/>
                     </a:lnL>
-                    <a:lnR w="9525" cap="flat" cmpd="sng">
+                    <a:lnR cap="flat" cmpd="sng" w="9525">
                       <a:solidFill>
                         <a:srgbClr val="000000"/>
                       </a:solidFill>
                       <a:prstDash val="solid"/>
                       <a:round/>
-                      <a:headEnd type="none" w="sm" len="sm"/>
-                      <a:tailEnd type="none" w="sm" len="sm"/>
+                      <a:headEnd len="sm" w="sm" type="none"/>
+                      <a:tailEnd len="sm" w="sm" type="none"/>
                     </a:lnR>
-                    <a:lnT w="28575" cap="flat" cmpd="sng">
+                    <a:lnT cap="flat" cmpd="sng" w="28575">
                       <a:solidFill>
                         <a:srgbClr val="000000"/>
                       </a:solidFill>
                       <a:prstDash val="solid"/>
                       <a:round/>
-                      <a:headEnd type="none" w="sm" len="sm"/>
-                      <a:tailEnd type="none" w="sm" len="sm"/>
+                      <a:headEnd len="sm" w="sm" type="none"/>
+                      <a:tailEnd len="sm" w="sm" type="none"/>
                     </a:lnT>
-                    <a:lnB w="28575" cap="flat" cmpd="sng">
+                    <a:lnB cap="flat" cmpd="sng" w="28575">
                       <a:solidFill>
                         <a:srgbClr val="000000"/>
                       </a:solidFill>
                       <a:prstDash val="solid"/>
                       <a:round/>
-                      <a:headEnd type="none" w="sm" len="sm"/>
-                      <a:tailEnd type="none" w="sm" len="sm"/>
+                      <a:headEnd len="sm" w="sm" type="none"/>
+                      <a:tailEnd len="sm" w="sm" type="none"/>
                     </a:lnB>
                     <a:solidFill>
                       <a:srgbClr val="9FC5E8"/>
@@ -10437,7 +10286,7 @@
                     <a:bodyPr/>
                     <a:lstStyle/>
                     <a:p>
-                      <a:pPr marL="0" lvl="0" indent="0" algn="l" rtl="0">
+                      <a:pPr indent="0" lvl="0" marL="0" rtl="0" algn="l">
                         <a:lnSpc>
                           <a:spcPct val="115000"/>
                         </a:lnSpc>
@@ -10449,6 +10298,9 @@
                         </a:spcAft>
                         <a:buNone/>
                       </a:pPr>
+                      <a:r>
+                        <a:t/>
+                      </a:r>
                       <a:endParaRPr sz="1050">
                         <a:solidFill>
                           <a:schemeClr val="dk1"/>
@@ -10459,53 +10311,48 @@
                       </a:endParaRPr>
                     </a:p>
                   </a:txBody>
-                  <a:tcPr marL="91425" marR="91425" marT="91425" marB="91425">
-                    <a:lnL w="9525" cap="flat" cmpd="sng">
+                  <a:tcPr marT="91425" marB="91425" marR="91425" marL="91425">
+                    <a:lnL cap="flat" cmpd="sng" w="9525">
                       <a:solidFill>
                         <a:srgbClr val="000000"/>
                       </a:solidFill>
                       <a:prstDash val="solid"/>
                       <a:round/>
-                      <a:headEnd type="none" w="sm" len="sm"/>
-                      <a:tailEnd type="none" w="sm" len="sm"/>
+                      <a:headEnd len="sm" w="sm" type="none"/>
+                      <a:tailEnd len="sm" w="sm" type="none"/>
                     </a:lnL>
-                    <a:lnR w="38100" cap="flat" cmpd="sng">
+                    <a:lnR cap="flat" cmpd="sng" w="38100">
                       <a:solidFill>
                         <a:srgbClr val="000000"/>
                       </a:solidFill>
                       <a:prstDash val="solid"/>
                       <a:round/>
-                      <a:headEnd type="none" w="sm" len="sm"/>
-                      <a:tailEnd type="none" w="sm" len="sm"/>
+                      <a:headEnd len="sm" w="sm" type="none"/>
+                      <a:tailEnd len="sm" w="sm" type="none"/>
                     </a:lnR>
-                    <a:lnT w="28575" cap="flat" cmpd="sng">
+                    <a:lnT cap="flat" cmpd="sng" w="28575">
                       <a:solidFill>
                         <a:srgbClr val="000000"/>
                       </a:solidFill>
                       <a:prstDash val="solid"/>
                       <a:round/>
-                      <a:headEnd type="none" w="sm" len="sm"/>
-                      <a:tailEnd type="none" w="sm" len="sm"/>
+                      <a:headEnd len="sm" w="sm" type="none"/>
+                      <a:tailEnd len="sm" w="sm" type="none"/>
                     </a:lnT>
-                    <a:lnB w="28575" cap="flat" cmpd="sng">
+                    <a:lnB cap="flat" cmpd="sng" w="28575">
                       <a:solidFill>
                         <a:srgbClr val="000000"/>
                       </a:solidFill>
                       <a:prstDash val="solid"/>
                       <a:round/>
-                      <a:headEnd type="none" w="sm" len="sm"/>
-                      <a:tailEnd type="none" w="sm" len="sm"/>
+                      <a:headEnd len="sm" w="sm" type="none"/>
+                      <a:tailEnd len="sm" w="sm" type="none"/>
                     </a:lnB>
                     <a:solidFill>
                       <a:srgbClr val="9FC5E8"/>
                     </a:solidFill>
                   </a:tcPr>
                 </a:tc>
-                <a:extLst>
-                  <a:ext uri="{0D108BD9-81ED-4DB2-BD59-A6C34878D82A}">
-                    <a16:rowId xmlns:a16="http://schemas.microsoft.com/office/drawing/2014/main" val="10007"/>
-                  </a:ext>
-                </a:extLst>
               </a:tr>
               <a:tr h="275850">
                 <a:tc>
@@ -10513,7 +10360,7 @@
                     <a:bodyPr/>
                     <a:lstStyle/>
                     <a:p>
-                      <a:pPr marL="0" lvl="0" indent="0" algn="l" rtl="0">
+                      <a:pPr indent="0" lvl="0" marL="0" rtl="0" algn="l">
                         <a:spcBef>
                           <a:spcPts val="0"/>
                         </a:spcBef>
@@ -10523,48 +10370,48 @@
                         <a:buNone/>
                       </a:pPr>
                       <a:r>
-                        <a:rPr lang="en" sz="1050" b="1"/>
+                        <a:rPr b="1" lang="en" sz="1050"/>
                         <a:t>Excluding Public</a:t>
                       </a:r>
-                      <a:endParaRPr sz="1050" b="1"/>
+                      <a:endParaRPr b="1" sz="1050"/>
                     </a:p>
                   </a:txBody>
-                  <a:tcPr marL="91425" marR="91425" marT="91425" marB="91425">
-                    <a:lnL w="38100" cap="flat" cmpd="sng">
+                  <a:tcPr marT="91425" marB="91425" marR="91425" marL="91425">
+                    <a:lnL cap="flat" cmpd="sng" w="38100">
                       <a:solidFill>
                         <a:srgbClr val="000000"/>
                       </a:solidFill>
                       <a:prstDash val="solid"/>
                       <a:round/>
-                      <a:headEnd type="none" w="sm" len="sm"/>
-                      <a:tailEnd type="none" w="sm" len="sm"/>
+                      <a:headEnd len="sm" w="sm" type="none"/>
+                      <a:tailEnd len="sm" w="sm" type="none"/>
                     </a:lnL>
-                    <a:lnR w="9525" cap="flat" cmpd="sng">
+                    <a:lnR cap="flat" cmpd="sng" w="9525">
                       <a:solidFill>
                         <a:srgbClr val="B7B7B7"/>
                       </a:solidFill>
                       <a:prstDash val="solid"/>
                       <a:round/>
-                      <a:headEnd type="none" w="sm" len="sm"/>
-                      <a:tailEnd type="none" w="sm" len="sm"/>
+                      <a:headEnd len="sm" w="sm" type="none"/>
+                      <a:tailEnd len="sm" w="sm" type="none"/>
                     </a:lnR>
-                    <a:lnT w="28575" cap="flat" cmpd="sng">
+                    <a:lnT cap="flat" cmpd="sng" w="28575">
                       <a:solidFill>
                         <a:srgbClr val="000000"/>
                       </a:solidFill>
                       <a:prstDash val="solid"/>
                       <a:round/>
-                      <a:headEnd type="none" w="sm" len="sm"/>
-                      <a:tailEnd type="none" w="sm" len="sm"/>
+                      <a:headEnd len="sm" w="sm" type="none"/>
+                      <a:tailEnd len="sm" w="sm" type="none"/>
                     </a:lnT>
-                    <a:lnB w="9525" cap="flat" cmpd="sng">
+                    <a:lnB cap="flat" cmpd="sng" w="9525">
                       <a:solidFill>
                         <a:srgbClr val="B7B7B7"/>
                       </a:solidFill>
                       <a:prstDash val="solid"/>
                       <a:round/>
-                      <a:headEnd type="none" w="sm" len="sm"/>
-                      <a:tailEnd type="none" w="sm" len="sm"/>
+                      <a:headEnd len="sm" w="sm" type="none"/>
+                      <a:tailEnd len="sm" w="sm" type="none"/>
                     </a:lnB>
                     <a:solidFill>
                       <a:srgbClr val="CFE2F3"/>
@@ -10576,7 +10423,7 @@
                     <a:bodyPr/>
                     <a:lstStyle/>
                     <a:p>
-                      <a:pPr marL="0" lvl="0" indent="0" algn="l" rtl="0">
+                      <a:pPr indent="0" lvl="0" marL="0" rtl="0" algn="l">
                         <a:lnSpc>
                           <a:spcPct val="115000"/>
                         </a:lnSpc>
@@ -10609,42 +10456,42 @@
                       </a:endParaRPr>
                     </a:p>
                   </a:txBody>
-                  <a:tcPr marL="91425" marR="91425" marT="91425" marB="91425">
-                    <a:lnL w="9525" cap="flat" cmpd="sng">
+                  <a:tcPr marT="91425" marB="91425" marR="91425" marL="91425">
+                    <a:lnL cap="flat" cmpd="sng" w="9525">
                       <a:solidFill>
                         <a:srgbClr val="B7B7B7"/>
                       </a:solidFill>
                       <a:prstDash val="solid"/>
                       <a:round/>
-                      <a:headEnd type="none" w="sm" len="sm"/>
-                      <a:tailEnd type="none" w="sm" len="sm"/>
+                      <a:headEnd len="sm" w="sm" type="none"/>
+                      <a:tailEnd len="sm" w="sm" type="none"/>
                     </a:lnL>
-                    <a:lnR w="9525" cap="flat" cmpd="sng">
+                    <a:lnR cap="flat" cmpd="sng" w="9525">
                       <a:solidFill>
                         <a:srgbClr val="B7B7B7"/>
                       </a:solidFill>
                       <a:prstDash val="solid"/>
                       <a:round/>
-                      <a:headEnd type="none" w="sm" len="sm"/>
-                      <a:tailEnd type="none" w="sm" len="sm"/>
+                      <a:headEnd len="sm" w="sm" type="none"/>
+                      <a:tailEnd len="sm" w="sm" type="none"/>
                     </a:lnR>
-                    <a:lnT w="28575" cap="flat" cmpd="sng">
+                    <a:lnT cap="flat" cmpd="sng" w="28575">
                       <a:solidFill>
                         <a:srgbClr val="000000"/>
                       </a:solidFill>
                       <a:prstDash val="solid"/>
                       <a:round/>
-                      <a:headEnd type="none" w="sm" len="sm"/>
-                      <a:tailEnd type="none" w="sm" len="sm"/>
+                      <a:headEnd len="sm" w="sm" type="none"/>
+                      <a:tailEnd len="sm" w="sm" type="none"/>
                     </a:lnT>
-                    <a:lnB w="9525" cap="flat" cmpd="sng">
+                    <a:lnB cap="flat" cmpd="sng" w="9525">
                       <a:solidFill>
                         <a:srgbClr val="B7B7B7"/>
                       </a:solidFill>
                       <a:prstDash val="solid"/>
                       <a:round/>
-                      <a:headEnd type="none" w="sm" len="sm"/>
-                      <a:tailEnd type="none" w="sm" len="sm"/>
+                      <a:headEnd len="sm" w="sm" type="none"/>
+                      <a:tailEnd len="sm" w="sm" type="none"/>
                     </a:lnB>
                     <a:solidFill>
                       <a:srgbClr val="FFFF00"/>
@@ -10656,7 +10503,7 @@
                     <a:bodyPr/>
                     <a:lstStyle/>
                     <a:p>
-                      <a:pPr marL="0" lvl="0" indent="0" algn="l" rtl="0">
+                      <a:pPr indent="0" lvl="0" marL="0" rtl="0" algn="l">
                         <a:lnSpc>
                           <a:spcPct val="115000"/>
                         </a:lnSpc>
@@ -10689,53 +10536,48 @@
                       </a:endParaRPr>
                     </a:p>
                   </a:txBody>
-                  <a:tcPr marL="91425" marR="91425" marT="91425" marB="91425">
-                    <a:lnL w="9525" cap="flat" cmpd="sng">
+                  <a:tcPr marT="91425" marB="91425" marR="91425" marL="91425">
+                    <a:lnL cap="flat" cmpd="sng" w="9525">
                       <a:solidFill>
                         <a:srgbClr val="B7B7B7"/>
                       </a:solidFill>
                       <a:prstDash val="solid"/>
                       <a:round/>
-                      <a:headEnd type="none" w="sm" len="sm"/>
-                      <a:tailEnd type="none" w="sm" len="sm"/>
+                      <a:headEnd len="sm" w="sm" type="none"/>
+                      <a:tailEnd len="sm" w="sm" type="none"/>
                     </a:lnL>
-                    <a:lnR w="38100" cap="flat" cmpd="sng">
+                    <a:lnR cap="flat" cmpd="sng" w="38100">
                       <a:solidFill>
                         <a:srgbClr val="000000"/>
                       </a:solidFill>
                       <a:prstDash val="solid"/>
                       <a:round/>
-                      <a:headEnd type="none" w="sm" len="sm"/>
-                      <a:tailEnd type="none" w="sm" len="sm"/>
+                      <a:headEnd len="sm" w="sm" type="none"/>
+                      <a:tailEnd len="sm" w="sm" type="none"/>
                     </a:lnR>
-                    <a:lnT w="28575" cap="flat" cmpd="sng">
+                    <a:lnT cap="flat" cmpd="sng" w="28575">
                       <a:solidFill>
                         <a:srgbClr val="000000"/>
                       </a:solidFill>
                       <a:prstDash val="solid"/>
                       <a:round/>
-                      <a:headEnd type="none" w="sm" len="sm"/>
-                      <a:tailEnd type="none" w="sm" len="sm"/>
+                      <a:headEnd len="sm" w="sm" type="none"/>
+                      <a:tailEnd len="sm" w="sm" type="none"/>
                     </a:lnT>
-                    <a:lnB w="9525" cap="flat" cmpd="sng">
+                    <a:lnB cap="flat" cmpd="sng" w="9525">
                       <a:solidFill>
                         <a:srgbClr val="B7B7B7"/>
                       </a:solidFill>
                       <a:prstDash val="solid"/>
                       <a:round/>
-                      <a:headEnd type="none" w="sm" len="sm"/>
-                      <a:tailEnd type="none" w="sm" len="sm"/>
+                      <a:headEnd len="sm" w="sm" type="none"/>
+                      <a:tailEnd len="sm" w="sm" type="none"/>
                     </a:lnB>
                     <a:solidFill>
                       <a:srgbClr val="FFFF00"/>
                     </a:solidFill>
                   </a:tcPr>
                 </a:tc>
-                <a:extLst>
-                  <a:ext uri="{0D108BD9-81ED-4DB2-BD59-A6C34878D82A}">
-                    <a16:rowId xmlns:a16="http://schemas.microsoft.com/office/drawing/2014/main" val="10008"/>
-                  </a:ext>
-                </a:extLst>
               </a:tr>
               <a:tr h="275850">
                 <a:tc>
@@ -10743,7 +10585,7 @@
                     <a:bodyPr/>
                     <a:lstStyle/>
                     <a:p>
-                      <a:pPr marL="0" lvl="0" indent="0" algn="l" rtl="0">
+                      <a:pPr indent="0" lvl="0" marL="0" rtl="0" algn="l">
                         <a:spcBef>
                           <a:spcPts val="0"/>
                         </a:spcBef>
@@ -10753,48 +10595,48 @@
                         <a:buNone/>
                       </a:pPr>
                       <a:r>
-                        <a:rPr lang="en" sz="1050" b="1"/>
+                        <a:rPr b="1" lang="en" sz="1050"/>
                         <a:t>Excluding Private</a:t>
                       </a:r>
-                      <a:endParaRPr sz="1050" b="1"/>
+                      <a:endParaRPr b="1" sz="1050"/>
                     </a:p>
                   </a:txBody>
-                  <a:tcPr marL="91425" marR="91425" marT="91425" marB="91425">
-                    <a:lnL w="38100" cap="flat" cmpd="sng">
+                  <a:tcPr marT="91425" marB="91425" marR="91425" marL="91425">
+                    <a:lnL cap="flat" cmpd="sng" w="38100">
                       <a:solidFill>
                         <a:srgbClr val="000000"/>
                       </a:solidFill>
                       <a:prstDash val="solid"/>
                       <a:round/>
-                      <a:headEnd type="none" w="sm" len="sm"/>
-                      <a:tailEnd type="none" w="sm" len="sm"/>
+                      <a:headEnd len="sm" w="sm" type="none"/>
+                      <a:tailEnd len="sm" w="sm" type="none"/>
                     </a:lnL>
-                    <a:lnR w="9525" cap="flat" cmpd="sng">
+                    <a:lnR cap="flat" cmpd="sng" w="9525">
                       <a:solidFill>
                         <a:srgbClr val="B7B7B7"/>
                       </a:solidFill>
                       <a:prstDash val="solid"/>
                       <a:round/>
-                      <a:headEnd type="none" w="sm" len="sm"/>
-                      <a:tailEnd type="none" w="sm" len="sm"/>
+                      <a:headEnd len="sm" w="sm" type="none"/>
+                      <a:tailEnd len="sm" w="sm" type="none"/>
                     </a:lnR>
-                    <a:lnT w="9525" cap="flat" cmpd="sng">
+                    <a:lnT cap="flat" cmpd="sng" w="9525">
                       <a:solidFill>
                         <a:srgbClr val="B7B7B7"/>
                       </a:solidFill>
                       <a:prstDash val="solid"/>
                       <a:round/>
-                      <a:headEnd type="none" w="sm" len="sm"/>
-                      <a:tailEnd type="none" w="sm" len="sm"/>
+                      <a:headEnd len="sm" w="sm" type="none"/>
+                      <a:tailEnd len="sm" w="sm" type="none"/>
                     </a:lnT>
-                    <a:lnB w="9525" cap="flat" cmpd="sng">
+                    <a:lnB cap="flat" cmpd="sng" w="9525">
                       <a:solidFill>
                         <a:srgbClr val="B7B7B7"/>
                       </a:solidFill>
                       <a:prstDash val="solid"/>
                       <a:round/>
-                      <a:headEnd type="none" w="sm" len="sm"/>
-                      <a:tailEnd type="none" w="sm" len="sm"/>
+                      <a:headEnd len="sm" w="sm" type="none"/>
+                      <a:tailEnd len="sm" w="sm" type="none"/>
                     </a:lnB>
                     <a:solidFill>
                       <a:srgbClr val="CFE2F3"/>
@@ -10806,7 +10648,7 @@
                     <a:bodyPr/>
                     <a:lstStyle/>
                     <a:p>
-                      <a:pPr marL="0" lvl="0" indent="0" algn="l" rtl="0">
+                      <a:pPr indent="0" lvl="0" marL="0" rtl="0" algn="l">
                         <a:lnSpc>
                           <a:spcPct val="115000"/>
                         </a:lnSpc>
@@ -10839,42 +10681,42 @@
                       </a:endParaRPr>
                     </a:p>
                   </a:txBody>
-                  <a:tcPr marL="91425" marR="91425" marT="91425" marB="91425">
-                    <a:lnL w="9525" cap="flat" cmpd="sng">
+                  <a:tcPr marT="91425" marB="91425" marR="91425" marL="91425">
+                    <a:lnL cap="flat" cmpd="sng" w="9525">
                       <a:solidFill>
                         <a:srgbClr val="B7B7B7"/>
                       </a:solidFill>
                       <a:prstDash val="solid"/>
                       <a:round/>
-                      <a:headEnd type="none" w="sm" len="sm"/>
-                      <a:tailEnd type="none" w="sm" len="sm"/>
+                      <a:headEnd len="sm" w="sm" type="none"/>
+                      <a:tailEnd len="sm" w="sm" type="none"/>
                     </a:lnL>
-                    <a:lnR w="9525" cap="flat" cmpd="sng">
+                    <a:lnR cap="flat" cmpd="sng" w="9525">
                       <a:solidFill>
                         <a:srgbClr val="B7B7B7"/>
                       </a:solidFill>
                       <a:prstDash val="solid"/>
                       <a:round/>
-                      <a:headEnd type="none" w="sm" len="sm"/>
-                      <a:tailEnd type="none" w="sm" len="sm"/>
+                      <a:headEnd len="sm" w="sm" type="none"/>
+                      <a:tailEnd len="sm" w="sm" type="none"/>
                     </a:lnR>
-                    <a:lnT w="9525" cap="flat" cmpd="sng">
+                    <a:lnT cap="flat" cmpd="sng" w="9525">
                       <a:solidFill>
                         <a:srgbClr val="B7B7B7"/>
                       </a:solidFill>
                       <a:prstDash val="solid"/>
                       <a:round/>
-                      <a:headEnd type="none" w="sm" len="sm"/>
-                      <a:tailEnd type="none" w="sm" len="sm"/>
+                      <a:headEnd len="sm" w="sm" type="none"/>
+                      <a:tailEnd len="sm" w="sm" type="none"/>
                     </a:lnT>
-                    <a:lnB w="9525" cap="flat" cmpd="sng">
+                    <a:lnB cap="flat" cmpd="sng" w="9525">
                       <a:solidFill>
                         <a:srgbClr val="B7B7B7"/>
                       </a:solidFill>
                       <a:prstDash val="solid"/>
                       <a:round/>
-                      <a:headEnd type="none" w="sm" len="sm"/>
-                      <a:tailEnd type="none" w="sm" len="sm"/>
+                      <a:headEnd len="sm" w="sm" type="none"/>
+                      <a:tailEnd len="sm" w="sm" type="none"/>
                     </a:lnB>
                   </a:tcPr>
                 </a:tc>
@@ -10883,7 +10725,7 @@
                     <a:bodyPr/>
                     <a:lstStyle/>
                     <a:p>
-                      <a:pPr marL="0" lvl="0" indent="0" algn="l" rtl="0">
+                      <a:pPr indent="0" lvl="0" marL="0" rtl="0" algn="l">
                         <a:lnSpc>
                           <a:spcPct val="115000"/>
                         </a:lnSpc>
@@ -10916,50 +10758,45 @@
                       </a:endParaRPr>
                     </a:p>
                   </a:txBody>
-                  <a:tcPr marL="91425" marR="91425" marT="91425" marB="91425">
-                    <a:lnL w="9525" cap="flat" cmpd="sng">
+                  <a:tcPr marT="91425" marB="91425" marR="91425" marL="91425">
+                    <a:lnL cap="flat" cmpd="sng" w="9525">
                       <a:solidFill>
                         <a:srgbClr val="B7B7B7"/>
                       </a:solidFill>
                       <a:prstDash val="solid"/>
                       <a:round/>
-                      <a:headEnd type="none" w="sm" len="sm"/>
-                      <a:tailEnd type="none" w="sm" len="sm"/>
+                      <a:headEnd len="sm" w="sm" type="none"/>
+                      <a:tailEnd len="sm" w="sm" type="none"/>
                     </a:lnL>
-                    <a:lnR w="38100" cap="flat" cmpd="sng">
+                    <a:lnR cap="flat" cmpd="sng" w="38100">
                       <a:solidFill>
                         <a:srgbClr val="000000"/>
                       </a:solidFill>
                       <a:prstDash val="solid"/>
                       <a:round/>
-                      <a:headEnd type="none" w="sm" len="sm"/>
-                      <a:tailEnd type="none" w="sm" len="sm"/>
+                      <a:headEnd len="sm" w="sm" type="none"/>
+                      <a:tailEnd len="sm" w="sm" type="none"/>
                     </a:lnR>
-                    <a:lnT w="9525" cap="flat" cmpd="sng">
+                    <a:lnT cap="flat" cmpd="sng" w="9525">
                       <a:solidFill>
                         <a:srgbClr val="B7B7B7"/>
                       </a:solidFill>
                       <a:prstDash val="solid"/>
                       <a:round/>
-                      <a:headEnd type="none" w="sm" len="sm"/>
-                      <a:tailEnd type="none" w="sm" len="sm"/>
+                      <a:headEnd len="sm" w="sm" type="none"/>
+                      <a:tailEnd len="sm" w="sm" type="none"/>
                     </a:lnT>
-                    <a:lnB w="9525" cap="flat" cmpd="sng">
+                    <a:lnB cap="flat" cmpd="sng" w="9525">
                       <a:solidFill>
                         <a:srgbClr val="B7B7B7"/>
                       </a:solidFill>
                       <a:prstDash val="solid"/>
                       <a:round/>
-                      <a:headEnd type="none" w="sm" len="sm"/>
-                      <a:tailEnd type="none" w="sm" len="sm"/>
+                      <a:headEnd len="sm" w="sm" type="none"/>
+                      <a:tailEnd len="sm" w="sm" type="none"/>
                     </a:lnB>
                   </a:tcPr>
                 </a:tc>
-                <a:extLst>
-                  <a:ext uri="{0D108BD9-81ED-4DB2-BD59-A6C34878D82A}">
-                    <a16:rowId xmlns:a16="http://schemas.microsoft.com/office/drawing/2014/main" val="10009"/>
-                  </a:ext>
-                </a:extLst>
               </a:tr>
               <a:tr h="275850">
                 <a:tc>
@@ -10967,7 +10804,7 @@
                     <a:bodyPr/>
                     <a:lstStyle/>
                     <a:p>
-                      <a:pPr marL="0" lvl="0" indent="0" algn="l" rtl="0">
+                      <a:pPr indent="0" lvl="0" marL="0" rtl="0" algn="l">
                         <a:spcBef>
                           <a:spcPts val="0"/>
                         </a:spcBef>
@@ -10977,48 +10814,48 @@
                         <a:buNone/>
                       </a:pPr>
                       <a:r>
-                        <a:rPr lang="en" sz="1050" b="1"/>
+                        <a:rPr b="1" lang="en" sz="1050"/>
                         <a:t>Excluding Kindergarten</a:t>
                       </a:r>
-                      <a:endParaRPr sz="1050" b="1"/>
+                      <a:endParaRPr b="1" sz="1050"/>
                     </a:p>
                   </a:txBody>
-                  <a:tcPr marL="91425" marR="91425" marT="91425" marB="91425">
-                    <a:lnL w="38100" cap="flat" cmpd="sng">
+                  <a:tcPr marT="91425" marB="91425" marR="91425" marL="91425">
+                    <a:lnL cap="flat" cmpd="sng" w="38100">
                       <a:solidFill>
                         <a:srgbClr val="000000"/>
                       </a:solidFill>
                       <a:prstDash val="solid"/>
                       <a:round/>
-                      <a:headEnd type="none" w="sm" len="sm"/>
-                      <a:tailEnd type="none" w="sm" len="sm"/>
+                      <a:headEnd len="sm" w="sm" type="none"/>
+                      <a:tailEnd len="sm" w="sm" type="none"/>
                     </a:lnL>
-                    <a:lnR w="9525" cap="flat" cmpd="sng">
+                    <a:lnR cap="flat" cmpd="sng" w="9525">
                       <a:solidFill>
                         <a:srgbClr val="B7B7B7"/>
                       </a:solidFill>
                       <a:prstDash val="solid"/>
                       <a:round/>
-                      <a:headEnd type="none" w="sm" len="sm"/>
-                      <a:tailEnd type="none" w="sm" len="sm"/>
+                      <a:headEnd len="sm" w="sm" type="none"/>
+                      <a:tailEnd len="sm" w="sm" type="none"/>
                     </a:lnR>
-                    <a:lnT w="9525" cap="flat" cmpd="sng">
+                    <a:lnT cap="flat" cmpd="sng" w="9525">
                       <a:solidFill>
                         <a:srgbClr val="B7B7B7"/>
                       </a:solidFill>
                       <a:prstDash val="solid"/>
                       <a:round/>
-                      <a:headEnd type="none" w="sm" len="sm"/>
-                      <a:tailEnd type="none" w="sm" len="sm"/>
+                      <a:headEnd len="sm" w="sm" type="none"/>
+                      <a:tailEnd len="sm" w="sm" type="none"/>
                     </a:lnT>
-                    <a:lnB w="9525" cap="flat" cmpd="sng">
+                    <a:lnB cap="flat" cmpd="sng" w="9525">
                       <a:solidFill>
                         <a:srgbClr val="B7B7B7"/>
                       </a:solidFill>
                       <a:prstDash val="solid"/>
                       <a:round/>
-                      <a:headEnd type="none" w="sm" len="sm"/>
-                      <a:tailEnd type="none" w="sm" len="sm"/>
+                      <a:headEnd len="sm" w="sm" type="none"/>
+                      <a:tailEnd len="sm" w="sm" type="none"/>
                     </a:lnB>
                     <a:solidFill>
                       <a:srgbClr val="CFE2F3"/>
@@ -11030,7 +10867,7 @@
                     <a:bodyPr/>
                     <a:lstStyle/>
                     <a:p>
-                      <a:pPr marL="0" lvl="0" indent="0" algn="l" rtl="0">
+                      <a:pPr indent="0" lvl="0" marL="0" rtl="0" algn="l">
                         <a:lnSpc>
                           <a:spcPct val="115000"/>
                         </a:lnSpc>
@@ -11063,42 +10900,42 @@
                       </a:endParaRPr>
                     </a:p>
                   </a:txBody>
-                  <a:tcPr marL="91425" marR="91425" marT="91425" marB="91425">
-                    <a:lnL w="9525" cap="flat" cmpd="sng">
+                  <a:tcPr marT="91425" marB="91425" marR="91425" marL="91425">
+                    <a:lnL cap="flat" cmpd="sng" w="9525">
                       <a:solidFill>
                         <a:srgbClr val="B7B7B7"/>
                       </a:solidFill>
                       <a:prstDash val="solid"/>
                       <a:round/>
-                      <a:headEnd type="none" w="sm" len="sm"/>
-                      <a:tailEnd type="none" w="sm" len="sm"/>
+                      <a:headEnd len="sm" w="sm" type="none"/>
+                      <a:tailEnd len="sm" w="sm" type="none"/>
                     </a:lnL>
-                    <a:lnR w="9525" cap="flat" cmpd="sng">
+                    <a:lnR cap="flat" cmpd="sng" w="9525">
                       <a:solidFill>
                         <a:srgbClr val="B7B7B7"/>
                       </a:solidFill>
                       <a:prstDash val="solid"/>
                       <a:round/>
-                      <a:headEnd type="none" w="sm" len="sm"/>
-                      <a:tailEnd type="none" w="sm" len="sm"/>
+                      <a:headEnd len="sm" w="sm" type="none"/>
+                      <a:tailEnd len="sm" w="sm" type="none"/>
                     </a:lnR>
-                    <a:lnT w="9525" cap="flat" cmpd="sng">
+                    <a:lnT cap="flat" cmpd="sng" w="9525">
                       <a:solidFill>
                         <a:srgbClr val="B7B7B7"/>
                       </a:solidFill>
                       <a:prstDash val="solid"/>
                       <a:round/>
-                      <a:headEnd type="none" w="sm" len="sm"/>
-                      <a:tailEnd type="none" w="sm" len="sm"/>
+                      <a:headEnd len="sm" w="sm" type="none"/>
+                      <a:tailEnd len="sm" w="sm" type="none"/>
                     </a:lnT>
-                    <a:lnB w="9525" cap="flat" cmpd="sng">
+                    <a:lnB cap="flat" cmpd="sng" w="9525">
                       <a:solidFill>
                         <a:srgbClr val="B7B7B7"/>
                       </a:solidFill>
                       <a:prstDash val="solid"/>
                       <a:round/>
-                      <a:headEnd type="none" w="sm" len="sm"/>
-                      <a:tailEnd type="none" w="sm" len="sm"/>
+                      <a:headEnd len="sm" w="sm" type="none"/>
+                      <a:tailEnd len="sm" w="sm" type="none"/>
                     </a:lnB>
                   </a:tcPr>
                 </a:tc>
@@ -11107,7 +10944,7 @@
                     <a:bodyPr/>
                     <a:lstStyle/>
                     <a:p>
-                      <a:pPr marL="0" lvl="0" indent="0" algn="l" rtl="0">
+                      <a:pPr indent="0" lvl="0" marL="0" rtl="0" algn="l">
                         <a:lnSpc>
                           <a:spcPct val="115000"/>
                         </a:lnSpc>
@@ -11140,50 +10977,45 @@
                       </a:endParaRPr>
                     </a:p>
                   </a:txBody>
-                  <a:tcPr marL="91425" marR="91425" marT="91425" marB="91425">
-                    <a:lnL w="9525" cap="flat" cmpd="sng">
+                  <a:tcPr marT="91425" marB="91425" marR="91425" marL="91425">
+                    <a:lnL cap="flat" cmpd="sng" w="9525">
                       <a:solidFill>
                         <a:srgbClr val="B7B7B7"/>
                       </a:solidFill>
                       <a:prstDash val="solid"/>
                       <a:round/>
-                      <a:headEnd type="none" w="sm" len="sm"/>
-                      <a:tailEnd type="none" w="sm" len="sm"/>
+                      <a:headEnd len="sm" w="sm" type="none"/>
+                      <a:tailEnd len="sm" w="sm" type="none"/>
                     </a:lnL>
-                    <a:lnR w="38100" cap="flat" cmpd="sng">
+                    <a:lnR cap="flat" cmpd="sng" w="38100">
                       <a:solidFill>
                         <a:srgbClr val="000000"/>
                       </a:solidFill>
                       <a:prstDash val="solid"/>
                       <a:round/>
-                      <a:headEnd type="none" w="sm" len="sm"/>
-                      <a:tailEnd type="none" w="sm" len="sm"/>
+                      <a:headEnd len="sm" w="sm" type="none"/>
+                      <a:tailEnd len="sm" w="sm" type="none"/>
                     </a:lnR>
-                    <a:lnT w="9525" cap="flat" cmpd="sng">
+                    <a:lnT cap="flat" cmpd="sng" w="9525">
                       <a:solidFill>
                         <a:srgbClr val="B7B7B7"/>
                       </a:solidFill>
                       <a:prstDash val="solid"/>
                       <a:round/>
-                      <a:headEnd type="none" w="sm" len="sm"/>
-                      <a:tailEnd type="none" w="sm" len="sm"/>
+                      <a:headEnd len="sm" w="sm" type="none"/>
+                      <a:tailEnd len="sm" w="sm" type="none"/>
                     </a:lnT>
-                    <a:lnB w="9525" cap="flat" cmpd="sng">
+                    <a:lnB cap="flat" cmpd="sng" w="9525">
                       <a:solidFill>
                         <a:srgbClr val="B7B7B7"/>
                       </a:solidFill>
                       <a:prstDash val="solid"/>
                       <a:round/>
-                      <a:headEnd type="none" w="sm" len="sm"/>
-                      <a:tailEnd type="none" w="sm" len="sm"/>
+                      <a:headEnd len="sm" w="sm" type="none"/>
+                      <a:tailEnd len="sm" w="sm" type="none"/>
                     </a:lnB>
                   </a:tcPr>
                 </a:tc>
-                <a:extLst>
-                  <a:ext uri="{0D108BD9-81ED-4DB2-BD59-A6C34878D82A}">
-                    <a16:rowId xmlns:a16="http://schemas.microsoft.com/office/drawing/2014/main" val="10010"/>
-                  </a:ext>
-                </a:extLst>
               </a:tr>
               <a:tr h="275850">
                 <a:tc>
@@ -11191,7 +11023,7 @@
                     <a:bodyPr/>
                     <a:lstStyle/>
                     <a:p>
-                      <a:pPr marL="0" lvl="0" indent="0" algn="l" rtl="0">
+                      <a:pPr indent="0" lvl="0" marL="0" rtl="0" algn="l">
                         <a:spcBef>
                           <a:spcPts val="0"/>
                         </a:spcBef>
@@ -11201,48 +11033,48 @@
                         <a:buNone/>
                       </a:pPr>
                       <a:r>
-                        <a:rPr lang="en" sz="1050" b="1"/>
+                        <a:rPr b="1" lang="en" sz="1050"/>
                         <a:t>Excluding Other</a:t>
                       </a:r>
-                      <a:endParaRPr sz="1050" b="1"/>
+                      <a:endParaRPr b="1" sz="1050"/>
                     </a:p>
                   </a:txBody>
-                  <a:tcPr marL="91425" marR="91425" marT="91425" marB="91425">
-                    <a:lnL w="38100" cap="flat" cmpd="sng">
+                  <a:tcPr marT="91425" marB="91425" marR="91425" marL="91425">
+                    <a:lnL cap="flat" cmpd="sng" w="38100">
                       <a:solidFill>
                         <a:srgbClr val="000000"/>
                       </a:solidFill>
                       <a:prstDash val="solid"/>
                       <a:round/>
-                      <a:headEnd type="none" w="sm" len="sm"/>
-                      <a:tailEnd type="none" w="sm" len="sm"/>
+                      <a:headEnd len="sm" w="sm" type="none"/>
+                      <a:tailEnd len="sm" w="sm" type="none"/>
                     </a:lnL>
-                    <a:lnR w="9525" cap="flat" cmpd="sng">
+                    <a:lnR cap="flat" cmpd="sng" w="9525">
                       <a:solidFill>
                         <a:srgbClr val="B7B7B7"/>
                       </a:solidFill>
                       <a:prstDash val="solid"/>
                       <a:round/>
-                      <a:headEnd type="none" w="sm" len="sm"/>
-                      <a:tailEnd type="none" w="sm" len="sm"/>
+                      <a:headEnd len="sm" w="sm" type="none"/>
+                      <a:tailEnd len="sm" w="sm" type="none"/>
                     </a:lnR>
-                    <a:lnT w="9525" cap="flat" cmpd="sng">
+                    <a:lnT cap="flat" cmpd="sng" w="9525">
                       <a:solidFill>
                         <a:srgbClr val="B7B7B7"/>
                       </a:solidFill>
                       <a:prstDash val="solid"/>
                       <a:round/>
-                      <a:headEnd type="none" w="sm" len="sm"/>
-                      <a:tailEnd type="none" w="sm" len="sm"/>
+                      <a:headEnd len="sm" w="sm" type="none"/>
+                      <a:tailEnd len="sm" w="sm" type="none"/>
                     </a:lnT>
-                    <a:lnB w="38100" cap="flat" cmpd="sng">
+                    <a:lnB cap="flat" cmpd="sng" w="38100">
                       <a:solidFill>
                         <a:srgbClr val="000000"/>
                       </a:solidFill>
                       <a:prstDash val="solid"/>
                       <a:round/>
-                      <a:headEnd type="none" w="sm" len="sm"/>
-                      <a:tailEnd type="none" w="sm" len="sm"/>
+                      <a:headEnd len="sm" w="sm" type="none"/>
+                      <a:tailEnd len="sm" w="sm" type="none"/>
                     </a:lnB>
                     <a:solidFill>
                       <a:srgbClr val="CFE2F3"/>
@@ -11254,7 +11086,7 @@
                     <a:bodyPr/>
                     <a:lstStyle/>
                     <a:p>
-                      <a:pPr marL="0" lvl="0" indent="0" algn="l" rtl="0">
+                      <a:pPr indent="0" lvl="0" marL="0" rtl="0" algn="l">
                         <a:lnSpc>
                           <a:spcPct val="115000"/>
                         </a:lnSpc>
@@ -11287,42 +11119,42 @@
                       </a:endParaRPr>
                     </a:p>
                   </a:txBody>
-                  <a:tcPr marL="91425" marR="91425" marT="91425" marB="91425">
-                    <a:lnL w="9525" cap="flat" cmpd="sng">
+                  <a:tcPr marT="91425" marB="91425" marR="91425" marL="91425">
+                    <a:lnL cap="flat" cmpd="sng" w="9525">
                       <a:solidFill>
                         <a:srgbClr val="B7B7B7"/>
                       </a:solidFill>
                       <a:prstDash val="solid"/>
                       <a:round/>
-                      <a:headEnd type="none" w="sm" len="sm"/>
-                      <a:tailEnd type="none" w="sm" len="sm"/>
+                      <a:headEnd len="sm" w="sm" type="none"/>
+                      <a:tailEnd len="sm" w="sm" type="none"/>
                     </a:lnL>
-                    <a:lnR w="9525" cap="flat" cmpd="sng">
+                    <a:lnR cap="flat" cmpd="sng" w="9525">
                       <a:solidFill>
                         <a:srgbClr val="B7B7B7"/>
                       </a:solidFill>
                       <a:prstDash val="solid"/>
                       <a:round/>
-                      <a:headEnd type="none" w="sm" len="sm"/>
-                      <a:tailEnd type="none" w="sm" len="sm"/>
+                      <a:headEnd len="sm" w="sm" type="none"/>
+                      <a:tailEnd len="sm" w="sm" type="none"/>
                     </a:lnR>
-                    <a:lnT w="9525" cap="flat" cmpd="sng">
+                    <a:lnT cap="flat" cmpd="sng" w="9525">
                       <a:solidFill>
                         <a:srgbClr val="B7B7B7"/>
                       </a:solidFill>
                       <a:prstDash val="solid"/>
                       <a:round/>
-                      <a:headEnd type="none" w="sm" len="sm"/>
-                      <a:tailEnd type="none" w="sm" len="sm"/>
+                      <a:headEnd len="sm" w="sm" type="none"/>
+                      <a:tailEnd len="sm" w="sm" type="none"/>
                     </a:lnT>
-                    <a:lnB w="38100" cap="flat" cmpd="sng">
+                    <a:lnB cap="flat" cmpd="sng" w="38100">
                       <a:solidFill>
                         <a:srgbClr val="000000"/>
                       </a:solidFill>
                       <a:prstDash val="solid"/>
                       <a:round/>
-                      <a:headEnd type="none" w="sm" len="sm"/>
-                      <a:tailEnd type="none" w="sm" len="sm"/>
+                      <a:headEnd len="sm" w="sm" type="none"/>
+                      <a:tailEnd len="sm" w="sm" type="none"/>
                     </a:lnB>
                   </a:tcPr>
                 </a:tc>
@@ -11331,7 +11163,7 @@
                     <a:bodyPr/>
                     <a:lstStyle/>
                     <a:p>
-                      <a:pPr marL="0" lvl="0" indent="0" algn="l" rtl="0">
+                      <a:pPr indent="0" lvl="0" marL="0" rtl="0" algn="l">
                         <a:lnSpc>
                           <a:spcPct val="115000"/>
                         </a:lnSpc>
@@ -11364,50 +11196,45 @@
                       </a:endParaRPr>
                     </a:p>
                   </a:txBody>
-                  <a:tcPr marL="91425" marR="91425" marT="91425" marB="91425">
-                    <a:lnL w="9525" cap="flat" cmpd="sng">
+                  <a:tcPr marT="91425" marB="91425" marR="91425" marL="91425">
+                    <a:lnL cap="flat" cmpd="sng" w="9525">
                       <a:solidFill>
                         <a:srgbClr val="B7B7B7"/>
                       </a:solidFill>
                       <a:prstDash val="solid"/>
                       <a:round/>
-                      <a:headEnd type="none" w="sm" len="sm"/>
-                      <a:tailEnd type="none" w="sm" len="sm"/>
+                      <a:headEnd len="sm" w="sm" type="none"/>
+                      <a:tailEnd len="sm" w="sm" type="none"/>
                     </a:lnL>
-                    <a:lnR w="38100" cap="flat" cmpd="sng">
+                    <a:lnR cap="flat" cmpd="sng" w="38100">
                       <a:solidFill>
                         <a:srgbClr val="000000"/>
                       </a:solidFill>
                       <a:prstDash val="solid"/>
                       <a:round/>
-                      <a:headEnd type="none" w="sm" len="sm"/>
-                      <a:tailEnd type="none" w="sm" len="sm"/>
+                      <a:headEnd len="sm" w="sm" type="none"/>
+                      <a:tailEnd len="sm" w="sm" type="none"/>
                     </a:lnR>
-                    <a:lnT w="9525" cap="flat" cmpd="sng">
+                    <a:lnT cap="flat" cmpd="sng" w="9525">
                       <a:solidFill>
                         <a:srgbClr val="B7B7B7"/>
                       </a:solidFill>
                       <a:prstDash val="solid"/>
                       <a:round/>
-                      <a:headEnd type="none" w="sm" len="sm"/>
-                      <a:tailEnd type="none" w="sm" len="sm"/>
+                      <a:headEnd len="sm" w="sm" type="none"/>
+                      <a:tailEnd len="sm" w="sm" type="none"/>
                     </a:lnT>
-                    <a:lnB w="38100" cap="flat" cmpd="sng">
+                    <a:lnB cap="flat" cmpd="sng" w="38100">
                       <a:solidFill>
                         <a:srgbClr val="000000"/>
                       </a:solidFill>
                       <a:prstDash val="solid"/>
                       <a:round/>
-                      <a:headEnd type="none" w="sm" len="sm"/>
-                      <a:tailEnd type="none" w="sm" len="sm"/>
+                      <a:headEnd len="sm" w="sm" type="none"/>
+                      <a:tailEnd len="sm" w="sm" type="none"/>
                     </a:lnB>
                   </a:tcPr>
                 </a:tc>
-                <a:extLst>
-                  <a:ext uri="{0D108BD9-81ED-4DB2-BD59-A6C34878D82A}">
-                    <a16:rowId xmlns:a16="http://schemas.microsoft.com/office/drawing/2014/main" val="10011"/>
-                  </a:ext>
-                </a:extLst>
               </a:tr>
             </a:tbl>
           </a:graphicData>
@@ -11433,12 +11260,12 @@
           </a:ln>
         </p:spPr>
         <p:txBody>
-          <a:bodyPr spcFirstLastPara="1" wrap="square" lIns="91425" tIns="91425" rIns="91425" bIns="91425" anchor="t" anchorCtr="0">
+          <a:bodyPr anchorCtr="0" anchor="t" bIns="91425" lIns="91425" spcFirstLastPara="1" rIns="91425" wrap="square" tIns="91425">
             <a:spAutoFit/>
           </a:bodyPr>
           <a:lstStyle/>
           <a:p>
-            <a:pPr marL="0" lvl="0" indent="0" algn="l" rtl="0">
+            <a:pPr indent="0" lvl="0" marL="0" rtl="0" algn="l">
               <a:spcBef>
                 <a:spcPts val="0"/>
               </a:spcBef>
@@ -11448,12 +11275,20 @@
               <a:buNone/>
             </a:pPr>
             <a:r>
-              <a:rPr lang="en" b="1">
+              <a:rPr b="1" lang="en">
                 <a:solidFill>
                   <a:srgbClr val="FF0000"/>
                 </a:solidFill>
               </a:rPr>
-              <a:t>Initial ANOVA Testing Results (all 4 types)</a:t>
+              <a:t>Initial </a:t>
+            </a:r>
+            <a:r>
+              <a:rPr b="1" lang="en">
+                <a:solidFill>
+                  <a:srgbClr val="FF0000"/>
+                </a:solidFill>
+              </a:rPr>
+              <a:t>ANOVA Testing Results (all 4 types)</a:t>
             </a:r>
             <a:endParaRPr b="1">
               <a:solidFill>
@@ -11462,7 +11297,7 @@
             </a:endParaRPr>
           </a:p>
           <a:p>
-            <a:pPr marL="0" lvl="0" indent="0" algn="l" rtl="0">
+            <a:pPr indent="0" lvl="0" marL="0" rtl="0" algn="l">
               <a:spcBef>
                 <a:spcPts val="0"/>
               </a:spcBef>
@@ -11471,10 +11306,13 @@
               </a:spcAft>
               <a:buNone/>
             </a:pPr>
+            <a:r>
+              <a:t/>
+            </a:r>
             <a:endParaRPr/>
           </a:p>
           <a:p>
-            <a:pPr marL="457200" lvl="0" indent="-317500" algn="l" rtl="0">
+            <a:pPr indent="-317500" lvl="0" marL="457200" rtl="0" algn="l">
               <a:spcBef>
                 <a:spcPts val="0"/>
               </a:spcBef>
@@ -11485,7 +11323,7 @@
               <a:buAutoNum type="arabicPeriod"/>
             </a:pPr>
             <a:r>
-              <a:rPr lang="en" i="1"/>
+              <a:rPr i="1" lang="en"/>
               <a:t>With</a:t>
             </a:r>
             <a:r>
@@ -11495,7 +11333,7 @@
             <a:endParaRPr/>
           </a:p>
           <a:p>
-            <a:pPr marL="457200" lvl="0" indent="0" algn="l" rtl="0">
+            <a:pPr indent="0" lvl="0" marL="457200" rtl="0" algn="l">
               <a:spcBef>
                 <a:spcPts val="0"/>
               </a:spcBef>
@@ -11511,7 +11349,7 @@
             <a:endParaRPr/>
           </a:p>
           <a:p>
-            <a:pPr marL="457200" lvl="0" indent="0" algn="l" rtl="0">
+            <a:pPr indent="0" lvl="0" marL="457200" rtl="0" algn="l">
               <a:spcBef>
                 <a:spcPts val="0"/>
               </a:spcBef>
@@ -11520,10 +11358,13 @@
               </a:spcAft>
               <a:buNone/>
             </a:pPr>
+            <a:r>
+              <a:t/>
+            </a:r>
             <a:endParaRPr/>
           </a:p>
           <a:p>
-            <a:pPr marL="457200" lvl="0" indent="-317500" algn="l" rtl="0">
+            <a:pPr indent="-317500" lvl="0" marL="457200" rtl="0" algn="l">
               <a:spcBef>
                 <a:spcPts val="0"/>
               </a:spcBef>
@@ -11534,7 +11375,7 @@
               <a:buAutoNum type="arabicPeriod"/>
             </a:pPr>
             <a:r>
-              <a:rPr lang="en" i="1"/>
+              <a:rPr i="1" lang="en"/>
               <a:t>Without</a:t>
             </a:r>
             <a:r>
@@ -11544,7 +11385,7 @@
             <a:endParaRPr/>
           </a:p>
           <a:p>
-            <a:pPr marL="457200" lvl="0" indent="0" algn="l" rtl="0">
+            <a:pPr indent="0" lvl="0" marL="457200" rtl="0" algn="l">
               <a:spcBef>
                 <a:spcPts val="0"/>
               </a:spcBef>
@@ -11581,12 +11422,12 @@
           </a:ln>
         </p:spPr>
         <p:txBody>
-          <a:bodyPr spcFirstLastPara="1" wrap="square" lIns="91425" tIns="91425" rIns="91425" bIns="91425" anchor="t" anchorCtr="0">
+          <a:bodyPr anchorCtr="0" anchor="t" bIns="91425" lIns="91425" spcFirstLastPara="1" rIns="91425" wrap="square" tIns="91425">
             <a:spAutoFit/>
           </a:bodyPr>
           <a:lstStyle/>
           <a:p>
-            <a:pPr marL="0" lvl="0" indent="0" algn="ctr" rtl="0">
+            <a:pPr indent="0" lvl="0" marL="0" rtl="0" algn="ctr">
               <a:spcBef>
                 <a:spcPts val="0"/>
               </a:spcBef>
@@ -11620,11 +11461,11 @@
 </file>
 
 <file path=ppt/slides/slide7.xml><?xml version="1.0" encoding="utf-8"?>
-<p:sld xmlns:a="http://schemas.openxmlformats.org/drawingml/2006/main" xmlns:r="http://schemas.openxmlformats.org/officeDocument/2006/relationships" xmlns:p="http://schemas.openxmlformats.org/presentationml/2006/main">
+<p:sld xmlns:a="http://schemas.openxmlformats.org/drawingml/2006/main" xmlns:r="http://schemas.openxmlformats.org/officeDocument/2006/relationships" xmlns:mc="http://schemas.openxmlformats.org/markup-compatibility/2006" xmlns:mv="urn:schemas-microsoft-com:mac:vml" xmlns:p="http://schemas.openxmlformats.org/presentationml/2006/main" xmlns:c="http://schemas.openxmlformats.org/drawingml/2006/chart" xmlns:dgm="http://schemas.openxmlformats.org/drawingml/2006/diagram" xmlns:o="urn:schemas-microsoft-com:office:office" xmlns:v="urn:schemas-microsoft-com:vml" xmlns:pvml="urn:schemas-microsoft-com:office:powerpoint" xmlns:com="http://schemas.openxmlformats.org/drawingml/2006/compatibility" xmlns:p14="http://schemas.microsoft.com/office/powerpoint/2010/main" xmlns:p15="http://schemas.microsoft.com/office/powerpoint/2012/main" xmlns:ahyp="http://schemas.microsoft.com/office/drawing/2018/hyperlinkcolor">
   <p:cSld>
     <p:spTree>
       <p:nvGrpSpPr>
-        <p:cNvPr id="1" name="Shape 122"/>
+        <p:cNvPr id="122" name="Shape 122"/>
         <p:cNvGrpSpPr/>
         <p:nvPr/>
       </p:nvGrpSpPr>
@@ -11653,23 +11494,23 @@
           <a:solidFill>
             <a:schemeClr val="lt2"/>
           </a:solidFill>
-          <a:ln w="9525" cap="flat" cmpd="sng">
+          <a:ln cap="flat" cmpd="sng" w="9525">
             <a:solidFill>
               <a:schemeClr val="dk2"/>
             </a:solidFill>
             <a:prstDash val="solid"/>
             <a:round/>
-            <a:headEnd type="none" w="sm" len="sm"/>
-            <a:tailEnd type="none" w="sm" len="sm"/>
+            <a:headEnd len="sm" w="sm" type="none"/>
+            <a:tailEnd len="sm" w="sm" type="none"/>
           </a:ln>
         </p:spPr>
         <p:txBody>
-          <a:bodyPr spcFirstLastPara="1" wrap="square" lIns="91425" tIns="91425" rIns="91425" bIns="91425" anchor="ctr" anchorCtr="0">
+          <a:bodyPr anchorCtr="0" anchor="ctr" bIns="91425" lIns="91425" spcFirstLastPara="1" rIns="91425" wrap="square" tIns="91425">
             <a:noAutofit/>
           </a:bodyPr>
           <a:lstStyle/>
           <a:p>
-            <a:pPr marL="0" lvl="0" indent="0" algn="l" rtl="0">
+            <a:pPr indent="0" lvl="0" marL="0" rtl="0" algn="l">
               <a:spcBef>
                 <a:spcPts val="0"/>
               </a:spcBef>
@@ -11678,6 +11519,9 @@
               </a:spcAft>
               <a:buNone/>
             </a:pPr>
+            <a:r>
+              <a:t/>
+            </a:r>
             <a:endParaRPr/>
           </a:p>
         </p:txBody>
@@ -11699,23 +11543,23 @@
           <a:solidFill>
             <a:schemeClr val="lt2"/>
           </a:solidFill>
-          <a:ln w="9525" cap="flat" cmpd="sng">
+          <a:ln cap="flat" cmpd="sng" w="9525">
             <a:solidFill>
               <a:schemeClr val="dk2"/>
             </a:solidFill>
             <a:prstDash val="solid"/>
             <a:round/>
-            <a:headEnd type="none" w="sm" len="sm"/>
-            <a:tailEnd type="none" w="sm" len="sm"/>
+            <a:headEnd len="sm" w="sm" type="none"/>
+            <a:tailEnd len="sm" w="sm" type="none"/>
           </a:ln>
         </p:spPr>
         <p:txBody>
-          <a:bodyPr spcFirstLastPara="1" wrap="square" lIns="91425" tIns="91425" rIns="91425" bIns="91425" anchor="ctr" anchorCtr="0">
+          <a:bodyPr anchorCtr="0" anchor="ctr" bIns="91425" lIns="91425" spcFirstLastPara="1" rIns="91425" wrap="square" tIns="91425">
             <a:noAutofit/>
           </a:bodyPr>
           <a:lstStyle/>
           <a:p>
-            <a:pPr marL="0" lvl="0" indent="0" algn="l" rtl="0">
+            <a:pPr indent="0" lvl="0" marL="0" rtl="0" algn="l">
               <a:spcBef>
                 <a:spcPts val="0"/>
               </a:spcBef>
@@ -11724,6 +11568,9 @@
               </a:spcAft>
               <a:buNone/>
             </a:pPr>
+            <a:r>
+              <a:t/>
+            </a:r>
             <a:endParaRPr/>
           </a:p>
         </p:txBody>
@@ -11731,9 +11578,7 @@
       <p:sp>
         <p:nvSpPr>
           <p:cNvPr id="125" name="Google Shape;125;p19"/>
-          <p:cNvSpPr txBox="1">
-            <a:spLocks noGrp="1"/>
-          </p:cNvSpPr>
+          <p:cNvSpPr txBox="1"/>
           <p:nvPr>
             <p:ph type="title"/>
           </p:nvPr>
@@ -11751,12 +11596,12 @@
           </a:ln>
         </p:spPr>
         <p:txBody>
-          <a:bodyPr spcFirstLastPara="1" wrap="square" lIns="91425" tIns="91425" rIns="91425" bIns="91425" anchor="t" anchorCtr="0">
+          <a:bodyPr anchorCtr="0" anchor="t" bIns="91425" lIns="91425" spcFirstLastPara="1" rIns="91425" wrap="square" tIns="91425">
             <a:normAutofit fontScale="90000"/>
           </a:bodyPr>
           <a:lstStyle/>
           <a:p>
-            <a:pPr marL="0" lvl="0" indent="0" algn="ctr" rtl="0">
+            <a:pPr indent="0" lvl="0" marL="0" rtl="0" algn="ctr">
               <a:spcBef>
                 <a:spcPts val="0"/>
               </a:spcBef>
@@ -11788,7 +11633,7 @@
             </a:endParaRPr>
           </a:p>
           <a:p>
-            <a:pPr marL="0" lvl="0" indent="0" algn="ctr" rtl="0">
+            <a:pPr indent="0" lvl="0" marL="0" rtl="0" algn="ctr">
               <a:spcBef>
                 <a:spcPts val="0"/>
               </a:spcBef>
@@ -11797,10 +11642,13 @@
               </a:spcAft>
               <a:buNone/>
             </a:pPr>
+            <a:r>
+              <a:t/>
+            </a:r>
             <a:endParaRPr/>
           </a:p>
           <a:p>
-            <a:pPr marL="0" lvl="0" indent="0" algn="ctr" rtl="0">
+            <a:pPr indent="0" lvl="0" marL="0" rtl="0" algn="ctr">
               <a:spcBef>
                 <a:spcPts val="0"/>
               </a:spcBef>
@@ -11809,6 +11657,9 @@
               </a:spcAft>
               <a:buNone/>
             </a:pPr>
+            <a:r>
+              <a:t/>
+            </a:r>
             <a:endParaRPr/>
           </a:p>
         </p:txBody>
@@ -11816,9 +11667,7 @@
       <p:sp>
         <p:nvSpPr>
           <p:cNvPr id="126" name="Google Shape;126;p19"/>
-          <p:cNvSpPr txBox="1">
-            <a:spLocks noGrp="1"/>
-          </p:cNvSpPr>
+          <p:cNvSpPr txBox="1"/>
           <p:nvPr>
             <p:ph type="title"/>
           </p:nvPr>
@@ -11833,12 +11682,12 @@
           </a:prstGeom>
         </p:spPr>
         <p:txBody>
-          <a:bodyPr spcFirstLastPara="1" wrap="square" lIns="91425" tIns="91425" rIns="91425" bIns="91425" anchor="t" anchorCtr="0">
+          <a:bodyPr anchorCtr="0" anchor="t" bIns="91425" lIns="91425" spcFirstLastPara="1" rIns="91425" wrap="square" tIns="91425">
             <a:normAutofit fontScale="90000"/>
           </a:bodyPr>
           <a:lstStyle/>
           <a:p>
-            <a:pPr marL="0" lvl="0" indent="0" algn="ctr" rtl="0">
+            <a:pPr indent="0" lvl="0" marL="0" rtl="0" algn="ctr">
               <a:spcBef>
                 <a:spcPts val="0"/>
               </a:spcBef>
@@ -11853,7 +11702,15 @@
                   <a:srgbClr val="BF9000"/>
                 </a:solidFill>
               </a:rPr>
-              <a:t>Any questions? </a:t>
+              <a:t>Any questions?</a:t>
+            </a:r>
+            <a:r>
+              <a:rPr lang="en" sz="3688">
+                <a:solidFill>
+                  <a:srgbClr val="BF9000"/>
+                </a:solidFill>
+              </a:rPr>
+              <a:t> </a:t>
             </a:r>
             <a:endParaRPr sz="3688">
               <a:solidFill>
@@ -11862,7 +11719,7 @@
             </a:endParaRPr>
           </a:p>
           <a:p>
-            <a:pPr marL="0" lvl="0" indent="0" algn="ctr" rtl="0">
+            <a:pPr indent="0" lvl="0" marL="0" rtl="0" algn="ctr">
               <a:spcBef>
                 <a:spcPts val="0"/>
               </a:spcBef>
@@ -11871,10 +11728,13 @@
               </a:spcAft>
               <a:buNone/>
             </a:pPr>
+            <a:r>
+              <a:t/>
+            </a:r>
             <a:endParaRPr/>
           </a:p>
           <a:p>
-            <a:pPr marL="0" lvl="0" indent="0" algn="ctr" rtl="0">
+            <a:pPr indent="0" lvl="0" marL="0" rtl="0" algn="ctr">
               <a:spcBef>
                 <a:spcPts val="0"/>
               </a:spcBef>
@@ -11883,6 +11743,9 @@
               </a:spcAft>
               <a:buNone/>
             </a:pPr>
+            <a:r>
+              <a:t/>
+            </a:r>
             <a:endParaRPr/>
           </a:p>
         </p:txBody>
@@ -11902,14 +11765,14 @@
             <a:avLst/>
           </a:prstGeom>
           <a:noFill/>
-          <a:ln w="76200" cap="flat" cmpd="sng">
+          <a:ln cap="flat" cmpd="sng" w="76200">
             <a:solidFill>
               <a:srgbClr val="6AA84F"/>
             </a:solidFill>
             <a:prstDash val="solid"/>
             <a:round/>
-            <a:headEnd type="none" w="med" len="med"/>
-            <a:tailEnd type="none" w="med" len="med"/>
+            <a:headEnd len="med" w="med" type="none"/>
+            <a:tailEnd len="med" w="med" type="none"/>
           </a:ln>
         </p:spPr>
       </p:cxnSp>
@@ -11922,7 +11785,7 @@
 </file>
 
 <file path=ppt/theme/theme1.xml><?xml version="1.0" encoding="utf-8"?>
-<a:theme xmlns:a="http://schemas.openxmlformats.org/drawingml/2006/main" name="Simple Light">
+<a:theme xmlns:a="http://schemas.openxmlformats.org/drawingml/2006/main" xmlns:r="http://schemas.openxmlformats.org/officeDocument/2006/relationships" name="Simple Light">
   <a:themeElements>
     <a:clrScheme name="Simple Light">
       <a:dk1>
@@ -12197,13 +12060,11 @@
       </a:bgFillStyleLst>
     </a:fmtScheme>
   </a:themeElements>
-  <a:objectDefaults/>
-  <a:extraClrSchemeLst/>
 </a:theme>
 </file>
 
 <file path=ppt/theme/theme2.xml><?xml version="1.0" encoding="utf-8"?>
-<a:theme xmlns:a="http://schemas.openxmlformats.org/drawingml/2006/main">
+<a:theme xmlns:a="http://schemas.openxmlformats.org/drawingml/2006/main" xmlns:r="http://schemas.openxmlformats.org/officeDocument/2006/relationships">
   <a:themeElements>
     <a:clrScheme name="Default">
       <a:dk1>
@@ -12478,7 +12339,5 @@
       </a:bgFillStyleLst>
     </a:fmtScheme>
   </a:themeElements>
-  <a:objectDefaults/>
-  <a:extraClrSchemeLst/>
 </a:theme>
 </file>